--- a/01-LED/01_Pro_ucitele/Prezentace/14-obrazky.pptx
+++ b/01-LED/01_Pro_ucitele/Prezentace/14-obrazky.pptx
@@ -4,16 +4,14 @@
   <p:sldMasterIdLst>
     <p:sldMasterId id="2147483648" r:id="rId2"/>
     <p:sldMasterId id="2147483661" r:id="rId3"/>
+    <p:sldMasterId id="2147483674" r:id="rId4"/>
   </p:sldMasterIdLst>
   <p:sldIdLst>
-    <p:sldId id="256" r:id="rId4"/>
-    <p:sldId id="257" r:id="rId5"/>
-    <p:sldId id="258" r:id="rId6"/>
-    <p:sldId id="259" r:id="rId7"/>
-    <p:sldId id="260" r:id="rId8"/>
-    <p:sldId id="261" r:id="rId9"/>
-    <p:sldId id="262" r:id="rId10"/>
-    <p:sldId id="263" r:id="rId11"/>
+    <p:sldId id="256" r:id="rId5"/>
+    <p:sldId id="257" r:id="rId6"/>
+    <p:sldId id="258" r:id="rId7"/>
+    <p:sldId id="259" r:id="rId8"/>
+    <p:sldId id="260" r:id="rId9"/>
   </p:sldIdLst>
   <p:sldSz cx="10080625" cy="7559675"/>
   <p:notesSz cx="7559675" cy="10691812"/>
@@ -1967,6 +1965,351 @@
 </p:sldLayout>
 </file>
 
+<file path=ppt/slideLayouts/slideLayout25.xml><?xml version="1.0" encoding="utf-8"?>
+<p:sldLayout xmlns:a="http://schemas.openxmlformats.org/drawingml/2006/main" xmlns:p="http://schemas.openxmlformats.org/presentationml/2006/main" xmlns:r="http://schemas.openxmlformats.org/officeDocument/2006/relationships" xmlns:p14="http://schemas.microsoft.com/office/powerpoint/2010/main" xmlns:p15="http://schemas.microsoft.com/office/powerpoint/2012/main" xmlns:mc="http://schemas.openxmlformats.org/markup-compatibility/2006" type="blank" preserve="1">
+  <p:cSld name="Blank Slide">
+    <p:spTree>
+      <p:nvGrpSpPr>
+        <p:cNvPr id="1" name=""/>
+        <p:cNvGrpSpPr/>
+        <p:nvPr/>
+      </p:nvGrpSpPr>
+      <p:grpSpPr>
+        <a:xfrm>
+          <a:off x="0" y="0"/>
+          <a:ext cx="0" cy="0"/>
+          <a:chOff x="0" y="0"/>
+          <a:chExt cx="0" cy="0"/>
+        </a:xfrm>
+      </p:grpSpPr>
+    </p:spTree>
+  </p:cSld>
+</p:sldLayout>
+</file>
+
+<file path=ppt/slideLayouts/slideLayout26.xml><?xml version="1.0" encoding="utf-8"?>
+<p:sldLayout xmlns:a="http://schemas.openxmlformats.org/drawingml/2006/main" xmlns:p="http://schemas.openxmlformats.org/presentationml/2006/main" xmlns:r="http://schemas.openxmlformats.org/officeDocument/2006/relationships" xmlns:p14="http://schemas.microsoft.com/office/powerpoint/2010/main" xmlns:p15="http://schemas.microsoft.com/office/powerpoint/2012/main" xmlns:mc="http://schemas.openxmlformats.org/markup-compatibility/2006" type="tx" preserve="1">
+  <p:cSld name="Title Slide">
+    <p:spTree>
+      <p:nvGrpSpPr>
+        <p:cNvPr id="1" name=""/>
+        <p:cNvGrpSpPr/>
+        <p:nvPr/>
+      </p:nvGrpSpPr>
+      <p:grpSpPr>
+        <a:xfrm>
+          <a:off x="0" y="0"/>
+          <a:ext cx="0" cy="0"/>
+          <a:chOff x="0" y="0"/>
+          <a:chExt cx="0" cy="0"/>
+        </a:xfrm>
+      </p:grpSpPr>
+      <p:sp>
+        <p:nvSpPr>
+          <p:cNvPr id="78" name="PlaceHolder 1"/>
+          <p:cNvSpPr>
+            <a:spLocks noGrp="1"/>
+          </p:cNvSpPr>
+          <p:nvPr>
+            <p:ph type="title"/>
+          </p:nvPr>
+        </p:nvSpPr>
+        <p:spPr>
+          <a:xfrm>
+            <a:off x="504000" y="301320"/>
+            <a:ext cx="9072000" cy="1261800"/>
+          </a:xfrm>
+          <a:prstGeom prst="rect">
+            <a:avLst/>
+          </a:prstGeom>
+        </p:spPr>
+        <p:txBody>
+          <a:bodyPr lIns="0" rIns="0" tIns="0" bIns="0" anchor="ctr"/>
+          <a:p>
+            <a:pPr algn="ctr"/>
+            <a:endParaRPr b="0" lang="cs-CZ" sz="4400" spc="-1" strike="noStrike">
+              <a:latin typeface="Arial"/>
+            </a:endParaRPr>
+          </a:p>
+        </p:txBody>
+      </p:sp>
+      <p:sp>
+        <p:nvSpPr>
+          <p:cNvPr id="79" name="PlaceHolder 2"/>
+          <p:cNvSpPr>
+            <a:spLocks noGrp="1"/>
+          </p:cNvSpPr>
+          <p:nvPr>
+            <p:ph type="subTitle"/>
+          </p:nvPr>
+        </p:nvSpPr>
+        <p:spPr>
+          <a:xfrm>
+            <a:off x="504000" y="1768680"/>
+            <a:ext cx="9072000" cy="4384080"/>
+          </a:xfrm>
+          <a:prstGeom prst="rect">
+            <a:avLst/>
+          </a:prstGeom>
+        </p:spPr>
+        <p:txBody>
+          <a:bodyPr lIns="0" rIns="0" tIns="0" bIns="0" anchor="ctr"/>
+          <a:p>
+            <a:pPr algn="ctr"/>
+            <a:endParaRPr b="0" lang="cs-CZ" sz="3200" spc="-1" strike="noStrike">
+              <a:latin typeface="Arial"/>
+            </a:endParaRPr>
+          </a:p>
+        </p:txBody>
+      </p:sp>
+    </p:spTree>
+  </p:cSld>
+</p:sldLayout>
+</file>
+
+<file path=ppt/slideLayouts/slideLayout27.xml><?xml version="1.0" encoding="utf-8"?>
+<p:sldLayout xmlns:a="http://schemas.openxmlformats.org/drawingml/2006/main" xmlns:p="http://schemas.openxmlformats.org/presentationml/2006/main" xmlns:r="http://schemas.openxmlformats.org/officeDocument/2006/relationships" xmlns:p14="http://schemas.microsoft.com/office/powerpoint/2010/main" xmlns:p15="http://schemas.microsoft.com/office/powerpoint/2012/main" xmlns:mc="http://schemas.openxmlformats.org/markup-compatibility/2006" type="obj" preserve="1">
+  <p:cSld name="Title, Content">
+    <p:spTree>
+      <p:nvGrpSpPr>
+        <p:cNvPr id="1" name=""/>
+        <p:cNvGrpSpPr/>
+        <p:nvPr/>
+      </p:nvGrpSpPr>
+      <p:grpSpPr>
+        <a:xfrm>
+          <a:off x="0" y="0"/>
+          <a:ext cx="0" cy="0"/>
+          <a:chOff x="0" y="0"/>
+          <a:chExt cx="0" cy="0"/>
+        </a:xfrm>
+      </p:grpSpPr>
+      <p:sp>
+        <p:nvSpPr>
+          <p:cNvPr id="80" name="PlaceHolder 1"/>
+          <p:cNvSpPr>
+            <a:spLocks noGrp="1"/>
+          </p:cNvSpPr>
+          <p:nvPr>
+            <p:ph type="title"/>
+          </p:nvPr>
+        </p:nvSpPr>
+        <p:spPr>
+          <a:xfrm>
+            <a:off x="504000" y="301320"/>
+            <a:ext cx="9072000" cy="1261800"/>
+          </a:xfrm>
+          <a:prstGeom prst="rect">
+            <a:avLst/>
+          </a:prstGeom>
+        </p:spPr>
+        <p:txBody>
+          <a:bodyPr lIns="0" rIns="0" tIns="0" bIns="0" anchor="ctr"/>
+          <a:p>
+            <a:pPr algn="ctr"/>
+            <a:endParaRPr b="0" lang="cs-CZ" sz="4400" spc="-1" strike="noStrike">
+              <a:latin typeface="Arial"/>
+            </a:endParaRPr>
+          </a:p>
+        </p:txBody>
+      </p:sp>
+      <p:sp>
+        <p:nvSpPr>
+          <p:cNvPr id="81" name="PlaceHolder 2"/>
+          <p:cNvSpPr>
+            <a:spLocks noGrp="1"/>
+          </p:cNvSpPr>
+          <p:nvPr>
+            <p:ph type="body"/>
+          </p:nvPr>
+        </p:nvSpPr>
+        <p:spPr>
+          <a:xfrm>
+            <a:off x="504000" y="1768680"/>
+            <a:ext cx="9072000" cy="4384080"/>
+          </a:xfrm>
+          <a:prstGeom prst="rect">
+            <a:avLst/>
+          </a:prstGeom>
+        </p:spPr>
+        <p:txBody>
+          <a:bodyPr lIns="0" rIns="0" tIns="0" bIns="0">
+            <a:normAutofit/>
+          </a:bodyPr>
+          <a:p>
+            <a:endParaRPr b="0" lang="cs-CZ" sz="3200" spc="-1" strike="noStrike">
+              <a:latin typeface="Arial"/>
+            </a:endParaRPr>
+          </a:p>
+        </p:txBody>
+      </p:sp>
+    </p:spTree>
+  </p:cSld>
+</p:sldLayout>
+</file>
+
+<file path=ppt/slideLayouts/slideLayout28.xml><?xml version="1.0" encoding="utf-8"?>
+<p:sldLayout xmlns:a="http://schemas.openxmlformats.org/drawingml/2006/main" xmlns:p="http://schemas.openxmlformats.org/presentationml/2006/main" xmlns:r="http://schemas.openxmlformats.org/officeDocument/2006/relationships" xmlns:p14="http://schemas.microsoft.com/office/powerpoint/2010/main" xmlns:p15="http://schemas.microsoft.com/office/powerpoint/2012/main" xmlns:mc="http://schemas.openxmlformats.org/markup-compatibility/2006" type="twoObj" preserve="1">
+  <p:cSld name="Title, 2 Content">
+    <p:spTree>
+      <p:nvGrpSpPr>
+        <p:cNvPr id="1" name=""/>
+        <p:cNvGrpSpPr/>
+        <p:nvPr/>
+      </p:nvGrpSpPr>
+      <p:grpSpPr>
+        <a:xfrm>
+          <a:off x="0" y="0"/>
+          <a:ext cx="0" cy="0"/>
+          <a:chOff x="0" y="0"/>
+          <a:chExt cx="0" cy="0"/>
+        </a:xfrm>
+      </p:grpSpPr>
+      <p:sp>
+        <p:nvSpPr>
+          <p:cNvPr id="82" name="PlaceHolder 1"/>
+          <p:cNvSpPr>
+            <a:spLocks noGrp="1"/>
+          </p:cNvSpPr>
+          <p:nvPr>
+            <p:ph type="title"/>
+          </p:nvPr>
+        </p:nvSpPr>
+        <p:spPr>
+          <a:xfrm>
+            <a:off x="504000" y="301320"/>
+            <a:ext cx="9072000" cy="1261800"/>
+          </a:xfrm>
+          <a:prstGeom prst="rect">
+            <a:avLst/>
+          </a:prstGeom>
+        </p:spPr>
+        <p:txBody>
+          <a:bodyPr lIns="0" rIns="0" tIns="0" bIns="0" anchor="ctr"/>
+          <a:p>
+            <a:pPr algn="ctr"/>
+            <a:endParaRPr b="0" lang="cs-CZ" sz="4400" spc="-1" strike="noStrike">
+              <a:latin typeface="Arial"/>
+            </a:endParaRPr>
+          </a:p>
+        </p:txBody>
+      </p:sp>
+      <p:sp>
+        <p:nvSpPr>
+          <p:cNvPr id="83" name="PlaceHolder 2"/>
+          <p:cNvSpPr>
+            <a:spLocks noGrp="1"/>
+          </p:cNvSpPr>
+          <p:nvPr>
+            <p:ph type="body"/>
+          </p:nvPr>
+        </p:nvSpPr>
+        <p:spPr>
+          <a:xfrm>
+            <a:off x="504000" y="1768680"/>
+            <a:ext cx="4426920" cy="4384080"/>
+          </a:xfrm>
+          <a:prstGeom prst="rect">
+            <a:avLst/>
+          </a:prstGeom>
+        </p:spPr>
+        <p:txBody>
+          <a:bodyPr lIns="0" rIns="0" tIns="0" bIns="0">
+            <a:normAutofit/>
+          </a:bodyPr>
+          <a:p>
+            <a:endParaRPr b="0" lang="cs-CZ" sz="3200" spc="-1" strike="noStrike">
+              <a:latin typeface="Arial"/>
+            </a:endParaRPr>
+          </a:p>
+        </p:txBody>
+      </p:sp>
+      <p:sp>
+        <p:nvSpPr>
+          <p:cNvPr id="84" name="PlaceHolder 3"/>
+          <p:cNvSpPr>
+            <a:spLocks noGrp="1"/>
+          </p:cNvSpPr>
+          <p:nvPr>
+            <p:ph type="body"/>
+          </p:nvPr>
+        </p:nvSpPr>
+        <p:spPr>
+          <a:xfrm>
+            <a:off x="5152680" y="1768680"/>
+            <a:ext cx="4426920" cy="4384080"/>
+          </a:xfrm>
+          <a:prstGeom prst="rect">
+            <a:avLst/>
+          </a:prstGeom>
+        </p:spPr>
+        <p:txBody>
+          <a:bodyPr lIns="0" rIns="0" tIns="0" bIns="0">
+            <a:normAutofit/>
+          </a:bodyPr>
+          <a:p>
+            <a:endParaRPr b="0" lang="cs-CZ" sz="3200" spc="-1" strike="noStrike">
+              <a:latin typeface="Arial"/>
+            </a:endParaRPr>
+          </a:p>
+        </p:txBody>
+      </p:sp>
+    </p:spTree>
+  </p:cSld>
+</p:sldLayout>
+</file>
+
+<file path=ppt/slideLayouts/slideLayout29.xml><?xml version="1.0" encoding="utf-8"?>
+<p:sldLayout xmlns:a="http://schemas.openxmlformats.org/drawingml/2006/main" xmlns:p="http://schemas.openxmlformats.org/presentationml/2006/main" xmlns:r="http://schemas.openxmlformats.org/officeDocument/2006/relationships" xmlns:p14="http://schemas.microsoft.com/office/powerpoint/2010/main" xmlns:p15="http://schemas.microsoft.com/office/powerpoint/2012/main" xmlns:mc="http://schemas.openxmlformats.org/markup-compatibility/2006" type="titleOnly" preserve="1">
+  <p:cSld name="Title Only">
+    <p:spTree>
+      <p:nvGrpSpPr>
+        <p:cNvPr id="1" name=""/>
+        <p:cNvGrpSpPr/>
+        <p:nvPr/>
+      </p:nvGrpSpPr>
+      <p:grpSpPr>
+        <a:xfrm>
+          <a:off x="0" y="0"/>
+          <a:ext cx="0" cy="0"/>
+          <a:chOff x="0" y="0"/>
+          <a:chExt cx="0" cy="0"/>
+        </a:xfrm>
+      </p:grpSpPr>
+      <p:sp>
+        <p:nvSpPr>
+          <p:cNvPr id="85" name="PlaceHolder 1"/>
+          <p:cNvSpPr>
+            <a:spLocks noGrp="1"/>
+          </p:cNvSpPr>
+          <p:nvPr>
+            <p:ph type="title"/>
+          </p:nvPr>
+        </p:nvSpPr>
+        <p:spPr>
+          <a:xfrm>
+            <a:off x="504000" y="301320"/>
+            <a:ext cx="9072000" cy="1261800"/>
+          </a:xfrm>
+          <a:prstGeom prst="rect">
+            <a:avLst/>
+          </a:prstGeom>
+        </p:spPr>
+        <p:txBody>
+          <a:bodyPr lIns="0" rIns="0" tIns="0" bIns="0" anchor="ctr"/>
+          <a:p>
+            <a:pPr algn="ctr"/>
+            <a:endParaRPr b="0" lang="cs-CZ" sz="4400" spc="-1" strike="noStrike">
+              <a:latin typeface="Arial"/>
+            </a:endParaRPr>
+          </a:p>
+        </p:txBody>
+      </p:sp>
+    </p:spTree>
+  </p:cSld>
+</p:sldLayout>
+</file>
+
 <file path=ppt/slideLayouts/slideLayout3.xml><?xml version="1.0" encoding="utf-8"?>
 <p:sldLayout xmlns:a="http://schemas.openxmlformats.org/drawingml/2006/main" xmlns:p="http://schemas.openxmlformats.org/presentationml/2006/main" xmlns:r="http://schemas.openxmlformats.org/officeDocument/2006/relationships" xmlns:p14="http://schemas.microsoft.com/office/powerpoint/2010/main" xmlns:p15="http://schemas.microsoft.com/office/powerpoint/2012/main" xmlns:mc="http://schemas.openxmlformats.org/markup-compatibility/2006" type="obj" preserve="1">
   <p:cSld name="Title, Content">
@@ -2027,6 +2370,993 @@
           <a:xfrm>
             <a:off x="504000" y="1768680"/>
             <a:ext cx="9072000" cy="4384080"/>
+          </a:xfrm>
+          <a:prstGeom prst="rect">
+            <a:avLst/>
+          </a:prstGeom>
+        </p:spPr>
+        <p:txBody>
+          <a:bodyPr lIns="0" rIns="0" tIns="0" bIns="0">
+            <a:normAutofit/>
+          </a:bodyPr>
+          <a:p>
+            <a:endParaRPr b="0" lang="cs-CZ" sz="3200" spc="-1" strike="noStrike">
+              <a:latin typeface="Arial"/>
+            </a:endParaRPr>
+          </a:p>
+        </p:txBody>
+      </p:sp>
+    </p:spTree>
+  </p:cSld>
+</p:sldLayout>
+</file>
+
+<file path=ppt/slideLayouts/slideLayout30.xml><?xml version="1.0" encoding="utf-8"?>
+<p:sldLayout xmlns:a="http://schemas.openxmlformats.org/drawingml/2006/main" xmlns:p="http://schemas.openxmlformats.org/presentationml/2006/main" xmlns:r="http://schemas.openxmlformats.org/officeDocument/2006/relationships" xmlns:p14="http://schemas.microsoft.com/office/powerpoint/2010/main" xmlns:p15="http://schemas.microsoft.com/office/powerpoint/2012/main" xmlns:mc="http://schemas.openxmlformats.org/markup-compatibility/2006" type="objOnly" preserve="1">
+  <p:cSld name="Centered Text">
+    <p:spTree>
+      <p:nvGrpSpPr>
+        <p:cNvPr id="1" name=""/>
+        <p:cNvGrpSpPr/>
+        <p:nvPr/>
+      </p:nvGrpSpPr>
+      <p:grpSpPr>
+        <a:xfrm>
+          <a:off x="0" y="0"/>
+          <a:ext cx="0" cy="0"/>
+          <a:chOff x="0" y="0"/>
+          <a:chExt cx="0" cy="0"/>
+        </a:xfrm>
+      </p:grpSpPr>
+      <p:sp>
+        <p:nvSpPr>
+          <p:cNvPr id="86" name="PlaceHolder 1"/>
+          <p:cNvSpPr>
+            <a:spLocks noGrp="1"/>
+          </p:cNvSpPr>
+          <p:nvPr>
+            <p:ph type="subTitle"/>
+          </p:nvPr>
+        </p:nvSpPr>
+        <p:spPr>
+          <a:xfrm>
+            <a:off x="504000" y="301320"/>
+            <a:ext cx="9072000" cy="5850360"/>
+          </a:xfrm>
+          <a:prstGeom prst="rect">
+            <a:avLst/>
+          </a:prstGeom>
+        </p:spPr>
+        <p:txBody>
+          <a:bodyPr lIns="0" rIns="0" tIns="0" bIns="0" anchor="ctr"/>
+          <a:p>
+            <a:pPr algn="ctr"/>
+            <a:endParaRPr b="0" lang="cs-CZ" sz="3200" spc="-1" strike="noStrike">
+              <a:latin typeface="Arial"/>
+            </a:endParaRPr>
+          </a:p>
+        </p:txBody>
+      </p:sp>
+    </p:spTree>
+  </p:cSld>
+</p:sldLayout>
+</file>
+
+<file path=ppt/slideLayouts/slideLayout31.xml><?xml version="1.0" encoding="utf-8"?>
+<p:sldLayout xmlns:a="http://schemas.openxmlformats.org/drawingml/2006/main" xmlns:p="http://schemas.openxmlformats.org/presentationml/2006/main" xmlns:r="http://schemas.openxmlformats.org/officeDocument/2006/relationships" xmlns:p14="http://schemas.microsoft.com/office/powerpoint/2010/main" xmlns:p15="http://schemas.microsoft.com/office/powerpoint/2012/main" xmlns:mc="http://schemas.openxmlformats.org/markup-compatibility/2006" type="twoObjAndObj" preserve="1">
+  <p:cSld name="Title, 2 Content and Content">
+    <p:spTree>
+      <p:nvGrpSpPr>
+        <p:cNvPr id="1" name=""/>
+        <p:cNvGrpSpPr/>
+        <p:nvPr/>
+      </p:nvGrpSpPr>
+      <p:grpSpPr>
+        <a:xfrm>
+          <a:off x="0" y="0"/>
+          <a:ext cx="0" cy="0"/>
+          <a:chOff x="0" y="0"/>
+          <a:chExt cx="0" cy="0"/>
+        </a:xfrm>
+      </p:grpSpPr>
+      <p:sp>
+        <p:nvSpPr>
+          <p:cNvPr id="87" name="PlaceHolder 1"/>
+          <p:cNvSpPr>
+            <a:spLocks noGrp="1"/>
+          </p:cNvSpPr>
+          <p:nvPr>
+            <p:ph type="title"/>
+          </p:nvPr>
+        </p:nvSpPr>
+        <p:spPr>
+          <a:xfrm>
+            <a:off x="504000" y="301320"/>
+            <a:ext cx="9072000" cy="1261800"/>
+          </a:xfrm>
+          <a:prstGeom prst="rect">
+            <a:avLst/>
+          </a:prstGeom>
+        </p:spPr>
+        <p:txBody>
+          <a:bodyPr lIns="0" rIns="0" tIns="0" bIns="0" anchor="ctr"/>
+          <a:p>
+            <a:pPr algn="ctr"/>
+            <a:endParaRPr b="0" lang="cs-CZ" sz="4400" spc="-1" strike="noStrike">
+              <a:latin typeface="Arial"/>
+            </a:endParaRPr>
+          </a:p>
+        </p:txBody>
+      </p:sp>
+      <p:sp>
+        <p:nvSpPr>
+          <p:cNvPr id="88" name="PlaceHolder 2"/>
+          <p:cNvSpPr>
+            <a:spLocks noGrp="1"/>
+          </p:cNvSpPr>
+          <p:nvPr>
+            <p:ph type="body"/>
+          </p:nvPr>
+        </p:nvSpPr>
+        <p:spPr>
+          <a:xfrm>
+            <a:off x="504000" y="1768680"/>
+            <a:ext cx="4426920" cy="2090880"/>
+          </a:xfrm>
+          <a:prstGeom prst="rect">
+            <a:avLst/>
+          </a:prstGeom>
+        </p:spPr>
+        <p:txBody>
+          <a:bodyPr lIns="0" rIns="0" tIns="0" bIns="0">
+            <a:normAutofit/>
+          </a:bodyPr>
+          <a:p>
+            <a:endParaRPr b="0" lang="cs-CZ" sz="3200" spc="-1" strike="noStrike">
+              <a:latin typeface="Arial"/>
+            </a:endParaRPr>
+          </a:p>
+        </p:txBody>
+      </p:sp>
+      <p:sp>
+        <p:nvSpPr>
+          <p:cNvPr id="89" name="PlaceHolder 3"/>
+          <p:cNvSpPr>
+            <a:spLocks noGrp="1"/>
+          </p:cNvSpPr>
+          <p:nvPr>
+            <p:ph type="body"/>
+          </p:nvPr>
+        </p:nvSpPr>
+        <p:spPr>
+          <a:xfrm>
+            <a:off x="5152680" y="1768680"/>
+            <a:ext cx="4426920" cy="4384080"/>
+          </a:xfrm>
+          <a:prstGeom prst="rect">
+            <a:avLst/>
+          </a:prstGeom>
+        </p:spPr>
+        <p:txBody>
+          <a:bodyPr lIns="0" rIns="0" tIns="0" bIns="0">
+            <a:normAutofit/>
+          </a:bodyPr>
+          <a:p>
+            <a:endParaRPr b="0" lang="cs-CZ" sz="3200" spc="-1" strike="noStrike">
+              <a:latin typeface="Arial"/>
+            </a:endParaRPr>
+          </a:p>
+        </p:txBody>
+      </p:sp>
+      <p:sp>
+        <p:nvSpPr>
+          <p:cNvPr id="90" name="PlaceHolder 4"/>
+          <p:cNvSpPr>
+            <a:spLocks noGrp="1"/>
+          </p:cNvSpPr>
+          <p:nvPr>
+            <p:ph type="body"/>
+          </p:nvPr>
+        </p:nvSpPr>
+        <p:spPr>
+          <a:xfrm>
+            <a:off x="504000" y="4058640"/>
+            <a:ext cx="4426920" cy="2090880"/>
+          </a:xfrm>
+          <a:prstGeom prst="rect">
+            <a:avLst/>
+          </a:prstGeom>
+        </p:spPr>
+        <p:txBody>
+          <a:bodyPr lIns="0" rIns="0" tIns="0" bIns="0">
+            <a:normAutofit/>
+          </a:bodyPr>
+          <a:p>
+            <a:endParaRPr b="0" lang="cs-CZ" sz="3200" spc="-1" strike="noStrike">
+              <a:latin typeface="Arial"/>
+            </a:endParaRPr>
+          </a:p>
+        </p:txBody>
+      </p:sp>
+    </p:spTree>
+  </p:cSld>
+</p:sldLayout>
+</file>
+
+<file path=ppt/slideLayouts/slideLayout32.xml><?xml version="1.0" encoding="utf-8"?>
+<p:sldLayout xmlns:a="http://schemas.openxmlformats.org/drawingml/2006/main" xmlns:p="http://schemas.openxmlformats.org/presentationml/2006/main" xmlns:r="http://schemas.openxmlformats.org/officeDocument/2006/relationships" xmlns:p14="http://schemas.microsoft.com/office/powerpoint/2010/main" xmlns:p15="http://schemas.microsoft.com/office/powerpoint/2012/main" xmlns:mc="http://schemas.openxmlformats.org/markup-compatibility/2006" type="objAndTwoObj" preserve="1">
+  <p:cSld name="Title Content and 2 Content">
+    <p:spTree>
+      <p:nvGrpSpPr>
+        <p:cNvPr id="1" name=""/>
+        <p:cNvGrpSpPr/>
+        <p:nvPr/>
+      </p:nvGrpSpPr>
+      <p:grpSpPr>
+        <a:xfrm>
+          <a:off x="0" y="0"/>
+          <a:ext cx="0" cy="0"/>
+          <a:chOff x="0" y="0"/>
+          <a:chExt cx="0" cy="0"/>
+        </a:xfrm>
+      </p:grpSpPr>
+      <p:sp>
+        <p:nvSpPr>
+          <p:cNvPr id="91" name="PlaceHolder 1"/>
+          <p:cNvSpPr>
+            <a:spLocks noGrp="1"/>
+          </p:cNvSpPr>
+          <p:nvPr>
+            <p:ph type="title"/>
+          </p:nvPr>
+        </p:nvSpPr>
+        <p:spPr>
+          <a:xfrm>
+            <a:off x="504000" y="301320"/>
+            <a:ext cx="9072000" cy="1261800"/>
+          </a:xfrm>
+          <a:prstGeom prst="rect">
+            <a:avLst/>
+          </a:prstGeom>
+        </p:spPr>
+        <p:txBody>
+          <a:bodyPr lIns="0" rIns="0" tIns="0" bIns="0" anchor="ctr"/>
+          <a:p>
+            <a:pPr algn="ctr"/>
+            <a:endParaRPr b="0" lang="cs-CZ" sz="4400" spc="-1" strike="noStrike">
+              <a:latin typeface="Arial"/>
+            </a:endParaRPr>
+          </a:p>
+        </p:txBody>
+      </p:sp>
+      <p:sp>
+        <p:nvSpPr>
+          <p:cNvPr id="92" name="PlaceHolder 2"/>
+          <p:cNvSpPr>
+            <a:spLocks noGrp="1"/>
+          </p:cNvSpPr>
+          <p:nvPr>
+            <p:ph type="body"/>
+          </p:nvPr>
+        </p:nvSpPr>
+        <p:spPr>
+          <a:xfrm>
+            <a:off x="504000" y="1768680"/>
+            <a:ext cx="4426920" cy="4384080"/>
+          </a:xfrm>
+          <a:prstGeom prst="rect">
+            <a:avLst/>
+          </a:prstGeom>
+        </p:spPr>
+        <p:txBody>
+          <a:bodyPr lIns="0" rIns="0" tIns="0" bIns="0">
+            <a:normAutofit/>
+          </a:bodyPr>
+          <a:p>
+            <a:endParaRPr b="0" lang="cs-CZ" sz="3200" spc="-1" strike="noStrike">
+              <a:latin typeface="Arial"/>
+            </a:endParaRPr>
+          </a:p>
+        </p:txBody>
+      </p:sp>
+      <p:sp>
+        <p:nvSpPr>
+          <p:cNvPr id="93" name="PlaceHolder 3"/>
+          <p:cNvSpPr>
+            <a:spLocks noGrp="1"/>
+          </p:cNvSpPr>
+          <p:nvPr>
+            <p:ph type="body"/>
+          </p:nvPr>
+        </p:nvSpPr>
+        <p:spPr>
+          <a:xfrm>
+            <a:off x="5152680" y="1768680"/>
+            <a:ext cx="4426920" cy="2090880"/>
+          </a:xfrm>
+          <a:prstGeom prst="rect">
+            <a:avLst/>
+          </a:prstGeom>
+        </p:spPr>
+        <p:txBody>
+          <a:bodyPr lIns="0" rIns="0" tIns="0" bIns="0">
+            <a:normAutofit/>
+          </a:bodyPr>
+          <a:p>
+            <a:endParaRPr b="0" lang="cs-CZ" sz="3200" spc="-1" strike="noStrike">
+              <a:latin typeface="Arial"/>
+            </a:endParaRPr>
+          </a:p>
+        </p:txBody>
+      </p:sp>
+      <p:sp>
+        <p:nvSpPr>
+          <p:cNvPr id="94" name="PlaceHolder 4"/>
+          <p:cNvSpPr>
+            <a:spLocks noGrp="1"/>
+          </p:cNvSpPr>
+          <p:nvPr>
+            <p:ph type="body"/>
+          </p:nvPr>
+        </p:nvSpPr>
+        <p:spPr>
+          <a:xfrm>
+            <a:off x="5152680" y="4058640"/>
+            <a:ext cx="4426920" cy="2090880"/>
+          </a:xfrm>
+          <a:prstGeom prst="rect">
+            <a:avLst/>
+          </a:prstGeom>
+        </p:spPr>
+        <p:txBody>
+          <a:bodyPr lIns="0" rIns="0" tIns="0" bIns="0">
+            <a:normAutofit/>
+          </a:bodyPr>
+          <a:p>
+            <a:endParaRPr b="0" lang="cs-CZ" sz="3200" spc="-1" strike="noStrike">
+              <a:latin typeface="Arial"/>
+            </a:endParaRPr>
+          </a:p>
+        </p:txBody>
+      </p:sp>
+    </p:spTree>
+  </p:cSld>
+</p:sldLayout>
+</file>
+
+<file path=ppt/slideLayouts/slideLayout33.xml><?xml version="1.0" encoding="utf-8"?>
+<p:sldLayout xmlns:a="http://schemas.openxmlformats.org/drawingml/2006/main" xmlns:p="http://schemas.openxmlformats.org/presentationml/2006/main" xmlns:r="http://schemas.openxmlformats.org/officeDocument/2006/relationships" xmlns:p14="http://schemas.microsoft.com/office/powerpoint/2010/main" xmlns:p15="http://schemas.microsoft.com/office/powerpoint/2012/main" xmlns:mc="http://schemas.openxmlformats.org/markup-compatibility/2006" type="twoObjOverTx" preserve="1">
+  <p:cSld name="Title, 2 Content over Content">
+    <p:spTree>
+      <p:nvGrpSpPr>
+        <p:cNvPr id="1" name=""/>
+        <p:cNvGrpSpPr/>
+        <p:nvPr/>
+      </p:nvGrpSpPr>
+      <p:grpSpPr>
+        <a:xfrm>
+          <a:off x="0" y="0"/>
+          <a:ext cx="0" cy="0"/>
+          <a:chOff x="0" y="0"/>
+          <a:chExt cx="0" cy="0"/>
+        </a:xfrm>
+      </p:grpSpPr>
+      <p:sp>
+        <p:nvSpPr>
+          <p:cNvPr id="95" name="PlaceHolder 1"/>
+          <p:cNvSpPr>
+            <a:spLocks noGrp="1"/>
+          </p:cNvSpPr>
+          <p:nvPr>
+            <p:ph type="title"/>
+          </p:nvPr>
+        </p:nvSpPr>
+        <p:spPr>
+          <a:xfrm>
+            <a:off x="504000" y="301320"/>
+            <a:ext cx="9072000" cy="1261800"/>
+          </a:xfrm>
+          <a:prstGeom prst="rect">
+            <a:avLst/>
+          </a:prstGeom>
+        </p:spPr>
+        <p:txBody>
+          <a:bodyPr lIns="0" rIns="0" tIns="0" bIns="0" anchor="ctr"/>
+          <a:p>
+            <a:pPr algn="ctr"/>
+            <a:endParaRPr b="0" lang="cs-CZ" sz="4400" spc="-1" strike="noStrike">
+              <a:latin typeface="Arial"/>
+            </a:endParaRPr>
+          </a:p>
+        </p:txBody>
+      </p:sp>
+      <p:sp>
+        <p:nvSpPr>
+          <p:cNvPr id="96" name="PlaceHolder 2"/>
+          <p:cNvSpPr>
+            <a:spLocks noGrp="1"/>
+          </p:cNvSpPr>
+          <p:nvPr>
+            <p:ph type="body"/>
+          </p:nvPr>
+        </p:nvSpPr>
+        <p:spPr>
+          <a:xfrm>
+            <a:off x="504000" y="1768680"/>
+            <a:ext cx="4426920" cy="2090880"/>
+          </a:xfrm>
+          <a:prstGeom prst="rect">
+            <a:avLst/>
+          </a:prstGeom>
+        </p:spPr>
+        <p:txBody>
+          <a:bodyPr lIns="0" rIns="0" tIns="0" bIns="0">
+            <a:normAutofit/>
+          </a:bodyPr>
+          <a:p>
+            <a:endParaRPr b="0" lang="cs-CZ" sz="3200" spc="-1" strike="noStrike">
+              <a:latin typeface="Arial"/>
+            </a:endParaRPr>
+          </a:p>
+        </p:txBody>
+      </p:sp>
+      <p:sp>
+        <p:nvSpPr>
+          <p:cNvPr id="97" name="PlaceHolder 3"/>
+          <p:cNvSpPr>
+            <a:spLocks noGrp="1"/>
+          </p:cNvSpPr>
+          <p:nvPr>
+            <p:ph type="body"/>
+          </p:nvPr>
+        </p:nvSpPr>
+        <p:spPr>
+          <a:xfrm>
+            <a:off x="5152680" y="1768680"/>
+            <a:ext cx="4426920" cy="2090880"/>
+          </a:xfrm>
+          <a:prstGeom prst="rect">
+            <a:avLst/>
+          </a:prstGeom>
+        </p:spPr>
+        <p:txBody>
+          <a:bodyPr lIns="0" rIns="0" tIns="0" bIns="0">
+            <a:normAutofit/>
+          </a:bodyPr>
+          <a:p>
+            <a:endParaRPr b="0" lang="cs-CZ" sz="3200" spc="-1" strike="noStrike">
+              <a:latin typeface="Arial"/>
+            </a:endParaRPr>
+          </a:p>
+        </p:txBody>
+      </p:sp>
+      <p:sp>
+        <p:nvSpPr>
+          <p:cNvPr id="98" name="PlaceHolder 4"/>
+          <p:cNvSpPr>
+            <a:spLocks noGrp="1"/>
+          </p:cNvSpPr>
+          <p:nvPr>
+            <p:ph type="body"/>
+          </p:nvPr>
+        </p:nvSpPr>
+        <p:spPr>
+          <a:xfrm>
+            <a:off x="504000" y="4058640"/>
+            <a:ext cx="9072000" cy="2090880"/>
+          </a:xfrm>
+          <a:prstGeom prst="rect">
+            <a:avLst/>
+          </a:prstGeom>
+        </p:spPr>
+        <p:txBody>
+          <a:bodyPr lIns="0" rIns="0" tIns="0" bIns="0">
+            <a:normAutofit/>
+          </a:bodyPr>
+          <a:p>
+            <a:endParaRPr b="0" lang="cs-CZ" sz="3200" spc="-1" strike="noStrike">
+              <a:latin typeface="Arial"/>
+            </a:endParaRPr>
+          </a:p>
+        </p:txBody>
+      </p:sp>
+    </p:spTree>
+  </p:cSld>
+</p:sldLayout>
+</file>
+
+<file path=ppt/slideLayouts/slideLayout34.xml><?xml version="1.0" encoding="utf-8"?>
+<p:sldLayout xmlns:a="http://schemas.openxmlformats.org/drawingml/2006/main" xmlns:p="http://schemas.openxmlformats.org/presentationml/2006/main" xmlns:r="http://schemas.openxmlformats.org/officeDocument/2006/relationships" xmlns:p14="http://schemas.microsoft.com/office/powerpoint/2010/main" xmlns:p15="http://schemas.microsoft.com/office/powerpoint/2012/main" xmlns:mc="http://schemas.openxmlformats.org/markup-compatibility/2006" type="objOverTx" preserve="1">
+  <p:cSld name="Title, Content over Content">
+    <p:spTree>
+      <p:nvGrpSpPr>
+        <p:cNvPr id="1" name=""/>
+        <p:cNvGrpSpPr/>
+        <p:nvPr/>
+      </p:nvGrpSpPr>
+      <p:grpSpPr>
+        <a:xfrm>
+          <a:off x="0" y="0"/>
+          <a:ext cx="0" cy="0"/>
+          <a:chOff x="0" y="0"/>
+          <a:chExt cx="0" cy="0"/>
+        </a:xfrm>
+      </p:grpSpPr>
+      <p:sp>
+        <p:nvSpPr>
+          <p:cNvPr id="99" name="PlaceHolder 1"/>
+          <p:cNvSpPr>
+            <a:spLocks noGrp="1"/>
+          </p:cNvSpPr>
+          <p:nvPr>
+            <p:ph type="title"/>
+          </p:nvPr>
+        </p:nvSpPr>
+        <p:spPr>
+          <a:xfrm>
+            <a:off x="504000" y="301320"/>
+            <a:ext cx="9072000" cy="1261800"/>
+          </a:xfrm>
+          <a:prstGeom prst="rect">
+            <a:avLst/>
+          </a:prstGeom>
+        </p:spPr>
+        <p:txBody>
+          <a:bodyPr lIns="0" rIns="0" tIns="0" bIns="0" anchor="ctr"/>
+          <a:p>
+            <a:pPr algn="ctr"/>
+            <a:endParaRPr b="0" lang="cs-CZ" sz="4400" spc="-1" strike="noStrike">
+              <a:latin typeface="Arial"/>
+            </a:endParaRPr>
+          </a:p>
+        </p:txBody>
+      </p:sp>
+      <p:sp>
+        <p:nvSpPr>
+          <p:cNvPr id="100" name="PlaceHolder 2"/>
+          <p:cNvSpPr>
+            <a:spLocks noGrp="1"/>
+          </p:cNvSpPr>
+          <p:nvPr>
+            <p:ph type="body"/>
+          </p:nvPr>
+        </p:nvSpPr>
+        <p:spPr>
+          <a:xfrm>
+            <a:off x="504000" y="1768680"/>
+            <a:ext cx="9072000" cy="2090880"/>
+          </a:xfrm>
+          <a:prstGeom prst="rect">
+            <a:avLst/>
+          </a:prstGeom>
+        </p:spPr>
+        <p:txBody>
+          <a:bodyPr lIns="0" rIns="0" tIns="0" bIns="0">
+            <a:normAutofit/>
+          </a:bodyPr>
+          <a:p>
+            <a:endParaRPr b="0" lang="cs-CZ" sz="3200" spc="-1" strike="noStrike">
+              <a:latin typeface="Arial"/>
+            </a:endParaRPr>
+          </a:p>
+        </p:txBody>
+      </p:sp>
+      <p:sp>
+        <p:nvSpPr>
+          <p:cNvPr id="101" name="PlaceHolder 3"/>
+          <p:cNvSpPr>
+            <a:spLocks noGrp="1"/>
+          </p:cNvSpPr>
+          <p:nvPr>
+            <p:ph type="body"/>
+          </p:nvPr>
+        </p:nvSpPr>
+        <p:spPr>
+          <a:xfrm>
+            <a:off x="504000" y="4058640"/>
+            <a:ext cx="9072000" cy="2090880"/>
+          </a:xfrm>
+          <a:prstGeom prst="rect">
+            <a:avLst/>
+          </a:prstGeom>
+        </p:spPr>
+        <p:txBody>
+          <a:bodyPr lIns="0" rIns="0" tIns="0" bIns="0">
+            <a:normAutofit/>
+          </a:bodyPr>
+          <a:p>
+            <a:endParaRPr b="0" lang="cs-CZ" sz="3200" spc="-1" strike="noStrike">
+              <a:latin typeface="Arial"/>
+            </a:endParaRPr>
+          </a:p>
+        </p:txBody>
+      </p:sp>
+    </p:spTree>
+  </p:cSld>
+</p:sldLayout>
+</file>
+
+<file path=ppt/slideLayouts/slideLayout35.xml><?xml version="1.0" encoding="utf-8"?>
+<p:sldLayout xmlns:a="http://schemas.openxmlformats.org/drawingml/2006/main" xmlns:p="http://schemas.openxmlformats.org/presentationml/2006/main" xmlns:r="http://schemas.openxmlformats.org/officeDocument/2006/relationships" xmlns:p14="http://schemas.microsoft.com/office/powerpoint/2010/main" xmlns:p15="http://schemas.microsoft.com/office/powerpoint/2012/main" xmlns:mc="http://schemas.openxmlformats.org/markup-compatibility/2006" type="fourObj" preserve="1">
+  <p:cSld name="Title, 4 Content">
+    <p:spTree>
+      <p:nvGrpSpPr>
+        <p:cNvPr id="1" name=""/>
+        <p:cNvGrpSpPr/>
+        <p:nvPr/>
+      </p:nvGrpSpPr>
+      <p:grpSpPr>
+        <a:xfrm>
+          <a:off x="0" y="0"/>
+          <a:ext cx="0" cy="0"/>
+          <a:chOff x="0" y="0"/>
+          <a:chExt cx="0" cy="0"/>
+        </a:xfrm>
+      </p:grpSpPr>
+      <p:sp>
+        <p:nvSpPr>
+          <p:cNvPr id="102" name="PlaceHolder 1"/>
+          <p:cNvSpPr>
+            <a:spLocks noGrp="1"/>
+          </p:cNvSpPr>
+          <p:nvPr>
+            <p:ph type="title"/>
+          </p:nvPr>
+        </p:nvSpPr>
+        <p:spPr>
+          <a:xfrm>
+            <a:off x="504000" y="301320"/>
+            <a:ext cx="9072000" cy="1261800"/>
+          </a:xfrm>
+          <a:prstGeom prst="rect">
+            <a:avLst/>
+          </a:prstGeom>
+        </p:spPr>
+        <p:txBody>
+          <a:bodyPr lIns="0" rIns="0" tIns="0" bIns="0" anchor="ctr"/>
+          <a:p>
+            <a:pPr algn="ctr"/>
+            <a:endParaRPr b="0" lang="cs-CZ" sz="4400" spc="-1" strike="noStrike">
+              <a:latin typeface="Arial"/>
+            </a:endParaRPr>
+          </a:p>
+        </p:txBody>
+      </p:sp>
+      <p:sp>
+        <p:nvSpPr>
+          <p:cNvPr id="103" name="PlaceHolder 2"/>
+          <p:cNvSpPr>
+            <a:spLocks noGrp="1"/>
+          </p:cNvSpPr>
+          <p:nvPr>
+            <p:ph type="body"/>
+          </p:nvPr>
+        </p:nvSpPr>
+        <p:spPr>
+          <a:xfrm>
+            <a:off x="504000" y="1768680"/>
+            <a:ext cx="4426920" cy="2090880"/>
+          </a:xfrm>
+          <a:prstGeom prst="rect">
+            <a:avLst/>
+          </a:prstGeom>
+        </p:spPr>
+        <p:txBody>
+          <a:bodyPr lIns="0" rIns="0" tIns="0" bIns="0">
+            <a:normAutofit/>
+          </a:bodyPr>
+          <a:p>
+            <a:endParaRPr b="0" lang="cs-CZ" sz="3200" spc="-1" strike="noStrike">
+              <a:latin typeface="Arial"/>
+            </a:endParaRPr>
+          </a:p>
+        </p:txBody>
+      </p:sp>
+      <p:sp>
+        <p:nvSpPr>
+          <p:cNvPr id="104" name="PlaceHolder 3"/>
+          <p:cNvSpPr>
+            <a:spLocks noGrp="1"/>
+          </p:cNvSpPr>
+          <p:nvPr>
+            <p:ph type="body"/>
+          </p:nvPr>
+        </p:nvSpPr>
+        <p:spPr>
+          <a:xfrm>
+            <a:off x="5152680" y="1768680"/>
+            <a:ext cx="4426920" cy="2090880"/>
+          </a:xfrm>
+          <a:prstGeom prst="rect">
+            <a:avLst/>
+          </a:prstGeom>
+        </p:spPr>
+        <p:txBody>
+          <a:bodyPr lIns="0" rIns="0" tIns="0" bIns="0">
+            <a:normAutofit/>
+          </a:bodyPr>
+          <a:p>
+            <a:endParaRPr b="0" lang="cs-CZ" sz="3200" spc="-1" strike="noStrike">
+              <a:latin typeface="Arial"/>
+            </a:endParaRPr>
+          </a:p>
+        </p:txBody>
+      </p:sp>
+      <p:sp>
+        <p:nvSpPr>
+          <p:cNvPr id="105" name="PlaceHolder 4"/>
+          <p:cNvSpPr>
+            <a:spLocks noGrp="1"/>
+          </p:cNvSpPr>
+          <p:nvPr>
+            <p:ph type="body"/>
+          </p:nvPr>
+        </p:nvSpPr>
+        <p:spPr>
+          <a:xfrm>
+            <a:off x="504000" y="4058640"/>
+            <a:ext cx="4426920" cy="2090880"/>
+          </a:xfrm>
+          <a:prstGeom prst="rect">
+            <a:avLst/>
+          </a:prstGeom>
+        </p:spPr>
+        <p:txBody>
+          <a:bodyPr lIns="0" rIns="0" tIns="0" bIns="0">
+            <a:normAutofit/>
+          </a:bodyPr>
+          <a:p>
+            <a:endParaRPr b="0" lang="cs-CZ" sz="3200" spc="-1" strike="noStrike">
+              <a:latin typeface="Arial"/>
+            </a:endParaRPr>
+          </a:p>
+        </p:txBody>
+      </p:sp>
+      <p:sp>
+        <p:nvSpPr>
+          <p:cNvPr id="106" name="PlaceHolder 5"/>
+          <p:cNvSpPr>
+            <a:spLocks noGrp="1"/>
+          </p:cNvSpPr>
+          <p:nvPr>
+            <p:ph type="body"/>
+          </p:nvPr>
+        </p:nvSpPr>
+        <p:spPr>
+          <a:xfrm>
+            <a:off x="5152680" y="4058640"/>
+            <a:ext cx="4426920" cy="2090880"/>
+          </a:xfrm>
+          <a:prstGeom prst="rect">
+            <a:avLst/>
+          </a:prstGeom>
+        </p:spPr>
+        <p:txBody>
+          <a:bodyPr lIns="0" rIns="0" tIns="0" bIns="0">
+            <a:normAutofit/>
+          </a:bodyPr>
+          <a:p>
+            <a:endParaRPr b="0" lang="cs-CZ" sz="3200" spc="-1" strike="noStrike">
+              <a:latin typeface="Arial"/>
+            </a:endParaRPr>
+          </a:p>
+        </p:txBody>
+      </p:sp>
+    </p:spTree>
+  </p:cSld>
+</p:sldLayout>
+</file>
+
+<file path=ppt/slideLayouts/slideLayout36.xml><?xml version="1.0" encoding="utf-8"?>
+<p:sldLayout xmlns:a="http://schemas.openxmlformats.org/drawingml/2006/main" xmlns:p="http://schemas.openxmlformats.org/presentationml/2006/main" xmlns:r="http://schemas.openxmlformats.org/officeDocument/2006/relationships" xmlns:p14="http://schemas.microsoft.com/office/powerpoint/2010/main" xmlns:p15="http://schemas.microsoft.com/office/powerpoint/2012/main" xmlns:mc="http://schemas.openxmlformats.org/markup-compatibility/2006" type="blank" preserve="1">
+  <p:cSld name="Title, 6 Content">
+    <p:spTree>
+      <p:nvGrpSpPr>
+        <p:cNvPr id="1" name=""/>
+        <p:cNvGrpSpPr/>
+        <p:nvPr/>
+      </p:nvGrpSpPr>
+      <p:grpSpPr>
+        <a:xfrm>
+          <a:off x="0" y="0"/>
+          <a:ext cx="0" cy="0"/>
+          <a:chOff x="0" y="0"/>
+          <a:chExt cx="0" cy="0"/>
+        </a:xfrm>
+      </p:grpSpPr>
+      <p:sp>
+        <p:nvSpPr>
+          <p:cNvPr id="107" name="PlaceHolder 1"/>
+          <p:cNvSpPr>
+            <a:spLocks noGrp="1"/>
+          </p:cNvSpPr>
+          <p:nvPr>
+            <p:ph type="title"/>
+          </p:nvPr>
+        </p:nvSpPr>
+        <p:spPr>
+          <a:xfrm>
+            <a:off x="504000" y="301320"/>
+            <a:ext cx="9072000" cy="1261800"/>
+          </a:xfrm>
+          <a:prstGeom prst="rect">
+            <a:avLst/>
+          </a:prstGeom>
+        </p:spPr>
+        <p:txBody>
+          <a:bodyPr lIns="0" rIns="0" tIns="0" bIns="0" anchor="ctr"/>
+          <a:p>
+            <a:pPr algn="ctr"/>
+            <a:endParaRPr b="0" lang="cs-CZ" sz="4400" spc="-1" strike="noStrike">
+              <a:latin typeface="Arial"/>
+            </a:endParaRPr>
+          </a:p>
+        </p:txBody>
+      </p:sp>
+      <p:sp>
+        <p:nvSpPr>
+          <p:cNvPr id="108" name="PlaceHolder 2"/>
+          <p:cNvSpPr>
+            <a:spLocks noGrp="1"/>
+          </p:cNvSpPr>
+          <p:nvPr>
+            <p:ph type="body"/>
+          </p:nvPr>
+        </p:nvSpPr>
+        <p:spPr>
+          <a:xfrm>
+            <a:off x="504000" y="1768680"/>
+            <a:ext cx="2921040" cy="2090880"/>
+          </a:xfrm>
+          <a:prstGeom prst="rect">
+            <a:avLst/>
+          </a:prstGeom>
+        </p:spPr>
+        <p:txBody>
+          <a:bodyPr lIns="0" rIns="0" tIns="0" bIns="0">
+            <a:normAutofit/>
+          </a:bodyPr>
+          <a:p>
+            <a:endParaRPr b="0" lang="cs-CZ" sz="3200" spc="-1" strike="noStrike">
+              <a:latin typeface="Arial"/>
+            </a:endParaRPr>
+          </a:p>
+        </p:txBody>
+      </p:sp>
+      <p:sp>
+        <p:nvSpPr>
+          <p:cNvPr id="109" name="PlaceHolder 3"/>
+          <p:cNvSpPr>
+            <a:spLocks noGrp="1"/>
+          </p:cNvSpPr>
+          <p:nvPr>
+            <p:ph type="body"/>
+          </p:nvPr>
+        </p:nvSpPr>
+        <p:spPr>
+          <a:xfrm>
+            <a:off x="3571560" y="1768680"/>
+            <a:ext cx="2921040" cy="2090880"/>
+          </a:xfrm>
+          <a:prstGeom prst="rect">
+            <a:avLst/>
+          </a:prstGeom>
+        </p:spPr>
+        <p:txBody>
+          <a:bodyPr lIns="0" rIns="0" tIns="0" bIns="0">
+            <a:normAutofit/>
+          </a:bodyPr>
+          <a:p>
+            <a:endParaRPr b="0" lang="cs-CZ" sz="3200" spc="-1" strike="noStrike">
+              <a:latin typeface="Arial"/>
+            </a:endParaRPr>
+          </a:p>
+        </p:txBody>
+      </p:sp>
+      <p:sp>
+        <p:nvSpPr>
+          <p:cNvPr id="110" name="PlaceHolder 4"/>
+          <p:cNvSpPr>
+            <a:spLocks noGrp="1"/>
+          </p:cNvSpPr>
+          <p:nvPr>
+            <p:ph type="body"/>
+          </p:nvPr>
+        </p:nvSpPr>
+        <p:spPr>
+          <a:xfrm>
+            <a:off x="6639120" y="1768680"/>
+            <a:ext cx="2921040" cy="2090880"/>
+          </a:xfrm>
+          <a:prstGeom prst="rect">
+            <a:avLst/>
+          </a:prstGeom>
+        </p:spPr>
+        <p:txBody>
+          <a:bodyPr lIns="0" rIns="0" tIns="0" bIns="0">
+            <a:normAutofit/>
+          </a:bodyPr>
+          <a:p>
+            <a:endParaRPr b="0" lang="cs-CZ" sz="3200" spc="-1" strike="noStrike">
+              <a:latin typeface="Arial"/>
+            </a:endParaRPr>
+          </a:p>
+        </p:txBody>
+      </p:sp>
+      <p:sp>
+        <p:nvSpPr>
+          <p:cNvPr id="111" name="PlaceHolder 5"/>
+          <p:cNvSpPr>
+            <a:spLocks noGrp="1"/>
+          </p:cNvSpPr>
+          <p:nvPr>
+            <p:ph type="body"/>
+          </p:nvPr>
+        </p:nvSpPr>
+        <p:spPr>
+          <a:xfrm>
+            <a:off x="504000" y="4058640"/>
+            <a:ext cx="2921040" cy="2090880"/>
+          </a:xfrm>
+          <a:prstGeom prst="rect">
+            <a:avLst/>
+          </a:prstGeom>
+        </p:spPr>
+        <p:txBody>
+          <a:bodyPr lIns="0" rIns="0" tIns="0" bIns="0">
+            <a:normAutofit/>
+          </a:bodyPr>
+          <a:p>
+            <a:endParaRPr b="0" lang="cs-CZ" sz="3200" spc="-1" strike="noStrike">
+              <a:latin typeface="Arial"/>
+            </a:endParaRPr>
+          </a:p>
+        </p:txBody>
+      </p:sp>
+      <p:sp>
+        <p:nvSpPr>
+          <p:cNvPr id="112" name="PlaceHolder 6"/>
+          <p:cNvSpPr>
+            <a:spLocks noGrp="1"/>
+          </p:cNvSpPr>
+          <p:nvPr>
+            <p:ph type="body"/>
+          </p:nvPr>
+        </p:nvSpPr>
+        <p:spPr>
+          <a:xfrm>
+            <a:off x="3571560" y="4058640"/>
+            <a:ext cx="2921040" cy="2090880"/>
+          </a:xfrm>
+          <a:prstGeom prst="rect">
+            <a:avLst/>
+          </a:prstGeom>
+        </p:spPr>
+        <p:txBody>
+          <a:bodyPr lIns="0" rIns="0" tIns="0" bIns="0">
+            <a:normAutofit/>
+          </a:bodyPr>
+          <a:p>
+            <a:endParaRPr b="0" lang="cs-CZ" sz="3200" spc="-1" strike="noStrike">
+              <a:latin typeface="Arial"/>
+            </a:endParaRPr>
+          </a:p>
+        </p:txBody>
+      </p:sp>
+      <p:sp>
+        <p:nvSpPr>
+          <p:cNvPr id="113" name="PlaceHolder 7"/>
+          <p:cNvSpPr>
+            <a:spLocks noGrp="1"/>
+          </p:cNvSpPr>
+          <p:nvPr>
+            <p:ph type="body"/>
+          </p:nvPr>
+        </p:nvSpPr>
+        <p:spPr>
+          <a:xfrm>
+            <a:off x="6639120" y="4058640"/>
+            <a:ext cx="2921040" cy="2090880"/>
           </a:xfrm>
           <a:prstGeom prst="rect">
             <a:avLst/>
@@ -3205,6 +4535,267 @@
 </p:sldMaster>
 </file>
 
+<file path=ppt/slideMasters/slideMaster3.xml><?xml version="1.0" encoding="utf-8"?>
+<p:sldMaster xmlns:a="http://schemas.openxmlformats.org/drawingml/2006/main" xmlns:p="http://schemas.openxmlformats.org/presentationml/2006/main" xmlns:r="http://schemas.openxmlformats.org/officeDocument/2006/relationships" xmlns:p14="http://schemas.microsoft.com/office/powerpoint/2010/main" xmlns:p15="http://schemas.microsoft.com/office/powerpoint/2012/main" xmlns:mc="http://schemas.openxmlformats.org/markup-compatibility/2006">
+  <p:cSld>
+    <p:bg>
+      <p:bgPr>
+        <a:blipFill rotWithShape="0">
+          <a:blip r:embed="rId2"/>
+          <a:stretch>
+            <a:fillRect/>
+          </a:stretch>
+        </a:blipFill>
+      </p:bgPr>
+    </p:bg>
+    <p:spTree>
+      <p:nvGrpSpPr>
+        <p:cNvPr id="1" name=""/>
+        <p:cNvGrpSpPr/>
+        <p:nvPr/>
+      </p:nvGrpSpPr>
+      <p:grpSpPr>
+        <a:xfrm>
+          <a:off x="0" y="0"/>
+          <a:ext cx="0" cy="0"/>
+          <a:chOff x="0" y="0"/>
+          <a:chExt cx="0" cy="0"/>
+        </a:xfrm>
+      </p:grpSpPr>
+      <p:sp>
+        <p:nvSpPr>
+          <p:cNvPr id="76" name="PlaceHolder 1"/>
+          <p:cNvSpPr>
+            <a:spLocks noGrp="1"/>
+          </p:cNvSpPr>
+          <p:nvPr>
+            <p:ph type="title"/>
+          </p:nvPr>
+        </p:nvSpPr>
+        <p:spPr>
+          <a:xfrm>
+            <a:off x="504000" y="301320"/>
+            <a:ext cx="9072000" cy="1261800"/>
+          </a:xfrm>
+          <a:prstGeom prst="rect">
+            <a:avLst/>
+          </a:prstGeom>
+        </p:spPr>
+        <p:txBody>
+          <a:bodyPr lIns="0" rIns="0" tIns="0" bIns="0" anchor="ctr"/>
+          <a:p>
+            <a:pPr algn="ctr"/>
+            <a:r>
+              <a:rPr b="0" lang="cs-CZ" sz="4400" spc="-1" strike="noStrike">
+                <a:latin typeface="Arial"/>
+              </a:rPr>
+              <a:t>Klikněte pro úpravu formátu textu nadpisu</a:t>
+            </a:r>
+            <a:endParaRPr b="0" lang="cs-CZ" sz="4400" spc="-1" strike="noStrike">
+              <a:latin typeface="Arial"/>
+            </a:endParaRPr>
+          </a:p>
+        </p:txBody>
+      </p:sp>
+      <p:sp>
+        <p:nvSpPr>
+          <p:cNvPr id="77" name="PlaceHolder 2"/>
+          <p:cNvSpPr>
+            <a:spLocks noGrp="1"/>
+          </p:cNvSpPr>
+          <p:nvPr>
+            <p:ph type="body"/>
+          </p:nvPr>
+        </p:nvSpPr>
+        <p:spPr>
+          <a:xfrm>
+            <a:off x="504000" y="1768680"/>
+            <a:ext cx="9072000" cy="4384080"/>
+          </a:xfrm>
+          <a:prstGeom prst="rect">
+            <a:avLst/>
+          </a:prstGeom>
+        </p:spPr>
+        <p:txBody>
+          <a:bodyPr lIns="0" rIns="0" tIns="0" bIns="0">
+            <a:normAutofit/>
+          </a:bodyPr>
+          <a:p>
+            <a:pPr marL="432000" indent="-324000">
+              <a:spcBef>
+                <a:spcPts val="1417"/>
+              </a:spcBef>
+              <a:buClr>
+                <a:srgbClr val="000000"/>
+              </a:buClr>
+              <a:buSzPct val="45000"/>
+              <a:buFont typeface="Wingdings" charset="2"/>
+              <a:buChar char=""/>
+            </a:pPr>
+            <a:r>
+              <a:rPr b="0" lang="cs-CZ" sz="3200" spc="-1" strike="noStrike">
+                <a:latin typeface="Arial"/>
+              </a:rPr>
+              <a:t>Klikněte pro úpravu formátu textu osnovy</a:t>
+            </a:r>
+            <a:endParaRPr b="0" lang="cs-CZ" sz="3200" spc="-1" strike="noStrike">
+              <a:latin typeface="Arial"/>
+            </a:endParaRPr>
+          </a:p>
+          <a:p>
+            <a:pPr lvl="1" marL="864000" indent="-324000">
+              <a:spcBef>
+                <a:spcPts val="1134"/>
+              </a:spcBef>
+              <a:buClr>
+                <a:srgbClr val="000000"/>
+              </a:buClr>
+              <a:buSzPct val="75000"/>
+              <a:buFont typeface="Symbol" charset="2"/>
+              <a:buChar char=""/>
+            </a:pPr>
+            <a:r>
+              <a:rPr b="0" lang="cs-CZ" sz="2800" spc="-1" strike="noStrike">
+                <a:latin typeface="Arial"/>
+              </a:rPr>
+              <a:t>Druhá úroveň</a:t>
+            </a:r>
+            <a:endParaRPr b="0" lang="cs-CZ" sz="2800" spc="-1" strike="noStrike">
+              <a:latin typeface="Arial"/>
+            </a:endParaRPr>
+          </a:p>
+          <a:p>
+            <a:pPr lvl="2" marL="1296000" indent="-288000">
+              <a:spcBef>
+                <a:spcPts val="850"/>
+              </a:spcBef>
+              <a:buClr>
+                <a:srgbClr val="000000"/>
+              </a:buClr>
+              <a:buSzPct val="45000"/>
+              <a:buFont typeface="Wingdings" charset="2"/>
+              <a:buChar char=""/>
+            </a:pPr>
+            <a:r>
+              <a:rPr b="0" lang="cs-CZ" sz="2400" spc="-1" strike="noStrike">
+                <a:latin typeface="Arial"/>
+              </a:rPr>
+              <a:t>Třetí úroveň</a:t>
+            </a:r>
+            <a:endParaRPr b="0" lang="cs-CZ" sz="2400" spc="-1" strike="noStrike">
+              <a:latin typeface="Arial"/>
+            </a:endParaRPr>
+          </a:p>
+          <a:p>
+            <a:pPr lvl="3" marL="1728000" indent="-216000">
+              <a:spcBef>
+                <a:spcPts val="567"/>
+              </a:spcBef>
+              <a:buClr>
+                <a:srgbClr val="000000"/>
+              </a:buClr>
+              <a:buSzPct val="75000"/>
+              <a:buFont typeface="Symbol" charset="2"/>
+              <a:buChar char=""/>
+            </a:pPr>
+            <a:r>
+              <a:rPr b="0" lang="cs-CZ" sz="2000" spc="-1" strike="noStrike">
+                <a:latin typeface="Arial"/>
+              </a:rPr>
+              <a:t>Čtvrtá úroveň osnovy</a:t>
+            </a:r>
+            <a:endParaRPr b="0" lang="cs-CZ" sz="2000" spc="-1" strike="noStrike">
+              <a:latin typeface="Arial"/>
+            </a:endParaRPr>
+          </a:p>
+          <a:p>
+            <a:pPr lvl="4" marL="2160000" indent="-216000">
+              <a:spcBef>
+                <a:spcPts val="283"/>
+              </a:spcBef>
+              <a:buClr>
+                <a:srgbClr val="000000"/>
+              </a:buClr>
+              <a:buSzPct val="45000"/>
+              <a:buFont typeface="Wingdings" charset="2"/>
+              <a:buChar char=""/>
+            </a:pPr>
+            <a:r>
+              <a:rPr b="0" lang="cs-CZ" sz="2000" spc="-1" strike="noStrike">
+                <a:latin typeface="Arial"/>
+              </a:rPr>
+              <a:t>Pátá úroveň osnovy</a:t>
+            </a:r>
+            <a:endParaRPr b="0" lang="cs-CZ" sz="2000" spc="-1" strike="noStrike">
+              <a:latin typeface="Arial"/>
+            </a:endParaRPr>
+          </a:p>
+          <a:p>
+            <a:pPr lvl="5" marL="2592000" indent="-216000">
+              <a:spcBef>
+                <a:spcPts val="283"/>
+              </a:spcBef>
+              <a:buClr>
+                <a:srgbClr val="000000"/>
+              </a:buClr>
+              <a:buSzPct val="45000"/>
+              <a:buFont typeface="Wingdings" charset="2"/>
+              <a:buChar char=""/>
+            </a:pPr>
+            <a:r>
+              <a:rPr b="0" lang="cs-CZ" sz="2000" spc="-1" strike="noStrike">
+                <a:latin typeface="Arial"/>
+              </a:rPr>
+              <a:t>Šestá úroveň</a:t>
+            </a:r>
+            <a:endParaRPr b="0" lang="cs-CZ" sz="2000" spc="-1" strike="noStrike">
+              <a:latin typeface="Arial"/>
+            </a:endParaRPr>
+          </a:p>
+          <a:p>
+            <a:pPr lvl="6" marL="3024000" indent="-216000">
+              <a:spcBef>
+                <a:spcPts val="283"/>
+              </a:spcBef>
+              <a:buClr>
+                <a:srgbClr val="000000"/>
+              </a:buClr>
+              <a:buSzPct val="45000"/>
+              <a:buFont typeface="Wingdings" charset="2"/>
+              <a:buChar char=""/>
+            </a:pPr>
+            <a:r>
+              <a:rPr b="0" lang="cs-CZ" sz="2000" spc="-1" strike="noStrike">
+                <a:latin typeface="Arial"/>
+              </a:rPr>
+              <a:t>Sedmá úroveň</a:t>
+            </a:r>
+            <a:endParaRPr b="0" lang="cs-CZ" sz="2000" spc="-1" strike="noStrike">
+              <a:latin typeface="Arial"/>
+            </a:endParaRPr>
+          </a:p>
+        </p:txBody>
+      </p:sp>
+    </p:spTree>
+  </p:cSld>
+  <p:clrMap bg1="lt1" bg2="lt2" tx1="dk1" tx2="dk2" accent1="accent1" accent2="accent2" accent3="accent3" accent4="accent4" accent5="accent5" accent6="accent6" hlink="hlink" folHlink="folHlink"/>
+  <p:sldLayoutIdLst>
+    <p:sldLayoutId id="2147483675" r:id="rId3"/>
+    <p:sldLayoutId id="2147483676" r:id="rId4"/>
+    <p:sldLayoutId id="2147483677" r:id="rId5"/>
+    <p:sldLayoutId id="2147483678" r:id="rId6"/>
+    <p:sldLayoutId id="2147483679" r:id="rId7"/>
+    <p:sldLayoutId id="2147483680" r:id="rId8"/>
+    <p:sldLayoutId id="2147483681" r:id="rId9"/>
+    <p:sldLayoutId id="2147483682" r:id="rId10"/>
+    <p:sldLayoutId id="2147483683" r:id="rId11"/>
+    <p:sldLayoutId id="2147483684" r:id="rId12"/>
+    <p:sldLayoutId id="2147483685" r:id="rId13"/>
+    <p:sldLayoutId id="2147483686" r:id="rId14"/>
+  </p:sldLayoutIdLst>
+</p:sldMaster>
+</file>
+
 <file path=ppt/slides/slide1.xml><?xml version="1.0" encoding="utf-8"?>
 <p:sld xmlns:a="http://schemas.openxmlformats.org/drawingml/2006/main" xmlns:p="http://schemas.openxmlformats.org/presentationml/2006/main" xmlns:r="http://schemas.openxmlformats.org/officeDocument/2006/relationships" xmlns:p14="http://schemas.microsoft.com/office/powerpoint/2010/main" xmlns:p15="http://schemas.microsoft.com/office/powerpoint/2012/main" xmlns:mc="http://schemas.openxmlformats.org/markup-compatibility/2006">
   <p:cSld>
@@ -3224,14 +4815,14 @@
       </p:grpSpPr>
       <p:sp>
         <p:nvSpPr>
-          <p:cNvPr id="76" name="CustomShape 1"/>
+          <p:cNvPr id="114" name="CustomShape 1"/>
           <p:cNvSpPr/>
           <p:nvPr/>
         </p:nvSpPr>
         <p:spPr>
           <a:xfrm>
             <a:off x="504360" y="3528000"/>
-            <a:ext cx="9069840" cy="828360"/>
+            <a:ext cx="9069120" cy="827640"/>
           </a:xfrm>
           <a:prstGeom prst="rect">
             <a:avLst/>
@@ -3275,14 +4866,14 @@
       </p:sp>
       <p:sp>
         <p:nvSpPr>
-          <p:cNvPr id="77" name="CustomShape 2"/>
+          <p:cNvPr id="115" name="CustomShape 2"/>
           <p:cNvSpPr/>
           <p:nvPr/>
         </p:nvSpPr>
         <p:spPr>
           <a:xfrm>
             <a:off x="1728000" y="1080000"/>
-            <a:ext cx="6118200" cy="940680"/>
+            <a:ext cx="6117480" cy="939960"/>
           </a:xfrm>
           <a:prstGeom prst="rect">
             <a:avLst/>
@@ -3373,14 +4964,14 @@
       </p:grpSpPr>
       <p:sp>
         <p:nvSpPr>
-          <p:cNvPr id="78" name="CustomShape 1"/>
+          <p:cNvPr id="116" name="CustomShape 1"/>
           <p:cNvSpPr/>
           <p:nvPr/>
         </p:nvSpPr>
         <p:spPr>
           <a:xfrm>
-            <a:off x="504000" y="72000"/>
-            <a:ext cx="9069840" cy="862200"/>
+            <a:off x="504000" y="301320"/>
+            <a:ext cx="9071280" cy="849960"/>
           </a:xfrm>
           <a:prstGeom prst="rect">
             <a:avLst/>
@@ -3412,7 +5003,7 @@
                 <a:latin typeface="Arial"/>
                 <a:ea typeface="DejaVu Sans"/>
               </a:rPr>
-              <a:t>Pohyblivý obrázek – část 1</a:t>
+              <a:t>Program raketa</a:t>
             </a:r>
             <a:endParaRPr b="0" lang="cs-CZ" sz="4400" spc="-1" strike="noStrike">
               <a:latin typeface="Arial"/>
@@ -3422,14 +5013,14 @@
       </p:sp>
       <p:sp>
         <p:nvSpPr>
-          <p:cNvPr id="79" name="CustomShape 2"/>
+          <p:cNvPr id="117" name="CustomShape 2"/>
           <p:cNvSpPr/>
           <p:nvPr/>
         </p:nvSpPr>
         <p:spPr>
           <a:xfrm>
-            <a:off x="504000" y="1769040"/>
-            <a:ext cx="9069840" cy="4383000"/>
+            <a:off x="504000" y="1768680"/>
+            <a:ext cx="9071280" cy="4383360"/>
           </a:xfrm>
           <a:prstGeom prst="rect">
             <a:avLst/>
@@ -3450,300 +5041,107 @@
             <a:normAutofit/>
           </a:bodyPr>
           <a:p>
-            <a:pPr>
+            <a:pPr marL="432000" indent="-323280">
               <a:lnSpc>
                 <a:spcPct val="100000"/>
               </a:lnSpc>
+              <a:spcBef>
+                <a:spcPts val="1417"/>
+              </a:spcBef>
+              <a:buClr>
+                <a:srgbClr val="000000"/>
+              </a:buClr>
+              <a:buSzPct val="45000"/>
+              <a:buFont typeface="Wingdings" charset="2"/>
+              <a:buChar char=""/>
             </a:pPr>
             <a:r>
               <a:rPr b="0" lang="cs-CZ" sz="3200" spc="-1" strike="noStrike">
                 <a:solidFill>
                   <a:srgbClr val="000000"/>
                 </a:solidFill>
-                <a:latin typeface="Courier New"/>
-                <a:ea typeface="DejaVu Sans"/>
-              </a:rPr>
-              <a:t>from microbit import *</a:t>
-            </a:r>
-            <a:endParaRPr b="0" lang="cs-CZ" sz="3200" spc="-1" strike="noStrike">
-              <a:latin typeface="Arial"/>
-            </a:endParaRPr>
-          </a:p>
-          <a:p>
-            <a:pPr>
+                <a:latin typeface="Arial"/>
+                <a:ea typeface="DejaVu Sans"/>
+              </a:rPr>
+              <a:t>Jedná se vlastně o postupné zobrazení obrázků po půl sekundě</a:t>
+            </a:r>
+            <a:endParaRPr b="0" lang="cs-CZ" sz="3200" spc="-1" strike="noStrike">
+              <a:latin typeface="Arial"/>
+            </a:endParaRPr>
+          </a:p>
+          <a:p>
+            <a:pPr marL="432000" indent="-323280">
               <a:lnSpc>
                 <a:spcPct val="100000"/>
               </a:lnSpc>
+              <a:spcBef>
+                <a:spcPts val="1417"/>
+              </a:spcBef>
+              <a:buClr>
+                <a:srgbClr val="000000"/>
+              </a:buClr>
+              <a:buSzPct val="45000"/>
+              <a:buFont typeface="Wingdings" charset="2"/>
+              <a:buChar char=""/>
             </a:pPr>
             <a:r>
               <a:rPr b="0" lang="cs-CZ" sz="3200" spc="-1" strike="noStrike">
                 <a:solidFill>
                   <a:srgbClr val="000000"/>
                 </a:solidFill>
-                <a:latin typeface="Courier New"/>
-                <a:ea typeface="DejaVu Sans"/>
-              </a:rPr>
-              <a:t>raketa1 = Image("00900:"</a:t>
-            </a:r>
-            <a:endParaRPr b="0" lang="cs-CZ" sz="3200" spc="-1" strike="noStrike">
-              <a:latin typeface="Arial"/>
-            </a:endParaRPr>
-          </a:p>
-          <a:p>
-            <a:pPr>
+                <a:latin typeface="Arial"/>
+                <a:ea typeface="DejaVu Sans"/>
+              </a:rPr>
+              <a:t>Proměnná </a:t>
+            </a:r>
+            <a:r>
+              <a:rPr b="0" lang="cs-CZ" sz="3200" spc="-1" strike="noStrike">
+                <a:solidFill>
+                  <a:srgbClr val="000000"/>
+                </a:solidFill>
+                <a:latin typeface="FreeMono"/>
+                <a:ea typeface="DejaVu Sans"/>
+              </a:rPr>
+              <a:t>raketa</a:t>
+            </a:r>
+            <a:r>
+              <a:rPr b="0" lang="cs-CZ" sz="3200" spc="-1" strike="noStrike">
+                <a:solidFill>
+                  <a:srgbClr val="000000"/>
+                </a:solidFill>
+                <a:latin typeface="Arial"/>
+                <a:ea typeface="DejaVu Sans"/>
+              </a:rPr>
+              <a:t> je seznam (list) – uspořádaná n-tice, záleží na pořadí</a:t>
+            </a:r>
+            <a:endParaRPr b="0" lang="cs-CZ" sz="3200" spc="-1" strike="noStrike">
+              <a:latin typeface="Arial"/>
+            </a:endParaRPr>
+          </a:p>
+          <a:p>
+            <a:pPr marL="432000" indent="-323280">
               <a:lnSpc>
                 <a:spcPct val="100000"/>
               </a:lnSpc>
+              <a:spcBef>
+                <a:spcPts val="1417"/>
+              </a:spcBef>
+              <a:buClr>
+                <a:srgbClr val="000000"/>
+              </a:buClr>
+              <a:buSzPct val="45000"/>
+              <a:buFont typeface="Wingdings" charset="2"/>
+              <a:buChar char=""/>
             </a:pPr>
             <a:r>
               <a:rPr b="0" lang="cs-CZ" sz="3200" spc="-1" strike="noStrike">
                 <a:solidFill>
                   <a:srgbClr val="000000"/>
                 </a:solidFill>
-                <a:latin typeface="Courier New"/>
-                <a:ea typeface="DejaVu Sans"/>
-              </a:rPr>
-              <a:t>                </a:t>
-            </a:r>
-            <a:r>
-              <a:rPr b="0" lang="cs-CZ" sz="3200" spc="-1" strike="noStrike">
-                <a:solidFill>
-                  <a:srgbClr val="000000"/>
-                </a:solidFill>
-                <a:latin typeface="Courier New"/>
-                <a:ea typeface="DejaVu Sans"/>
-              </a:rPr>
-              <a:t>"05550:"</a:t>
-            </a:r>
-            <a:endParaRPr b="0" lang="cs-CZ" sz="3200" spc="-1" strike="noStrike">
-              <a:latin typeface="Arial"/>
-            </a:endParaRPr>
-          </a:p>
-          <a:p>
-            <a:pPr>
-              <a:lnSpc>
-                <a:spcPct val="100000"/>
-              </a:lnSpc>
-            </a:pPr>
-            <a:r>
-              <a:rPr b="0" lang="cs-CZ" sz="3200" spc="-1" strike="noStrike">
-                <a:solidFill>
-                  <a:srgbClr val="000000"/>
-                </a:solidFill>
-                <a:latin typeface="Courier New"/>
-                <a:ea typeface="DejaVu Sans"/>
-              </a:rPr>
-              <a:t>                </a:t>
-            </a:r>
-            <a:r>
-              <a:rPr b="0" lang="cs-CZ" sz="3200" spc="-1" strike="noStrike">
-                <a:solidFill>
-                  <a:srgbClr val="000000"/>
-                </a:solidFill>
-                <a:latin typeface="Courier New"/>
-                <a:ea typeface="DejaVu Sans"/>
-              </a:rPr>
-              <a:t>"05550:"</a:t>
-            </a:r>
-            <a:endParaRPr b="0" lang="cs-CZ" sz="3200" spc="-1" strike="noStrike">
-              <a:latin typeface="Arial"/>
-            </a:endParaRPr>
-          </a:p>
-          <a:p>
-            <a:pPr>
-              <a:lnSpc>
-                <a:spcPct val="100000"/>
-              </a:lnSpc>
-            </a:pPr>
-            <a:r>
-              <a:rPr b="0" lang="cs-CZ" sz="3200" spc="-1" strike="noStrike">
-                <a:solidFill>
-                  <a:srgbClr val="000000"/>
-                </a:solidFill>
-                <a:latin typeface="Courier New"/>
-                <a:ea typeface="DejaVu Sans"/>
-              </a:rPr>
-              <a:t>                </a:t>
-            </a:r>
-            <a:r>
-              <a:rPr b="0" lang="cs-CZ" sz="3200" spc="-1" strike="noStrike">
-                <a:solidFill>
-                  <a:srgbClr val="000000"/>
-                </a:solidFill>
-                <a:latin typeface="Courier New"/>
-                <a:ea typeface="DejaVu Sans"/>
-              </a:rPr>
-              <a:t>"09990:"</a:t>
-            </a:r>
-            <a:endParaRPr b="0" lang="cs-CZ" sz="3200" spc="-1" strike="noStrike">
-              <a:latin typeface="Arial"/>
-            </a:endParaRPr>
-          </a:p>
-          <a:p>
-            <a:pPr>
-              <a:lnSpc>
-                <a:spcPct val="100000"/>
-              </a:lnSpc>
-            </a:pPr>
-            <a:r>
-              <a:rPr b="0" lang="cs-CZ" sz="3200" spc="-1" strike="noStrike">
-                <a:solidFill>
-                  <a:srgbClr val="000000"/>
-                </a:solidFill>
-                <a:latin typeface="Courier New"/>
-                <a:ea typeface="DejaVu Sans"/>
-              </a:rPr>
-              <a:t>                </a:t>
-            </a:r>
-            <a:r>
-              <a:rPr b="0" lang="cs-CZ" sz="3200" spc="-1" strike="noStrike">
-                <a:solidFill>
-                  <a:srgbClr val="000000"/>
-                </a:solidFill>
-                <a:latin typeface="Courier New"/>
-                <a:ea typeface="DejaVu Sans"/>
-              </a:rPr>
-              <a:t>"90909:")</a:t>
-            </a:r>
-            <a:endParaRPr b="0" lang="cs-CZ" sz="3200" spc="-1" strike="noStrike">
-              <a:latin typeface="Arial"/>
-            </a:endParaRPr>
-          </a:p>
-          <a:p>
-            <a:pPr>
-              <a:lnSpc>
-                <a:spcPct val="100000"/>
-              </a:lnSpc>
-            </a:pPr>
-            <a:r>
-              <a:rPr b="0" lang="cs-CZ" sz="3200" spc="-1" strike="noStrike">
-                <a:solidFill>
-                  <a:srgbClr val="000000"/>
-                </a:solidFill>
-                <a:latin typeface="Courier New"/>
-                <a:ea typeface="DejaVu Sans"/>
-              </a:rPr>
-              <a:t>raketa2 = Image("00900:"</a:t>
-            </a:r>
-            <a:endParaRPr b="0" lang="cs-CZ" sz="3200" spc="-1" strike="noStrike">
-              <a:latin typeface="Arial"/>
-            </a:endParaRPr>
-          </a:p>
-          <a:p>
-            <a:pPr>
-              <a:lnSpc>
-                <a:spcPct val="100000"/>
-              </a:lnSpc>
-            </a:pPr>
-            <a:r>
-              <a:rPr b="0" lang="cs-CZ" sz="3200" spc="-1" strike="noStrike">
-                <a:solidFill>
-                  <a:srgbClr val="000000"/>
-                </a:solidFill>
-                <a:latin typeface="Courier New"/>
-                <a:ea typeface="DejaVu Sans"/>
-              </a:rPr>
-              <a:t>                </a:t>
-            </a:r>
-            <a:r>
-              <a:rPr b="0" lang="cs-CZ" sz="3200" spc="-1" strike="noStrike">
-                <a:solidFill>
-                  <a:srgbClr val="000000"/>
-                </a:solidFill>
-                <a:latin typeface="Courier New"/>
-                <a:ea typeface="DejaVu Sans"/>
-              </a:rPr>
-              <a:t>"05550:"</a:t>
-            </a:r>
-            <a:endParaRPr b="0" lang="cs-CZ" sz="3200" spc="-1" strike="noStrike">
-              <a:latin typeface="Arial"/>
-            </a:endParaRPr>
-          </a:p>
-          <a:p>
-            <a:pPr>
-              <a:lnSpc>
-                <a:spcPct val="100000"/>
-              </a:lnSpc>
-            </a:pPr>
-            <a:r>
-              <a:rPr b="0" lang="cs-CZ" sz="3200" spc="-1" strike="noStrike">
-                <a:solidFill>
-                  <a:srgbClr val="000000"/>
-                </a:solidFill>
-                <a:latin typeface="Courier New"/>
-                <a:ea typeface="DejaVu Sans"/>
-              </a:rPr>
-              <a:t>                </a:t>
-            </a:r>
-            <a:r>
-              <a:rPr b="0" lang="cs-CZ" sz="3200" spc="-1" strike="noStrike">
-                <a:solidFill>
-                  <a:srgbClr val="000000"/>
-                </a:solidFill>
-                <a:latin typeface="Courier New"/>
-                <a:ea typeface="DejaVu Sans"/>
-              </a:rPr>
-              <a:t>"05550:"</a:t>
-            </a:r>
-            <a:endParaRPr b="0" lang="cs-CZ" sz="3200" spc="-1" strike="noStrike">
-              <a:latin typeface="Arial"/>
-            </a:endParaRPr>
-          </a:p>
-          <a:p>
-            <a:pPr>
-              <a:lnSpc>
-                <a:spcPct val="100000"/>
-              </a:lnSpc>
-            </a:pPr>
-            <a:r>
-              <a:rPr b="0" lang="cs-CZ" sz="3200" spc="-1" strike="noStrike">
-                <a:solidFill>
-                  <a:srgbClr val="000000"/>
-                </a:solidFill>
-                <a:latin typeface="Courier New"/>
-                <a:ea typeface="DejaVu Sans"/>
-              </a:rPr>
-              <a:t>                </a:t>
-            </a:r>
-            <a:r>
-              <a:rPr b="0" lang="cs-CZ" sz="3200" spc="-1" strike="noStrike">
-                <a:solidFill>
-                  <a:srgbClr val="000000"/>
-                </a:solidFill>
-                <a:latin typeface="Courier New"/>
-                <a:ea typeface="DejaVu Sans"/>
-              </a:rPr>
-              <a:t>"09990:"</a:t>
-            </a:r>
-            <a:endParaRPr b="0" lang="cs-CZ" sz="3200" spc="-1" strike="noStrike">
-              <a:latin typeface="Arial"/>
-            </a:endParaRPr>
-          </a:p>
-          <a:p>
-            <a:pPr>
-              <a:lnSpc>
-                <a:spcPct val="100000"/>
-              </a:lnSpc>
-            </a:pPr>
-            <a:r>
-              <a:rPr b="0" lang="cs-CZ" sz="3200" spc="-1" strike="noStrike">
-                <a:solidFill>
-                  <a:srgbClr val="000000"/>
-                </a:solidFill>
-                <a:latin typeface="Courier New"/>
-                <a:ea typeface="DejaVu Sans"/>
-              </a:rPr>
-              <a:t>                </a:t>
-            </a:r>
-            <a:r>
-              <a:rPr b="0" lang="cs-CZ" sz="3200" spc="-1" strike="noStrike">
-                <a:solidFill>
-                  <a:srgbClr val="000000"/>
-                </a:solidFill>
-                <a:latin typeface="Courier New"/>
-                <a:ea typeface="DejaVu Sans"/>
-              </a:rPr>
-              <a:t>"99999:")</a:t>
+                <a:latin typeface="Arial"/>
+                <a:ea typeface="DejaVu Sans"/>
+              </a:rPr>
+              <a:t>Lze vypustit obrázek raketa6? Jak?</a:t>
             </a:r>
             <a:endParaRPr b="0" lang="cs-CZ" sz="3200" spc="-1" strike="noStrike">
               <a:latin typeface="Arial"/>
@@ -3802,14 +5200,14 @@
       </p:grpSpPr>
       <p:sp>
         <p:nvSpPr>
-          <p:cNvPr id="80" name="CustomShape 1"/>
+          <p:cNvPr id="118" name="CustomShape 1"/>
           <p:cNvSpPr/>
           <p:nvPr/>
         </p:nvSpPr>
         <p:spPr>
           <a:xfrm>
-            <a:off x="504000" y="72000"/>
-            <a:ext cx="9069840" cy="862200"/>
+            <a:off x="504000" y="301320"/>
+            <a:ext cx="9071280" cy="849960"/>
           </a:xfrm>
           <a:prstGeom prst="rect">
             <a:avLst/>
@@ -3841,7 +5239,7 @@
                 <a:latin typeface="Arial"/>
                 <a:ea typeface="DejaVu Sans"/>
               </a:rPr>
-              <a:t>Pohyblivý obrázek – část 2</a:t>
+              <a:t>Trocha teorie</a:t>
             </a:r>
             <a:endParaRPr b="0" lang="cs-CZ" sz="4400" spc="-1" strike="noStrike">
               <a:latin typeface="Arial"/>
@@ -3851,14 +5249,14 @@
       </p:sp>
       <p:sp>
         <p:nvSpPr>
-          <p:cNvPr id="81" name="CustomShape 2"/>
+          <p:cNvPr id="119" name="CustomShape 2"/>
           <p:cNvSpPr/>
           <p:nvPr/>
         </p:nvSpPr>
         <p:spPr>
           <a:xfrm>
-            <a:off x="504000" y="1769040"/>
-            <a:ext cx="9069840" cy="4383000"/>
+            <a:off x="504720" y="1944000"/>
+            <a:ext cx="9071280" cy="4383360"/>
           </a:xfrm>
           <a:prstGeom prst="rect">
             <a:avLst/>
@@ -3879,22 +5277,124 @@
             <a:normAutofit/>
           </a:bodyPr>
           <a:p>
+            <a:pPr marL="432000" indent="-323280">
+              <a:lnSpc>
+                <a:spcPct val="100000"/>
+              </a:lnSpc>
+              <a:spcBef>
+                <a:spcPts val="1417"/>
+              </a:spcBef>
+              <a:buClr>
+                <a:srgbClr val="000000"/>
+              </a:buClr>
+              <a:buSzPct val="45000"/>
+              <a:buFont typeface="Wingdings" charset="2"/>
+              <a:buChar char=""/>
+            </a:pPr>
+            <a:r>
+              <a:rPr b="0" lang="cs-CZ" sz="3200" spc="-1" strike="noStrike">
+                <a:solidFill>
+                  <a:srgbClr val="000000"/>
+                </a:solidFill>
+                <a:latin typeface="Arial"/>
+                <a:ea typeface="DejaVu Sans"/>
+              </a:rPr>
+              <a:t>Generování náhodných čísel</a:t>
+            </a:r>
+            <a:endParaRPr b="0" lang="cs-CZ" sz="3200" spc="-1" strike="noStrike">
+              <a:latin typeface="Arial"/>
+            </a:endParaRPr>
+          </a:p>
+          <a:p>
+            <a:pPr>
+              <a:lnSpc>
+                <a:spcPct val="100000"/>
+              </a:lnSpc>
+              <a:spcBef>
+                <a:spcPts val="1417"/>
+              </a:spcBef>
+            </a:pPr>
+            <a:endParaRPr b="0" lang="cs-CZ" sz="3200" spc="-1" strike="noStrike">
+              <a:latin typeface="Arial"/>
+            </a:endParaRPr>
+          </a:p>
+          <a:p>
             <a:pPr>
               <a:lnSpc>
                 <a:spcPct val="100000"/>
               </a:lnSpc>
             </a:pPr>
             <a:r>
-              <a:rPr b="0" lang="cs-CZ" sz="3200" spc="-1" strike="noStrike">
-                <a:solidFill>
-                  <a:srgbClr val="000000"/>
-                </a:solidFill>
-                <a:latin typeface="Courier New"/>
-                <a:ea typeface="DejaVu Sans"/>
-              </a:rPr>
-              <a:t>raketa3 = Image("05550:"</a:t>
-            </a:r>
-            <a:endParaRPr b="0" lang="cs-CZ" sz="3200" spc="-1" strike="noStrike">
+              <a:rPr b="0" lang="cs-CZ" sz="2800" spc="-1" strike="noStrike">
+                <a:solidFill>
+                  <a:srgbClr val="008000"/>
+                </a:solidFill>
+                <a:latin typeface="Courier New"/>
+                <a:ea typeface="DejaVu Sans"/>
+              </a:rPr>
+              <a:t>from</a:t>
+            </a:r>
+            <a:r>
+              <a:rPr b="0" lang="cs-CZ" sz="2800" spc="-1" strike="noStrike">
+                <a:solidFill>
+                  <a:srgbClr val="000000"/>
+                </a:solidFill>
+                <a:latin typeface="Courier New"/>
+                <a:ea typeface="DejaVu Sans"/>
+              </a:rPr>
+              <a:t> </a:t>
+            </a:r>
+            <a:r>
+              <a:rPr b="0" lang="cs-CZ" sz="2800" spc="-1" strike="noStrike">
+                <a:solidFill>
+                  <a:srgbClr val="0000ff"/>
+                </a:solidFill>
+                <a:latin typeface="Courier New"/>
+                <a:ea typeface="DejaVu Sans"/>
+              </a:rPr>
+              <a:t>microbit</a:t>
+            </a:r>
+            <a:r>
+              <a:rPr b="0" lang="cs-CZ" sz="2800" spc="-1" strike="noStrike">
+                <a:solidFill>
+                  <a:srgbClr val="000000"/>
+                </a:solidFill>
+                <a:latin typeface="Courier New"/>
+                <a:ea typeface="DejaVu Sans"/>
+              </a:rPr>
+              <a:t> </a:t>
+            </a:r>
+            <a:r>
+              <a:rPr b="0" lang="cs-CZ" sz="2800" spc="-1" strike="noStrike">
+                <a:solidFill>
+                  <a:srgbClr val="008000"/>
+                </a:solidFill>
+                <a:latin typeface="Courier New"/>
+                <a:ea typeface="DejaVu Sans"/>
+              </a:rPr>
+              <a:t>import</a:t>
+            </a:r>
+            <a:r>
+              <a:rPr b="0" lang="cs-CZ" sz="2800" spc="-1" strike="noStrike">
+                <a:solidFill>
+                  <a:srgbClr val="000000"/>
+                </a:solidFill>
+                <a:latin typeface="Courier New"/>
+                <a:ea typeface="DejaVu Sans"/>
+              </a:rPr>
+              <a:t> </a:t>
+            </a:r>
+            <a:r>
+              <a:rPr b="0" lang="cs-CZ" sz="2800" spc="-1" strike="noStrike">
+                <a:solidFill>
+                  <a:srgbClr val="666666"/>
+                </a:solidFill>
+                <a:latin typeface="Courier New"/>
+                <a:ea typeface="DejaVu Sans"/>
+              </a:rPr>
+              <a:t>*</a:t>
+            </a:r>
+            <a:endParaRPr b="0" lang="cs-CZ" sz="2800" spc="-1" strike="noStrike">
               <a:latin typeface="Arial"/>
             </a:endParaRPr>
           </a:p>
@@ -3905,26 +5405,36 @@
               </a:lnSpc>
             </a:pPr>
             <a:r>
-              <a:rPr b="0" lang="cs-CZ" sz="3200" spc="-1" strike="noStrike">
-                <a:solidFill>
-                  <a:srgbClr val="000000"/>
-                </a:solidFill>
-                <a:latin typeface="Courier New"/>
-                <a:ea typeface="DejaVu Sans"/>
-              </a:rPr>
-              <a:t>                </a:t>
-            </a:r>
-            <a:r>
-              <a:rPr b="0" lang="cs-CZ" sz="3200" spc="-1" strike="noStrike">
-                <a:solidFill>
-                  <a:srgbClr val="000000"/>
-                </a:solidFill>
-                <a:latin typeface="Courier New"/>
-                <a:ea typeface="DejaVu Sans"/>
-              </a:rPr>
-              <a:t>"05550:"</a:t>
-            </a:r>
-            <a:endParaRPr b="0" lang="cs-CZ" sz="3200" spc="-1" strike="noStrike">
+              <a:rPr b="0" lang="cs-CZ" sz="2800" spc="-1" strike="noStrike">
+                <a:solidFill>
+                  <a:srgbClr val="008000"/>
+                </a:solidFill>
+                <a:latin typeface="Courier New"/>
+                <a:ea typeface="DejaVu Sans"/>
+              </a:rPr>
+              <a:t>import</a:t>
+            </a:r>
+            <a:r>
+              <a:rPr b="0" lang="cs-CZ" sz="2800" spc="-1" strike="noStrike">
+                <a:solidFill>
+                  <a:srgbClr val="000000"/>
+                </a:solidFill>
+                <a:latin typeface="Courier New"/>
+                <a:ea typeface="DejaVu Sans"/>
+              </a:rPr>
+              <a:t> </a:t>
+            </a:r>
+            <a:r>
+              <a:rPr b="0" lang="cs-CZ" sz="2800" spc="-1" strike="noStrike">
+                <a:solidFill>
+                  <a:srgbClr val="0000ff"/>
+                </a:solidFill>
+                <a:latin typeface="Courier New"/>
+                <a:ea typeface="DejaVu Sans"/>
+              </a:rPr>
+              <a:t>random</a:t>
+            </a:r>
+            <a:endParaRPr b="0" lang="cs-CZ" sz="2800" spc="-1" strike="noStrike">
               <a:latin typeface="Arial"/>
             </a:endParaRPr>
           </a:p>
@@ -3935,26 +5445,96 @@
               </a:lnSpc>
             </a:pPr>
             <a:r>
-              <a:rPr b="0" lang="cs-CZ" sz="3200" spc="-1" strike="noStrike">
-                <a:solidFill>
-                  <a:srgbClr val="000000"/>
-                </a:solidFill>
-                <a:latin typeface="Courier New"/>
-                <a:ea typeface="DejaVu Sans"/>
-              </a:rPr>
-              <a:t>                </a:t>
-            </a:r>
-            <a:r>
-              <a:rPr b="0" lang="cs-CZ" sz="3200" spc="-1" strike="noStrike">
-                <a:solidFill>
-                  <a:srgbClr val="000000"/>
-                </a:solidFill>
-                <a:latin typeface="Courier New"/>
-                <a:ea typeface="DejaVu Sans"/>
-              </a:rPr>
-              <a:t>"09990:"</a:t>
-            </a:r>
-            <a:endParaRPr b="0" lang="cs-CZ" sz="3200" spc="-1" strike="noStrike">
+              <a:rPr b="0" lang="cs-CZ" sz="2800" spc="-1" strike="noStrike">
+                <a:solidFill>
+                  <a:srgbClr val="000000"/>
+                </a:solidFill>
+                <a:latin typeface="Courier New"/>
+                <a:ea typeface="DejaVu Sans"/>
+              </a:rPr>
+              <a:t>x </a:t>
+            </a:r>
+            <a:r>
+              <a:rPr b="0" lang="cs-CZ" sz="2800" spc="-1" strike="noStrike">
+                <a:solidFill>
+                  <a:srgbClr val="666666"/>
+                </a:solidFill>
+                <a:latin typeface="Courier New"/>
+                <a:ea typeface="DejaVu Sans"/>
+              </a:rPr>
+              <a:t>=</a:t>
+            </a:r>
+            <a:r>
+              <a:rPr b="0" lang="cs-CZ" sz="2800" spc="-1" strike="noStrike">
+                <a:solidFill>
+                  <a:srgbClr val="000000"/>
+                </a:solidFill>
+                <a:latin typeface="Courier New"/>
+                <a:ea typeface="DejaVu Sans"/>
+              </a:rPr>
+              <a:t> random</a:t>
+            </a:r>
+            <a:r>
+              <a:rPr b="0" lang="cs-CZ" sz="2800" spc="-1" strike="noStrike">
+                <a:solidFill>
+                  <a:srgbClr val="666666"/>
+                </a:solidFill>
+                <a:latin typeface="Courier New"/>
+                <a:ea typeface="DejaVu Sans"/>
+              </a:rPr>
+              <a:t>.</a:t>
+            </a:r>
+            <a:r>
+              <a:rPr b="0" lang="cs-CZ" sz="2800" spc="-1" strike="noStrike">
+                <a:solidFill>
+                  <a:srgbClr val="000000"/>
+                </a:solidFill>
+                <a:latin typeface="Courier New"/>
+                <a:ea typeface="DejaVu Sans"/>
+              </a:rPr>
+              <a:t>randint(</a:t>
+            </a:r>
+            <a:r>
+              <a:rPr b="0" lang="cs-CZ" sz="2800" spc="-1" strike="noStrike">
+                <a:solidFill>
+                  <a:srgbClr val="666666"/>
+                </a:solidFill>
+                <a:latin typeface="Courier New"/>
+                <a:ea typeface="DejaVu Sans"/>
+              </a:rPr>
+              <a:t>0</a:t>
+            </a:r>
+            <a:r>
+              <a:rPr b="0" lang="cs-CZ" sz="2800" spc="-1" strike="noStrike">
+                <a:solidFill>
+                  <a:srgbClr val="000000"/>
+                </a:solidFill>
+                <a:latin typeface="Courier New"/>
+                <a:ea typeface="DejaVu Sans"/>
+              </a:rPr>
+              <a:t>, </a:t>
+            </a:r>
+            <a:r>
+              <a:rPr b="0" lang="cs-CZ" sz="2800" spc="-1" strike="noStrike">
+                <a:solidFill>
+                  <a:srgbClr val="666666"/>
+                </a:solidFill>
+                <a:latin typeface="Courier New"/>
+                <a:ea typeface="DejaVu Sans"/>
+              </a:rPr>
+              <a:t>4</a:t>
+            </a:r>
+            <a:r>
+              <a:rPr b="0" lang="cs-CZ" sz="2800" spc="-1" strike="noStrike">
+                <a:solidFill>
+                  <a:srgbClr val="000000"/>
+                </a:solidFill>
+                <a:latin typeface="Courier New"/>
+                <a:ea typeface="DejaVu Sans"/>
+              </a:rPr>
+              <a:t>)</a:t>
+            </a:r>
+            <a:endParaRPr b="0" lang="cs-CZ" sz="2800" spc="-1" strike="noStrike">
               <a:latin typeface="Arial"/>
             </a:endParaRPr>
           </a:p>
@@ -3964,197 +5544,63 @@
                 <a:spcPct val="100000"/>
               </a:lnSpc>
             </a:pPr>
-            <a:r>
-              <a:rPr b="0" lang="cs-CZ" sz="3200" spc="-1" strike="noStrike">
-                <a:solidFill>
-                  <a:srgbClr val="000000"/>
-                </a:solidFill>
-                <a:latin typeface="Courier New"/>
-                <a:ea typeface="DejaVu Sans"/>
-              </a:rPr>
-              <a:t>                </a:t>
-            </a:r>
-            <a:r>
-              <a:rPr b="0" lang="cs-CZ" sz="3200" spc="-1" strike="noStrike">
-                <a:solidFill>
-                  <a:srgbClr val="000000"/>
-                </a:solidFill>
-                <a:latin typeface="Courier New"/>
-                <a:ea typeface="DejaVu Sans"/>
-              </a:rPr>
-              <a:t>"99999:"</a:t>
-            </a:r>
-            <a:endParaRPr b="0" lang="cs-CZ" sz="3200" spc="-1" strike="noStrike">
-              <a:latin typeface="Arial"/>
-            </a:endParaRPr>
-          </a:p>
-          <a:p>
-            <a:pPr>
+            <a:endParaRPr b="0" lang="cs-CZ" sz="2800" spc="-1" strike="noStrike">
+              <a:latin typeface="Arial"/>
+            </a:endParaRPr>
+          </a:p>
+          <a:p>
+            <a:pPr marL="432000" indent="-323280">
               <a:lnSpc>
                 <a:spcPct val="100000"/>
               </a:lnSpc>
+              <a:buClr>
+                <a:srgbClr val="000000"/>
+              </a:buClr>
+              <a:buSzPct val="45000"/>
+              <a:buFont typeface="Wingdings" charset="2"/>
+              <a:buChar char=""/>
             </a:pPr>
             <a:r>
-              <a:rPr b="0" lang="cs-CZ" sz="3200" spc="-1" strike="noStrike">
-                <a:solidFill>
-                  <a:srgbClr val="000000"/>
-                </a:solidFill>
-                <a:latin typeface="Courier New"/>
-                <a:ea typeface="DejaVu Sans"/>
-              </a:rPr>
-              <a:t>                </a:t>
-            </a:r>
-            <a:r>
-              <a:rPr b="0" lang="cs-CZ" sz="3200" spc="-1" strike="noStrike">
-                <a:solidFill>
-                  <a:srgbClr val="000000"/>
-                </a:solidFill>
-                <a:latin typeface="Courier New"/>
-                <a:ea typeface="DejaVu Sans"/>
-              </a:rPr>
-              <a:t>"00000:")</a:t>
-            </a:r>
-            <a:endParaRPr b="0" lang="cs-CZ" sz="3200" spc="-1" strike="noStrike">
-              <a:latin typeface="Arial"/>
-            </a:endParaRPr>
-          </a:p>
-          <a:p>
-            <a:pPr>
-              <a:lnSpc>
-                <a:spcPct val="100000"/>
-              </a:lnSpc>
-            </a:pPr>
-            <a:r>
-              <a:rPr b="0" lang="cs-CZ" sz="3200" spc="-1" strike="noStrike">
-                <a:solidFill>
-                  <a:srgbClr val="000000"/>
-                </a:solidFill>
-                <a:latin typeface="Courier New"/>
-                <a:ea typeface="DejaVu Sans"/>
-              </a:rPr>
-              <a:t>raketa4 = Image("09990:"</a:t>
-            </a:r>
-            <a:endParaRPr b="0" lang="cs-CZ" sz="3200" spc="-1" strike="noStrike">
-              <a:latin typeface="Arial"/>
-            </a:endParaRPr>
-          </a:p>
-          <a:p>
-            <a:pPr>
-              <a:lnSpc>
-                <a:spcPct val="100000"/>
-              </a:lnSpc>
-            </a:pPr>
-            <a:r>
-              <a:rPr b="0" lang="cs-CZ" sz="3200" spc="-1" strike="noStrike">
-                <a:solidFill>
-                  <a:srgbClr val="000000"/>
-                </a:solidFill>
-                <a:latin typeface="Courier New"/>
-                <a:ea typeface="DejaVu Sans"/>
-              </a:rPr>
-              <a:t>                </a:t>
-            </a:r>
-            <a:r>
-              <a:rPr b="0" lang="cs-CZ" sz="3200" spc="-1" strike="noStrike">
-                <a:solidFill>
-                  <a:srgbClr val="000000"/>
-                </a:solidFill>
-                <a:latin typeface="Courier New"/>
-                <a:ea typeface="DejaVu Sans"/>
-              </a:rPr>
-              <a:t>"99999:"</a:t>
-            </a:r>
-            <a:endParaRPr b="0" lang="cs-CZ" sz="3200" spc="-1" strike="noStrike">
-              <a:latin typeface="Arial"/>
-            </a:endParaRPr>
-          </a:p>
-          <a:p>
-            <a:pPr>
-              <a:lnSpc>
-                <a:spcPct val="100000"/>
-              </a:lnSpc>
-            </a:pPr>
-            <a:r>
-              <a:rPr b="0" lang="cs-CZ" sz="3200" spc="-1" strike="noStrike">
-                <a:solidFill>
-                  <a:srgbClr val="000000"/>
-                </a:solidFill>
-                <a:latin typeface="Courier New"/>
-                <a:ea typeface="DejaVu Sans"/>
-              </a:rPr>
-              <a:t>                </a:t>
-            </a:r>
-            <a:r>
-              <a:rPr b="0" lang="cs-CZ" sz="3200" spc="-1" strike="noStrike">
-                <a:solidFill>
-                  <a:srgbClr val="000000"/>
-                </a:solidFill>
-                <a:latin typeface="Courier New"/>
-                <a:ea typeface="DejaVu Sans"/>
-              </a:rPr>
-              <a:t>"00000:"</a:t>
-            </a:r>
-            <a:endParaRPr b="0" lang="cs-CZ" sz="3200" spc="-1" strike="noStrike">
-              <a:latin typeface="Arial"/>
-            </a:endParaRPr>
-          </a:p>
-          <a:p>
-            <a:pPr>
-              <a:lnSpc>
-                <a:spcPct val="100000"/>
-              </a:lnSpc>
-            </a:pPr>
-            <a:r>
-              <a:rPr b="0" lang="cs-CZ" sz="3200" spc="-1" strike="noStrike">
-                <a:solidFill>
-                  <a:srgbClr val="000000"/>
-                </a:solidFill>
-                <a:latin typeface="Courier New"/>
-                <a:ea typeface="DejaVu Sans"/>
-              </a:rPr>
-              <a:t>                </a:t>
-            </a:r>
-            <a:r>
-              <a:rPr b="0" lang="cs-CZ" sz="3200" spc="-1" strike="noStrike">
-                <a:solidFill>
-                  <a:srgbClr val="000000"/>
-                </a:solidFill>
-                <a:latin typeface="Courier New"/>
-                <a:ea typeface="DejaVu Sans"/>
-              </a:rPr>
-              <a:t>"00000:"</a:t>
-            </a:r>
-            <a:endParaRPr b="0" lang="cs-CZ" sz="3200" spc="-1" strike="noStrike">
-              <a:latin typeface="Arial"/>
-            </a:endParaRPr>
-          </a:p>
-          <a:p>
-            <a:pPr>
-              <a:lnSpc>
-                <a:spcPct val="100000"/>
-              </a:lnSpc>
-            </a:pPr>
-            <a:r>
-              <a:rPr b="0" lang="cs-CZ" sz="3200" spc="-1" strike="noStrike">
-                <a:solidFill>
-                  <a:srgbClr val="000000"/>
-                </a:solidFill>
-                <a:latin typeface="Courier New"/>
-                <a:ea typeface="DejaVu Sans"/>
-              </a:rPr>
-              <a:t>                </a:t>
-            </a:r>
-            <a:r>
-              <a:rPr b="0" lang="cs-CZ" sz="3200" spc="-1" strike="noStrike">
-                <a:solidFill>
-                  <a:srgbClr val="000000"/>
-                </a:solidFill>
-                <a:latin typeface="Courier New"/>
-                <a:ea typeface="DejaVu Sans"/>
-              </a:rPr>
-              <a:t>"00000:")</a:t>
-            </a:r>
-            <a:endParaRPr b="0" lang="cs-CZ" sz="3200" spc="-1" strike="noStrike">
+              <a:rPr b="0" lang="cs-CZ" sz="2800" spc="-1" strike="noStrike">
+                <a:solidFill>
+                  <a:srgbClr val="000000"/>
+                </a:solidFill>
+                <a:latin typeface="Arial"/>
+                <a:ea typeface="DejaVu Sans"/>
+              </a:rPr>
+              <a:t>V x je celé náhodné číslo z intervalu </a:t>
+            </a:r>
+            <a:r>
+              <a:rPr b="0" lang="cs-CZ" sz="2800" spc="-1" strike="noStrike">
+                <a:solidFill>
+                  <a:srgbClr val="666666"/>
+                </a:solidFill>
+                <a:latin typeface="Arial"/>
+                <a:ea typeface="DejaVu Sans"/>
+              </a:rPr>
+              <a:t>&lt;0</a:t>
+            </a:r>
+            <a:r>
+              <a:rPr b="0" lang="cs-CZ" sz="2800" spc="-1" strike="noStrike">
+                <a:solidFill>
+                  <a:srgbClr val="000000"/>
+                </a:solidFill>
+                <a:latin typeface="Arial"/>
+                <a:ea typeface="DejaVu Sans"/>
+              </a:rPr>
+              <a:t>,</a:t>
+            </a:r>
+            <a:r>
+              <a:rPr b="0" lang="cs-CZ" sz="2800" spc="-1" strike="noStrike">
+                <a:solidFill>
+                  <a:srgbClr val="666666"/>
+                </a:solidFill>
+                <a:latin typeface="Arial"/>
+                <a:ea typeface="DejaVu Sans"/>
+              </a:rPr>
+              <a:t>4&gt;</a:t>
+            </a:r>
+            <a:endParaRPr b="0" lang="cs-CZ" sz="2800" spc="-1" strike="noStrike">
               <a:latin typeface="Arial"/>
             </a:endParaRPr>
           </a:p>
@@ -4211,14 +5657,14 @@
       </p:grpSpPr>
       <p:sp>
         <p:nvSpPr>
-          <p:cNvPr id="82" name="CustomShape 1"/>
+          <p:cNvPr id="120" name="CustomShape 1"/>
           <p:cNvSpPr/>
           <p:nvPr/>
         </p:nvSpPr>
         <p:spPr>
           <a:xfrm>
             <a:off x="504000" y="72000"/>
-            <a:ext cx="9069840" cy="862200"/>
+            <a:ext cx="9069120" cy="861480"/>
           </a:xfrm>
           <a:prstGeom prst="rect">
             <a:avLst/>
@@ -4243,31 +5689,31 @@
               </a:lnSpc>
             </a:pPr>
             <a:r>
-              <a:rPr b="0" lang="cs-CZ" sz="4400" spc="-1" strike="noStrike">
+              <a:rPr b="0" lang="cs-CZ" sz="3600" spc="-1" strike="noStrike">
                 <a:solidFill>
                   <a:srgbClr val="000000"/>
                 </a:solidFill>
                 <a:latin typeface="Arial"/>
                 <a:ea typeface="DejaVu Sans"/>
               </a:rPr>
-              <a:t>Pohyblivý obrázek – část 3</a:t>
-            </a:r>
-            <a:endParaRPr b="0" lang="cs-CZ" sz="4400" spc="-1" strike="noStrike">
-              <a:latin typeface="Arial"/>
-            </a:endParaRPr>
-          </a:p>
-        </p:txBody>
-      </p:sp>
-      <p:sp>
-        <p:nvSpPr>
-          <p:cNvPr id="83" name="CustomShape 2"/>
+              <a:t>Hvězdná obloha – náhodné rozsvěcení diod</a:t>
+            </a:r>
+            <a:endParaRPr b="0" lang="cs-CZ" sz="3600" spc="-1" strike="noStrike">
+              <a:latin typeface="Arial"/>
+            </a:endParaRPr>
+          </a:p>
+        </p:txBody>
+      </p:sp>
+      <p:sp>
+        <p:nvSpPr>
+          <p:cNvPr id="121" name="CustomShape 2"/>
           <p:cNvSpPr/>
           <p:nvPr/>
         </p:nvSpPr>
         <p:spPr>
           <a:xfrm>
             <a:off x="504000" y="1769040"/>
-            <a:ext cx="9069840" cy="4383000"/>
+            <a:ext cx="9069120" cy="4382280"/>
           </a:xfrm>
           <a:prstGeom prst="rect">
             <a:avLst/>
@@ -4294,16 +5740,76 @@
               </a:lnSpc>
             </a:pPr>
             <a:r>
-              <a:rPr b="0" lang="cs-CZ" sz="3200" spc="-1" strike="noStrike">
-                <a:solidFill>
-                  <a:srgbClr val="000000"/>
-                </a:solidFill>
-                <a:latin typeface="Courier New"/>
-                <a:ea typeface="DejaVu Sans"/>
-              </a:rPr>
-              <a:t>raketa5 = Image("99999:"</a:t>
-            </a:r>
-            <a:endParaRPr b="0" lang="cs-CZ" sz="3200" spc="-1" strike="noStrike">
+              <a:rPr b="0" lang="cs-CZ" sz="2800" spc="-1" strike="noStrike">
+                <a:solidFill>
+                  <a:srgbClr val="008000"/>
+                </a:solidFill>
+                <a:latin typeface="Courier New"/>
+                <a:ea typeface="DejaVu Sans"/>
+              </a:rPr>
+              <a:t>from</a:t>
+            </a:r>
+            <a:r>
+              <a:rPr b="0" lang="cs-CZ" sz="2800" spc="-1" strike="noStrike">
+                <a:solidFill>
+                  <a:srgbClr val="000000"/>
+                </a:solidFill>
+                <a:latin typeface="Courier New"/>
+                <a:ea typeface="DejaVu Sans"/>
+              </a:rPr>
+              <a:t> </a:t>
+            </a:r>
+            <a:r>
+              <a:rPr b="0" lang="cs-CZ" sz="2800" spc="-1" strike="noStrike">
+                <a:solidFill>
+                  <a:srgbClr val="0000ff"/>
+                </a:solidFill>
+                <a:latin typeface="Courier New"/>
+                <a:ea typeface="DejaVu Sans"/>
+              </a:rPr>
+              <a:t>microbit</a:t>
+            </a:r>
+            <a:r>
+              <a:rPr b="0" lang="cs-CZ" sz="2800" spc="-1" strike="noStrike">
+                <a:solidFill>
+                  <a:srgbClr val="000000"/>
+                </a:solidFill>
+                <a:latin typeface="Courier New"/>
+                <a:ea typeface="DejaVu Sans"/>
+              </a:rPr>
+              <a:t> </a:t>
+            </a:r>
+            <a:r>
+              <a:rPr b="0" lang="cs-CZ" sz="2800" spc="-1" strike="noStrike">
+                <a:solidFill>
+                  <a:srgbClr val="008000"/>
+                </a:solidFill>
+                <a:latin typeface="Courier New"/>
+                <a:ea typeface="DejaVu Sans"/>
+              </a:rPr>
+              <a:t>import</a:t>
+            </a:r>
+            <a:r>
+              <a:rPr b="0" lang="cs-CZ" sz="2800" spc="-1" strike="noStrike">
+                <a:solidFill>
+                  <a:srgbClr val="000000"/>
+                </a:solidFill>
+                <a:latin typeface="Courier New"/>
+                <a:ea typeface="DejaVu Sans"/>
+              </a:rPr>
+              <a:t> </a:t>
+            </a:r>
+            <a:r>
+              <a:rPr b="0" lang="cs-CZ" sz="2800" spc="-1" strike="noStrike">
+                <a:solidFill>
+                  <a:srgbClr val="666666"/>
+                </a:solidFill>
+                <a:latin typeface="Courier New"/>
+                <a:ea typeface="DejaVu Sans"/>
+              </a:rPr>
+              <a:t>*</a:t>
+            </a:r>
+            <a:endParaRPr b="0" lang="cs-CZ" sz="2800" spc="-1" strike="noStrike">
               <a:latin typeface="Arial"/>
             </a:endParaRPr>
           </a:p>
@@ -4314,26 +5820,36 @@
               </a:lnSpc>
             </a:pPr>
             <a:r>
-              <a:rPr b="0" lang="cs-CZ" sz="3200" spc="-1" strike="noStrike">
-                <a:solidFill>
-                  <a:srgbClr val="000000"/>
-                </a:solidFill>
-                <a:latin typeface="Courier New"/>
-                <a:ea typeface="DejaVu Sans"/>
-              </a:rPr>
-              <a:t>                </a:t>
-            </a:r>
-            <a:r>
-              <a:rPr b="0" lang="cs-CZ" sz="3200" spc="-1" strike="noStrike">
-                <a:solidFill>
-                  <a:srgbClr val="000000"/>
-                </a:solidFill>
-                <a:latin typeface="Courier New"/>
-                <a:ea typeface="DejaVu Sans"/>
-              </a:rPr>
-              <a:t>"00000:"</a:t>
-            </a:r>
-            <a:endParaRPr b="0" lang="cs-CZ" sz="3200" spc="-1" strike="noStrike">
+              <a:rPr b="0" lang="cs-CZ" sz="2800" spc="-1" strike="noStrike">
+                <a:solidFill>
+                  <a:srgbClr val="008000"/>
+                </a:solidFill>
+                <a:latin typeface="Courier New"/>
+                <a:ea typeface="DejaVu Sans"/>
+              </a:rPr>
+              <a:t>import</a:t>
+            </a:r>
+            <a:r>
+              <a:rPr b="0" lang="cs-CZ" sz="2800" spc="-1" strike="noStrike">
+                <a:solidFill>
+                  <a:srgbClr val="000000"/>
+                </a:solidFill>
+                <a:latin typeface="Courier New"/>
+                <a:ea typeface="DejaVu Sans"/>
+              </a:rPr>
+              <a:t> </a:t>
+            </a:r>
+            <a:r>
+              <a:rPr b="0" lang="cs-CZ" sz="2800" spc="-1" strike="noStrike">
+                <a:solidFill>
+                  <a:srgbClr val="0000ff"/>
+                </a:solidFill>
+                <a:latin typeface="Courier New"/>
+                <a:ea typeface="DejaVu Sans"/>
+              </a:rPr>
+              <a:t>random</a:t>
+            </a:r>
+            <a:endParaRPr b="0" lang="cs-CZ" sz="2800" spc="-1" strike="noStrike">
               <a:latin typeface="Arial"/>
             </a:endParaRPr>
           </a:p>
@@ -4344,26 +5860,46 @@
               </a:lnSpc>
             </a:pPr>
             <a:r>
-              <a:rPr b="0" lang="cs-CZ" sz="3200" spc="-1" strike="noStrike">
-                <a:solidFill>
-                  <a:srgbClr val="000000"/>
-                </a:solidFill>
-                <a:latin typeface="Courier New"/>
-                <a:ea typeface="DejaVu Sans"/>
-              </a:rPr>
-              <a:t>                </a:t>
-            </a:r>
-            <a:r>
-              <a:rPr b="0" lang="cs-CZ" sz="3200" spc="-1" strike="noStrike">
-                <a:solidFill>
-                  <a:srgbClr val="000000"/>
-                </a:solidFill>
-                <a:latin typeface="Courier New"/>
-                <a:ea typeface="DejaVu Sans"/>
-              </a:rPr>
-              <a:t>"00000:"</a:t>
-            </a:r>
-            <a:endParaRPr b="0" lang="cs-CZ" sz="3200" spc="-1" strike="noStrike">
+              <a:rPr b="0" lang="cs-CZ" sz="2800" spc="-1" strike="noStrike">
+                <a:solidFill>
+                  <a:srgbClr val="008000"/>
+                </a:solidFill>
+                <a:latin typeface="Courier New"/>
+                <a:ea typeface="DejaVu Sans"/>
+              </a:rPr>
+              <a:t>while</a:t>
+            </a:r>
+            <a:r>
+              <a:rPr b="0" lang="cs-CZ" sz="2800" spc="-1" strike="noStrike">
+                <a:solidFill>
+                  <a:srgbClr val="000000"/>
+                </a:solidFill>
+                <a:latin typeface="Courier New"/>
+                <a:ea typeface="DejaVu Sans"/>
+              </a:rPr>
+              <a:t> </a:t>
+            </a:r>
+            <a:r>
+              <a:rPr b="0" lang="cs-CZ" sz="2800" spc="-1" strike="noStrike">
+                <a:solidFill>
+                  <a:srgbClr val="008000"/>
+                </a:solidFill>
+                <a:latin typeface="Courier New"/>
+                <a:ea typeface="DejaVu Sans"/>
+              </a:rPr>
+              <a:t>True</a:t>
+            </a:r>
+            <a:r>
+              <a:rPr b="0" lang="cs-CZ" sz="2800" spc="-1" strike="noStrike">
+                <a:solidFill>
+                  <a:srgbClr val="000000"/>
+                </a:solidFill>
+                <a:latin typeface="Courier New"/>
+                <a:ea typeface="DejaVu Sans"/>
+              </a:rPr>
+              <a:t>:</a:t>
+            </a:r>
+            <a:endParaRPr b="0" lang="cs-CZ" sz="2800" spc="-1" strike="noStrike">
               <a:latin typeface="Arial"/>
             </a:endParaRPr>
           </a:p>
@@ -4374,26 +5910,106 @@
               </a:lnSpc>
             </a:pPr>
             <a:r>
-              <a:rPr b="0" lang="cs-CZ" sz="3200" spc="-1" strike="noStrike">
-                <a:solidFill>
-                  <a:srgbClr val="000000"/>
-                </a:solidFill>
-                <a:latin typeface="Courier New"/>
-                <a:ea typeface="DejaVu Sans"/>
-              </a:rPr>
-              <a:t>                </a:t>
-            </a:r>
-            <a:r>
-              <a:rPr b="0" lang="cs-CZ" sz="3200" spc="-1" strike="noStrike">
-                <a:solidFill>
-                  <a:srgbClr val="000000"/>
-                </a:solidFill>
-                <a:latin typeface="Courier New"/>
-                <a:ea typeface="DejaVu Sans"/>
-              </a:rPr>
-              <a:t>"00000:"</a:t>
-            </a:r>
-            <a:endParaRPr b="0" lang="cs-CZ" sz="3200" spc="-1" strike="noStrike">
+              <a:rPr b="0" lang="cs-CZ" sz="2800" spc="-1" strike="noStrike">
+                <a:solidFill>
+                  <a:srgbClr val="000000"/>
+                </a:solidFill>
+                <a:latin typeface="Courier New"/>
+                <a:ea typeface="DejaVu Sans"/>
+              </a:rPr>
+              <a:t>    </a:t>
+            </a:r>
+            <a:r>
+              <a:rPr b="0" lang="cs-CZ" sz="2800" spc="-1" strike="noStrike">
+                <a:solidFill>
+                  <a:srgbClr val="000000"/>
+                </a:solidFill>
+                <a:latin typeface="Courier New"/>
+                <a:ea typeface="DejaVu Sans"/>
+              </a:rPr>
+              <a:t>x </a:t>
+            </a:r>
+            <a:r>
+              <a:rPr b="0" lang="cs-CZ" sz="2800" spc="-1" strike="noStrike">
+                <a:solidFill>
+                  <a:srgbClr val="666666"/>
+                </a:solidFill>
+                <a:latin typeface="Courier New"/>
+                <a:ea typeface="DejaVu Sans"/>
+              </a:rPr>
+              <a:t>=</a:t>
+            </a:r>
+            <a:r>
+              <a:rPr b="0" lang="cs-CZ" sz="2800" spc="-1" strike="noStrike">
+                <a:solidFill>
+                  <a:srgbClr val="000000"/>
+                </a:solidFill>
+                <a:latin typeface="Courier New"/>
+                <a:ea typeface="DejaVu Sans"/>
+              </a:rPr>
+              <a:t> random</a:t>
+            </a:r>
+            <a:r>
+              <a:rPr b="0" lang="cs-CZ" sz="2800" spc="-1" strike="noStrike">
+                <a:solidFill>
+                  <a:srgbClr val="666666"/>
+                </a:solidFill>
+                <a:latin typeface="Courier New"/>
+                <a:ea typeface="DejaVu Sans"/>
+              </a:rPr>
+              <a:t>.</a:t>
+            </a:r>
+            <a:r>
+              <a:rPr b="0" lang="cs-CZ" sz="2800" spc="-1" strike="noStrike">
+                <a:solidFill>
+                  <a:srgbClr val="000000"/>
+                </a:solidFill>
+                <a:latin typeface="Courier New"/>
+                <a:ea typeface="DejaVu Sans"/>
+              </a:rPr>
+              <a:t>randint(</a:t>
+            </a:r>
+            <a:r>
+              <a:rPr b="0" lang="cs-CZ" sz="2800" spc="-1" strike="noStrike">
+                <a:solidFill>
+                  <a:srgbClr val="666666"/>
+                </a:solidFill>
+                <a:latin typeface="Courier New"/>
+                <a:ea typeface="DejaVu Sans"/>
+              </a:rPr>
+              <a:t>0</a:t>
+            </a:r>
+            <a:r>
+              <a:rPr b="0" lang="cs-CZ" sz="2800" spc="-1" strike="noStrike">
+                <a:solidFill>
+                  <a:srgbClr val="000000"/>
+                </a:solidFill>
+                <a:latin typeface="Courier New"/>
+                <a:ea typeface="DejaVu Sans"/>
+              </a:rPr>
+              <a:t>, </a:t>
+            </a:r>
+            <a:r>
+              <a:rPr b="0" lang="cs-CZ" sz="2800" spc="-1" strike="noStrike">
+                <a:solidFill>
+                  <a:srgbClr val="666666"/>
+                </a:solidFill>
+                <a:latin typeface="Courier New"/>
+                <a:ea typeface="DejaVu Sans"/>
+              </a:rPr>
+              <a:t>4</a:t>
+            </a:r>
+            <a:r>
+              <a:rPr b="0" lang="cs-CZ" sz="2800" spc="-1" strike="noStrike">
+                <a:solidFill>
+                  <a:srgbClr val="000000"/>
+                </a:solidFill>
+                <a:latin typeface="Courier New"/>
+                <a:ea typeface="DejaVu Sans"/>
+              </a:rPr>
+              <a:t>)</a:t>
+            </a:r>
+            <a:endParaRPr b="0" lang="cs-CZ" sz="2800" spc="-1" strike="noStrike">
               <a:latin typeface="Arial"/>
             </a:endParaRPr>
           </a:p>
@@ -4404,26 +6020,106 @@
               </a:lnSpc>
             </a:pPr>
             <a:r>
-              <a:rPr b="0" lang="cs-CZ" sz="3200" spc="-1" strike="noStrike">
-                <a:solidFill>
-                  <a:srgbClr val="000000"/>
-                </a:solidFill>
-                <a:latin typeface="Courier New"/>
-                <a:ea typeface="DejaVu Sans"/>
-              </a:rPr>
-              <a:t>                </a:t>
-            </a:r>
-            <a:r>
-              <a:rPr b="0" lang="cs-CZ" sz="3200" spc="-1" strike="noStrike">
-                <a:solidFill>
-                  <a:srgbClr val="000000"/>
-                </a:solidFill>
-                <a:latin typeface="Courier New"/>
-                <a:ea typeface="DejaVu Sans"/>
-              </a:rPr>
-              <a:t>"00000:")</a:t>
-            </a:r>
-            <a:endParaRPr b="0" lang="cs-CZ" sz="3200" spc="-1" strike="noStrike">
+              <a:rPr b="0" lang="cs-CZ" sz="2800" spc="-1" strike="noStrike">
+                <a:solidFill>
+                  <a:srgbClr val="000000"/>
+                </a:solidFill>
+                <a:latin typeface="Courier New"/>
+                <a:ea typeface="DejaVu Sans"/>
+              </a:rPr>
+              <a:t>    </a:t>
+            </a:r>
+            <a:r>
+              <a:rPr b="0" lang="cs-CZ" sz="2800" spc="-1" strike="noStrike">
+                <a:solidFill>
+                  <a:srgbClr val="000000"/>
+                </a:solidFill>
+                <a:latin typeface="Courier New"/>
+                <a:ea typeface="DejaVu Sans"/>
+              </a:rPr>
+              <a:t>y </a:t>
+            </a:r>
+            <a:r>
+              <a:rPr b="0" lang="cs-CZ" sz="2800" spc="-1" strike="noStrike">
+                <a:solidFill>
+                  <a:srgbClr val="666666"/>
+                </a:solidFill>
+                <a:latin typeface="Courier New"/>
+                <a:ea typeface="DejaVu Sans"/>
+              </a:rPr>
+              <a:t>=</a:t>
+            </a:r>
+            <a:r>
+              <a:rPr b="0" lang="cs-CZ" sz="2800" spc="-1" strike="noStrike">
+                <a:solidFill>
+                  <a:srgbClr val="000000"/>
+                </a:solidFill>
+                <a:latin typeface="Courier New"/>
+                <a:ea typeface="DejaVu Sans"/>
+              </a:rPr>
+              <a:t> random</a:t>
+            </a:r>
+            <a:r>
+              <a:rPr b="0" lang="cs-CZ" sz="2800" spc="-1" strike="noStrike">
+                <a:solidFill>
+                  <a:srgbClr val="666666"/>
+                </a:solidFill>
+                <a:latin typeface="Courier New"/>
+                <a:ea typeface="DejaVu Sans"/>
+              </a:rPr>
+              <a:t>.</a:t>
+            </a:r>
+            <a:r>
+              <a:rPr b="0" lang="cs-CZ" sz="2800" spc="-1" strike="noStrike">
+                <a:solidFill>
+                  <a:srgbClr val="000000"/>
+                </a:solidFill>
+                <a:latin typeface="Courier New"/>
+                <a:ea typeface="DejaVu Sans"/>
+              </a:rPr>
+              <a:t>randint(</a:t>
+            </a:r>
+            <a:r>
+              <a:rPr b="0" lang="cs-CZ" sz="2800" spc="-1" strike="noStrike">
+                <a:solidFill>
+                  <a:srgbClr val="666666"/>
+                </a:solidFill>
+                <a:latin typeface="Courier New"/>
+                <a:ea typeface="DejaVu Sans"/>
+              </a:rPr>
+              <a:t>0</a:t>
+            </a:r>
+            <a:r>
+              <a:rPr b="0" lang="cs-CZ" sz="2800" spc="-1" strike="noStrike">
+                <a:solidFill>
+                  <a:srgbClr val="000000"/>
+                </a:solidFill>
+                <a:latin typeface="Courier New"/>
+                <a:ea typeface="DejaVu Sans"/>
+              </a:rPr>
+              <a:t>, </a:t>
+            </a:r>
+            <a:r>
+              <a:rPr b="0" lang="cs-CZ" sz="2800" spc="-1" strike="noStrike">
+                <a:solidFill>
+                  <a:srgbClr val="666666"/>
+                </a:solidFill>
+                <a:latin typeface="Courier New"/>
+                <a:ea typeface="DejaVu Sans"/>
+              </a:rPr>
+              <a:t>4</a:t>
+            </a:r>
+            <a:r>
+              <a:rPr b="0" lang="cs-CZ" sz="2800" spc="-1" strike="noStrike">
+                <a:solidFill>
+                  <a:srgbClr val="000000"/>
+                </a:solidFill>
+                <a:latin typeface="Courier New"/>
+                <a:ea typeface="DejaVu Sans"/>
+              </a:rPr>
+              <a:t>)</a:t>
+            </a:r>
+            <a:endParaRPr b="0" lang="cs-CZ" sz="2800" spc="-1" strike="noStrike">
               <a:latin typeface="Arial"/>
             </a:endParaRPr>
           </a:p>
@@ -4434,16 +6130,106 @@
               </a:lnSpc>
             </a:pPr>
             <a:r>
-              <a:rPr b="0" lang="cs-CZ" sz="3200" spc="-1" strike="noStrike">
-                <a:solidFill>
-                  <a:srgbClr val="000000"/>
-                </a:solidFill>
-                <a:latin typeface="Courier New"/>
-                <a:ea typeface="DejaVu Sans"/>
-              </a:rPr>
-              <a:t>raketa6 = Image("00000:"</a:t>
-            </a:r>
-            <a:endParaRPr b="0" lang="cs-CZ" sz="3200" spc="-1" strike="noStrike">
+              <a:rPr b="0" lang="cs-CZ" sz="2800" spc="-1" strike="noStrike">
+                <a:solidFill>
+                  <a:srgbClr val="000000"/>
+                </a:solidFill>
+                <a:latin typeface="Courier New"/>
+                <a:ea typeface="DejaVu Sans"/>
+              </a:rPr>
+              <a:t>    </a:t>
+            </a:r>
+            <a:r>
+              <a:rPr b="0" lang="cs-CZ" sz="2800" spc="-1" strike="noStrike">
+                <a:solidFill>
+                  <a:srgbClr val="000000"/>
+                </a:solidFill>
+                <a:latin typeface="Courier New"/>
+                <a:ea typeface="DejaVu Sans"/>
+              </a:rPr>
+              <a:t>intenzita </a:t>
+            </a:r>
+            <a:r>
+              <a:rPr b="0" lang="cs-CZ" sz="2800" spc="-1" strike="noStrike">
+                <a:solidFill>
+                  <a:srgbClr val="666666"/>
+                </a:solidFill>
+                <a:latin typeface="Courier New"/>
+                <a:ea typeface="DejaVu Sans"/>
+              </a:rPr>
+              <a:t>=</a:t>
+            </a:r>
+            <a:r>
+              <a:rPr b="0" lang="cs-CZ" sz="2800" spc="-1" strike="noStrike">
+                <a:solidFill>
+                  <a:srgbClr val="000000"/>
+                </a:solidFill>
+                <a:latin typeface="Courier New"/>
+                <a:ea typeface="DejaVu Sans"/>
+              </a:rPr>
+              <a:t> random</a:t>
+            </a:r>
+            <a:r>
+              <a:rPr b="0" lang="cs-CZ" sz="2800" spc="-1" strike="noStrike">
+                <a:solidFill>
+                  <a:srgbClr val="666666"/>
+                </a:solidFill>
+                <a:latin typeface="Courier New"/>
+                <a:ea typeface="DejaVu Sans"/>
+              </a:rPr>
+              <a:t>.</a:t>
+            </a:r>
+            <a:r>
+              <a:rPr b="0" lang="cs-CZ" sz="2800" spc="-1" strike="noStrike">
+                <a:solidFill>
+                  <a:srgbClr val="000000"/>
+                </a:solidFill>
+                <a:latin typeface="Courier New"/>
+                <a:ea typeface="DejaVu Sans"/>
+              </a:rPr>
+              <a:t>randint(</a:t>
+            </a:r>
+            <a:r>
+              <a:rPr b="0" lang="cs-CZ" sz="2800" spc="-1" strike="noStrike">
+                <a:solidFill>
+                  <a:srgbClr val="666666"/>
+                </a:solidFill>
+                <a:latin typeface="Courier New"/>
+                <a:ea typeface="DejaVu Sans"/>
+              </a:rPr>
+              <a:t>0</a:t>
+            </a:r>
+            <a:r>
+              <a:rPr b="0" lang="cs-CZ" sz="2800" spc="-1" strike="noStrike">
+                <a:solidFill>
+                  <a:srgbClr val="000000"/>
+                </a:solidFill>
+                <a:latin typeface="Courier New"/>
+                <a:ea typeface="DejaVu Sans"/>
+              </a:rPr>
+              <a:t>, </a:t>
+            </a:r>
+            <a:r>
+              <a:rPr b="0" lang="cs-CZ" sz="2800" spc="-1" strike="noStrike">
+                <a:solidFill>
+                  <a:srgbClr val="666666"/>
+                </a:solidFill>
+                <a:latin typeface="Courier New"/>
+                <a:ea typeface="DejaVu Sans"/>
+              </a:rPr>
+              <a:t>9</a:t>
+            </a:r>
+            <a:r>
+              <a:rPr b="0" lang="cs-CZ" sz="2800" spc="-1" strike="noStrike">
+                <a:solidFill>
+                  <a:srgbClr val="000000"/>
+                </a:solidFill>
+                <a:latin typeface="Courier New"/>
+                <a:ea typeface="DejaVu Sans"/>
+              </a:rPr>
+              <a:t>)</a:t>
+            </a:r>
+            <a:endParaRPr b="0" lang="cs-CZ" sz="2800" spc="-1" strike="noStrike">
               <a:latin typeface="Arial"/>
             </a:endParaRPr>
           </a:p>
@@ -4454,26 +6240,46 @@
               </a:lnSpc>
             </a:pPr>
             <a:r>
-              <a:rPr b="0" lang="cs-CZ" sz="3200" spc="-1" strike="noStrike">
-                <a:solidFill>
-                  <a:srgbClr val="000000"/>
-                </a:solidFill>
-                <a:latin typeface="Courier New"/>
-                <a:ea typeface="DejaVu Sans"/>
-              </a:rPr>
-              <a:t>                </a:t>
-            </a:r>
-            <a:r>
-              <a:rPr b="0" lang="cs-CZ" sz="3200" spc="-1" strike="noStrike">
-                <a:solidFill>
-                  <a:srgbClr val="000000"/>
-                </a:solidFill>
-                <a:latin typeface="Courier New"/>
-                <a:ea typeface="DejaVu Sans"/>
-              </a:rPr>
-              <a:t>"00000:"</a:t>
-            </a:r>
-            <a:endParaRPr b="0" lang="cs-CZ" sz="3200" spc="-1" strike="noStrike">
+              <a:rPr b="0" lang="cs-CZ" sz="2800" spc="-1" strike="noStrike">
+                <a:solidFill>
+                  <a:srgbClr val="000000"/>
+                </a:solidFill>
+                <a:latin typeface="Courier New"/>
+                <a:ea typeface="DejaVu Sans"/>
+              </a:rPr>
+              <a:t>    </a:t>
+            </a:r>
+            <a:r>
+              <a:rPr b="0" lang="cs-CZ" sz="2800" spc="-1" strike="noStrike">
+                <a:solidFill>
+                  <a:srgbClr val="000000"/>
+                </a:solidFill>
+                <a:latin typeface="Courier New"/>
+                <a:ea typeface="DejaVu Sans"/>
+              </a:rPr>
+              <a:t>display</a:t>
+            </a:r>
+            <a:r>
+              <a:rPr b="0" lang="cs-CZ" sz="2800" spc="-1" strike="noStrike">
+                <a:solidFill>
+                  <a:srgbClr val="666666"/>
+                </a:solidFill>
+                <a:latin typeface="Courier New"/>
+                <a:ea typeface="DejaVu Sans"/>
+              </a:rPr>
+              <a:t>.</a:t>
+            </a:r>
+            <a:r>
+              <a:rPr b="0" lang="cs-CZ" sz="2800" spc="-1" strike="noStrike">
+                <a:solidFill>
+                  <a:srgbClr val="000000"/>
+                </a:solidFill>
+                <a:latin typeface="Courier New"/>
+                <a:ea typeface="DejaVu Sans"/>
+              </a:rPr>
+              <a:t>set_pixel(x, y, intenzita)</a:t>
+            </a:r>
+            <a:endParaRPr b="0" lang="cs-CZ" sz="2800" spc="-1" strike="noStrike">
               <a:latin typeface="Arial"/>
             </a:endParaRPr>
           </a:p>
@@ -4484,157 +6290,46 @@
               </a:lnSpc>
             </a:pPr>
             <a:r>
-              <a:rPr b="0" lang="cs-CZ" sz="3200" spc="-1" strike="noStrike">
-                <a:solidFill>
-                  <a:srgbClr val="000000"/>
-                </a:solidFill>
-                <a:latin typeface="Courier New"/>
-                <a:ea typeface="DejaVu Sans"/>
-              </a:rPr>
-              <a:t>                </a:t>
-            </a:r>
-            <a:r>
-              <a:rPr b="0" lang="cs-CZ" sz="3200" spc="-1" strike="noStrike">
-                <a:solidFill>
-                  <a:srgbClr val="000000"/>
-                </a:solidFill>
-                <a:latin typeface="Courier New"/>
-                <a:ea typeface="DejaVu Sans"/>
-              </a:rPr>
-              <a:t>"00000:"</a:t>
-            </a:r>
-            <a:endParaRPr b="0" lang="cs-CZ" sz="3200" spc="-1" strike="noStrike">
-              <a:latin typeface="Arial"/>
-            </a:endParaRPr>
-          </a:p>
-          <a:p>
-            <a:pPr>
-              <a:lnSpc>
-                <a:spcPct val="100000"/>
-              </a:lnSpc>
-            </a:pPr>
-            <a:r>
-              <a:rPr b="0" lang="cs-CZ" sz="3200" spc="-1" strike="noStrike">
-                <a:solidFill>
-                  <a:srgbClr val="000000"/>
-                </a:solidFill>
-                <a:latin typeface="Courier New"/>
-                <a:ea typeface="DejaVu Sans"/>
-              </a:rPr>
-              <a:t>                </a:t>
-            </a:r>
-            <a:r>
-              <a:rPr b="0" lang="cs-CZ" sz="3200" spc="-1" strike="noStrike">
-                <a:solidFill>
-                  <a:srgbClr val="000000"/>
-                </a:solidFill>
-                <a:latin typeface="Courier New"/>
-                <a:ea typeface="DejaVu Sans"/>
-              </a:rPr>
-              <a:t>"00000:"</a:t>
-            </a:r>
-            <a:endParaRPr b="0" lang="cs-CZ" sz="3200" spc="-1" strike="noStrike">
-              <a:latin typeface="Arial"/>
-            </a:endParaRPr>
-          </a:p>
-          <a:p>
-            <a:pPr>
-              <a:lnSpc>
-                <a:spcPct val="100000"/>
-              </a:lnSpc>
-            </a:pPr>
-            <a:r>
-              <a:rPr b="0" lang="cs-CZ" sz="3200" spc="-1" strike="noStrike">
-                <a:solidFill>
-                  <a:srgbClr val="000000"/>
-                </a:solidFill>
-                <a:latin typeface="Courier New"/>
-                <a:ea typeface="DejaVu Sans"/>
-              </a:rPr>
-              <a:t>                </a:t>
-            </a:r>
-            <a:r>
-              <a:rPr b="0" lang="cs-CZ" sz="3200" spc="-1" strike="noStrike">
-                <a:solidFill>
-                  <a:srgbClr val="000000"/>
-                </a:solidFill>
-                <a:latin typeface="Courier New"/>
-                <a:ea typeface="DejaVu Sans"/>
-              </a:rPr>
-              <a:t>"00000:")</a:t>
-            </a:r>
-            <a:endParaRPr b="0" lang="cs-CZ" sz="3200" spc="-1" strike="noStrike">
-              <a:latin typeface="Arial"/>
-            </a:endParaRPr>
-          </a:p>
-          <a:p>
-            <a:pPr>
-              <a:lnSpc>
-                <a:spcPct val="100000"/>
-              </a:lnSpc>
-            </a:pPr>
-            <a:r>
-              <a:rPr b="0" lang="cs-CZ" sz="3200" spc="-1" strike="noStrike">
-                <a:solidFill>
-                  <a:srgbClr val="000000"/>
-                </a:solidFill>
-                <a:latin typeface="Courier New"/>
-                <a:ea typeface="DejaVu Sans"/>
-              </a:rPr>
-              <a:t>raketa = [raketa1, raketa2, raketa3, </a:t>
-            </a:r>
-            <a:r>
-              <a:rPr b="0" lang="cs-CZ" sz="3200" spc="-1" strike="noStrike">
-                <a:solidFill>
-                  <a:srgbClr val="000000"/>
-                </a:solidFill>
-                <a:latin typeface="Courier New"/>
-                <a:ea typeface="DejaVu Sans"/>
-              </a:rPr>
-              <a:t>	</a:t>
-            </a:r>
-            <a:r>
-              <a:rPr b="0" lang="cs-CZ" sz="3200" spc="-1" strike="noStrike">
-                <a:solidFill>
-                  <a:srgbClr val="000000"/>
-                </a:solidFill>
-                <a:latin typeface="Courier New"/>
-                <a:ea typeface="DejaVu Sans"/>
-              </a:rPr>
-              <a:t>raketa4,</a:t>
-            </a:r>
-            <a:br/>
-            <a:r>
-              <a:rPr b="0" lang="cs-CZ" sz="3200" spc="-1" strike="noStrike">
-                <a:solidFill>
-                  <a:srgbClr val="000000"/>
-                </a:solidFill>
-                <a:latin typeface="Courier New"/>
-                <a:ea typeface="DejaVu Sans"/>
-              </a:rPr>
-              <a:t>  raketa5, raketa6]</a:t>
-            </a:r>
-            <a:endParaRPr b="0" lang="cs-CZ" sz="3200" spc="-1" strike="noStrike">
-              <a:latin typeface="Arial"/>
-            </a:endParaRPr>
-          </a:p>
-          <a:p>
-            <a:pPr>
-              <a:lnSpc>
-                <a:spcPct val="100000"/>
-              </a:lnSpc>
-            </a:pPr>
-            <a:r>
-              <a:rPr b="0" lang="cs-CZ" sz="3200" spc="-1" strike="noStrike">
-                <a:solidFill>
-                  <a:srgbClr val="000000"/>
-                </a:solidFill>
-                <a:latin typeface="Courier New"/>
-                <a:ea typeface="DejaVu Sans"/>
-              </a:rPr>
-              <a:t>display.show(raketa, delay=500)</a:t>
-            </a:r>
-            <a:endParaRPr b="0" lang="cs-CZ" sz="3200" spc="-1" strike="noStrike">
+              <a:rPr b="0" lang="cs-CZ" sz="2800" spc="-1" strike="noStrike">
+                <a:solidFill>
+                  <a:srgbClr val="000000"/>
+                </a:solidFill>
+                <a:latin typeface="Courier New"/>
+                <a:ea typeface="DejaVu Sans"/>
+              </a:rPr>
+              <a:t>    </a:t>
+            </a:r>
+            <a:r>
+              <a:rPr b="0" lang="cs-CZ" sz="2800" spc="-1" strike="noStrike">
+                <a:solidFill>
+                  <a:srgbClr val="000000"/>
+                </a:solidFill>
+                <a:latin typeface="Courier New"/>
+                <a:ea typeface="DejaVu Sans"/>
+              </a:rPr>
+              <a:t>sleep(</a:t>
+            </a:r>
+            <a:r>
+              <a:rPr b="0" lang="cs-CZ" sz="2800" spc="-1" strike="noStrike">
+                <a:solidFill>
+                  <a:srgbClr val="666666"/>
+                </a:solidFill>
+                <a:latin typeface="Courier New"/>
+                <a:ea typeface="DejaVu Sans"/>
+              </a:rPr>
+              <a:t>10</a:t>
+            </a:r>
+            <a:r>
+              <a:rPr b="0" lang="cs-CZ" sz="2800" spc="-1" strike="noStrike">
+                <a:solidFill>
+                  <a:srgbClr val="000000"/>
+                </a:solidFill>
+                <a:latin typeface="Courier New"/>
+                <a:ea typeface="DejaVu Sans"/>
+              </a:rPr>
+              <a:t>)</a:t>
+            </a:r>
+            <a:endParaRPr b="0" lang="cs-CZ" sz="2800" spc="-1" strike="noStrike">
               <a:latin typeface="Arial"/>
             </a:endParaRPr>
           </a:p>
@@ -4691,396 +6386,14 @@
       </p:grpSpPr>
       <p:sp>
         <p:nvSpPr>
-          <p:cNvPr id="84" name="TextShape 1"/>
-          <p:cNvSpPr txBox="1"/>
-          <p:nvPr/>
-        </p:nvSpPr>
-        <p:spPr>
-          <a:xfrm>
-            <a:off x="504000" y="301320"/>
-            <a:ext cx="9072000" cy="850680"/>
-          </a:xfrm>
-          <a:prstGeom prst="rect">
-            <a:avLst/>
-          </a:prstGeom>
-          <a:noFill/>
-          <a:ln>
-            <a:noFill/>
-          </a:ln>
-        </p:spPr>
-        <p:txBody>
-          <a:bodyPr lIns="0" rIns="0" tIns="0" bIns="0" anchor="ctr"/>
-          <a:p>
-            <a:pPr algn="ctr"/>
-            <a:r>
-              <a:rPr b="0" lang="cs-CZ" sz="4400" spc="-1" strike="noStrike">
-                <a:latin typeface="Arial"/>
-              </a:rPr>
-              <a:t>Trocha teorie 1</a:t>
-            </a:r>
-            <a:endParaRPr b="0" lang="cs-CZ" sz="4400" spc="-1" strike="noStrike">
-              <a:latin typeface="Arial"/>
-            </a:endParaRPr>
-          </a:p>
-        </p:txBody>
-      </p:sp>
-      <p:sp>
-        <p:nvSpPr>
-          <p:cNvPr id="85" name="TextShape 2"/>
-          <p:cNvSpPr txBox="1"/>
-          <p:nvPr/>
-        </p:nvSpPr>
-        <p:spPr>
-          <a:xfrm>
-            <a:off x="504000" y="1768680"/>
-            <a:ext cx="9072000" cy="4384080"/>
-          </a:xfrm>
-          <a:prstGeom prst="rect">
-            <a:avLst/>
-          </a:prstGeom>
-          <a:noFill/>
-          <a:ln>
-            <a:noFill/>
-          </a:ln>
-        </p:spPr>
-        <p:txBody>
-          <a:bodyPr lIns="0" rIns="0" tIns="0" bIns="0">
-            <a:normAutofit/>
-          </a:bodyPr>
-          <a:p>
-            <a:pPr marL="432000" indent="-324000">
-              <a:spcBef>
-                <a:spcPts val="1417"/>
-              </a:spcBef>
-              <a:buClr>
-                <a:srgbClr val="000000"/>
-              </a:buClr>
-              <a:buSzPct val="45000"/>
-              <a:buFont typeface="Wingdings" charset="2"/>
-              <a:buChar char=""/>
-            </a:pPr>
-            <a:r>
-              <a:rPr b="0" lang="cs-CZ" sz="3200" spc="-1" strike="noStrike">
-                <a:latin typeface="Arial"/>
-              </a:rPr>
-              <a:t>Jedná se vlastně o postupné zobrazení obrázků po půl sekundě</a:t>
-            </a:r>
-            <a:endParaRPr b="0" lang="cs-CZ" sz="3200" spc="-1" strike="noStrike">
-              <a:latin typeface="Arial"/>
-            </a:endParaRPr>
-          </a:p>
-          <a:p>
-            <a:pPr marL="432000" indent="-324000">
-              <a:spcBef>
-                <a:spcPts val="1417"/>
-              </a:spcBef>
-              <a:buClr>
-                <a:srgbClr val="000000"/>
-              </a:buClr>
-              <a:buSzPct val="45000"/>
-              <a:buFont typeface="Wingdings" charset="2"/>
-              <a:buChar char=""/>
-            </a:pPr>
-            <a:r>
-              <a:rPr b="0" lang="cs-CZ" sz="3200" spc="-1" strike="noStrike">
-                <a:latin typeface="Arial"/>
-              </a:rPr>
-              <a:t>Proměnná </a:t>
-            </a:r>
-            <a:r>
-              <a:rPr b="0" lang="cs-CZ" sz="3200" spc="-1" strike="noStrike">
-                <a:latin typeface="FreeMono"/>
-              </a:rPr>
-              <a:t>raketa</a:t>
-            </a:r>
-            <a:r>
-              <a:rPr b="0" lang="cs-CZ" sz="3200" spc="-1" strike="noStrike">
-                <a:latin typeface="Arial"/>
-              </a:rPr>
-              <a:t> je seznam (list) – uspořádaná n-tice, záleží na pořadí</a:t>
-            </a:r>
-            <a:endParaRPr b="0" lang="cs-CZ" sz="3200" spc="-1" strike="noStrike">
-              <a:latin typeface="Arial"/>
-            </a:endParaRPr>
-          </a:p>
-          <a:p>
-            <a:pPr marL="432000" indent="-324000">
-              <a:spcBef>
-                <a:spcPts val="1417"/>
-              </a:spcBef>
-              <a:buClr>
-                <a:srgbClr val="000000"/>
-              </a:buClr>
-              <a:buSzPct val="45000"/>
-              <a:buFont typeface="Wingdings" charset="2"/>
-              <a:buChar char=""/>
-            </a:pPr>
-            <a:r>
-              <a:rPr b="0" lang="cs-CZ" sz="3200" spc="-1" strike="noStrike">
-                <a:latin typeface="Arial"/>
-              </a:rPr>
-              <a:t>Lze vypustit obrázek raketa6? Jak?</a:t>
-            </a:r>
-            <a:endParaRPr b="0" lang="cs-CZ" sz="3200" spc="-1" strike="noStrike">
-              <a:latin typeface="Arial"/>
-            </a:endParaRPr>
-          </a:p>
-        </p:txBody>
-      </p:sp>
-    </p:spTree>
-  </p:cSld>
-</p:sld>
-</file>
-
-<file path=ppt/slides/slide6.xml><?xml version="1.0" encoding="utf-8"?>
-<p:sld xmlns:a="http://schemas.openxmlformats.org/drawingml/2006/main" xmlns:p="http://schemas.openxmlformats.org/presentationml/2006/main" xmlns:r="http://schemas.openxmlformats.org/officeDocument/2006/relationships" xmlns:p14="http://schemas.microsoft.com/office/powerpoint/2010/main" xmlns:p15="http://schemas.microsoft.com/office/powerpoint/2012/main" xmlns:mc="http://schemas.openxmlformats.org/markup-compatibility/2006">
-  <p:cSld>
-    <p:spTree>
-      <p:nvGrpSpPr>
-        <p:cNvPr id="1" name=""/>
-        <p:cNvGrpSpPr/>
-        <p:nvPr/>
-      </p:nvGrpSpPr>
-      <p:grpSpPr>
-        <a:xfrm>
-          <a:off x="0" y="0"/>
-          <a:ext cx="0" cy="0"/>
-          <a:chOff x="0" y="0"/>
-          <a:chExt cx="0" cy="0"/>
-        </a:xfrm>
-      </p:grpSpPr>
-      <p:sp>
-        <p:nvSpPr>
-          <p:cNvPr id="86" name="TextShape 1"/>
-          <p:cNvSpPr txBox="1"/>
-          <p:nvPr/>
-        </p:nvSpPr>
-        <p:spPr>
-          <a:xfrm>
-            <a:off x="504000" y="301320"/>
-            <a:ext cx="9072000" cy="850680"/>
-          </a:xfrm>
-          <a:prstGeom prst="rect">
-            <a:avLst/>
-          </a:prstGeom>
-          <a:noFill/>
-          <a:ln>
-            <a:noFill/>
-          </a:ln>
-        </p:spPr>
-        <p:txBody>
-          <a:bodyPr lIns="0" rIns="0" tIns="0" bIns="0" anchor="ctr"/>
-          <a:p>
-            <a:pPr algn="ctr"/>
-            <a:r>
-              <a:rPr b="0" lang="cs-CZ" sz="4400" spc="-1" strike="noStrike">
-                <a:latin typeface="Arial"/>
-              </a:rPr>
-              <a:t>Trocha teorie 2</a:t>
-            </a:r>
-            <a:endParaRPr b="0" lang="cs-CZ" sz="4400" spc="-1" strike="noStrike">
-              <a:latin typeface="Arial"/>
-            </a:endParaRPr>
-          </a:p>
-        </p:txBody>
-      </p:sp>
-      <p:sp>
-        <p:nvSpPr>
-          <p:cNvPr id="87" name="TextShape 2"/>
-          <p:cNvSpPr txBox="1"/>
-          <p:nvPr/>
-        </p:nvSpPr>
-        <p:spPr>
-          <a:xfrm>
-            <a:off x="504000" y="1768680"/>
-            <a:ext cx="9072000" cy="4384080"/>
-          </a:xfrm>
-          <a:prstGeom prst="rect">
-            <a:avLst/>
-          </a:prstGeom>
-          <a:noFill/>
-          <a:ln>
-            <a:noFill/>
-          </a:ln>
-        </p:spPr>
-        <p:txBody>
-          <a:bodyPr lIns="0" rIns="0" tIns="0" bIns="0">
-            <a:normAutofit/>
-          </a:bodyPr>
-          <a:p>
-            <a:pPr marL="432000" indent="-324000">
-              <a:spcBef>
-                <a:spcPts val="1417"/>
-              </a:spcBef>
-              <a:buClr>
-                <a:srgbClr val="000000"/>
-              </a:buClr>
-              <a:buSzPct val="45000"/>
-              <a:buFont typeface="Wingdings" charset="2"/>
-              <a:buChar char=""/>
-            </a:pPr>
-            <a:r>
-              <a:rPr b="0" lang="cs-CZ" sz="3200" spc="-1" strike="noStrike">
-                <a:latin typeface="Arial"/>
-              </a:rPr>
-              <a:t>Generování náhodných čísel</a:t>
-            </a:r>
-            <a:endParaRPr b="0" lang="cs-CZ" sz="3200" spc="-1" strike="noStrike">
-              <a:latin typeface="Arial"/>
-            </a:endParaRPr>
-          </a:p>
-          <a:p>
-            <a:pPr marL="432000" indent="-324000">
-              <a:spcBef>
-                <a:spcPts val="1417"/>
-              </a:spcBef>
-              <a:buClr>
-                <a:srgbClr val="000000"/>
-              </a:buClr>
-              <a:buSzPct val="45000"/>
-              <a:buFont typeface="Wingdings" charset="2"/>
-              <a:buChar char=""/>
-            </a:pPr>
-            <a:endParaRPr b="0" lang="cs-CZ" sz="3200" spc="-1" strike="noStrike">
-              <a:latin typeface="Arial"/>
-            </a:endParaRPr>
-          </a:p>
-          <a:p>
-            <a:pPr>
-              <a:lnSpc>
-                <a:spcPct val="100000"/>
-              </a:lnSpc>
-            </a:pPr>
-            <a:r>
-              <a:rPr b="0" lang="cs-CZ" sz="2800" spc="-1" strike="noStrike">
-                <a:solidFill>
-                  <a:srgbClr val="000000"/>
-                </a:solidFill>
-                <a:latin typeface="Courier New"/>
-                <a:ea typeface="DejaVu Sans"/>
-              </a:rPr>
-              <a:t>from microbit import *</a:t>
-            </a:r>
-            <a:endParaRPr b="0" lang="cs-CZ" sz="2800" spc="-1" strike="noStrike">
-              <a:latin typeface="Arial"/>
-            </a:endParaRPr>
-          </a:p>
-          <a:p>
-            <a:pPr>
-              <a:lnSpc>
-                <a:spcPct val="100000"/>
-              </a:lnSpc>
-            </a:pPr>
-            <a:r>
-              <a:rPr b="0" lang="cs-CZ" sz="2800" spc="-1" strike="noStrike">
-                <a:solidFill>
-                  <a:srgbClr val="000000"/>
-                </a:solidFill>
-                <a:latin typeface="Courier New"/>
-                <a:ea typeface="DejaVu Sans"/>
-              </a:rPr>
-              <a:t>import random</a:t>
-            </a:r>
-            <a:endParaRPr b="0" lang="cs-CZ" sz="2800" spc="-1" strike="noStrike">
-              <a:latin typeface="Arial"/>
-            </a:endParaRPr>
-          </a:p>
-          <a:p>
-            <a:pPr>
-              <a:lnSpc>
-                <a:spcPct val="100000"/>
-              </a:lnSpc>
-            </a:pPr>
-            <a:r>
-              <a:rPr b="0" lang="cs-CZ" sz="2800" spc="-1" strike="noStrike">
-                <a:solidFill>
-                  <a:srgbClr val="000000"/>
-                </a:solidFill>
-                <a:latin typeface="Courier New"/>
-                <a:ea typeface="DejaVu Sans"/>
-              </a:rPr>
-              <a:t>x = random.randint(0, 4)</a:t>
-            </a:r>
-            <a:endParaRPr b="0" lang="cs-CZ" sz="2800" spc="-1" strike="noStrike">
-              <a:latin typeface="Arial"/>
-            </a:endParaRPr>
-          </a:p>
-          <a:p>
-            <a:pPr marL="432000" indent="-324000">
-              <a:lnSpc>
-                <a:spcPct val="100000"/>
-              </a:lnSpc>
-              <a:buClr>
-                <a:srgbClr val="000000"/>
-              </a:buClr>
-              <a:buSzPct val="45000"/>
-              <a:buFont typeface="Wingdings" charset="2"/>
-              <a:buChar char=""/>
-            </a:pPr>
-            <a:endParaRPr b="0" lang="cs-CZ" sz="2800" spc="-1" strike="noStrike">
-              <a:latin typeface="Arial"/>
-            </a:endParaRPr>
-          </a:p>
-          <a:p>
-            <a:pPr marL="432000" indent="-324000">
-              <a:lnSpc>
-                <a:spcPct val="100000"/>
-              </a:lnSpc>
-              <a:buClr>
-                <a:srgbClr val="000000"/>
-              </a:buClr>
-              <a:buSzPct val="45000"/>
-              <a:buFont typeface="Wingdings" charset="2"/>
-              <a:buChar char=""/>
-            </a:pPr>
-            <a:r>
-              <a:rPr b="0" lang="cs-CZ" sz="2800" spc="-1" strike="noStrike">
-                <a:solidFill>
-                  <a:srgbClr val="000000"/>
-                </a:solidFill>
-                <a:latin typeface="Arial"/>
-                <a:ea typeface="DejaVu Sans"/>
-              </a:rPr>
-              <a:t>V x je celé náhodné číslo z intervalu &lt;0,4&gt;</a:t>
-            </a:r>
-            <a:endParaRPr b="0" lang="cs-CZ" sz="2800" spc="-1" strike="noStrike">
-              <a:latin typeface="Arial"/>
-            </a:endParaRPr>
-          </a:p>
-        </p:txBody>
-      </p:sp>
-    </p:spTree>
-  </p:cSld>
-</p:sld>
-</file>
-
-<file path=ppt/slides/slide7.xml><?xml version="1.0" encoding="utf-8"?>
-<p:sld xmlns:a="http://schemas.openxmlformats.org/drawingml/2006/main" xmlns:p="http://schemas.openxmlformats.org/presentationml/2006/main" xmlns:r="http://schemas.openxmlformats.org/officeDocument/2006/relationships" xmlns:p14="http://schemas.microsoft.com/office/powerpoint/2010/main" xmlns:p15="http://schemas.microsoft.com/office/powerpoint/2012/main" xmlns:mc="http://schemas.openxmlformats.org/markup-compatibility/2006">
-  <p:cSld>
-    <p:spTree>
-      <p:nvGrpSpPr>
-        <p:cNvPr id="1" name=""/>
-        <p:cNvGrpSpPr/>
-        <p:nvPr/>
-      </p:nvGrpSpPr>
-      <p:grpSpPr>
-        <a:xfrm>
-          <a:off x="0" y="0"/>
-          <a:ext cx="0" cy="0"/>
-          <a:chOff x="0" y="0"/>
-          <a:chExt cx="0" cy="0"/>
-        </a:xfrm>
-      </p:grpSpPr>
-      <p:sp>
-        <p:nvSpPr>
-          <p:cNvPr id="88" name="CustomShape 1"/>
+          <p:cNvPr id="122" name="CustomShape 1"/>
           <p:cNvSpPr/>
           <p:nvPr/>
         </p:nvSpPr>
         <p:spPr>
           <a:xfrm>
             <a:off x="504000" y="72000"/>
-            <a:ext cx="9069840" cy="862200"/>
+            <a:ext cx="9069120" cy="861480"/>
           </a:xfrm>
           <a:prstGeom prst="rect">
             <a:avLst/>
@@ -5112,7 +6425,7 @@
                 <a:latin typeface="Arial"/>
                 <a:ea typeface="DejaVu Sans"/>
               </a:rPr>
-              <a:t>Hvězdná obloha – náhodné rozsvěcení diod</a:t>
+              <a:t>Hvězdná obloha – náhodné rozsvěcení a zhasínání diod</a:t>
             </a:r>
             <a:endParaRPr b="0" lang="cs-CZ" sz="3600" spc="-1" strike="noStrike">
               <a:latin typeface="Arial"/>
@@ -5122,14 +6435,14 @@
       </p:sp>
       <p:sp>
         <p:nvSpPr>
-          <p:cNvPr id="89" name="CustomShape 2"/>
+          <p:cNvPr id="123" name="CustomShape 2"/>
           <p:cNvSpPr/>
           <p:nvPr/>
         </p:nvSpPr>
         <p:spPr>
           <a:xfrm>
             <a:off x="504000" y="1769040"/>
-            <a:ext cx="9069840" cy="4383000"/>
+            <a:ext cx="9069120" cy="4382280"/>
           </a:xfrm>
           <a:prstGeom prst="rect">
             <a:avLst/>
@@ -5158,12 +6471,72 @@
             <a:r>
               <a:rPr b="0" lang="cs-CZ" sz="2800" spc="-1" strike="noStrike">
                 <a:solidFill>
-                  <a:srgbClr val="000000"/>
-                </a:solidFill>
-                <a:latin typeface="Courier New"/>
-                <a:ea typeface="DejaVu Sans"/>
-              </a:rPr>
-              <a:t>from microbit import *</a:t>
+                  <a:srgbClr val="008000"/>
+                </a:solidFill>
+                <a:latin typeface="Courier New"/>
+                <a:ea typeface="DejaVu Sans"/>
+              </a:rPr>
+              <a:t>from</a:t>
+            </a:r>
+            <a:r>
+              <a:rPr b="0" lang="cs-CZ" sz="2800" spc="-1" strike="noStrike">
+                <a:solidFill>
+                  <a:srgbClr val="000000"/>
+                </a:solidFill>
+                <a:latin typeface="Courier New"/>
+                <a:ea typeface="DejaVu Sans"/>
+              </a:rPr>
+              <a:t> </a:t>
+            </a:r>
+            <a:r>
+              <a:rPr b="0" lang="cs-CZ" sz="2800" spc="-1" strike="noStrike">
+                <a:solidFill>
+                  <a:srgbClr val="0000ff"/>
+                </a:solidFill>
+                <a:latin typeface="Courier New"/>
+                <a:ea typeface="DejaVu Sans"/>
+              </a:rPr>
+              <a:t>microbit</a:t>
+            </a:r>
+            <a:r>
+              <a:rPr b="0" lang="cs-CZ" sz="2800" spc="-1" strike="noStrike">
+                <a:solidFill>
+                  <a:srgbClr val="000000"/>
+                </a:solidFill>
+                <a:latin typeface="Courier New"/>
+                <a:ea typeface="DejaVu Sans"/>
+              </a:rPr>
+              <a:t> </a:t>
+            </a:r>
+            <a:r>
+              <a:rPr b="0" lang="cs-CZ" sz="2800" spc="-1" strike="noStrike">
+                <a:solidFill>
+                  <a:srgbClr val="008000"/>
+                </a:solidFill>
+                <a:latin typeface="Courier New"/>
+                <a:ea typeface="DejaVu Sans"/>
+              </a:rPr>
+              <a:t>import</a:t>
+            </a:r>
+            <a:r>
+              <a:rPr b="0" lang="cs-CZ" sz="2800" spc="-1" strike="noStrike">
+                <a:solidFill>
+                  <a:srgbClr val="000000"/>
+                </a:solidFill>
+                <a:latin typeface="Courier New"/>
+                <a:ea typeface="DejaVu Sans"/>
+              </a:rPr>
+              <a:t> </a:t>
+            </a:r>
+            <a:r>
+              <a:rPr b="0" lang="cs-CZ" sz="2800" spc="-1" strike="noStrike">
+                <a:solidFill>
+                  <a:srgbClr val="666666"/>
+                </a:solidFill>
+                <a:latin typeface="Courier New"/>
+                <a:ea typeface="DejaVu Sans"/>
+              </a:rPr>
+              <a:t>*</a:t>
             </a:r>
             <a:endParaRPr b="0" lang="cs-CZ" sz="2800" spc="-1" strike="noStrike">
               <a:latin typeface="Arial"/>
@@ -5178,12 +6551,32 @@
             <a:r>
               <a:rPr b="0" lang="cs-CZ" sz="2800" spc="-1" strike="noStrike">
                 <a:solidFill>
-                  <a:srgbClr val="000000"/>
-                </a:solidFill>
-                <a:latin typeface="Courier New"/>
-                <a:ea typeface="DejaVu Sans"/>
-              </a:rPr>
-              <a:t>import random</a:t>
+                  <a:srgbClr val="008000"/>
+                </a:solidFill>
+                <a:latin typeface="Courier New"/>
+                <a:ea typeface="DejaVu Sans"/>
+              </a:rPr>
+              <a:t>import</a:t>
+            </a:r>
+            <a:r>
+              <a:rPr b="0" lang="cs-CZ" sz="2800" spc="-1" strike="noStrike">
+                <a:solidFill>
+                  <a:srgbClr val="000000"/>
+                </a:solidFill>
+                <a:latin typeface="Courier New"/>
+                <a:ea typeface="DejaVu Sans"/>
+              </a:rPr>
+              <a:t> </a:t>
+            </a:r>
+            <a:r>
+              <a:rPr b="0" lang="cs-CZ" sz="2800" spc="-1" strike="noStrike">
+                <a:solidFill>
+                  <a:srgbClr val="0000ff"/>
+                </a:solidFill>
+                <a:latin typeface="Courier New"/>
+                <a:ea typeface="DejaVu Sans"/>
+              </a:rPr>
+              <a:t>random</a:t>
             </a:r>
             <a:endParaRPr b="0" lang="cs-CZ" sz="2800" spc="-1" strike="noStrike">
               <a:latin typeface="Arial"/>
@@ -5198,12 +6591,42 @@
             <a:r>
               <a:rPr b="0" lang="cs-CZ" sz="2800" spc="-1" strike="noStrike">
                 <a:solidFill>
-                  <a:srgbClr val="000000"/>
-                </a:solidFill>
-                <a:latin typeface="Courier New"/>
-                <a:ea typeface="DejaVu Sans"/>
-              </a:rPr>
-              <a:t>while True:</a:t>
+                  <a:srgbClr val="008000"/>
+                </a:solidFill>
+                <a:latin typeface="Courier New"/>
+                <a:ea typeface="DejaVu Sans"/>
+              </a:rPr>
+              <a:t>while</a:t>
+            </a:r>
+            <a:r>
+              <a:rPr b="0" lang="cs-CZ" sz="2800" spc="-1" strike="noStrike">
+                <a:solidFill>
+                  <a:srgbClr val="000000"/>
+                </a:solidFill>
+                <a:latin typeface="Courier New"/>
+                <a:ea typeface="DejaVu Sans"/>
+              </a:rPr>
+              <a:t> </a:t>
+            </a:r>
+            <a:r>
+              <a:rPr b="0" lang="cs-CZ" sz="2800" spc="-1" strike="noStrike">
+                <a:solidFill>
+                  <a:srgbClr val="008000"/>
+                </a:solidFill>
+                <a:latin typeface="Courier New"/>
+                <a:ea typeface="DejaVu Sans"/>
+              </a:rPr>
+              <a:t>True</a:t>
+            </a:r>
+            <a:r>
+              <a:rPr b="0" lang="cs-CZ" sz="2800" spc="-1" strike="noStrike">
+                <a:solidFill>
+                  <a:srgbClr val="000000"/>
+                </a:solidFill>
+                <a:latin typeface="Courier New"/>
+                <a:ea typeface="DejaVu Sans"/>
+              </a:rPr>
+              <a:t>:</a:t>
             </a:r>
             <a:endParaRPr b="0" lang="cs-CZ" sz="2800" spc="-1" strike="noStrike">
               <a:latin typeface="Arial"/>
@@ -5233,7 +6656,87 @@
                 <a:latin typeface="Courier New"/>
                 <a:ea typeface="DejaVu Sans"/>
               </a:rPr>
-              <a:t>x = random.randint(0, 4)</a:t>
+              <a:t>x </a:t>
+            </a:r>
+            <a:r>
+              <a:rPr b="0" lang="cs-CZ" sz="2800" spc="-1" strike="noStrike">
+                <a:solidFill>
+                  <a:srgbClr val="666666"/>
+                </a:solidFill>
+                <a:latin typeface="Courier New"/>
+                <a:ea typeface="DejaVu Sans"/>
+              </a:rPr>
+              <a:t>=</a:t>
+            </a:r>
+            <a:r>
+              <a:rPr b="0" lang="cs-CZ" sz="2800" spc="-1" strike="noStrike">
+                <a:solidFill>
+                  <a:srgbClr val="000000"/>
+                </a:solidFill>
+                <a:latin typeface="Courier New"/>
+                <a:ea typeface="DejaVu Sans"/>
+              </a:rPr>
+              <a:t> random</a:t>
+            </a:r>
+            <a:r>
+              <a:rPr b="0" lang="cs-CZ" sz="2800" spc="-1" strike="noStrike">
+                <a:solidFill>
+                  <a:srgbClr val="666666"/>
+                </a:solidFill>
+                <a:latin typeface="Courier New"/>
+                <a:ea typeface="DejaVu Sans"/>
+              </a:rPr>
+              <a:t>.</a:t>
+            </a:r>
+            <a:r>
+              <a:rPr b="0" lang="cs-CZ" sz="2800" spc="-1" strike="noStrike">
+                <a:solidFill>
+                  <a:srgbClr val="000000"/>
+                </a:solidFill>
+                <a:latin typeface="Courier New"/>
+                <a:ea typeface="DejaVu Sans"/>
+              </a:rPr>
+              <a:t>randint(</a:t>
+            </a:r>
+            <a:r>
+              <a:rPr b="0" lang="cs-CZ" sz="2800" spc="-1" strike="noStrike">
+                <a:solidFill>
+                  <a:srgbClr val="666666"/>
+                </a:solidFill>
+                <a:latin typeface="Courier New"/>
+                <a:ea typeface="DejaVu Sans"/>
+              </a:rPr>
+              <a:t>0</a:t>
+            </a:r>
+            <a:r>
+              <a:rPr b="0" lang="cs-CZ" sz="2800" spc="-1" strike="noStrike">
+                <a:solidFill>
+                  <a:srgbClr val="000000"/>
+                </a:solidFill>
+                <a:latin typeface="Courier New"/>
+                <a:ea typeface="DejaVu Sans"/>
+              </a:rPr>
+              <a:t>, </a:t>
+            </a:r>
+            <a:r>
+              <a:rPr b="0" lang="cs-CZ" sz="2800" spc="-1" strike="noStrike">
+                <a:solidFill>
+                  <a:srgbClr val="666666"/>
+                </a:solidFill>
+                <a:latin typeface="Courier New"/>
+                <a:ea typeface="DejaVu Sans"/>
+              </a:rPr>
+              <a:t>4</a:t>
+            </a:r>
+            <a:r>
+              <a:rPr b="0" lang="cs-CZ" sz="2800" spc="-1" strike="noStrike">
+                <a:solidFill>
+                  <a:srgbClr val="000000"/>
+                </a:solidFill>
+                <a:latin typeface="Courier New"/>
+                <a:ea typeface="DejaVu Sans"/>
+              </a:rPr>
+              <a:t>)</a:t>
             </a:r>
             <a:endParaRPr b="0" lang="cs-CZ" sz="2800" spc="-1" strike="noStrike">
               <a:latin typeface="Arial"/>
@@ -5263,7 +6766,87 @@
                 <a:latin typeface="Courier New"/>
                 <a:ea typeface="DejaVu Sans"/>
               </a:rPr>
-              <a:t>y = random.randint(0, 4)</a:t>
+              <a:t>y </a:t>
+            </a:r>
+            <a:r>
+              <a:rPr b="0" lang="cs-CZ" sz="2800" spc="-1" strike="noStrike">
+                <a:solidFill>
+                  <a:srgbClr val="666666"/>
+                </a:solidFill>
+                <a:latin typeface="Courier New"/>
+                <a:ea typeface="DejaVu Sans"/>
+              </a:rPr>
+              <a:t>=</a:t>
+            </a:r>
+            <a:r>
+              <a:rPr b="0" lang="cs-CZ" sz="2800" spc="-1" strike="noStrike">
+                <a:solidFill>
+                  <a:srgbClr val="000000"/>
+                </a:solidFill>
+                <a:latin typeface="Courier New"/>
+                <a:ea typeface="DejaVu Sans"/>
+              </a:rPr>
+              <a:t> random</a:t>
+            </a:r>
+            <a:r>
+              <a:rPr b="0" lang="cs-CZ" sz="2800" spc="-1" strike="noStrike">
+                <a:solidFill>
+                  <a:srgbClr val="666666"/>
+                </a:solidFill>
+                <a:latin typeface="Courier New"/>
+                <a:ea typeface="DejaVu Sans"/>
+              </a:rPr>
+              <a:t>.</a:t>
+            </a:r>
+            <a:r>
+              <a:rPr b="0" lang="cs-CZ" sz="2800" spc="-1" strike="noStrike">
+                <a:solidFill>
+                  <a:srgbClr val="000000"/>
+                </a:solidFill>
+                <a:latin typeface="Courier New"/>
+                <a:ea typeface="DejaVu Sans"/>
+              </a:rPr>
+              <a:t>randint(</a:t>
+            </a:r>
+            <a:r>
+              <a:rPr b="0" lang="cs-CZ" sz="2800" spc="-1" strike="noStrike">
+                <a:solidFill>
+                  <a:srgbClr val="666666"/>
+                </a:solidFill>
+                <a:latin typeface="Courier New"/>
+                <a:ea typeface="DejaVu Sans"/>
+              </a:rPr>
+              <a:t>0</a:t>
+            </a:r>
+            <a:r>
+              <a:rPr b="0" lang="cs-CZ" sz="2800" spc="-1" strike="noStrike">
+                <a:solidFill>
+                  <a:srgbClr val="000000"/>
+                </a:solidFill>
+                <a:latin typeface="Courier New"/>
+                <a:ea typeface="DejaVu Sans"/>
+              </a:rPr>
+              <a:t>, </a:t>
+            </a:r>
+            <a:r>
+              <a:rPr b="0" lang="cs-CZ" sz="2800" spc="-1" strike="noStrike">
+                <a:solidFill>
+                  <a:srgbClr val="666666"/>
+                </a:solidFill>
+                <a:latin typeface="Courier New"/>
+                <a:ea typeface="DejaVu Sans"/>
+              </a:rPr>
+              <a:t>4</a:t>
+            </a:r>
+            <a:r>
+              <a:rPr b="0" lang="cs-CZ" sz="2800" spc="-1" strike="noStrike">
+                <a:solidFill>
+                  <a:srgbClr val="000000"/>
+                </a:solidFill>
+                <a:latin typeface="Courier New"/>
+                <a:ea typeface="DejaVu Sans"/>
+              </a:rPr>
+              <a:t>)</a:t>
             </a:r>
             <a:endParaRPr b="0" lang="cs-CZ" sz="2800" spc="-1" strike="noStrike">
               <a:latin typeface="Arial"/>
@@ -5288,12 +6871,42 @@
             <a:r>
               <a:rPr b="0" lang="cs-CZ" sz="2800" spc="-1" strike="noStrike">
                 <a:solidFill>
-                  <a:srgbClr val="000000"/>
-                </a:solidFill>
-                <a:latin typeface="Courier New"/>
-                <a:ea typeface="DejaVu Sans"/>
-              </a:rPr>
-              <a:t>intenzita = random.randint(0, 9)</a:t>
+                  <a:srgbClr val="008000"/>
+                </a:solidFill>
+                <a:latin typeface="Courier New"/>
+                <a:ea typeface="DejaVu Sans"/>
+              </a:rPr>
+              <a:t>if</a:t>
+            </a:r>
+            <a:r>
+              <a:rPr b="0" lang="cs-CZ" sz="2800" spc="-1" strike="noStrike">
+                <a:solidFill>
+                  <a:srgbClr val="000000"/>
+                </a:solidFill>
+                <a:latin typeface="Courier New"/>
+                <a:ea typeface="DejaVu Sans"/>
+              </a:rPr>
+              <a:t> (display</a:t>
+            </a:r>
+            <a:r>
+              <a:rPr b="0" lang="cs-CZ" sz="2800" spc="-1" strike="noStrike">
+                <a:solidFill>
+                  <a:srgbClr val="666666"/>
+                </a:solidFill>
+                <a:latin typeface="Courier New"/>
+                <a:ea typeface="DejaVu Sans"/>
+              </a:rPr>
+              <a:t>.</a:t>
+            </a:r>
+            <a:r>
+              <a:rPr b="0" lang="cs-CZ" sz="2800" spc="-1" strike="noStrike">
+                <a:solidFill>
+                  <a:srgbClr val="000000"/>
+                </a:solidFill>
+                <a:latin typeface="Courier New"/>
+                <a:ea typeface="DejaVu Sans"/>
+              </a:rPr>
+              <a:t>get_pixel(x, y)):</a:t>
             </a:r>
             <a:endParaRPr b="0" lang="cs-CZ" sz="2800" spc="-1" strike="noStrike">
               <a:latin typeface="Arial"/>
@@ -5313,17 +6926,57 @@
                 <a:latin typeface="Courier New"/>
                 <a:ea typeface="DejaVu Sans"/>
               </a:rPr>
-              <a:t>    </a:t>
-            </a:r>
-            <a:r>
-              <a:rPr b="0" lang="cs-CZ" sz="2800" spc="-1" strike="noStrike">
-                <a:solidFill>
-                  <a:srgbClr val="000000"/>
-                </a:solidFill>
-                <a:latin typeface="Courier New"/>
-                <a:ea typeface="DejaVu Sans"/>
-              </a:rPr>
-              <a:t>display.set_pixel(x, y, intenzita)</a:t>
+              <a:t>        </a:t>
+            </a:r>
+            <a:r>
+              <a:rPr b="0" lang="cs-CZ" sz="2800" spc="-1" strike="noStrike">
+                <a:solidFill>
+                  <a:srgbClr val="000000"/>
+                </a:solidFill>
+                <a:latin typeface="Courier New"/>
+                <a:ea typeface="DejaVu Sans"/>
+              </a:rPr>
+              <a:t>display</a:t>
+            </a:r>
+            <a:r>
+              <a:rPr b="0" lang="cs-CZ" sz="2800" spc="-1" strike="noStrike">
+                <a:solidFill>
+                  <a:srgbClr val="666666"/>
+                </a:solidFill>
+                <a:latin typeface="Courier New"/>
+                <a:ea typeface="DejaVu Sans"/>
+              </a:rPr>
+              <a:t>.</a:t>
+            </a:r>
+            <a:r>
+              <a:rPr b="0" lang="cs-CZ" sz="2800" spc="-1" strike="noStrike">
+                <a:solidFill>
+                  <a:srgbClr val="000000"/>
+                </a:solidFill>
+                <a:latin typeface="Courier New"/>
+                <a:ea typeface="DejaVu Sans"/>
+              </a:rPr>
+              <a:t>set_pixel(x, y, </a:t>
+            </a:r>
+            <a:r>
+              <a:rPr b="0" lang="cs-CZ" sz="2800" spc="-1" strike="noStrike">
+                <a:solidFill>
+                  <a:srgbClr val="666666"/>
+                </a:solidFill>
+                <a:latin typeface="Courier New"/>
+                <a:ea typeface="DejaVu Sans"/>
+              </a:rPr>
+              <a:t>0</a:t>
+            </a:r>
+            <a:r>
+              <a:rPr b="0" lang="cs-CZ" sz="2800" spc="-1" strike="noStrike">
+                <a:solidFill>
+                  <a:srgbClr val="000000"/>
+                </a:solidFill>
+                <a:latin typeface="Courier New"/>
+                <a:ea typeface="DejaVu Sans"/>
+              </a:rPr>
+              <a:t>)</a:t>
             </a:r>
             <a:endParaRPr b="0" lang="cs-CZ" sz="2800" spc="-1" strike="noStrike">
               <a:latin typeface="Arial"/>
@@ -5348,12 +7001,142 @@
             <a:r>
               <a:rPr b="0" lang="cs-CZ" sz="2800" spc="-1" strike="noStrike">
                 <a:solidFill>
-                  <a:srgbClr val="000000"/>
-                </a:solidFill>
-                <a:latin typeface="Courier New"/>
-                <a:ea typeface="DejaVu Sans"/>
-              </a:rPr>
-              <a:t>sleep(10)</a:t>
+                  <a:srgbClr val="008000"/>
+                </a:solidFill>
+                <a:latin typeface="Courier New"/>
+                <a:ea typeface="DejaVu Sans"/>
+              </a:rPr>
+              <a:t>else</a:t>
+            </a:r>
+            <a:r>
+              <a:rPr b="0" lang="cs-CZ" sz="2800" spc="-1" strike="noStrike">
+                <a:solidFill>
+                  <a:srgbClr val="000000"/>
+                </a:solidFill>
+                <a:latin typeface="Courier New"/>
+                <a:ea typeface="DejaVu Sans"/>
+              </a:rPr>
+              <a:t>:</a:t>
+            </a:r>
+            <a:endParaRPr b="0" lang="cs-CZ" sz="2800" spc="-1" strike="noStrike">
+              <a:latin typeface="Arial"/>
+            </a:endParaRPr>
+          </a:p>
+          <a:p>
+            <a:pPr>
+              <a:lnSpc>
+                <a:spcPct val="100000"/>
+              </a:lnSpc>
+            </a:pPr>
+            <a:r>
+              <a:rPr b="0" lang="cs-CZ" sz="2800" spc="-1" strike="noStrike">
+                <a:solidFill>
+                  <a:srgbClr val="000000"/>
+                </a:solidFill>
+                <a:latin typeface="Courier New"/>
+                <a:ea typeface="DejaVu Sans"/>
+              </a:rPr>
+              <a:t>        </a:t>
+            </a:r>
+            <a:r>
+              <a:rPr b="0" lang="cs-CZ" sz="2800" spc="-1" strike="noStrike">
+                <a:solidFill>
+                  <a:srgbClr val="000000"/>
+                </a:solidFill>
+                <a:latin typeface="Courier New"/>
+                <a:ea typeface="DejaVu Sans"/>
+              </a:rPr>
+              <a:t>display</a:t>
+            </a:r>
+            <a:r>
+              <a:rPr b="0" lang="cs-CZ" sz="2800" spc="-1" strike="noStrike">
+                <a:solidFill>
+                  <a:srgbClr val="666666"/>
+                </a:solidFill>
+                <a:latin typeface="Courier New"/>
+                <a:ea typeface="DejaVu Sans"/>
+              </a:rPr>
+              <a:t>.</a:t>
+            </a:r>
+            <a:r>
+              <a:rPr b="0" lang="cs-CZ" sz="2800" spc="-1" strike="noStrike">
+                <a:solidFill>
+                  <a:srgbClr val="000000"/>
+                </a:solidFill>
+                <a:latin typeface="Courier New"/>
+                <a:ea typeface="DejaVu Sans"/>
+              </a:rPr>
+              <a:t>set_pixel(x, y, </a:t>
+            </a:r>
+            <a:r>
+              <a:rPr b="0" lang="cs-CZ" sz="2800" spc="-1" strike="noStrike">
+                <a:solidFill>
+                  <a:srgbClr val="666666"/>
+                </a:solidFill>
+                <a:latin typeface="Courier New"/>
+                <a:ea typeface="DejaVu Sans"/>
+              </a:rPr>
+              <a:t>9</a:t>
+            </a:r>
+            <a:r>
+              <a:rPr b="0" lang="cs-CZ" sz="2800" spc="-1" strike="noStrike">
+                <a:solidFill>
+                  <a:srgbClr val="000000"/>
+                </a:solidFill>
+                <a:latin typeface="Courier New"/>
+                <a:ea typeface="DejaVu Sans"/>
+              </a:rPr>
+              <a:t>)</a:t>
+            </a:r>
+            <a:endParaRPr b="0" lang="cs-CZ" sz="2800" spc="-1" strike="noStrike">
+              <a:latin typeface="Arial"/>
+            </a:endParaRPr>
+          </a:p>
+          <a:p>
+            <a:pPr>
+              <a:lnSpc>
+                <a:spcPct val="100000"/>
+              </a:lnSpc>
+            </a:pPr>
+            <a:r>
+              <a:rPr b="0" lang="cs-CZ" sz="2800" spc="-1" strike="noStrike">
+                <a:solidFill>
+                  <a:srgbClr val="000000"/>
+                </a:solidFill>
+                <a:latin typeface="Courier New"/>
+                <a:ea typeface="DejaVu Sans"/>
+              </a:rPr>
+              <a:t>    </a:t>
+            </a:r>
+            <a:r>
+              <a:rPr b="0" lang="cs-CZ" sz="2800" spc="-1" strike="noStrike">
+                <a:solidFill>
+                  <a:srgbClr val="000000"/>
+                </a:solidFill>
+                <a:latin typeface="Courier New"/>
+                <a:ea typeface="DejaVu Sans"/>
+              </a:rPr>
+              <a:t>sleep(</a:t>
+            </a:r>
+            <a:r>
+              <a:rPr b="0" lang="cs-CZ" sz="2800" spc="-1" strike="noStrike">
+                <a:solidFill>
+                  <a:srgbClr val="666666"/>
+                </a:solidFill>
+                <a:latin typeface="Courier New"/>
+                <a:ea typeface="DejaVu Sans"/>
+              </a:rPr>
+              <a:t>10</a:t>
+            </a:r>
+            <a:r>
+              <a:rPr b="0" lang="cs-CZ" sz="2800" spc="-1" strike="noStrike">
+                <a:solidFill>
+                  <a:srgbClr val="000000"/>
+                </a:solidFill>
+                <a:latin typeface="Courier New"/>
+                <a:ea typeface="DejaVu Sans"/>
+              </a:rPr>
+              <a:t>)</a:t>
             </a:r>
             <a:endParaRPr b="0" lang="cs-CZ" sz="2800" spc="-1" strike="noStrike">
               <a:latin typeface="Arial"/>
@@ -5370,405 +7153,6 @@
           <p:childTnLst>
             <p:seq>
               <p:cTn id="10" dur="indefinite" nodeType="mainSeq"/>
-              <p:prevCondLst>
-                <p:cond delay="0" evt="onPrev">
-                  <p:tgtEl>
-                    <p:sldTgt/>
-                  </p:tgtEl>
-                </p:cond>
-              </p:prevCondLst>
-              <p:nextCondLst>
-                <p:cond delay="0" evt="onNext">
-                  <p:tgtEl>
-                    <p:sldTgt/>
-                  </p:tgtEl>
-                </p:cond>
-              </p:nextCondLst>
-            </p:seq>
-          </p:childTnLst>
-        </p:cTn>
-      </p:par>
-    </p:tnLst>
-  </p:timing>
-</p:sld>
-</file>
-
-<file path=ppt/slides/slide8.xml><?xml version="1.0" encoding="utf-8"?>
-<p:sld xmlns:a="http://schemas.openxmlformats.org/drawingml/2006/main" xmlns:p="http://schemas.openxmlformats.org/presentationml/2006/main" xmlns:r="http://schemas.openxmlformats.org/officeDocument/2006/relationships" xmlns:p14="http://schemas.microsoft.com/office/powerpoint/2010/main" xmlns:p15="http://schemas.microsoft.com/office/powerpoint/2012/main" xmlns:mc="http://schemas.openxmlformats.org/markup-compatibility/2006">
-  <p:cSld>
-    <p:spTree>
-      <p:nvGrpSpPr>
-        <p:cNvPr id="1" name=""/>
-        <p:cNvGrpSpPr/>
-        <p:nvPr/>
-      </p:nvGrpSpPr>
-      <p:grpSpPr>
-        <a:xfrm>
-          <a:off x="0" y="0"/>
-          <a:ext cx="0" cy="0"/>
-          <a:chOff x="0" y="0"/>
-          <a:chExt cx="0" cy="0"/>
-        </a:xfrm>
-      </p:grpSpPr>
-      <p:sp>
-        <p:nvSpPr>
-          <p:cNvPr id="90" name="CustomShape 1"/>
-          <p:cNvSpPr/>
-          <p:nvPr/>
-        </p:nvSpPr>
-        <p:spPr>
-          <a:xfrm>
-            <a:off x="504000" y="72000"/>
-            <a:ext cx="9069840" cy="862200"/>
-          </a:xfrm>
-          <a:prstGeom prst="rect">
-            <a:avLst/>
-          </a:prstGeom>
-          <a:noFill/>
-          <a:ln>
-            <a:noFill/>
-          </a:ln>
-        </p:spPr>
-        <p:style>
-          <a:lnRef idx="0"/>
-          <a:fillRef idx="0"/>
-          <a:effectRef idx="0"/>
-          <a:fontRef idx="minor"/>
-        </p:style>
-        <p:txBody>
-          <a:bodyPr lIns="0" rIns="0" tIns="0" bIns="0" anchor="ctr"/>
-          <a:p>
-            <a:pPr algn="ctr">
-              <a:lnSpc>
-                <a:spcPct val="100000"/>
-              </a:lnSpc>
-            </a:pPr>
-            <a:r>
-              <a:rPr b="0" lang="cs-CZ" sz="3600" spc="-1" strike="noStrike">
-                <a:solidFill>
-                  <a:srgbClr val="000000"/>
-                </a:solidFill>
-                <a:latin typeface="Arial"/>
-                <a:ea typeface="DejaVu Sans"/>
-              </a:rPr>
-              <a:t>Hvězdná obloha – náhodné rozsvěcení a zhasínání diod</a:t>
-            </a:r>
-            <a:endParaRPr b="0" lang="cs-CZ" sz="3600" spc="-1" strike="noStrike">
-              <a:latin typeface="Arial"/>
-            </a:endParaRPr>
-          </a:p>
-        </p:txBody>
-      </p:sp>
-      <p:sp>
-        <p:nvSpPr>
-          <p:cNvPr id="91" name="CustomShape 2"/>
-          <p:cNvSpPr/>
-          <p:nvPr/>
-        </p:nvSpPr>
-        <p:spPr>
-          <a:xfrm>
-            <a:off x="504000" y="1769040"/>
-            <a:ext cx="9069840" cy="4383000"/>
-          </a:xfrm>
-          <a:prstGeom prst="rect">
-            <a:avLst/>
-          </a:prstGeom>
-          <a:noFill/>
-          <a:ln>
-            <a:noFill/>
-          </a:ln>
-        </p:spPr>
-        <p:style>
-          <a:lnRef idx="0"/>
-          <a:fillRef idx="0"/>
-          <a:effectRef idx="0"/>
-          <a:fontRef idx="minor"/>
-        </p:style>
-        <p:txBody>
-          <a:bodyPr lIns="0" rIns="0" tIns="0" bIns="0">
-            <a:normAutofit/>
-          </a:bodyPr>
-          <a:p>
-            <a:pPr>
-              <a:lnSpc>
-                <a:spcPct val="100000"/>
-              </a:lnSpc>
-            </a:pPr>
-            <a:r>
-              <a:rPr b="0" lang="cs-CZ" sz="2800" spc="-1" strike="noStrike">
-                <a:solidFill>
-                  <a:srgbClr val="000000"/>
-                </a:solidFill>
-                <a:latin typeface="Courier New"/>
-                <a:ea typeface="DejaVu Sans"/>
-              </a:rPr>
-              <a:t>from microbit import *</a:t>
-            </a:r>
-            <a:endParaRPr b="0" lang="cs-CZ" sz="2800" spc="-1" strike="noStrike">
-              <a:latin typeface="Arial"/>
-            </a:endParaRPr>
-          </a:p>
-          <a:p>
-            <a:pPr>
-              <a:lnSpc>
-                <a:spcPct val="100000"/>
-              </a:lnSpc>
-            </a:pPr>
-            <a:r>
-              <a:rPr b="0" lang="cs-CZ" sz="2800" spc="-1" strike="noStrike">
-                <a:solidFill>
-                  <a:srgbClr val="000000"/>
-                </a:solidFill>
-                <a:latin typeface="Courier New"/>
-                <a:ea typeface="DejaVu Sans"/>
-              </a:rPr>
-              <a:t>import random</a:t>
-            </a:r>
-            <a:endParaRPr b="0" lang="cs-CZ" sz="2800" spc="-1" strike="noStrike">
-              <a:latin typeface="Arial"/>
-            </a:endParaRPr>
-          </a:p>
-          <a:p>
-            <a:pPr>
-              <a:lnSpc>
-                <a:spcPct val="100000"/>
-              </a:lnSpc>
-            </a:pPr>
-            <a:r>
-              <a:rPr b="0" lang="cs-CZ" sz="2800" spc="-1" strike="noStrike">
-                <a:solidFill>
-                  <a:srgbClr val="000000"/>
-                </a:solidFill>
-                <a:latin typeface="Courier New"/>
-                <a:ea typeface="DejaVu Sans"/>
-              </a:rPr>
-              <a:t>while True:</a:t>
-            </a:r>
-            <a:endParaRPr b="0" lang="cs-CZ" sz="2800" spc="-1" strike="noStrike">
-              <a:latin typeface="Arial"/>
-            </a:endParaRPr>
-          </a:p>
-          <a:p>
-            <a:pPr>
-              <a:lnSpc>
-                <a:spcPct val="100000"/>
-              </a:lnSpc>
-            </a:pPr>
-            <a:r>
-              <a:rPr b="0" lang="cs-CZ" sz="2800" spc="-1" strike="noStrike">
-                <a:solidFill>
-                  <a:srgbClr val="000000"/>
-                </a:solidFill>
-                <a:latin typeface="Courier New"/>
-                <a:ea typeface="DejaVu Sans"/>
-              </a:rPr>
-              <a:t>    </a:t>
-            </a:r>
-            <a:r>
-              <a:rPr b="0" lang="cs-CZ" sz="2800" spc="-1" strike="noStrike">
-                <a:solidFill>
-                  <a:srgbClr val="000000"/>
-                </a:solidFill>
-                <a:latin typeface="Courier New"/>
-                <a:ea typeface="DejaVu Sans"/>
-              </a:rPr>
-              <a:t>x = random.randint(0, 4)</a:t>
-            </a:r>
-            <a:endParaRPr b="0" lang="cs-CZ" sz="2800" spc="-1" strike="noStrike">
-              <a:latin typeface="Arial"/>
-            </a:endParaRPr>
-          </a:p>
-          <a:p>
-            <a:pPr>
-              <a:lnSpc>
-                <a:spcPct val="100000"/>
-              </a:lnSpc>
-            </a:pPr>
-            <a:r>
-              <a:rPr b="0" lang="cs-CZ" sz="2800" spc="-1" strike="noStrike">
-                <a:solidFill>
-                  <a:srgbClr val="000000"/>
-                </a:solidFill>
-                <a:latin typeface="Courier New"/>
-                <a:ea typeface="DejaVu Sans"/>
-              </a:rPr>
-              <a:t>    </a:t>
-            </a:r>
-            <a:r>
-              <a:rPr b="0" lang="cs-CZ" sz="2800" spc="-1" strike="noStrike">
-                <a:solidFill>
-                  <a:srgbClr val="000000"/>
-                </a:solidFill>
-                <a:latin typeface="Courier New"/>
-                <a:ea typeface="DejaVu Sans"/>
-              </a:rPr>
-              <a:t>y = random.randint(0, 4)</a:t>
-            </a:r>
-            <a:endParaRPr b="0" lang="cs-CZ" sz="2800" spc="-1" strike="noStrike">
-              <a:latin typeface="Arial"/>
-            </a:endParaRPr>
-          </a:p>
-          <a:p>
-            <a:pPr>
-              <a:lnSpc>
-                <a:spcPct val="100000"/>
-              </a:lnSpc>
-            </a:pPr>
-            <a:r>
-              <a:rPr b="0" lang="cs-CZ" sz="2800" spc="-1" strike="noStrike">
-                <a:solidFill>
-                  <a:srgbClr val="000000"/>
-                </a:solidFill>
-                <a:latin typeface="Courier New"/>
-                <a:ea typeface="DejaVu Sans"/>
-              </a:rPr>
-              <a:t>    </a:t>
-            </a:r>
-            <a:r>
-              <a:rPr b="0" lang="cs-CZ" sz="2800" spc="-1" strike="noStrike">
-                <a:solidFill>
-                  <a:srgbClr val="000000"/>
-                </a:solidFill>
-                <a:latin typeface="Courier New"/>
-                <a:ea typeface="DejaVu Sans"/>
-              </a:rPr>
-              <a:t>if (display.get_pixel(x, y)):</a:t>
-            </a:r>
-            <a:endParaRPr b="0" lang="cs-CZ" sz="2800" spc="-1" strike="noStrike">
-              <a:latin typeface="Arial"/>
-            </a:endParaRPr>
-          </a:p>
-          <a:p>
-            <a:pPr>
-              <a:lnSpc>
-                <a:spcPct val="100000"/>
-              </a:lnSpc>
-            </a:pPr>
-            <a:r>
-              <a:rPr b="0" lang="cs-CZ" sz="2800" spc="-1" strike="noStrike">
-                <a:solidFill>
-                  <a:srgbClr val="000000"/>
-                </a:solidFill>
-                <a:latin typeface="Courier New"/>
-                <a:ea typeface="DejaVu Sans"/>
-              </a:rPr>
-              <a:t>        </a:t>
-            </a:r>
-            <a:r>
-              <a:rPr b="0" lang="cs-CZ" sz="2800" spc="-1" strike="noStrike">
-                <a:solidFill>
-                  <a:srgbClr val="000000"/>
-                </a:solidFill>
-                <a:latin typeface="Courier New"/>
-                <a:ea typeface="DejaVu Sans"/>
-              </a:rPr>
-              <a:t>display.set_pixel(x, y, 0)</a:t>
-            </a:r>
-            <a:endParaRPr b="0" lang="cs-CZ" sz="2800" spc="-1" strike="noStrike">
-              <a:latin typeface="Arial"/>
-            </a:endParaRPr>
-          </a:p>
-          <a:p>
-            <a:pPr>
-              <a:lnSpc>
-                <a:spcPct val="100000"/>
-              </a:lnSpc>
-            </a:pPr>
-            <a:r>
-              <a:rPr b="0" lang="cs-CZ" sz="2800" spc="-1" strike="noStrike">
-                <a:solidFill>
-                  <a:srgbClr val="000000"/>
-                </a:solidFill>
-                <a:latin typeface="Courier New"/>
-                <a:ea typeface="DejaVu Sans"/>
-              </a:rPr>
-              <a:t>    </a:t>
-            </a:r>
-            <a:r>
-              <a:rPr b="0" lang="cs-CZ" sz="2800" spc="-1" strike="noStrike">
-                <a:solidFill>
-                  <a:srgbClr val="000000"/>
-                </a:solidFill>
-                <a:latin typeface="Courier New"/>
-                <a:ea typeface="DejaVu Sans"/>
-              </a:rPr>
-              <a:t>else:</a:t>
-            </a:r>
-            <a:endParaRPr b="0" lang="cs-CZ" sz="2800" spc="-1" strike="noStrike">
-              <a:latin typeface="Arial"/>
-            </a:endParaRPr>
-          </a:p>
-          <a:p>
-            <a:pPr>
-              <a:lnSpc>
-                <a:spcPct val="100000"/>
-              </a:lnSpc>
-            </a:pPr>
-            <a:r>
-              <a:rPr b="0" lang="cs-CZ" sz="2800" spc="-1" strike="noStrike">
-                <a:solidFill>
-                  <a:srgbClr val="000000"/>
-                </a:solidFill>
-                <a:latin typeface="Courier New"/>
-                <a:ea typeface="DejaVu Sans"/>
-              </a:rPr>
-              <a:t>        </a:t>
-            </a:r>
-            <a:r>
-              <a:rPr b="0" lang="cs-CZ" sz="2800" spc="-1" strike="noStrike">
-                <a:solidFill>
-                  <a:srgbClr val="000000"/>
-                </a:solidFill>
-                <a:latin typeface="Courier New"/>
-                <a:ea typeface="DejaVu Sans"/>
-              </a:rPr>
-              <a:t>display.set_pixel(x, y, 9)</a:t>
-            </a:r>
-            <a:endParaRPr b="0" lang="cs-CZ" sz="2800" spc="-1" strike="noStrike">
-              <a:latin typeface="Arial"/>
-            </a:endParaRPr>
-          </a:p>
-          <a:p>
-            <a:pPr>
-              <a:lnSpc>
-                <a:spcPct val="100000"/>
-              </a:lnSpc>
-            </a:pPr>
-            <a:r>
-              <a:rPr b="0" lang="cs-CZ" sz="2800" spc="-1" strike="noStrike">
-                <a:solidFill>
-                  <a:srgbClr val="000000"/>
-                </a:solidFill>
-                <a:latin typeface="Courier New"/>
-                <a:ea typeface="DejaVu Sans"/>
-              </a:rPr>
-              <a:t>    </a:t>
-            </a:r>
-            <a:r>
-              <a:rPr b="0" lang="cs-CZ" sz="2800" spc="-1" strike="noStrike">
-                <a:solidFill>
-                  <a:srgbClr val="000000"/>
-                </a:solidFill>
-                <a:latin typeface="Courier New"/>
-                <a:ea typeface="DejaVu Sans"/>
-              </a:rPr>
-              <a:t>sleep(10)</a:t>
-            </a:r>
-            <a:endParaRPr b="0" lang="cs-CZ" sz="2800" spc="-1" strike="noStrike">
-              <a:latin typeface="Arial"/>
-            </a:endParaRPr>
-          </a:p>
-        </p:txBody>
-      </p:sp>
-    </p:spTree>
-  </p:cSld>
-  <p:timing>
-    <p:tnLst>
-      <p:par>
-        <p:cTn id="11" dur="indefinite" restart="never" nodeType="tmRoot">
-          <p:childTnLst>
-            <p:seq>
-              <p:cTn id="12" dur="indefinite" nodeType="mainSeq"/>
               <p:prevCondLst>
                 <p:cond delay="0" evt="onPrev">
                   <p:tgtEl>
@@ -6236,4 +7620,227 @@
     </a:fmtScheme>
   </a:themeElements>
 </a:theme>
+</file>
+
+<file path=ppt/theme/theme3.xml><?xml version="1.0" encoding="utf-8"?>
+<a:theme xmlns:a="http://schemas.openxmlformats.org/drawingml/2006/main" name="Office Theme">
+  <a:themeElements>
+    <a:clrScheme name="Office">
+      <a:dk1>
+        <a:sysClr val="windowText" lastClr="000000"/>
+      </a:dk1>
+      <a:lt1>
+        <a:sysClr val="window" lastClr="FFFFFF"/>
+      </a:lt1>
+      <a:dk2>
+        <a:srgbClr val="1f497d"/>
+      </a:dk2>
+      <a:lt2>
+        <a:srgbClr val="eeece1"/>
+      </a:lt2>
+      <a:accent1>
+        <a:srgbClr val="4f81bd"/>
+      </a:accent1>
+      <a:accent2>
+        <a:srgbClr val="c0504d"/>
+      </a:accent2>
+      <a:accent3>
+        <a:srgbClr val="9bbb59"/>
+      </a:accent3>
+      <a:accent4>
+        <a:srgbClr val="8064a2"/>
+      </a:accent4>
+      <a:accent5>
+        <a:srgbClr val="4bacc6"/>
+      </a:accent5>
+      <a:accent6>
+        <a:srgbClr val="f79646"/>
+      </a:accent6>
+      <a:hlink>
+        <a:srgbClr val="0000ff"/>
+      </a:hlink>
+      <a:folHlink>
+        <a:srgbClr val="800080"/>
+      </a:folHlink>
+    </a:clrScheme>
+    <a:fontScheme name="Office">
+      <a:majorFont>
+        <a:latin typeface="Arial"/>
+        <a:ea typeface="DejaVu Sans"/>
+        <a:cs typeface="DejaVu Sans"/>
+      </a:majorFont>
+      <a:minorFont>
+        <a:latin typeface="Arial"/>
+        <a:ea typeface="DejaVu Sans"/>
+        <a:cs typeface="DejaVu Sans"/>
+      </a:minorFont>
+    </a:fontScheme>
+    <a:fmtScheme name="Office">
+      <a:fillStyleLst>
+        <a:solidFill>
+          <a:schemeClr val="phClr"/>
+        </a:solidFill>
+        <a:gradFill rotWithShape="1">
+          <a:gsLst>
+            <a:gs pos="0">
+              <a:schemeClr val="phClr">
+                <a:tint val="50000"/>
+                <a:satMod val="300000"/>
+              </a:schemeClr>
+            </a:gs>
+            <a:gs pos="35000">
+              <a:schemeClr val="phClr">
+                <a:tint val="37000"/>
+                <a:satMod val="300000"/>
+              </a:schemeClr>
+            </a:gs>
+            <a:gs pos="100000">
+              <a:schemeClr val="phClr">
+                <a:tint val="15000"/>
+                <a:satMod val="350000"/>
+              </a:schemeClr>
+            </a:gs>
+          </a:gsLst>
+          <a:lin ang="16200000" scaled="1"/>
+        </a:gradFill>
+        <a:gradFill rotWithShape="1">
+          <a:gsLst>
+            <a:gs pos="0">
+              <a:schemeClr val="phClr">
+                <a:shade val="51000"/>
+                <a:satMod val="130000"/>
+              </a:schemeClr>
+            </a:gs>
+            <a:gs pos="80000">
+              <a:schemeClr val="phClr">
+                <a:shade val="93000"/>
+                <a:satMod val="130000"/>
+              </a:schemeClr>
+            </a:gs>
+            <a:gs pos="100000">
+              <a:schemeClr val="phClr">
+                <a:shade val="94000"/>
+                <a:satMod val="135000"/>
+              </a:schemeClr>
+            </a:gs>
+          </a:gsLst>
+          <a:lin ang="16200000" scaled="0"/>
+        </a:gradFill>
+      </a:fillStyleLst>
+      <a:lnStyleLst>
+        <a:ln w="9525" cap="flat" cmpd="sng" algn="ctr">
+          <a:solidFill>
+            <a:schemeClr val="phClr">
+              <a:shade val="95000"/>
+              <a:satMod val="105000"/>
+            </a:schemeClr>
+          </a:solidFill>
+          <a:prstDash val="solid"/>
+        </a:ln>
+        <a:ln w="25400" cap="flat" cmpd="sng" algn="ctr">
+          <a:solidFill>
+            <a:schemeClr val="phClr"/>
+          </a:solidFill>
+          <a:prstDash val="solid"/>
+        </a:ln>
+        <a:ln w="38100" cap="flat" cmpd="sng" algn="ctr">
+          <a:solidFill>
+            <a:schemeClr val="phClr"/>
+          </a:solidFill>
+          <a:prstDash val="solid"/>
+        </a:ln>
+      </a:lnStyleLst>
+      <a:effectStyleLst>
+        <a:effectStyle>
+          <a:effectLst>
+            <a:outerShdw blurRad="40000" dist="20000" dir="5400000" rotWithShape="0">
+              <a:srgbClr val="000000">
+                <a:alpha val="38000"/>
+              </a:srgbClr>
+            </a:outerShdw>
+          </a:effectLst>
+        </a:effectStyle>
+        <a:effectStyle>
+          <a:effectLst>
+            <a:outerShdw blurRad="40000" dist="23000" dir="5400000" rotWithShape="0">
+              <a:srgbClr val="000000">
+                <a:alpha val="35000"/>
+              </a:srgbClr>
+            </a:outerShdw>
+          </a:effectLst>
+        </a:effectStyle>
+        <a:effectStyle>
+          <a:effectLst>
+            <a:outerShdw blurRad="40000" dist="23000" dir="5400000" rotWithShape="0">
+              <a:srgbClr val="000000">
+                <a:alpha val="35000"/>
+              </a:srgbClr>
+            </a:outerShdw>
+          </a:effectLst>
+          <a:scene3d>
+            <a:camera prst="orthographicFront">
+              <a:rot lat="0" lon="0" rev="0"/>
+            </a:camera>
+            <a:lightRig rig="threePt" dir="t">
+              <a:rot lat="0" lon="0" rev="1200000"/>
+            </a:lightRig>
+          </a:scene3d>
+          <a:sp3d>
+            <a:bevelT w="63500" h="25400"/>
+          </a:sp3d>
+        </a:effectStyle>
+      </a:effectStyleLst>
+      <a:bgFillStyleLst>
+        <a:solidFill>
+          <a:schemeClr val="phClr"/>
+        </a:solidFill>
+        <a:gradFill rotWithShape="1">
+          <a:gsLst>
+            <a:gs pos="0">
+              <a:schemeClr val="phClr">
+                <a:tint val="40000"/>
+                <a:satMod val="350000"/>
+              </a:schemeClr>
+            </a:gs>
+            <a:gs pos="40000">
+              <a:schemeClr val="phClr">
+                <a:tint val="45000"/>
+                <a:shade val="99000"/>
+                <a:satMod val="350000"/>
+              </a:schemeClr>
+            </a:gs>
+            <a:gs pos="100000">
+              <a:schemeClr val="phClr">
+                <a:shade val="20000"/>
+                <a:satMod val="255000"/>
+              </a:schemeClr>
+            </a:gs>
+          </a:gsLst>
+          <a:path path="circle">
+            <a:fillToRect l="50000" t="-80000" r="50000" b="180000"/>
+          </a:path>
+        </a:gradFill>
+        <a:gradFill rotWithShape="1">
+          <a:gsLst>
+            <a:gs pos="0">
+              <a:schemeClr val="phClr">
+                <a:tint val="80000"/>
+                <a:satMod val="300000"/>
+              </a:schemeClr>
+            </a:gs>
+            <a:gs pos="100000">
+              <a:schemeClr val="phClr">
+                <a:shade val="30000"/>
+                <a:satMod val="200000"/>
+              </a:schemeClr>
+            </a:gs>
+          </a:gsLst>
+          <a:path path="circle">
+            <a:fillToRect l="50000" t="50000" r="50000" b="50000"/>
+          </a:path>
+        </a:gradFill>
+      </a:bgFillStyleLst>
+    </a:fmtScheme>
+  </a:themeElements>
+</a:theme>
 </file>
--- a/01-LED/01_Pro_ucitele/Prezentace/14-obrazky.pptx
+++ b/01-LED/01_Pro_ucitele/Prezentace/14-obrazky.pptx
@@ -1,25 +1,120 @@
 
 <file path=ppt/presentation.xml><?xml version="1.0" encoding="utf-8"?>
-<p:presentation xmlns:a="http://schemas.openxmlformats.org/drawingml/2006/main" xmlns:p="http://schemas.openxmlformats.org/presentationml/2006/main" xmlns:r="http://schemas.openxmlformats.org/officeDocument/2006/relationships" xmlns:p14="http://schemas.microsoft.com/office/powerpoint/2010/main" xmlns:p15="http://schemas.microsoft.com/office/powerpoint/2012/main" xmlns:mc="http://schemas.openxmlformats.org/markup-compatibility/2006">
+<p:presentation xmlns:a="http://schemas.openxmlformats.org/drawingml/2006/main" xmlns:r="http://schemas.openxmlformats.org/officeDocument/2006/relationships" xmlns:p="http://schemas.openxmlformats.org/presentationml/2006/main">
   <p:sldMasterIdLst>
-    <p:sldMasterId id="2147483648" r:id="rId2"/>
-    <p:sldMasterId id="2147483661" r:id="rId3"/>
-    <p:sldMasterId id="2147483674" r:id="rId4"/>
+    <p:sldMasterId id="2147483648" r:id="rId1"/>
+    <p:sldMasterId id="2147483661" r:id="rId2"/>
+    <p:sldMasterId id="2147483674" r:id="rId3"/>
   </p:sldMasterIdLst>
   <p:sldIdLst>
-    <p:sldId id="256" r:id="rId5"/>
-    <p:sldId id="257" r:id="rId6"/>
-    <p:sldId id="258" r:id="rId7"/>
-    <p:sldId id="259" r:id="rId8"/>
-    <p:sldId id="260" r:id="rId9"/>
+    <p:sldId id="256" r:id="rId4"/>
+    <p:sldId id="257" r:id="rId5"/>
+    <p:sldId id="258" r:id="rId6"/>
+    <p:sldId id="259" r:id="rId7"/>
+    <p:sldId id="260" r:id="rId8"/>
   </p:sldIdLst>
   <p:sldSz cx="10080625" cy="7559675"/>
-  <p:notesSz cx="7559675" cy="10691812"/>
+  <p:notesSz cx="7559675" cy="10691813"/>
+  <p:defaultTextStyle>
+    <a:defPPr>
+      <a:defRPr lang="cs-CZ"/>
+    </a:defPPr>
+    <a:lvl1pPr marL="0" algn="l" defTabSz="914400" rtl="0" eaLnBrk="1" latinLnBrk="0" hangingPunct="1">
+      <a:defRPr sz="1800" kern="1200">
+        <a:solidFill>
+          <a:schemeClr val="tx1"/>
+        </a:solidFill>
+        <a:latin typeface="+mn-lt"/>
+        <a:ea typeface="+mn-ea"/>
+        <a:cs typeface="+mn-cs"/>
+      </a:defRPr>
+    </a:lvl1pPr>
+    <a:lvl2pPr marL="457200" algn="l" defTabSz="914400" rtl="0" eaLnBrk="1" latinLnBrk="0" hangingPunct="1">
+      <a:defRPr sz="1800" kern="1200">
+        <a:solidFill>
+          <a:schemeClr val="tx1"/>
+        </a:solidFill>
+        <a:latin typeface="+mn-lt"/>
+        <a:ea typeface="+mn-ea"/>
+        <a:cs typeface="+mn-cs"/>
+      </a:defRPr>
+    </a:lvl2pPr>
+    <a:lvl3pPr marL="914400" algn="l" defTabSz="914400" rtl="0" eaLnBrk="1" latinLnBrk="0" hangingPunct="1">
+      <a:defRPr sz="1800" kern="1200">
+        <a:solidFill>
+          <a:schemeClr val="tx1"/>
+        </a:solidFill>
+        <a:latin typeface="+mn-lt"/>
+        <a:ea typeface="+mn-ea"/>
+        <a:cs typeface="+mn-cs"/>
+      </a:defRPr>
+    </a:lvl3pPr>
+    <a:lvl4pPr marL="1371600" algn="l" defTabSz="914400" rtl="0" eaLnBrk="1" latinLnBrk="0" hangingPunct="1">
+      <a:defRPr sz="1800" kern="1200">
+        <a:solidFill>
+          <a:schemeClr val="tx1"/>
+        </a:solidFill>
+        <a:latin typeface="+mn-lt"/>
+        <a:ea typeface="+mn-ea"/>
+        <a:cs typeface="+mn-cs"/>
+      </a:defRPr>
+    </a:lvl4pPr>
+    <a:lvl5pPr marL="1828800" algn="l" defTabSz="914400" rtl="0" eaLnBrk="1" latinLnBrk="0" hangingPunct="1">
+      <a:defRPr sz="1800" kern="1200">
+        <a:solidFill>
+          <a:schemeClr val="tx1"/>
+        </a:solidFill>
+        <a:latin typeface="+mn-lt"/>
+        <a:ea typeface="+mn-ea"/>
+        <a:cs typeface="+mn-cs"/>
+      </a:defRPr>
+    </a:lvl5pPr>
+    <a:lvl6pPr marL="2286000" algn="l" defTabSz="914400" rtl="0" eaLnBrk="1" latinLnBrk="0" hangingPunct="1">
+      <a:defRPr sz="1800" kern="1200">
+        <a:solidFill>
+          <a:schemeClr val="tx1"/>
+        </a:solidFill>
+        <a:latin typeface="+mn-lt"/>
+        <a:ea typeface="+mn-ea"/>
+        <a:cs typeface="+mn-cs"/>
+      </a:defRPr>
+    </a:lvl6pPr>
+    <a:lvl7pPr marL="2743200" algn="l" defTabSz="914400" rtl="0" eaLnBrk="1" latinLnBrk="0" hangingPunct="1">
+      <a:defRPr sz="1800" kern="1200">
+        <a:solidFill>
+          <a:schemeClr val="tx1"/>
+        </a:solidFill>
+        <a:latin typeface="+mn-lt"/>
+        <a:ea typeface="+mn-ea"/>
+        <a:cs typeface="+mn-cs"/>
+      </a:defRPr>
+    </a:lvl7pPr>
+    <a:lvl8pPr marL="3200400" algn="l" defTabSz="914400" rtl="0" eaLnBrk="1" latinLnBrk="0" hangingPunct="1">
+      <a:defRPr sz="1800" kern="1200">
+        <a:solidFill>
+          <a:schemeClr val="tx1"/>
+        </a:solidFill>
+        <a:latin typeface="+mn-lt"/>
+        <a:ea typeface="+mn-ea"/>
+        <a:cs typeface="+mn-cs"/>
+      </a:defRPr>
+    </a:lvl8pPr>
+    <a:lvl9pPr marL="3657600" algn="l" defTabSz="914400" rtl="0" eaLnBrk="1" latinLnBrk="0" hangingPunct="1">
+      <a:defRPr sz="1800" kern="1200">
+        <a:solidFill>
+          <a:schemeClr val="tx1"/>
+        </a:solidFill>
+        <a:latin typeface="+mn-lt"/>
+        <a:ea typeface="+mn-ea"/>
+        <a:cs typeface="+mn-cs"/>
+      </a:defRPr>
+    </a:lvl9pPr>
+  </p:defaultTextStyle>
 </p:presentation>
 </file>
 
 <file path=ppt/slideLayouts/slideLayout1.xml><?xml version="1.0" encoding="utf-8"?>
-<p:sldLayout xmlns:a="http://schemas.openxmlformats.org/drawingml/2006/main" xmlns:p="http://schemas.openxmlformats.org/presentationml/2006/main" xmlns:r="http://schemas.openxmlformats.org/officeDocument/2006/relationships" xmlns:p14="http://schemas.microsoft.com/office/powerpoint/2010/main" xmlns:p15="http://schemas.microsoft.com/office/powerpoint/2012/main" xmlns:mc="http://schemas.openxmlformats.org/markup-compatibility/2006" type="blank" preserve="1">
+<p:sldLayout xmlns:a="http://schemas.openxmlformats.org/drawingml/2006/main" xmlns:r="http://schemas.openxmlformats.org/officeDocument/2006/relationships" xmlns:p="http://schemas.openxmlformats.org/presentationml/2006/main" type="blank" preserve="1">
   <p:cSld name="Blank Slide">
     <p:spTree>
       <p:nvGrpSpPr>
@@ -37,11 +132,14 @@
       </p:grpSpPr>
     </p:spTree>
   </p:cSld>
+  <p:clrMapOvr>
+    <a:masterClrMapping/>
+  </p:clrMapOvr>
 </p:sldLayout>
 </file>
 
 <file path=ppt/slideLayouts/slideLayout10.xml><?xml version="1.0" encoding="utf-8"?>
-<p:sldLayout xmlns:a="http://schemas.openxmlformats.org/drawingml/2006/main" xmlns:p="http://schemas.openxmlformats.org/presentationml/2006/main" xmlns:r="http://schemas.openxmlformats.org/officeDocument/2006/relationships" xmlns:p14="http://schemas.microsoft.com/office/powerpoint/2010/main" xmlns:p15="http://schemas.microsoft.com/office/powerpoint/2012/main" xmlns:mc="http://schemas.openxmlformats.org/markup-compatibility/2006" type="objOverTx" preserve="1">
+<p:sldLayout xmlns:a="http://schemas.openxmlformats.org/drawingml/2006/main" xmlns:r="http://schemas.openxmlformats.org/officeDocument/2006/relationships" xmlns:p="http://schemas.openxmlformats.org/presentationml/2006/main" type="objOverTx" preserve="1">
   <p:cSld name="Title, Content over Content">
     <p:spTree>
       <p:nvGrpSpPr>
@@ -77,10 +175,11 @@
           </a:prstGeom>
         </p:spPr>
         <p:txBody>
-          <a:bodyPr lIns="0" rIns="0" tIns="0" bIns="0" anchor="ctr"/>
+          <a:bodyPr lIns="0" tIns="0" rIns="0" bIns="0" anchor="ctr"/>
+          <a:lstStyle/>
           <a:p>
             <a:pPr algn="ctr"/>
-            <a:endParaRPr b="0" lang="cs-CZ" sz="4400" spc="-1" strike="noStrike">
+            <a:endParaRPr lang="cs-CZ" sz="4400" b="0" strike="noStrike" spc="-1">
               <a:latin typeface="Arial"/>
             </a:endParaRPr>
           </a:p>
@@ -106,11 +205,12 @@
           </a:prstGeom>
         </p:spPr>
         <p:txBody>
-          <a:bodyPr lIns="0" rIns="0" tIns="0" bIns="0">
+          <a:bodyPr lIns="0" tIns="0" rIns="0" bIns="0">
             <a:normAutofit/>
           </a:bodyPr>
-          <a:p>
-            <a:endParaRPr b="0" lang="cs-CZ" sz="3200" spc="-1" strike="noStrike">
+          <a:lstStyle/>
+          <a:p>
+            <a:endParaRPr lang="cs-CZ" sz="3200" b="0" strike="noStrike" spc="-1">
               <a:latin typeface="Arial"/>
             </a:endParaRPr>
           </a:p>
@@ -136,11 +236,12 @@
           </a:prstGeom>
         </p:spPr>
         <p:txBody>
-          <a:bodyPr lIns="0" rIns="0" tIns="0" bIns="0">
+          <a:bodyPr lIns="0" tIns="0" rIns="0" bIns="0">
             <a:normAutofit/>
           </a:bodyPr>
-          <a:p>
-            <a:endParaRPr b="0" lang="cs-CZ" sz="3200" spc="-1" strike="noStrike">
+          <a:lstStyle/>
+          <a:p>
+            <a:endParaRPr lang="cs-CZ" sz="3200" b="0" strike="noStrike" spc="-1">
               <a:latin typeface="Arial"/>
             </a:endParaRPr>
           </a:p>
@@ -148,11 +249,14 @@
       </p:sp>
     </p:spTree>
   </p:cSld>
+  <p:clrMapOvr>
+    <a:masterClrMapping/>
+  </p:clrMapOvr>
 </p:sldLayout>
 </file>
 
 <file path=ppt/slideLayouts/slideLayout11.xml><?xml version="1.0" encoding="utf-8"?>
-<p:sldLayout xmlns:a="http://schemas.openxmlformats.org/drawingml/2006/main" xmlns:p="http://schemas.openxmlformats.org/presentationml/2006/main" xmlns:r="http://schemas.openxmlformats.org/officeDocument/2006/relationships" xmlns:p14="http://schemas.microsoft.com/office/powerpoint/2010/main" xmlns:p15="http://schemas.microsoft.com/office/powerpoint/2012/main" xmlns:mc="http://schemas.openxmlformats.org/markup-compatibility/2006" type="fourObj" preserve="1">
+<p:sldLayout xmlns:a="http://schemas.openxmlformats.org/drawingml/2006/main" xmlns:r="http://schemas.openxmlformats.org/officeDocument/2006/relationships" xmlns:p="http://schemas.openxmlformats.org/presentationml/2006/main" type="fourObj" preserve="1">
   <p:cSld name="Title, 4 Content">
     <p:spTree>
       <p:nvGrpSpPr>
@@ -188,10 +292,11 @@
           </a:prstGeom>
         </p:spPr>
         <p:txBody>
-          <a:bodyPr lIns="0" rIns="0" tIns="0" bIns="0" anchor="ctr"/>
+          <a:bodyPr lIns="0" tIns="0" rIns="0" bIns="0" anchor="ctr"/>
+          <a:lstStyle/>
           <a:p>
             <a:pPr algn="ctr"/>
-            <a:endParaRPr b="0" lang="cs-CZ" sz="4400" spc="-1" strike="noStrike">
+            <a:endParaRPr lang="cs-CZ" sz="4400" b="0" strike="noStrike" spc="-1">
               <a:latin typeface="Arial"/>
             </a:endParaRPr>
           </a:p>
@@ -217,11 +322,12 @@
           </a:prstGeom>
         </p:spPr>
         <p:txBody>
-          <a:bodyPr lIns="0" rIns="0" tIns="0" bIns="0">
+          <a:bodyPr lIns="0" tIns="0" rIns="0" bIns="0">
             <a:normAutofit/>
           </a:bodyPr>
-          <a:p>
-            <a:endParaRPr b="0" lang="cs-CZ" sz="3200" spc="-1" strike="noStrike">
+          <a:lstStyle/>
+          <a:p>
+            <a:endParaRPr lang="cs-CZ" sz="3200" b="0" strike="noStrike" spc="-1">
               <a:latin typeface="Arial"/>
             </a:endParaRPr>
           </a:p>
@@ -247,11 +353,12 @@
           </a:prstGeom>
         </p:spPr>
         <p:txBody>
-          <a:bodyPr lIns="0" rIns="0" tIns="0" bIns="0">
+          <a:bodyPr lIns="0" tIns="0" rIns="0" bIns="0">
             <a:normAutofit/>
           </a:bodyPr>
-          <a:p>
-            <a:endParaRPr b="0" lang="cs-CZ" sz="3200" spc="-1" strike="noStrike">
+          <a:lstStyle/>
+          <a:p>
+            <a:endParaRPr lang="cs-CZ" sz="3200" b="0" strike="noStrike" spc="-1">
               <a:latin typeface="Arial"/>
             </a:endParaRPr>
           </a:p>
@@ -277,11 +384,12 @@
           </a:prstGeom>
         </p:spPr>
         <p:txBody>
-          <a:bodyPr lIns="0" rIns="0" tIns="0" bIns="0">
+          <a:bodyPr lIns="0" tIns="0" rIns="0" bIns="0">
             <a:normAutofit/>
           </a:bodyPr>
-          <a:p>
-            <a:endParaRPr b="0" lang="cs-CZ" sz="3200" spc="-1" strike="noStrike">
+          <a:lstStyle/>
+          <a:p>
+            <a:endParaRPr lang="cs-CZ" sz="3200" b="0" strike="noStrike" spc="-1">
               <a:latin typeface="Arial"/>
             </a:endParaRPr>
           </a:p>
@@ -307,11 +415,12 @@
           </a:prstGeom>
         </p:spPr>
         <p:txBody>
-          <a:bodyPr lIns="0" rIns="0" tIns="0" bIns="0">
+          <a:bodyPr lIns="0" tIns="0" rIns="0" bIns="0">
             <a:normAutofit/>
           </a:bodyPr>
-          <a:p>
-            <a:endParaRPr b="0" lang="cs-CZ" sz="3200" spc="-1" strike="noStrike">
+          <a:lstStyle/>
+          <a:p>
+            <a:endParaRPr lang="cs-CZ" sz="3200" b="0" strike="noStrike" spc="-1">
               <a:latin typeface="Arial"/>
             </a:endParaRPr>
           </a:p>
@@ -319,11 +428,14 @@
       </p:sp>
     </p:spTree>
   </p:cSld>
+  <p:clrMapOvr>
+    <a:masterClrMapping/>
+  </p:clrMapOvr>
 </p:sldLayout>
 </file>
 
 <file path=ppt/slideLayouts/slideLayout12.xml><?xml version="1.0" encoding="utf-8"?>
-<p:sldLayout xmlns:a="http://schemas.openxmlformats.org/drawingml/2006/main" xmlns:p="http://schemas.openxmlformats.org/presentationml/2006/main" xmlns:r="http://schemas.openxmlformats.org/officeDocument/2006/relationships" xmlns:p14="http://schemas.microsoft.com/office/powerpoint/2010/main" xmlns:p15="http://schemas.microsoft.com/office/powerpoint/2012/main" xmlns:mc="http://schemas.openxmlformats.org/markup-compatibility/2006" type="blank" preserve="1">
+<p:sldLayout xmlns:a="http://schemas.openxmlformats.org/drawingml/2006/main" xmlns:r="http://schemas.openxmlformats.org/officeDocument/2006/relationships" xmlns:p="http://schemas.openxmlformats.org/presentationml/2006/main" type="blank" preserve="1">
   <p:cSld name="Title, 6 Content">
     <p:spTree>
       <p:nvGrpSpPr>
@@ -359,10 +471,11 @@
           </a:prstGeom>
         </p:spPr>
         <p:txBody>
-          <a:bodyPr lIns="0" rIns="0" tIns="0" bIns="0" anchor="ctr"/>
+          <a:bodyPr lIns="0" tIns="0" rIns="0" bIns="0" anchor="ctr"/>
+          <a:lstStyle/>
           <a:p>
             <a:pPr algn="ctr"/>
-            <a:endParaRPr b="0" lang="cs-CZ" sz="4400" spc="-1" strike="noStrike">
+            <a:endParaRPr lang="cs-CZ" sz="4400" b="0" strike="noStrike" spc="-1">
               <a:latin typeface="Arial"/>
             </a:endParaRPr>
           </a:p>
@@ -388,11 +501,12 @@
           </a:prstGeom>
         </p:spPr>
         <p:txBody>
-          <a:bodyPr lIns="0" rIns="0" tIns="0" bIns="0">
+          <a:bodyPr lIns="0" tIns="0" rIns="0" bIns="0">
             <a:normAutofit/>
           </a:bodyPr>
-          <a:p>
-            <a:endParaRPr b="0" lang="cs-CZ" sz="3200" spc="-1" strike="noStrike">
+          <a:lstStyle/>
+          <a:p>
+            <a:endParaRPr lang="cs-CZ" sz="3200" b="0" strike="noStrike" spc="-1">
               <a:latin typeface="Arial"/>
             </a:endParaRPr>
           </a:p>
@@ -418,11 +532,12 @@
           </a:prstGeom>
         </p:spPr>
         <p:txBody>
-          <a:bodyPr lIns="0" rIns="0" tIns="0" bIns="0">
+          <a:bodyPr lIns="0" tIns="0" rIns="0" bIns="0">
             <a:normAutofit/>
           </a:bodyPr>
-          <a:p>
-            <a:endParaRPr b="0" lang="cs-CZ" sz="3200" spc="-1" strike="noStrike">
+          <a:lstStyle/>
+          <a:p>
+            <a:endParaRPr lang="cs-CZ" sz="3200" b="0" strike="noStrike" spc="-1">
               <a:latin typeface="Arial"/>
             </a:endParaRPr>
           </a:p>
@@ -448,11 +563,12 @@
           </a:prstGeom>
         </p:spPr>
         <p:txBody>
-          <a:bodyPr lIns="0" rIns="0" tIns="0" bIns="0">
+          <a:bodyPr lIns="0" tIns="0" rIns="0" bIns="0">
             <a:normAutofit/>
           </a:bodyPr>
-          <a:p>
-            <a:endParaRPr b="0" lang="cs-CZ" sz="3200" spc="-1" strike="noStrike">
+          <a:lstStyle/>
+          <a:p>
+            <a:endParaRPr lang="cs-CZ" sz="3200" b="0" strike="noStrike" spc="-1">
               <a:latin typeface="Arial"/>
             </a:endParaRPr>
           </a:p>
@@ -478,11 +594,12 @@
           </a:prstGeom>
         </p:spPr>
         <p:txBody>
-          <a:bodyPr lIns="0" rIns="0" tIns="0" bIns="0">
+          <a:bodyPr lIns="0" tIns="0" rIns="0" bIns="0">
             <a:normAutofit/>
           </a:bodyPr>
-          <a:p>
-            <a:endParaRPr b="0" lang="cs-CZ" sz="3200" spc="-1" strike="noStrike">
+          <a:lstStyle/>
+          <a:p>
+            <a:endParaRPr lang="cs-CZ" sz="3200" b="0" strike="noStrike" spc="-1">
               <a:latin typeface="Arial"/>
             </a:endParaRPr>
           </a:p>
@@ -508,11 +625,12 @@
           </a:prstGeom>
         </p:spPr>
         <p:txBody>
-          <a:bodyPr lIns="0" rIns="0" tIns="0" bIns="0">
+          <a:bodyPr lIns="0" tIns="0" rIns="0" bIns="0">
             <a:normAutofit/>
           </a:bodyPr>
-          <a:p>
-            <a:endParaRPr b="0" lang="cs-CZ" sz="3200" spc="-1" strike="noStrike">
+          <a:lstStyle/>
+          <a:p>
+            <a:endParaRPr lang="cs-CZ" sz="3200" b="0" strike="noStrike" spc="-1">
               <a:latin typeface="Arial"/>
             </a:endParaRPr>
           </a:p>
@@ -538,11 +656,12 @@
           </a:prstGeom>
         </p:spPr>
         <p:txBody>
-          <a:bodyPr lIns="0" rIns="0" tIns="0" bIns="0">
+          <a:bodyPr lIns="0" tIns="0" rIns="0" bIns="0">
             <a:normAutofit/>
           </a:bodyPr>
-          <a:p>
-            <a:endParaRPr b="0" lang="cs-CZ" sz="3200" spc="-1" strike="noStrike">
+          <a:lstStyle/>
+          <a:p>
+            <a:endParaRPr lang="cs-CZ" sz="3200" b="0" strike="noStrike" spc="-1">
               <a:latin typeface="Arial"/>
             </a:endParaRPr>
           </a:p>
@@ -550,11 +669,14 @@
       </p:sp>
     </p:spTree>
   </p:cSld>
+  <p:clrMapOvr>
+    <a:masterClrMapping/>
+  </p:clrMapOvr>
 </p:sldLayout>
 </file>
 
 <file path=ppt/slideLayouts/slideLayout13.xml><?xml version="1.0" encoding="utf-8"?>
-<p:sldLayout xmlns:a="http://schemas.openxmlformats.org/drawingml/2006/main" xmlns:p="http://schemas.openxmlformats.org/presentationml/2006/main" xmlns:r="http://schemas.openxmlformats.org/officeDocument/2006/relationships" xmlns:p14="http://schemas.microsoft.com/office/powerpoint/2010/main" xmlns:p15="http://schemas.microsoft.com/office/powerpoint/2012/main" xmlns:mc="http://schemas.openxmlformats.org/markup-compatibility/2006" type="blank" preserve="1">
+<p:sldLayout xmlns:a="http://schemas.openxmlformats.org/drawingml/2006/main" xmlns:r="http://schemas.openxmlformats.org/officeDocument/2006/relationships" xmlns:p="http://schemas.openxmlformats.org/presentationml/2006/main" type="blank" preserve="1">
   <p:cSld name="Blank Slide">
     <p:spTree>
       <p:nvGrpSpPr>
@@ -572,11 +694,14 @@
       </p:grpSpPr>
     </p:spTree>
   </p:cSld>
+  <p:clrMapOvr>
+    <a:masterClrMapping/>
+  </p:clrMapOvr>
 </p:sldLayout>
 </file>
 
 <file path=ppt/slideLayouts/slideLayout14.xml><?xml version="1.0" encoding="utf-8"?>
-<p:sldLayout xmlns:a="http://schemas.openxmlformats.org/drawingml/2006/main" xmlns:p="http://schemas.openxmlformats.org/presentationml/2006/main" xmlns:r="http://schemas.openxmlformats.org/officeDocument/2006/relationships" xmlns:p14="http://schemas.microsoft.com/office/powerpoint/2010/main" xmlns:p15="http://schemas.microsoft.com/office/powerpoint/2012/main" xmlns:mc="http://schemas.openxmlformats.org/markup-compatibility/2006" type="tx" preserve="1">
+<p:sldLayout xmlns:a="http://schemas.openxmlformats.org/drawingml/2006/main" xmlns:r="http://schemas.openxmlformats.org/officeDocument/2006/relationships" xmlns:p="http://schemas.openxmlformats.org/presentationml/2006/main" type="tx" preserve="1">
   <p:cSld name="Title Slide">
     <p:spTree>
       <p:nvGrpSpPr>
@@ -612,10 +737,11 @@
           </a:prstGeom>
         </p:spPr>
         <p:txBody>
-          <a:bodyPr lIns="0" rIns="0" tIns="0" bIns="0" anchor="ctr"/>
+          <a:bodyPr lIns="0" tIns="0" rIns="0" bIns="0" anchor="ctr"/>
+          <a:lstStyle/>
           <a:p>
             <a:pPr algn="ctr"/>
-            <a:endParaRPr b="0" lang="cs-CZ" sz="4400" spc="-1" strike="noStrike">
+            <a:endParaRPr lang="cs-CZ" sz="4400" b="0" strike="noStrike" spc="-1">
               <a:latin typeface="Arial"/>
             </a:endParaRPr>
           </a:p>
@@ -641,10 +767,11 @@
           </a:prstGeom>
         </p:spPr>
         <p:txBody>
-          <a:bodyPr lIns="0" rIns="0" tIns="0" bIns="0" anchor="ctr"/>
+          <a:bodyPr lIns="0" tIns="0" rIns="0" bIns="0" anchor="ctr"/>
+          <a:lstStyle/>
           <a:p>
             <a:pPr algn="ctr"/>
-            <a:endParaRPr b="0" lang="cs-CZ" sz="3200" spc="-1" strike="noStrike">
+            <a:endParaRPr lang="cs-CZ" sz="3200" b="0" strike="noStrike" spc="-1">
               <a:latin typeface="Arial"/>
             </a:endParaRPr>
           </a:p>
@@ -652,11 +779,14 @@
       </p:sp>
     </p:spTree>
   </p:cSld>
+  <p:clrMapOvr>
+    <a:masterClrMapping/>
+  </p:clrMapOvr>
 </p:sldLayout>
 </file>
 
 <file path=ppt/slideLayouts/slideLayout15.xml><?xml version="1.0" encoding="utf-8"?>
-<p:sldLayout xmlns:a="http://schemas.openxmlformats.org/drawingml/2006/main" xmlns:p="http://schemas.openxmlformats.org/presentationml/2006/main" xmlns:r="http://schemas.openxmlformats.org/officeDocument/2006/relationships" xmlns:p14="http://schemas.microsoft.com/office/powerpoint/2010/main" xmlns:p15="http://schemas.microsoft.com/office/powerpoint/2012/main" xmlns:mc="http://schemas.openxmlformats.org/markup-compatibility/2006" type="obj" preserve="1">
+<p:sldLayout xmlns:a="http://schemas.openxmlformats.org/drawingml/2006/main" xmlns:r="http://schemas.openxmlformats.org/officeDocument/2006/relationships" xmlns:p="http://schemas.openxmlformats.org/presentationml/2006/main" type="obj" preserve="1">
   <p:cSld name="Title, Content">
     <p:spTree>
       <p:nvGrpSpPr>
@@ -692,10 +822,11 @@
           </a:prstGeom>
         </p:spPr>
         <p:txBody>
-          <a:bodyPr lIns="0" rIns="0" tIns="0" bIns="0" anchor="ctr"/>
+          <a:bodyPr lIns="0" tIns="0" rIns="0" bIns="0" anchor="ctr"/>
+          <a:lstStyle/>
           <a:p>
             <a:pPr algn="ctr"/>
-            <a:endParaRPr b="0" lang="cs-CZ" sz="4400" spc="-1" strike="noStrike">
+            <a:endParaRPr lang="cs-CZ" sz="4400" b="0" strike="noStrike" spc="-1">
               <a:latin typeface="Arial"/>
             </a:endParaRPr>
           </a:p>
@@ -721,11 +852,12 @@
           </a:prstGeom>
         </p:spPr>
         <p:txBody>
-          <a:bodyPr lIns="0" rIns="0" tIns="0" bIns="0">
+          <a:bodyPr lIns="0" tIns="0" rIns="0" bIns="0">
             <a:normAutofit/>
           </a:bodyPr>
-          <a:p>
-            <a:endParaRPr b="0" lang="cs-CZ" sz="3200" spc="-1" strike="noStrike">
+          <a:lstStyle/>
+          <a:p>
+            <a:endParaRPr lang="cs-CZ" sz="3200" b="0" strike="noStrike" spc="-1">
               <a:latin typeface="Arial"/>
             </a:endParaRPr>
           </a:p>
@@ -733,11 +865,14 @@
       </p:sp>
     </p:spTree>
   </p:cSld>
+  <p:clrMapOvr>
+    <a:masterClrMapping/>
+  </p:clrMapOvr>
 </p:sldLayout>
 </file>
 
 <file path=ppt/slideLayouts/slideLayout16.xml><?xml version="1.0" encoding="utf-8"?>
-<p:sldLayout xmlns:a="http://schemas.openxmlformats.org/drawingml/2006/main" xmlns:p="http://schemas.openxmlformats.org/presentationml/2006/main" xmlns:r="http://schemas.openxmlformats.org/officeDocument/2006/relationships" xmlns:p14="http://schemas.microsoft.com/office/powerpoint/2010/main" xmlns:p15="http://schemas.microsoft.com/office/powerpoint/2012/main" xmlns:mc="http://schemas.openxmlformats.org/markup-compatibility/2006" type="twoObj" preserve="1">
+<p:sldLayout xmlns:a="http://schemas.openxmlformats.org/drawingml/2006/main" xmlns:r="http://schemas.openxmlformats.org/officeDocument/2006/relationships" xmlns:p="http://schemas.openxmlformats.org/presentationml/2006/main" type="twoObj" preserve="1">
   <p:cSld name="Title, 2 Content">
     <p:spTree>
       <p:nvGrpSpPr>
@@ -773,10 +908,11 @@
           </a:prstGeom>
         </p:spPr>
         <p:txBody>
-          <a:bodyPr lIns="0" rIns="0" tIns="0" bIns="0" anchor="ctr"/>
+          <a:bodyPr lIns="0" tIns="0" rIns="0" bIns="0" anchor="ctr"/>
+          <a:lstStyle/>
           <a:p>
             <a:pPr algn="ctr"/>
-            <a:endParaRPr b="0" lang="cs-CZ" sz="4400" spc="-1" strike="noStrike">
+            <a:endParaRPr lang="cs-CZ" sz="4400" b="0" strike="noStrike" spc="-1">
               <a:latin typeface="Arial"/>
             </a:endParaRPr>
           </a:p>
@@ -802,11 +938,12 @@
           </a:prstGeom>
         </p:spPr>
         <p:txBody>
-          <a:bodyPr lIns="0" rIns="0" tIns="0" bIns="0">
+          <a:bodyPr lIns="0" tIns="0" rIns="0" bIns="0">
             <a:normAutofit/>
           </a:bodyPr>
-          <a:p>
-            <a:endParaRPr b="0" lang="cs-CZ" sz="3200" spc="-1" strike="noStrike">
+          <a:lstStyle/>
+          <a:p>
+            <a:endParaRPr lang="cs-CZ" sz="3200" b="0" strike="noStrike" spc="-1">
               <a:latin typeface="Arial"/>
             </a:endParaRPr>
           </a:p>
@@ -832,11 +969,12 @@
           </a:prstGeom>
         </p:spPr>
         <p:txBody>
-          <a:bodyPr lIns="0" rIns="0" tIns="0" bIns="0">
+          <a:bodyPr lIns="0" tIns="0" rIns="0" bIns="0">
             <a:normAutofit/>
           </a:bodyPr>
-          <a:p>
-            <a:endParaRPr b="0" lang="cs-CZ" sz="3200" spc="-1" strike="noStrike">
+          <a:lstStyle/>
+          <a:p>
+            <a:endParaRPr lang="cs-CZ" sz="3200" b="0" strike="noStrike" spc="-1">
               <a:latin typeface="Arial"/>
             </a:endParaRPr>
           </a:p>
@@ -844,11 +982,14 @@
       </p:sp>
     </p:spTree>
   </p:cSld>
+  <p:clrMapOvr>
+    <a:masterClrMapping/>
+  </p:clrMapOvr>
 </p:sldLayout>
 </file>
 
 <file path=ppt/slideLayouts/slideLayout17.xml><?xml version="1.0" encoding="utf-8"?>
-<p:sldLayout xmlns:a="http://schemas.openxmlformats.org/drawingml/2006/main" xmlns:p="http://schemas.openxmlformats.org/presentationml/2006/main" xmlns:r="http://schemas.openxmlformats.org/officeDocument/2006/relationships" xmlns:p14="http://schemas.microsoft.com/office/powerpoint/2010/main" xmlns:p15="http://schemas.microsoft.com/office/powerpoint/2012/main" xmlns:mc="http://schemas.openxmlformats.org/markup-compatibility/2006" type="titleOnly" preserve="1">
+<p:sldLayout xmlns:a="http://schemas.openxmlformats.org/drawingml/2006/main" xmlns:r="http://schemas.openxmlformats.org/officeDocument/2006/relationships" xmlns:p="http://schemas.openxmlformats.org/presentationml/2006/main" type="titleOnly" preserve="1">
   <p:cSld name="Title Only">
     <p:spTree>
       <p:nvGrpSpPr>
@@ -884,10 +1025,11 @@
           </a:prstGeom>
         </p:spPr>
         <p:txBody>
-          <a:bodyPr lIns="0" rIns="0" tIns="0" bIns="0" anchor="ctr"/>
+          <a:bodyPr lIns="0" tIns="0" rIns="0" bIns="0" anchor="ctr"/>
+          <a:lstStyle/>
           <a:p>
             <a:pPr algn="ctr"/>
-            <a:endParaRPr b="0" lang="cs-CZ" sz="4400" spc="-1" strike="noStrike">
+            <a:endParaRPr lang="cs-CZ" sz="4400" b="0" strike="noStrike" spc="-1">
               <a:latin typeface="Arial"/>
             </a:endParaRPr>
           </a:p>
@@ -895,11 +1037,14 @@
       </p:sp>
     </p:spTree>
   </p:cSld>
+  <p:clrMapOvr>
+    <a:masterClrMapping/>
+  </p:clrMapOvr>
 </p:sldLayout>
 </file>
 
 <file path=ppt/slideLayouts/slideLayout18.xml><?xml version="1.0" encoding="utf-8"?>
-<p:sldLayout xmlns:a="http://schemas.openxmlformats.org/drawingml/2006/main" xmlns:p="http://schemas.openxmlformats.org/presentationml/2006/main" xmlns:r="http://schemas.openxmlformats.org/officeDocument/2006/relationships" xmlns:p14="http://schemas.microsoft.com/office/powerpoint/2010/main" xmlns:p15="http://schemas.microsoft.com/office/powerpoint/2012/main" xmlns:mc="http://schemas.openxmlformats.org/markup-compatibility/2006" type="objOnly" preserve="1">
+<p:sldLayout xmlns:a="http://schemas.openxmlformats.org/drawingml/2006/main" xmlns:r="http://schemas.openxmlformats.org/officeDocument/2006/relationships" xmlns:p="http://schemas.openxmlformats.org/presentationml/2006/main" type="objOnly" preserve="1">
   <p:cSld name="Centered Text">
     <p:spTree>
       <p:nvGrpSpPr>
@@ -935,10 +1080,11 @@
           </a:prstGeom>
         </p:spPr>
         <p:txBody>
-          <a:bodyPr lIns="0" rIns="0" tIns="0" bIns="0" anchor="ctr"/>
+          <a:bodyPr lIns="0" tIns="0" rIns="0" bIns="0" anchor="ctr"/>
+          <a:lstStyle/>
           <a:p>
             <a:pPr algn="ctr"/>
-            <a:endParaRPr b="0" lang="cs-CZ" sz="3200" spc="-1" strike="noStrike">
+            <a:endParaRPr lang="cs-CZ" sz="3200" b="0" strike="noStrike" spc="-1">
               <a:latin typeface="Arial"/>
             </a:endParaRPr>
           </a:p>
@@ -946,11 +1092,14 @@
       </p:sp>
     </p:spTree>
   </p:cSld>
+  <p:clrMapOvr>
+    <a:masterClrMapping/>
+  </p:clrMapOvr>
 </p:sldLayout>
 </file>
 
 <file path=ppt/slideLayouts/slideLayout19.xml><?xml version="1.0" encoding="utf-8"?>
-<p:sldLayout xmlns:a="http://schemas.openxmlformats.org/drawingml/2006/main" xmlns:p="http://schemas.openxmlformats.org/presentationml/2006/main" xmlns:r="http://schemas.openxmlformats.org/officeDocument/2006/relationships" xmlns:p14="http://schemas.microsoft.com/office/powerpoint/2010/main" xmlns:p15="http://schemas.microsoft.com/office/powerpoint/2012/main" xmlns:mc="http://schemas.openxmlformats.org/markup-compatibility/2006" type="twoObjAndObj" preserve="1">
+<p:sldLayout xmlns:a="http://schemas.openxmlformats.org/drawingml/2006/main" xmlns:r="http://schemas.openxmlformats.org/officeDocument/2006/relationships" xmlns:p="http://schemas.openxmlformats.org/presentationml/2006/main" type="twoObjAndObj" preserve="1">
   <p:cSld name="Title, 2 Content and Content">
     <p:spTree>
       <p:nvGrpSpPr>
@@ -986,10 +1135,11 @@
           </a:prstGeom>
         </p:spPr>
         <p:txBody>
-          <a:bodyPr lIns="0" rIns="0" tIns="0" bIns="0" anchor="ctr"/>
+          <a:bodyPr lIns="0" tIns="0" rIns="0" bIns="0" anchor="ctr"/>
+          <a:lstStyle/>
           <a:p>
             <a:pPr algn="ctr"/>
-            <a:endParaRPr b="0" lang="cs-CZ" sz="4400" spc="-1" strike="noStrike">
+            <a:endParaRPr lang="cs-CZ" sz="4400" b="0" strike="noStrike" spc="-1">
               <a:latin typeface="Arial"/>
             </a:endParaRPr>
           </a:p>
@@ -1015,11 +1165,12 @@
           </a:prstGeom>
         </p:spPr>
         <p:txBody>
-          <a:bodyPr lIns="0" rIns="0" tIns="0" bIns="0">
+          <a:bodyPr lIns="0" tIns="0" rIns="0" bIns="0">
             <a:normAutofit/>
           </a:bodyPr>
-          <a:p>
-            <a:endParaRPr b="0" lang="cs-CZ" sz="3200" spc="-1" strike="noStrike">
+          <a:lstStyle/>
+          <a:p>
+            <a:endParaRPr lang="cs-CZ" sz="3200" b="0" strike="noStrike" spc="-1">
               <a:latin typeface="Arial"/>
             </a:endParaRPr>
           </a:p>
@@ -1045,11 +1196,12 @@
           </a:prstGeom>
         </p:spPr>
         <p:txBody>
-          <a:bodyPr lIns="0" rIns="0" tIns="0" bIns="0">
+          <a:bodyPr lIns="0" tIns="0" rIns="0" bIns="0">
             <a:normAutofit/>
           </a:bodyPr>
-          <a:p>
-            <a:endParaRPr b="0" lang="cs-CZ" sz="3200" spc="-1" strike="noStrike">
+          <a:lstStyle/>
+          <a:p>
+            <a:endParaRPr lang="cs-CZ" sz="3200" b="0" strike="noStrike" spc="-1">
               <a:latin typeface="Arial"/>
             </a:endParaRPr>
           </a:p>
@@ -1075,11 +1227,12 @@
           </a:prstGeom>
         </p:spPr>
         <p:txBody>
-          <a:bodyPr lIns="0" rIns="0" tIns="0" bIns="0">
+          <a:bodyPr lIns="0" tIns="0" rIns="0" bIns="0">
             <a:normAutofit/>
           </a:bodyPr>
-          <a:p>
-            <a:endParaRPr b="0" lang="cs-CZ" sz="3200" spc="-1" strike="noStrike">
+          <a:lstStyle/>
+          <a:p>
+            <a:endParaRPr lang="cs-CZ" sz="3200" b="0" strike="noStrike" spc="-1">
               <a:latin typeface="Arial"/>
             </a:endParaRPr>
           </a:p>
@@ -1087,11 +1240,14 @@
       </p:sp>
     </p:spTree>
   </p:cSld>
+  <p:clrMapOvr>
+    <a:masterClrMapping/>
+  </p:clrMapOvr>
 </p:sldLayout>
 </file>
 
 <file path=ppt/slideLayouts/slideLayout2.xml><?xml version="1.0" encoding="utf-8"?>
-<p:sldLayout xmlns:a="http://schemas.openxmlformats.org/drawingml/2006/main" xmlns:p="http://schemas.openxmlformats.org/presentationml/2006/main" xmlns:r="http://schemas.openxmlformats.org/officeDocument/2006/relationships" xmlns:p14="http://schemas.microsoft.com/office/powerpoint/2010/main" xmlns:p15="http://schemas.microsoft.com/office/powerpoint/2012/main" xmlns:mc="http://schemas.openxmlformats.org/markup-compatibility/2006" type="tx" preserve="1">
+<p:sldLayout xmlns:a="http://schemas.openxmlformats.org/drawingml/2006/main" xmlns:r="http://schemas.openxmlformats.org/officeDocument/2006/relationships" xmlns:p="http://schemas.openxmlformats.org/presentationml/2006/main" type="tx" preserve="1">
   <p:cSld name="Title Slide">
     <p:spTree>
       <p:nvGrpSpPr>
@@ -1127,10 +1283,11 @@
           </a:prstGeom>
         </p:spPr>
         <p:txBody>
-          <a:bodyPr lIns="0" rIns="0" tIns="0" bIns="0" anchor="ctr"/>
+          <a:bodyPr lIns="0" tIns="0" rIns="0" bIns="0" anchor="ctr"/>
+          <a:lstStyle/>
           <a:p>
             <a:pPr algn="ctr"/>
-            <a:endParaRPr b="0" lang="cs-CZ" sz="4400" spc="-1" strike="noStrike">
+            <a:endParaRPr lang="cs-CZ" sz="4400" b="0" strike="noStrike" spc="-1">
               <a:latin typeface="Arial"/>
             </a:endParaRPr>
           </a:p>
@@ -1156,10 +1313,11 @@
           </a:prstGeom>
         </p:spPr>
         <p:txBody>
-          <a:bodyPr lIns="0" rIns="0" tIns="0" bIns="0" anchor="ctr"/>
+          <a:bodyPr lIns="0" tIns="0" rIns="0" bIns="0" anchor="ctr"/>
+          <a:lstStyle/>
           <a:p>
             <a:pPr algn="ctr"/>
-            <a:endParaRPr b="0" lang="cs-CZ" sz="3200" spc="-1" strike="noStrike">
+            <a:endParaRPr lang="cs-CZ" sz="3200" b="0" strike="noStrike" spc="-1">
               <a:latin typeface="Arial"/>
             </a:endParaRPr>
           </a:p>
@@ -1167,11 +1325,14 @@
       </p:sp>
     </p:spTree>
   </p:cSld>
+  <p:clrMapOvr>
+    <a:masterClrMapping/>
+  </p:clrMapOvr>
 </p:sldLayout>
 </file>
 
 <file path=ppt/slideLayouts/slideLayout20.xml><?xml version="1.0" encoding="utf-8"?>
-<p:sldLayout xmlns:a="http://schemas.openxmlformats.org/drawingml/2006/main" xmlns:p="http://schemas.openxmlformats.org/presentationml/2006/main" xmlns:r="http://schemas.openxmlformats.org/officeDocument/2006/relationships" xmlns:p14="http://schemas.microsoft.com/office/powerpoint/2010/main" xmlns:p15="http://schemas.microsoft.com/office/powerpoint/2012/main" xmlns:mc="http://schemas.openxmlformats.org/markup-compatibility/2006" type="objAndTwoObj" preserve="1">
+<p:sldLayout xmlns:a="http://schemas.openxmlformats.org/drawingml/2006/main" xmlns:r="http://schemas.openxmlformats.org/officeDocument/2006/relationships" xmlns:p="http://schemas.openxmlformats.org/presentationml/2006/main" type="objAndTwoObj" preserve="1">
   <p:cSld name="Title Content and 2 Content">
     <p:spTree>
       <p:nvGrpSpPr>
@@ -1207,10 +1368,11 @@
           </a:prstGeom>
         </p:spPr>
         <p:txBody>
-          <a:bodyPr lIns="0" rIns="0" tIns="0" bIns="0" anchor="ctr"/>
+          <a:bodyPr lIns="0" tIns="0" rIns="0" bIns="0" anchor="ctr"/>
+          <a:lstStyle/>
           <a:p>
             <a:pPr algn="ctr"/>
-            <a:endParaRPr b="0" lang="cs-CZ" sz="4400" spc="-1" strike="noStrike">
+            <a:endParaRPr lang="cs-CZ" sz="4400" b="0" strike="noStrike" spc="-1">
               <a:latin typeface="Arial"/>
             </a:endParaRPr>
           </a:p>
@@ -1236,11 +1398,12 @@
           </a:prstGeom>
         </p:spPr>
         <p:txBody>
-          <a:bodyPr lIns="0" rIns="0" tIns="0" bIns="0">
+          <a:bodyPr lIns="0" tIns="0" rIns="0" bIns="0">
             <a:normAutofit/>
           </a:bodyPr>
-          <a:p>
-            <a:endParaRPr b="0" lang="cs-CZ" sz="3200" spc="-1" strike="noStrike">
+          <a:lstStyle/>
+          <a:p>
+            <a:endParaRPr lang="cs-CZ" sz="3200" b="0" strike="noStrike" spc="-1">
               <a:latin typeface="Arial"/>
             </a:endParaRPr>
           </a:p>
@@ -1266,11 +1429,12 @@
           </a:prstGeom>
         </p:spPr>
         <p:txBody>
-          <a:bodyPr lIns="0" rIns="0" tIns="0" bIns="0">
+          <a:bodyPr lIns="0" tIns="0" rIns="0" bIns="0">
             <a:normAutofit/>
           </a:bodyPr>
-          <a:p>
-            <a:endParaRPr b="0" lang="cs-CZ" sz="3200" spc="-1" strike="noStrike">
+          <a:lstStyle/>
+          <a:p>
+            <a:endParaRPr lang="cs-CZ" sz="3200" b="0" strike="noStrike" spc="-1">
               <a:latin typeface="Arial"/>
             </a:endParaRPr>
           </a:p>
@@ -1296,11 +1460,12 @@
           </a:prstGeom>
         </p:spPr>
         <p:txBody>
-          <a:bodyPr lIns="0" rIns="0" tIns="0" bIns="0">
+          <a:bodyPr lIns="0" tIns="0" rIns="0" bIns="0">
             <a:normAutofit/>
           </a:bodyPr>
-          <a:p>
-            <a:endParaRPr b="0" lang="cs-CZ" sz="3200" spc="-1" strike="noStrike">
+          <a:lstStyle/>
+          <a:p>
+            <a:endParaRPr lang="cs-CZ" sz="3200" b="0" strike="noStrike" spc="-1">
               <a:latin typeface="Arial"/>
             </a:endParaRPr>
           </a:p>
@@ -1308,11 +1473,14 @@
       </p:sp>
     </p:spTree>
   </p:cSld>
+  <p:clrMapOvr>
+    <a:masterClrMapping/>
+  </p:clrMapOvr>
 </p:sldLayout>
 </file>
 
 <file path=ppt/slideLayouts/slideLayout21.xml><?xml version="1.0" encoding="utf-8"?>
-<p:sldLayout xmlns:a="http://schemas.openxmlformats.org/drawingml/2006/main" xmlns:p="http://schemas.openxmlformats.org/presentationml/2006/main" xmlns:r="http://schemas.openxmlformats.org/officeDocument/2006/relationships" xmlns:p14="http://schemas.microsoft.com/office/powerpoint/2010/main" xmlns:p15="http://schemas.microsoft.com/office/powerpoint/2012/main" xmlns:mc="http://schemas.openxmlformats.org/markup-compatibility/2006" type="twoObjOverTx" preserve="1">
+<p:sldLayout xmlns:a="http://schemas.openxmlformats.org/drawingml/2006/main" xmlns:r="http://schemas.openxmlformats.org/officeDocument/2006/relationships" xmlns:p="http://schemas.openxmlformats.org/presentationml/2006/main" type="twoObjOverTx" preserve="1">
   <p:cSld name="Title, 2 Content over Content">
     <p:spTree>
       <p:nvGrpSpPr>
@@ -1348,10 +1516,11 @@
           </a:prstGeom>
         </p:spPr>
         <p:txBody>
-          <a:bodyPr lIns="0" rIns="0" tIns="0" bIns="0" anchor="ctr"/>
+          <a:bodyPr lIns="0" tIns="0" rIns="0" bIns="0" anchor="ctr"/>
+          <a:lstStyle/>
           <a:p>
             <a:pPr algn="ctr"/>
-            <a:endParaRPr b="0" lang="cs-CZ" sz="4400" spc="-1" strike="noStrike">
+            <a:endParaRPr lang="cs-CZ" sz="4400" b="0" strike="noStrike" spc="-1">
               <a:latin typeface="Arial"/>
             </a:endParaRPr>
           </a:p>
@@ -1377,11 +1546,12 @@
           </a:prstGeom>
         </p:spPr>
         <p:txBody>
-          <a:bodyPr lIns="0" rIns="0" tIns="0" bIns="0">
+          <a:bodyPr lIns="0" tIns="0" rIns="0" bIns="0">
             <a:normAutofit/>
           </a:bodyPr>
-          <a:p>
-            <a:endParaRPr b="0" lang="cs-CZ" sz="3200" spc="-1" strike="noStrike">
+          <a:lstStyle/>
+          <a:p>
+            <a:endParaRPr lang="cs-CZ" sz="3200" b="0" strike="noStrike" spc="-1">
               <a:latin typeface="Arial"/>
             </a:endParaRPr>
           </a:p>
@@ -1407,11 +1577,12 @@
           </a:prstGeom>
         </p:spPr>
         <p:txBody>
-          <a:bodyPr lIns="0" rIns="0" tIns="0" bIns="0">
+          <a:bodyPr lIns="0" tIns="0" rIns="0" bIns="0">
             <a:normAutofit/>
           </a:bodyPr>
-          <a:p>
-            <a:endParaRPr b="0" lang="cs-CZ" sz="3200" spc="-1" strike="noStrike">
+          <a:lstStyle/>
+          <a:p>
+            <a:endParaRPr lang="cs-CZ" sz="3200" b="0" strike="noStrike" spc="-1">
               <a:latin typeface="Arial"/>
             </a:endParaRPr>
           </a:p>
@@ -1437,11 +1608,12 @@
           </a:prstGeom>
         </p:spPr>
         <p:txBody>
-          <a:bodyPr lIns="0" rIns="0" tIns="0" bIns="0">
+          <a:bodyPr lIns="0" tIns="0" rIns="0" bIns="0">
             <a:normAutofit/>
           </a:bodyPr>
-          <a:p>
-            <a:endParaRPr b="0" lang="cs-CZ" sz="3200" spc="-1" strike="noStrike">
+          <a:lstStyle/>
+          <a:p>
+            <a:endParaRPr lang="cs-CZ" sz="3200" b="0" strike="noStrike" spc="-1">
               <a:latin typeface="Arial"/>
             </a:endParaRPr>
           </a:p>
@@ -1449,11 +1621,14 @@
       </p:sp>
     </p:spTree>
   </p:cSld>
+  <p:clrMapOvr>
+    <a:masterClrMapping/>
+  </p:clrMapOvr>
 </p:sldLayout>
 </file>
 
 <file path=ppt/slideLayouts/slideLayout22.xml><?xml version="1.0" encoding="utf-8"?>
-<p:sldLayout xmlns:a="http://schemas.openxmlformats.org/drawingml/2006/main" xmlns:p="http://schemas.openxmlformats.org/presentationml/2006/main" xmlns:r="http://schemas.openxmlformats.org/officeDocument/2006/relationships" xmlns:p14="http://schemas.microsoft.com/office/powerpoint/2010/main" xmlns:p15="http://schemas.microsoft.com/office/powerpoint/2012/main" xmlns:mc="http://schemas.openxmlformats.org/markup-compatibility/2006" type="objOverTx" preserve="1">
+<p:sldLayout xmlns:a="http://schemas.openxmlformats.org/drawingml/2006/main" xmlns:r="http://schemas.openxmlformats.org/officeDocument/2006/relationships" xmlns:p="http://schemas.openxmlformats.org/presentationml/2006/main" type="objOverTx" preserve="1">
   <p:cSld name="Title, Content over Content">
     <p:spTree>
       <p:nvGrpSpPr>
@@ -1489,10 +1664,11 @@
           </a:prstGeom>
         </p:spPr>
         <p:txBody>
-          <a:bodyPr lIns="0" rIns="0" tIns="0" bIns="0" anchor="ctr"/>
+          <a:bodyPr lIns="0" tIns="0" rIns="0" bIns="0" anchor="ctr"/>
+          <a:lstStyle/>
           <a:p>
             <a:pPr algn="ctr"/>
-            <a:endParaRPr b="0" lang="cs-CZ" sz="4400" spc="-1" strike="noStrike">
+            <a:endParaRPr lang="cs-CZ" sz="4400" b="0" strike="noStrike" spc="-1">
               <a:latin typeface="Arial"/>
             </a:endParaRPr>
           </a:p>
@@ -1518,11 +1694,12 @@
           </a:prstGeom>
         </p:spPr>
         <p:txBody>
-          <a:bodyPr lIns="0" rIns="0" tIns="0" bIns="0">
+          <a:bodyPr lIns="0" tIns="0" rIns="0" bIns="0">
             <a:normAutofit/>
           </a:bodyPr>
-          <a:p>
-            <a:endParaRPr b="0" lang="cs-CZ" sz="3200" spc="-1" strike="noStrike">
+          <a:lstStyle/>
+          <a:p>
+            <a:endParaRPr lang="cs-CZ" sz="3200" b="0" strike="noStrike" spc="-1">
               <a:latin typeface="Arial"/>
             </a:endParaRPr>
           </a:p>
@@ -1548,11 +1725,12 @@
           </a:prstGeom>
         </p:spPr>
         <p:txBody>
-          <a:bodyPr lIns="0" rIns="0" tIns="0" bIns="0">
+          <a:bodyPr lIns="0" tIns="0" rIns="0" bIns="0">
             <a:normAutofit/>
           </a:bodyPr>
-          <a:p>
-            <a:endParaRPr b="0" lang="cs-CZ" sz="3200" spc="-1" strike="noStrike">
+          <a:lstStyle/>
+          <a:p>
+            <a:endParaRPr lang="cs-CZ" sz="3200" b="0" strike="noStrike" spc="-1">
               <a:latin typeface="Arial"/>
             </a:endParaRPr>
           </a:p>
@@ -1560,11 +1738,14 @@
       </p:sp>
     </p:spTree>
   </p:cSld>
+  <p:clrMapOvr>
+    <a:masterClrMapping/>
+  </p:clrMapOvr>
 </p:sldLayout>
 </file>
 
 <file path=ppt/slideLayouts/slideLayout23.xml><?xml version="1.0" encoding="utf-8"?>
-<p:sldLayout xmlns:a="http://schemas.openxmlformats.org/drawingml/2006/main" xmlns:p="http://schemas.openxmlformats.org/presentationml/2006/main" xmlns:r="http://schemas.openxmlformats.org/officeDocument/2006/relationships" xmlns:p14="http://schemas.microsoft.com/office/powerpoint/2010/main" xmlns:p15="http://schemas.microsoft.com/office/powerpoint/2012/main" xmlns:mc="http://schemas.openxmlformats.org/markup-compatibility/2006" type="fourObj" preserve="1">
+<p:sldLayout xmlns:a="http://schemas.openxmlformats.org/drawingml/2006/main" xmlns:r="http://schemas.openxmlformats.org/officeDocument/2006/relationships" xmlns:p="http://schemas.openxmlformats.org/presentationml/2006/main" type="fourObj" preserve="1">
   <p:cSld name="Title, 4 Content">
     <p:spTree>
       <p:nvGrpSpPr>
@@ -1600,10 +1781,11 @@
           </a:prstGeom>
         </p:spPr>
         <p:txBody>
-          <a:bodyPr lIns="0" rIns="0" tIns="0" bIns="0" anchor="ctr"/>
+          <a:bodyPr lIns="0" tIns="0" rIns="0" bIns="0" anchor="ctr"/>
+          <a:lstStyle/>
           <a:p>
             <a:pPr algn="ctr"/>
-            <a:endParaRPr b="0" lang="cs-CZ" sz="4400" spc="-1" strike="noStrike">
+            <a:endParaRPr lang="cs-CZ" sz="4400" b="0" strike="noStrike" spc="-1">
               <a:latin typeface="Arial"/>
             </a:endParaRPr>
           </a:p>
@@ -1629,11 +1811,12 @@
           </a:prstGeom>
         </p:spPr>
         <p:txBody>
-          <a:bodyPr lIns="0" rIns="0" tIns="0" bIns="0">
+          <a:bodyPr lIns="0" tIns="0" rIns="0" bIns="0">
             <a:normAutofit/>
           </a:bodyPr>
-          <a:p>
-            <a:endParaRPr b="0" lang="cs-CZ" sz="3200" spc="-1" strike="noStrike">
+          <a:lstStyle/>
+          <a:p>
+            <a:endParaRPr lang="cs-CZ" sz="3200" b="0" strike="noStrike" spc="-1">
               <a:latin typeface="Arial"/>
             </a:endParaRPr>
           </a:p>
@@ -1659,11 +1842,12 @@
           </a:prstGeom>
         </p:spPr>
         <p:txBody>
-          <a:bodyPr lIns="0" rIns="0" tIns="0" bIns="0">
+          <a:bodyPr lIns="0" tIns="0" rIns="0" bIns="0">
             <a:normAutofit/>
           </a:bodyPr>
-          <a:p>
-            <a:endParaRPr b="0" lang="cs-CZ" sz="3200" spc="-1" strike="noStrike">
+          <a:lstStyle/>
+          <a:p>
+            <a:endParaRPr lang="cs-CZ" sz="3200" b="0" strike="noStrike" spc="-1">
               <a:latin typeface="Arial"/>
             </a:endParaRPr>
           </a:p>
@@ -1689,11 +1873,12 @@
           </a:prstGeom>
         </p:spPr>
         <p:txBody>
-          <a:bodyPr lIns="0" rIns="0" tIns="0" bIns="0">
+          <a:bodyPr lIns="0" tIns="0" rIns="0" bIns="0">
             <a:normAutofit/>
           </a:bodyPr>
-          <a:p>
-            <a:endParaRPr b="0" lang="cs-CZ" sz="3200" spc="-1" strike="noStrike">
+          <a:lstStyle/>
+          <a:p>
+            <a:endParaRPr lang="cs-CZ" sz="3200" b="0" strike="noStrike" spc="-1">
               <a:latin typeface="Arial"/>
             </a:endParaRPr>
           </a:p>
@@ -1719,11 +1904,12 @@
           </a:prstGeom>
         </p:spPr>
         <p:txBody>
-          <a:bodyPr lIns="0" rIns="0" tIns="0" bIns="0">
+          <a:bodyPr lIns="0" tIns="0" rIns="0" bIns="0">
             <a:normAutofit/>
           </a:bodyPr>
-          <a:p>
-            <a:endParaRPr b="0" lang="cs-CZ" sz="3200" spc="-1" strike="noStrike">
+          <a:lstStyle/>
+          <a:p>
+            <a:endParaRPr lang="cs-CZ" sz="3200" b="0" strike="noStrike" spc="-1">
               <a:latin typeface="Arial"/>
             </a:endParaRPr>
           </a:p>
@@ -1731,11 +1917,14 @@
       </p:sp>
     </p:spTree>
   </p:cSld>
+  <p:clrMapOvr>
+    <a:masterClrMapping/>
+  </p:clrMapOvr>
 </p:sldLayout>
 </file>
 
 <file path=ppt/slideLayouts/slideLayout24.xml><?xml version="1.0" encoding="utf-8"?>
-<p:sldLayout xmlns:a="http://schemas.openxmlformats.org/drawingml/2006/main" xmlns:p="http://schemas.openxmlformats.org/presentationml/2006/main" xmlns:r="http://schemas.openxmlformats.org/officeDocument/2006/relationships" xmlns:p14="http://schemas.microsoft.com/office/powerpoint/2010/main" xmlns:p15="http://schemas.microsoft.com/office/powerpoint/2012/main" xmlns:mc="http://schemas.openxmlformats.org/markup-compatibility/2006" type="blank" preserve="1">
+<p:sldLayout xmlns:a="http://schemas.openxmlformats.org/drawingml/2006/main" xmlns:r="http://schemas.openxmlformats.org/officeDocument/2006/relationships" xmlns:p="http://schemas.openxmlformats.org/presentationml/2006/main" type="blank" preserve="1">
   <p:cSld name="Title, 6 Content">
     <p:spTree>
       <p:nvGrpSpPr>
@@ -1771,10 +1960,11 @@
           </a:prstGeom>
         </p:spPr>
         <p:txBody>
-          <a:bodyPr lIns="0" rIns="0" tIns="0" bIns="0" anchor="ctr"/>
+          <a:bodyPr lIns="0" tIns="0" rIns="0" bIns="0" anchor="ctr"/>
+          <a:lstStyle/>
           <a:p>
             <a:pPr algn="ctr"/>
-            <a:endParaRPr b="0" lang="cs-CZ" sz="4400" spc="-1" strike="noStrike">
+            <a:endParaRPr lang="cs-CZ" sz="4400" b="0" strike="noStrike" spc="-1">
               <a:latin typeface="Arial"/>
             </a:endParaRPr>
           </a:p>
@@ -1800,11 +1990,12 @@
           </a:prstGeom>
         </p:spPr>
         <p:txBody>
-          <a:bodyPr lIns="0" rIns="0" tIns="0" bIns="0">
+          <a:bodyPr lIns="0" tIns="0" rIns="0" bIns="0">
             <a:normAutofit/>
           </a:bodyPr>
-          <a:p>
-            <a:endParaRPr b="0" lang="cs-CZ" sz="3200" spc="-1" strike="noStrike">
+          <a:lstStyle/>
+          <a:p>
+            <a:endParaRPr lang="cs-CZ" sz="3200" b="0" strike="noStrike" spc="-1">
               <a:latin typeface="Arial"/>
             </a:endParaRPr>
           </a:p>
@@ -1830,11 +2021,12 @@
           </a:prstGeom>
         </p:spPr>
         <p:txBody>
-          <a:bodyPr lIns="0" rIns="0" tIns="0" bIns="0">
+          <a:bodyPr lIns="0" tIns="0" rIns="0" bIns="0">
             <a:normAutofit/>
           </a:bodyPr>
-          <a:p>
-            <a:endParaRPr b="0" lang="cs-CZ" sz="3200" spc="-1" strike="noStrike">
+          <a:lstStyle/>
+          <a:p>
+            <a:endParaRPr lang="cs-CZ" sz="3200" b="0" strike="noStrike" spc="-1">
               <a:latin typeface="Arial"/>
             </a:endParaRPr>
           </a:p>
@@ -1860,11 +2052,12 @@
           </a:prstGeom>
         </p:spPr>
         <p:txBody>
-          <a:bodyPr lIns="0" rIns="0" tIns="0" bIns="0">
+          <a:bodyPr lIns="0" tIns="0" rIns="0" bIns="0">
             <a:normAutofit/>
           </a:bodyPr>
-          <a:p>
-            <a:endParaRPr b="0" lang="cs-CZ" sz="3200" spc="-1" strike="noStrike">
+          <a:lstStyle/>
+          <a:p>
+            <a:endParaRPr lang="cs-CZ" sz="3200" b="0" strike="noStrike" spc="-1">
               <a:latin typeface="Arial"/>
             </a:endParaRPr>
           </a:p>
@@ -1890,11 +2083,12 @@
           </a:prstGeom>
         </p:spPr>
         <p:txBody>
-          <a:bodyPr lIns="0" rIns="0" tIns="0" bIns="0">
+          <a:bodyPr lIns="0" tIns="0" rIns="0" bIns="0">
             <a:normAutofit/>
           </a:bodyPr>
-          <a:p>
-            <a:endParaRPr b="0" lang="cs-CZ" sz="3200" spc="-1" strike="noStrike">
+          <a:lstStyle/>
+          <a:p>
+            <a:endParaRPr lang="cs-CZ" sz="3200" b="0" strike="noStrike" spc="-1">
               <a:latin typeface="Arial"/>
             </a:endParaRPr>
           </a:p>
@@ -1920,11 +2114,12 @@
           </a:prstGeom>
         </p:spPr>
         <p:txBody>
-          <a:bodyPr lIns="0" rIns="0" tIns="0" bIns="0">
+          <a:bodyPr lIns="0" tIns="0" rIns="0" bIns="0">
             <a:normAutofit/>
           </a:bodyPr>
-          <a:p>
-            <a:endParaRPr b="0" lang="cs-CZ" sz="3200" spc="-1" strike="noStrike">
+          <a:lstStyle/>
+          <a:p>
+            <a:endParaRPr lang="cs-CZ" sz="3200" b="0" strike="noStrike" spc="-1">
               <a:latin typeface="Arial"/>
             </a:endParaRPr>
           </a:p>
@@ -1950,11 +2145,12 @@
           </a:prstGeom>
         </p:spPr>
         <p:txBody>
-          <a:bodyPr lIns="0" rIns="0" tIns="0" bIns="0">
+          <a:bodyPr lIns="0" tIns="0" rIns="0" bIns="0">
             <a:normAutofit/>
           </a:bodyPr>
-          <a:p>
-            <a:endParaRPr b="0" lang="cs-CZ" sz="3200" spc="-1" strike="noStrike">
+          <a:lstStyle/>
+          <a:p>
+            <a:endParaRPr lang="cs-CZ" sz="3200" b="0" strike="noStrike" spc="-1">
               <a:latin typeface="Arial"/>
             </a:endParaRPr>
           </a:p>
@@ -1962,11 +2158,14 @@
       </p:sp>
     </p:spTree>
   </p:cSld>
+  <p:clrMapOvr>
+    <a:masterClrMapping/>
+  </p:clrMapOvr>
 </p:sldLayout>
 </file>
 
 <file path=ppt/slideLayouts/slideLayout25.xml><?xml version="1.0" encoding="utf-8"?>
-<p:sldLayout xmlns:a="http://schemas.openxmlformats.org/drawingml/2006/main" xmlns:p="http://schemas.openxmlformats.org/presentationml/2006/main" xmlns:r="http://schemas.openxmlformats.org/officeDocument/2006/relationships" xmlns:p14="http://schemas.microsoft.com/office/powerpoint/2010/main" xmlns:p15="http://schemas.microsoft.com/office/powerpoint/2012/main" xmlns:mc="http://schemas.openxmlformats.org/markup-compatibility/2006" type="blank" preserve="1">
+<p:sldLayout xmlns:a="http://schemas.openxmlformats.org/drawingml/2006/main" xmlns:r="http://schemas.openxmlformats.org/officeDocument/2006/relationships" xmlns:p="http://schemas.openxmlformats.org/presentationml/2006/main" type="blank" preserve="1">
   <p:cSld name="Blank Slide">
     <p:spTree>
       <p:nvGrpSpPr>
@@ -1984,11 +2183,14 @@
       </p:grpSpPr>
     </p:spTree>
   </p:cSld>
+  <p:clrMapOvr>
+    <a:masterClrMapping/>
+  </p:clrMapOvr>
 </p:sldLayout>
 </file>
 
 <file path=ppt/slideLayouts/slideLayout26.xml><?xml version="1.0" encoding="utf-8"?>
-<p:sldLayout xmlns:a="http://schemas.openxmlformats.org/drawingml/2006/main" xmlns:p="http://schemas.openxmlformats.org/presentationml/2006/main" xmlns:r="http://schemas.openxmlformats.org/officeDocument/2006/relationships" xmlns:p14="http://schemas.microsoft.com/office/powerpoint/2010/main" xmlns:p15="http://schemas.microsoft.com/office/powerpoint/2012/main" xmlns:mc="http://schemas.openxmlformats.org/markup-compatibility/2006" type="tx" preserve="1">
+<p:sldLayout xmlns:a="http://schemas.openxmlformats.org/drawingml/2006/main" xmlns:r="http://schemas.openxmlformats.org/officeDocument/2006/relationships" xmlns:p="http://schemas.openxmlformats.org/presentationml/2006/main" type="tx" preserve="1">
   <p:cSld name="Title Slide">
     <p:spTree>
       <p:nvGrpSpPr>
@@ -2024,10 +2226,11 @@
           </a:prstGeom>
         </p:spPr>
         <p:txBody>
-          <a:bodyPr lIns="0" rIns="0" tIns="0" bIns="0" anchor="ctr"/>
+          <a:bodyPr lIns="0" tIns="0" rIns="0" bIns="0" anchor="ctr"/>
+          <a:lstStyle/>
           <a:p>
             <a:pPr algn="ctr"/>
-            <a:endParaRPr b="0" lang="cs-CZ" sz="4400" spc="-1" strike="noStrike">
+            <a:endParaRPr lang="cs-CZ" sz="4400" b="0" strike="noStrike" spc="-1">
               <a:latin typeface="Arial"/>
             </a:endParaRPr>
           </a:p>
@@ -2053,10 +2256,11 @@
           </a:prstGeom>
         </p:spPr>
         <p:txBody>
-          <a:bodyPr lIns="0" rIns="0" tIns="0" bIns="0" anchor="ctr"/>
+          <a:bodyPr lIns="0" tIns="0" rIns="0" bIns="0" anchor="ctr"/>
+          <a:lstStyle/>
           <a:p>
             <a:pPr algn="ctr"/>
-            <a:endParaRPr b="0" lang="cs-CZ" sz="3200" spc="-1" strike="noStrike">
+            <a:endParaRPr lang="cs-CZ" sz="3200" b="0" strike="noStrike" spc="-1">
               <a:latin typeface="Arial"/>
             </a:endParaRPr>
           </a:p>
@@ -2064,11 +2268,14 @@
       </p:sp>
     </p:spTree>
   </p:cSld>
+  <p:clrMapOvr>
+    <a:masterClrMapping/>
+  </p:clrMapOvr>
 </p:sldLayout>
 </file>
 
 <file path=ppt/slideLayouts/slideLayout27.xml><?xml version="1.0" encoding="utf-8"?>
-<p:sldLayout xmlns:a="http://schemas.openxmlformats.org/drawingml/2006/main" xmlns:p="http://schemas.openxmlformats.org/presentationml/2006/main" xmlns:r="http://schemas.openxmlformats.org/officeDocument/2006/relationships" xmlns:p14="http://schemas.microsoft.com/office/powerpoint/2010/main" xmlns:p15="http://schemas.microsoft.com/office/powerpoint/2012/main" xmlns:mc="http://schemas.openxmlformats.org/markup-compatibility/2006" type="obj" preserve="1">
+<p:sldLayout xmlns:a="http://schemas.openxmlformats.org/drawingml/2006/main" xmlns:r="http://schemas.openxmlformats.org/officeDocument/2006/relationships" xmlns:p="http://schemas.openxmlformats.org/presentationml/2006/main" type="obj" preserve="1">
   <p:cSld name="Title, Content">
     <p:spTree>
       <p:nvGrpSpPr>
@@ -2104,10 +2311,11 @@
           </a:prstGeom>
         </p:spPr>
         <p:txBody>
-          <a:bodyPr lIns="0" rIns="0" tIns="0" bIns="0" anchor="ctr"/>
+          <a:bodyPr lIns="0" tIns="0" rIns="0" bIns="0" anchor="ctr"/>
+          <a:lstStyle/>
           <a:p>
             <a:pPr algn="ctr"/>
-            <a:endParaRPr b="0" lang="cs-CZ" sz="4400" spc="-1" strike="noStrike">
+            <a:endParaRPr lang="cs-CZ" sz="4400" b="0" strike="noStrike" spc="-1">
               <a:latin typeface="Arial"/>
             </a:endParaRPr>
           </a:p>
@@ -2133,11 +2341,12 @@
           </a:prstGeom>
         </p:spPr>
         <p:txBody>
-          <a:bodyPr lIns="0" rIns="0" tIns="0" bIns="0">
+          <a:bodyPr lIns="0" tIns="0" rIns="0" bIns="0">
             <a:normAutofit/>
           </a:bodyPr>
-          <a:p>
-            <a:endParaRPr b="0" lang="cs-CZ" sz="3200" spc="-1" strike="noStrike">
+          <a:lstStyle/>
+          <a:p>
+            <a:endParaRPr lang="cs-CZ" sz="3200" b="0" strike="noStrike" spc="-1">
               <a:latin typeface="Arial"/>
             </a:endParaRPr>
           </a:p>
@@ -2145,11 +2354,14 @@
       </p:sp>
     </p:spTree>
   </p:cSld>
+  <p:clrMapOvr>
+    <a:masterClrMapping/>
+  </p:clrMapOvr>
 </p:sldLayout>
 </file>
 
 <file path=ppt/slideLayouts/slideLayout28.xml><?xml version="1.0" encoding="utf-8"?>
-<p:sldLayout xmlns:a="http://schemas.openxmlformats.org/drawingml/2006/main" xmlns:p="http://schemas.openxmlformats.org/presentationml/2006/main" xmlns:r="http://schemas.openxmlformats.org/officeDocument/2006/relationships" xmlns:p14="http://schemas.microsoft.com/office/powerpoint/2010/main" xmlns:p15="http://schemas.microsoft.com/office/powerpoint/2012/main" xmlns:mc="http://schemas.openxmlformats.org/markup-compatibility/2006" type="twoObj" preserve="1">
+<p:sldLayout xmlns:a="http://schemas.openxmlformats.org/drawingml/2006/main" xmlns:r="http://schemas.openxmlformats.org/officeDocument/2006/relationships" xmlns:p="http://schemas.openxmlformats.org/presentationml/2006/main" type="twoObj" preserve="1">
   <p:cSld name="Title, 2 Content">
     <p:spTree>
       <p:nvGrpSpPr>
@@ -2185,10 +2397,11 @@
           </a:prstGeom>
         </p:spPr>
         <p:txBody>
-          <a:bodyPr lIns="0" rIns="0" tIns="0" bIns="0" anchor="ctr"/>
+          <a:bodyPr lIns="0" tIns="0" rIns="0" bIns="0" anchor="ctr"/>
+          <a:lstStyle/>
           <a:p>
             <a:pPr algn="ctr"/>
-            <a:endParaRPr b="0" lang="cs-CZ" sz="4400" spc="-1" strike="noStrike">
+            <a:endParaRPr lang="cs-CZ" sz="4400" b="0" strike="noStrike" spc="-1">
               <a:latin typeface="Arial"/>
             </a:endParaRPr>
           </a:p>
@@ -2214,11 +2427,12 @@
           </a:prstGeom>
         </p:spPr>
         <p:txBody>
-          <a:bodyPr lIns="0" rIns="0" tIns="0" bIns="0">
+          <a:bodyPr lIns="0" tIns="0" rIns="0" bIns="0">
             <a:normAutofit/>
           </a:bodyPr>
-          <a:p>
-            <a:endParaRPr b="0" lang="cs-CZ" sz="3200" spc="-1" strike="noStrike">
+          <a:lstStyle/>
+          <a:p>
+            <a:endParaRPr lang="cs-CZ" sz="3200" b="0" strike="noStrike" spc="-1">
               <a:latin typeface="Arial"/>
             </a:endParaRPr>
           </a:p>
@@ -2244,11 +2458,12 @@
           </a:prstGeom>
         </p:spPr>
         <p:txBody>
-          <a:bodyPr lIns="0" rIns="0" tIns="0" bIns="0">
+          <a:bodyPr lIns="0" tIns="0" rIns="0" bIns="0">
             <a:normAutofit/>
           </a:bodyPr>
-          <a:p>
-            <a:endParaRPr b="0" lang="cs-CZ" sz="3200" spc="-1" strike="noStrike">
+          <a:lstStyle/>
+          <a:p>
+            <a:endParaRPr lang="cs-CZ" sz="3200" b="0" strike="noStrike" spc="-1">
               <a:latin typeface="Arial"/>
             </a:endParaRPr>
           </a:p>
@@ -2256,11 +2471,14 @@
       </p:sp>
     </p:spTree>
   </p:cSld>
+  <p:clrMapOvr>
+    <a:masterClrMapping/>
+  </p:clrMapOvr>
 </p:sldLayout>
 </file>
 
 <file path=ppt/slideLayouts/slideLayout29.xml><?xml version="1.0" encoding="utf-8"?>
-<p:sldLayout xmlns:a="http://schemas.openxmlformats.org/drawingml/2006/main" xmlns:p="http://schemas.openxmlformats.org/presentationml/2006/main" xmlns:r="http://schemas.openxmlformats.org/officeDocument/2006/relationships" xmlns:p14="http://schemas.microsoft.com/office/powerpoint/2010/main" xmlns:p15="http://schemas.microsoft.com/office/powerpoint/2012/main" xmlns:mc="http://schemas.openxmlformats.org/markup-compatibility/2006" type="titleOnly" preserve="1">
+<p:sldLayout xmlns:a="http://schemas.openxmlformats.org/drawingml/2006/main" xmlns:r="http://schemas.openxmlformats.org/officeDocument/2006/relationships" xmlns:p="http://schemas.openxmlformats.org/presentationml/2006/main" type="titleOnly" preserve="1">
   <p:cSld name="Title Only">
     <p:spTree>
       <p:nvGrpSpPr>
@@ -2296,10 +2514,11 @@
           </a:prstGeom>
         </p:spPr>
         <p:txBody>
-          <a:bodyPr lIns="0" rIns="0" tIns="0" bIns="0" anchor="ctr"/>
+          <a:bodyPr lIns="0" tIns="0" rIns="0" bIns="0" anchor="ctr"/>
+          <a:lstStyle/>
           <a:p>
             <a:pPr algn="ctr"/>
-            <a:endParaRPr b="0" lang="cs-CZ" sz="4400" spc="-1" strike="noStrike">
+            <a:endParaRPr lang="cs-CZ" sz="4400" b="0" strike="noStrike" spc="-1">
               <a:latin typeface="Arial"/>
             </a:endParaRPr>
           </a:p>
@@ -2307,11 +2526,14 @@
       </p:sp>
     </p:spTree>
   </p:cSld>
+  <p:clrMapOvr>
+    <a:masterClrMapping/>
+  </p:clrMapOvr>
 </p:sldLayout>
 </file>
 
 <file path=ppt/slideLayouts/slideLayout3.xml><?xml version="1.0" encoding="utf-8"?>
-<p:sldLayout xmlns:a="http://schemas.openxmlformats.org/drawingml/2006/main" xmlns:p="http://schemas.openxmlformats.org/presentationml/2006/main" xmlns:r="http://schemas.openxmlformats.org/officeDocument/2006/relationships" xmlns:p14="http://schemas.microsoft.com/office/powerpoint/2010/main" xmlns:p15="http://schemas.microsoft.com/office/powerpoint/2012/main" xmlns:mc="http://schemas.openxmlformats.org/markup-compatibility/2006" type="obj" preserve="1">
+<p:sldLayout xmlns:a="http://schemas.openxmlformats.org/drawingml/2006/main" xmlns:r="http://schemas.openxmlformats.org/officeDocument/2006/relationships" xmlns:p="http://schemas.openxmlformats.org/presentationml/2006/main" type="obj" preserve="1">
   <p:cSld name="Title, Content">
     <p:spTree>
       <p:nvGrpSpPr>
@@ -2347,10 +2569,11 @@
           </a:prstGeom>
         </p:spPr>
         <p:txBody>
-          <a:bodyPr lIns="0" rIns="0" tIns="0" bIns="0" anchor="ctr"/>
+          <a:bodyPr lIns="0" tIns="0" rIns="0" bIns="0" anchor="ctr"/>
+          <a:lstStyle/>
           <a:p>
             <a:pPr algn="ctr"/>
-            <a:endParaRPr b="0" lang="cs-CZ" sz="4400" spc="-1" strike="noStrike">
+            <a:endParaRPr lang="cs-CZ" sz="4400" b="0" strike="noStrike" spc="-1">
               <a:latin typeface="Arial"/>
             </a:endParaRPr>
           </a:p>
@@ -2376,11 +2599,12 @@
           </a:prstGeom>
         </p:spPr>
         <p:txBody>
-          <a:bodyPr lIns="0" rIns="0" tIns="0" bIns="0">
+          <a:bodyPr lIns="0" tIns="0" rIns="0" bIns="0">
             <a:normAutofit/>
           </a:bodyPr>
-          <a:p>
-            <a:endParaRPr b="0" lang="cs-CZ" sz="3200" spc="-1" strike="noStrike">
+          <a:lstStyle/>
+          <a:p>
+            <a:endParaRPr lang="cs-CZ" sz="3200" b="0" strike="noStrike" spc="-1">
               <a:latin typeface="Arial"/>
             </a:endParaRPr>
           </a:p>
@@ -2388,11 +2612,14 @@
       </p:sp>
     </p:spTree>
   </p:cSld>
+  <p:clrMapOvr>
+    <a:masterClrMapping/>
+  </p:clrMapOvr>
 </p:sldLayout>
 </file>
 
 <file path=ppt/slideLayouts/slideLayout30.xml><?xml version="1.0" encoding="utf-8"?>
-<p:sldLayout xmlns:a="http://schemas.openxmlformats.org/drawingml/2006/main" xmlns:p="http://schemas.openxmlformats.org/presentationml/2006/main" xmlns:r="http://schemas.openxmlformats.org/officeDocument/2006/relationships" xmlns:p14="http://schemas.microsoft.com/office/powerpoint/2010/main" xmlns:p15="http://schemas.microsoft.com/office/powerpoint/2012/main" xmlns:mc="http://schemas.openxmlformats.org/markup-compatibility/2006" type="objOnly" preserve="1">
+<p:sldLayout xmlns:a="http://schemas.openxmlformats.org/drawingml/2006/main" xmlns:r="http://schemas.openxmlformats.org/officeDocument/2006/relationships" xmlns:p="http://schemas.openxmlformats.org/presentationml/2006/main" type="objOnly" preserve="1">
   <p:cSld name="Centered Text">
     <p:spTree>
       <p:nvGrpSpPr>
@@ -2428,10 +2655,11 @@
           </a:prstGeom>
         </p:spPr>
         <p:txBody>
-          <a:bodyPr lIns="0" rIns="0" tIns="0" bIns="0" anchor="ctr"/>
+          <a:bodyPr lIns="0" tIns="0" rIns="0" bIns="0" anchor="ctr"/>
+          <a:lstStyle/>
           <a:p>
             <a:pPr algn="ctr"/>
-            <a:endParaRPr b="0" lang="cs-CZ" sz="3200" spc="-1" strike="noStrike">
+            <a:endParaRPr lang="cs-CZ" sz="3200" b="0" strike="noStrike" spc="-1">
               <a:latin typeface="Arial"/>
             </a:endParaRPr>
           </a:p>
@@ -2439,11 +2667,14 @@
       </p:sp>
     </p:spTree>
   </p:cSld>
+  <p:clrMapOvr>
+    <a:masterClrMapping/>
+  </p:clrMapOvr>
 </p:sldLayout>
 </file>
 
 <file path=ppt/slideLayouts/slideLayout31.xml><?xml version="1.0" encoding="utf-8"?>
-<p:sldLayout xmlns:a="http://schemas.openxmlformats.org/drawingml/2006/main" xmlns:p="http://schemas.openxmlformats.org/presentationml/2006/main" xmlns:r="http://schemas.openxmlformats.org/officeDocument/2006/relationships" xmlns:p14="http://schemas.microsoft.com/office/powerpoint/2010/main" xmlns:p15="http://schemas.microsoft.com/office/powerpoint/2012/main" xmlns:mc="http://schemas.openxmlformats.org/markup-compatibility/2006" type="twoObjAndObj" preserve="1">
+<p:sldLayout xmlns:a="http://schemas.openxmlformats.org/drawingml/2006/main" xmlns:r="http://schemas.openxmlformats.org/officeDocument/2006/relationships" xmlns:p="http://schemas.openxmlformats.org/presentationml/2006/main" type="twoObjAndObj" preserve="1">
   <p:cSld name="Title, 2 Content and Content">
     <p:spTree>
       <p:nvGrpSpPr>
@@ -2479,10 +2710,11 @@
           </a:prstGeom>
         </p:spPr>
         <p:txBody>
-          <a:bodyPr lIns="0" rIns="0" tIns="0" bIns="0" anchor="ctr"/>
+          <a:bodyPr lIns="0" tIns="0" rIns="0" bIns="0" anchor="ctr"/>
+          <a:lstStyle/>
           <a:p>
             <a:pPr algn="ctr"/>
-            <a:endParaRPr b="0" lang="cs-CZ" sz="4400" spc="-1" strike="noStrike">
+            <a:endParaRPr lang="cs-CZ" sz="4400" b="0" strike="noStrike" spc="-1">
               <a:latin typeface="Arial"/>
             </a:endParaRPr>
           </a:p>
@@ -2508,11 +2740,12 @@
           </a:prstGeom>
         </p:spPr>
         <p:txBody>
-          <a:bodyPr lIns="0" rIns="0" tIns="0" bIns="0">
+          <a:bodyPr lIns="0" tIns="0" rIns="0" bIns="0">
             <a:normAutofit/>
           </a:bodyPr>
-          <a:p>
-            <a:endParaRPr b="0" lang="cs-CZ" sz="3200" spc="-1" strike="noStrike">
+          <a:lstStyle/>
+          <a:p>
+            <a:endParaRPr lang="cs-CZ" sz="3200" b="0" strike="noStrike" spc="-1">
               <a:latin typeface="Arial"/>
             </a:endParaRPr>
           </a:p>
@@ -2538,11 +2771,12 @@
           </a:prstGeom>
         </p:spPr>
         <p:txBody>
-          <a:bodyPr lIns="0" rIns="0" tIns="0" bIns="0">
+          <a:bodyPr lIns="0" tIns="0" rIns="0" bIns="0">
             <a:normAutofit/>
           </a:bodyPr>
-          <a:p>
-            <a:endParaRPr b="0" lang="cs-CZ" sz="3200" spc="-1" strike="noStrike">
+          <a:lstStyle/>
+          <a:p>
+            <a:endParaRPr lang="cs-CZ" sz="3200" b="0" strike="noStrike" spc="-1">
               <a:latin typeface="Arial"/>
             </a:endParaRPr>
           </a:p>
@@ -2568,11 +2802,12 @@
           </a:prstGeom>
         </p:spPr>
         <p:txBody>
-          <a:bodyPr lIns="0" rIns="0" tIns="0" bIns="0">
+          <a:bodyPr lIns="0" tIns="0" rIns="0" bIns="0">
             <a:normAutofit/>
           </a:bodyPr>
-          <a:p>
-            <a:endParaRPr b="0" lang="cs-CZ" sz="3200" spc="-1" strike="noStrike">
+          <a:lstStyle/>
+          <a:p>
+            <a:endParaRPr lang="cs-CZ" sz="3200" b="0" strike="noStrike" spc="-1">
               <a:latin typeface="Arial"/>
             </a:endParaRPr>
           </a:p>
@@ -2580,11 +2815,14 @@
       </p:sp>
     </p:spTree>
   </p:cSld>
+  <p:clrMapOvr>
+    <a:masterClrMapping/>
+  </p:clrMapOvr>
 </p:sldLayout>
 </file>
 
 <file path=ppt/slideLayouts/slideLayout32.xml><?xml version="1.0" encoding="utf-8"?>
-<p:sldLayout xmlns:a="http://schemas.openxmlformats.org/drawingml/2006/main" xmlns:p="http://schemas.openxmlformats.org/presentationml/2006/main" xmlns:r="http://schemas.openxmlformats.org/officeDocument/2006/relationships" xmlns:p14="http://schemas.microsoft.com/office/powerpoint/2010/main" xmlns:p15="http://schemas.microsoft.com/office/powerpoint/2012/main" xmlns:mc="http://schemas.openxmlformats.org/markup-compatibility/2006" type="objAndTwoObj" preserve="1">
+<p:sldLayout xmlns:a="http://schemas.openxmlformats.org/drawingml/2006/main" xmlns:r="http://schemas.openxmlformats.org/officeDocument/2006/relationships" xmlns:p="http://schemas.openxmlformats.org/presentationml/2006/main" type="objAndTwoObj" preserve="1">
   <p:cSld name="Title Content and 2 Content">
     <p:spTree>
       <p:nvGrpSpPr>
@@ -2620,10 +2858,11 @@
           </a:prstGeom>
         </p:spPr>
         <p:txBody>
-          <a:bodyPr lIns="0" rIns="0" tIns="0" bIns="0" anchor="ctr"/>
+          <a:bodyPr lIns="0" tIns="0" rIns="0" bIns="0" anchor="ctr"/>
+          <a:lstStyle/>
           <a:p>
             <a:pPr algn="ctr"/>
-            <a:endParaRPr b="0" lang="cs-CZ" sz="4400" spc="-1" strike="noStrike">
+            <a:endParaRPr lang="cs-CZ" sz="4400" b="0" strike="noStrike" spc="-1">
               <a:latin typeface="Arial"/>
             </a:endParaRPr>
           </a:p>
@@ -2649,11 +2888,12 @@
           </a:prstGeom>
         </p:spPr>
         <p:txBody>
-          <a:bodyPr lIns="0" rIns="0" tIns="0" bIns="0">
+          <a:bodyPr lIns="0" tIns="0" rIns="0" bIns="0">
             <a:normAutofit/>
           </a:bodyPr>
-          <a:p>
-            <a:endParaRPr b="0" lang="cs-CZ" sz="3200" spc="-1" strike="noStrike">
+          <a:lstStyle/>
+          <a:p>
+            <a:endParaRPr lang="cs-CZ" sz="3200" b="0" strike="noStrike" spc="-1">
               <a:latin typeface="Arial"/>
             </a:endParaRPr>
           </a:p>
@@ -2679,11 +2919,12 @@
           </a:prstGeom>
         </p:spPr>
         <p:txBody>
-          <a:bodyPr lIns="0" rIns="0" tIns="0" bIns="0">
+          <a:bodyPr lIns="0" tIns="0" rIns="0" bIns="0">
             <a:normAutofit/>
           </a:bodyPr>
-          <a:p>
-            <a:endParaRPr b="0" lang="cs-CZ" sz="3200" spc="-1" strike="noStrike">
+          <a:lstStyle/>
+          <a:p>
+            <a:endParaRPr lang="cs-CZ" sz="3200" b="0" strike="noStrike" spc="-1">
               <a:latin typeface="Arial"/>
             </a:endParaRPr>
           </a:p>
@@ -2709,11 +2950,12 @@
           </a:prstGeom>
         </p:spPr>
         <p:txBody>
-          <a:bodyPr lIns="0" rIns="0" tIns="0" bIns="0">
+          <a:bodyPr lIns="0" tIns="0" rIns="0" bIns="0">
             <a:normAutofit/>
           </a:bodyPr>
-          <a:p>
-            <a:endParaRPr b="0" lang="cs-CZ" sz="3200" spc="-1" strike="noStrike">
+          <a:lstStyle/>
+          <a:p>
+            <a:endParaRPr lang="cs-CZ" sz="3200" b="0" strike="noStrike" spc="-1">
               <a:latin typeface="Arial"/>
             </a:endParaRPr>
           </a:p>
@@ -2721,11 +2963,14 @@
       </p:sp>
     </p:spTree>
   </p:cSld>
+  <p:clrMapOvr>
+    <a:masterClrMapping/>
+  </p:clrMapOvr>
 </p:sldLayout>
 </file>
 
 <file path=ppt/slideLayouts/slideLayout33.xml><?xml version="1.0" encoding="utf-8"?>
-<p:sldLayout xmlns:a="http://schemas.openxmlformats.org/drawingml/2006/main" xmlns:p="http://schemas.openxmlformats.org/presentationml/2006/main" xmlns:r="http://schemas.openxmlformats.org/officeDocument/2006/relationships" xmlns:p14="http://schemas.microsoft.com/office/powerpoint/2010/main" xmlns:p15="http://schemas.microsoft.com/office/powerpoint/2012/main" xmlns:mc="http://schemas.openxmlformats.org/markup-compatibility/2006" type="twoObjOverTx" preserve="1">
+<p:sldLayout xmlns:a="http://schemas.openxmlformats.org/drawingml/2006/main" xmlns:r="http://schemas.openxmlformats.org/officeDocument/2006/relationships" xmlns:p="http://schemas.openxmlformats.org/presentationml/2006/main" type="twoObjOverTx" preserve="1">
   <p:cSld name="Title, 2 Content over Content">
     <p:spTree>
       <p:nvGrpSpPr>
@@ -2761,10 +3006,11 @@
           </a:prstGeom>
         </p:spPr>
         <p:txBody>
-          <a:bodyPr lIns="0" rIns="0" tIns="0" bIns="0" anchor="ctr"/>
+          <a:bodyPr lIns="0" tIns="0" rIns="0" bIns="0" anchor="ctr"/>
+          <a:lstStyle/>
           <a:p>
             <a:pPr algn="ctr"/>
-            <a:endParaRPr b="0" lang="cs-CZ" sz="4400" spc="-1" strike="noStrike">
+            <a:endParaRPr lang="cs-CZ" sz="4400" b="0" strike="noStrike" spc="-1">
               <a:latin typeface="Arial"/>
             </a:endParaRPr>
           </a:p>
@@ -2790,11 +3036,12 @@
           </a:prstGeom>
         </p:spPr>
         <p:txBody>
-          <a:bodyPr lIns="0" rIns="0" tIns="0" bIns="0">
+          <a:bodyPr lIns="0" tIns="0" rIns="0" bIns="0">
             <a:normAutofit/>
           </a:bodyPr>
-          <a:p>
-            <a:endParaRPr b="0" lang="cs-CZ" sz="3200" spc="-1" strike="noStrike">
+          <a:lstStyle/>
+          <a:p>
+            <a:endParaRPr lang="cs-CZ" sz="3200" b="0" strike="noStrike" spc="-1">
               <a:latin typeface="Arial"/>
             </a:endParaRPr>
           </a:p>
@@ -2820,11 +3067,12 @@
           </a:prstGeom>
         </p:spPr>
         <p:txBody>
-          <a:bodyPr lIns="0" rIns="0" tIns="0" bIns="0">
+          <a:bodyPr lIns="0" tIns="0" rIns="0" bIns="0">
             <a:normAutofit/>
           </a:bodyPr>
-          <a:p>
-            <a:endParaRPr b="0" lang="cs-CZ" sz="3200" spc="-1" strike="noStrike">
+          <a:lstStyle/>
+          <a:p>
+            <a:endParaRPr lang="cs-CZ" sz="3200" b="0" strike="noStrike" spc="-1">
               <a:latin typeface="Arial"/>
             </a:endParaRPr>
           </a:p>
@@ -2850,11 +3098,12 @@
           </a:prstGeom>
         </p:spPr>
         <p:txBody>
-          <a:bodyPr lIns="0" rIns="0" tIns="0" bIns="0">
+          <a:bodyPr lIns="0" tIns="0" rIns="0" bIns="0">
             <a:normAutofit/>
           </a:bodyPr>
-          <a:p>
-            <a:endParaRPr b="0" lang="cs-CZ" sz="3200" spc="-1" strike="noStrike">
+          <a:lstStyle/>
+          <a:p>
+            <a:endParaRPr lang="cs-CZ" sz="3200" b="0" strike="noStrike" spc="-1">
               <a:latin typeface="Arial"/>
             </a:endParaRPr>
           </a:p>
@@ -2862,11 +3111,14 @@
       </p:sp>
     </p:spTree>
   </p:cSld>
+  <p:clrMapOvr>
+    <a:masterClrMapping/>
+  </p:clrMapOvr>
 </p:sldLayout>
 </file>
 
 <file path=ppt/slideLayouts/slideLayout34.xml><?xml version="1.0" encoding="utf-8"?>
-<p:sldLayout xmlns:a="http://schemas.openxmlformats.org/drawingml/2006/main" xmlns:p="http://schemas.openxmlformats.org/presentationml/2006/main" xmlns:r="http://schemas.openxmlformats.org/officeDocument/2006/relationships" xmlns:p14="http://schemas.microsoft.com/office/powerpoint/2010/main" xmlns:p15="http://schemas.microsoft.com/office/powerpoint/2012/main" xmlns:mc="http://schemas.openxmlformats.org/markup-compatibility/2006" type="objOverTx" preserve="1">
+<p:sldLayout xmlns:a="http://schemas.openxmlformats.org/drawingml/2006/main" xmlns:r="http://schemas.openxmlformats.org/officeDocument/2006/relationships" xmlns:p="http://schemas.openxmlformats.org/presentationml/2006/main" type="objOverTx" preserve="1">
   <p:cSld name="Title, Content over Content">
     <p:spTree>
       <p:nvGrpSpPr>
@@ -2902,10 +3154,11 @@
           </a:prstGeom>
         </p:spPr>
         <p:txBody>
-          <a:bodyPr lIns="0" rIns="0" tIns="0" bIns="0" anchor="ctr"/>
+          <a:bodyPr lIns="0" tIns="0" rIns="0" bIns="0" anchor="ctr"/>
+          <a:lstStyle/>
           <a:p>
             <a:pPr algn="ctr"/>
-            <a:endParaRPr b="0" lang="cs-CZ" sz="4400" spc="-1" strike="noStrike">
+            <a:endParaRPr lang="cs-CZ" sz="4400" b="0" strike="noStrike" spc="-1">
               <a:latin typeface="Arial"/>
             </a:endParaRPr>
           </a:p>
@@ -2931,11 +3184,12 @@
           </a:prstGeom>
         </p:spPr>
         <p:txBody>
-          <a:bodyPr lIns="0" rIns="0" tIns="0" bIns="0">
+          <a:bodyPr lIns="0" tIns="0" rIns="0" bIns="0">
             <a:normAutofit/>
           </a:bodyPr>
-          <a:p>
-            <a:endParaRPr b="0" lang="cs-CZ" sz="3200" spc="-1" strike="noStrike">
+          <a:lstStyle/>
+          <a:p>
+            <a:endParaRPr lang="cs-CZ" sz="3200" b="0" strike="noStrike" spc="-1">
               <a:latin typeface="Arial"/>
             </a:endParaRPr>
           </a:p>
@@ -2961,11 +3215,12 @@
           </a:prstGeom>
         </p:spPr>
         <p:txBody>
-          <a:bodyPr lIns="0" rIns="0" tIns="0" bIns="0">
+          <a:bodyPr lIns="0" tIns="0" rIns="0" bIns="0">
             <a:normAutofit/>
           </a:bodyPr>
-          <a:p>
-            <a:endParaRPr b="0" lang="cs-CZ" sz="3200" spc="-1" strike="noStrike">
+          <a:lstStyle/>
+          <a:p>
+            <a:endParaRPr lang="cs-CZ" sz="3200" b="0" strike="noStrike" spc="-1">
               <a:latin typeface="Arial"/>
             </a:endParaRPr>
           </a:p>
@@ -2973,11 +3228,14 @@
       </p:sp>
     </p:spTree>
   </p:cSld>
+  <p:clrMapOvr>
+    <a:masterClrMapping/>
+  </p:clrMapOvr>
 </p:sldLayout>
 </file>
 
 <file path=ppt/slideLayouts/slideLayout35.xml><?xml version="1.0" encoding="utf-8"?>
-<p:sldLayout xmlns:a="http://schemas.openxmlformats.org/drawingml/2006/main" xmlns:p="http://schemas.openxmlformats.org/presentationml/2006/main" xmlns:r="http://schemas.openxmlformats.org/officeDocument/2006/relationships" xmlns:p14="http://schemas.microsoft.com/office/powerpoint/2010/main" xmlns:p15="http://schemas.microsoft.com/office/powerpoint/2012/main" xmlns:mc="http://schemas.openxmlformats.org/markup-compatibility/2006" type="fourObj" preserve="1">
+<p:sldLayout xmlns:a="http://schemas.openxmlformats.org/drawingml/2006/main" xmlns:r="http://schemas.openxmlformats.org/officeDocument/2006/relationships" xmlns:p="http://schemas.openxmlformats.org/presentationml/2006/main" type="fourObj" preserve="1">
   <p:cSld name="Title, 4 Content">
     <p:spTree>
       <p:nvGrpSpPr>
@@ -3013,10 +3271,11 @@
           </a:prstGeom>
         </p:spPr>
         <p:txBody>
-          <a:bodyPr lIns="0" rIns="0" tIns="0" bIns="0" anchor="ctr"/>
+          <a:bodyPr lIns="0" tIns="0" rIns="0" bIns="0" anchor="ctr"/>
+          <a:lstStyle/>
           <a:p>
             <a:pPr algn="ctr"/>
-            <a:endParaRPr b="0" lang="cs-CZ" sz="4400" spc="-1" strike="noStrike">
+            <a:endParaRPr lang="cs-CZ" sz="4400" b="0" strike="noStrike" spc="-1">
               <a:latin typeface="Arial"/>
             </a:endParaRPr>
           </a:p>
@@ -3042,11 +3301,12 @@
           </a:prstGeom>
         </p:spPr>
         <p:txBody>
-          <a:bodyPr lIns="0" rIns="0" tIns="0" bIns="0">
+          <a:bodyPr lIns="0" tIns="0" rIns="0" bIns="0">
             <a:normAutofit/>
           </a:bodyPr>
-          <a:p>
-            <a:endParaRPr b="0" lang="cs-CZ" sz="3200" spc="-1" strike="noStrike">
+          <a:lstStyle/>
+          <a:p>
+            <a:endParaRPr lang="cs-CZ" sz="3200" b="0" strike="noStrike" spc="-1">
               <a:latin typeface="Arial"/>
             </a:endParaRPr>
           </a:p>
@@ -3072,11 +3332,12 @@
           </a:prstGeom>
         </p:spPr>
         <p:txBody>
-          <a:bodyPr lIns="0" rIns="0" tIns="0" bIns="0">
+          <a:bodyPr lIns="0" tIns="0" rIns="0" bIns="0">
             <a:normAutofit/>
           </a:bodyPr>
-          <a:p>
-            <a:endParaRPr b="0" lang="cs-CZ" sz="3200" spc="-1" strike="noStrike">
+          <a:lstStyle/>
+          <a:p>
+            <a:endParaRPr lang="cs-CZ" sz="3200" b="0" strike="noStrike" spc="-1">
               <a:latin typeface="Arial"/>
             </a:endParaRPr>
           </a:p>
@@ -3102,11 +3363,12 @@
           </a:prstGeom>
         </p:spPr>
         <p:txBody>
-          <a:bodyPr lIns="0" rIns="0" tIns="0" bIns="0">
+          <a:bodyPr lIns="0" tIns="0" rIns="0" bIns="0">
             <a:normAutofit/>
           </a:bodyPr>
-          <a:p>
-            <a:endParaRPr b="0" lang="cs-CZ" sz="3200" spc="-1" strike="noStrike">
+          <a:lstStyle/>
+          <a:p>
+            <a:endParaRPr lang="cs-CZ" sz="3200" b="0" strike="noStrike" spc="-1">
               <a:latin typeface="Arial"/>
             </a:endParaRPr>
           </a:p>
@@ -3132,11 +3394,12 @@
           </a:prstGeom>
         </p:spPr>
         <p:txBody>
-          <a:bodyPr lIns="0" rIns="0" tIns="0" bIns="0">
+          <a:bodyPr lIns="0" tIns="0" rIns="0" bIns="0">
             <a:normAutofit/>
           </a:bodyPr>
-          <a:p>
-            <a:endParaRPr b="0" lang="cs-CZ" sz="3200" spc="-1" strike="noStrike">
+          <a:lstStyle/>
+          <a:p>
+            <a:endParaRPr lang="cs-CZ" sz="3200" b="0" strike="noStrike" spc="-1">
               <a:latin typeface="Arial"/>
             </a:endParaRPr>
           </a:p>
@@ -3144,11 +3407,14 @@
       </p:sp>
     </p:spTree>
   </p:cSld>
+  <p:clrMapOvr>
+    <a:masterClrMapping/>
+  </p:clrMapOvr>
 </p:sldLayout>
 </file>
 
 <file path=ppt/slideLayouts/slideLayout36.xml><?xml version="1.0" encoding="utf-8"?>
-<p:sldLayout xmlns:a="http://schemas.openxmlformats.org/drawingml/2006/main" xmlns:p="http://schemas.openxmlformats.org/presentationml/2006/main" xmlns:r="http://schemas.openxmlformats.org/officeDocument/2006/relationships" xmlns:p14="http://schemas.microsoft.com/office/powerpoint/2010/main" xmlns:p15="http://schemas.microsoft.com/office/powerpoint/2012/main" xmlns:mc="http://schemas.openxmlformats.org/markup-compatibility/2006" type="blank" preserve="1">
+<p:sldLayout xmlns:a="http://schemas.openxmlformats.org/drawingml/2006/main" xmlns:r="http://schemas.openxmlformats.org/officeDocument/2006/relationships" xmlns:p="http://schemas.openxmlformats.org/presentationml/2006/main" type="blank" preserve="1">
   <p:cSld name="Title, 6 Content">
     <p:spTree>
       <p:nvGrpSpPr>
@@ -3184,10 +3450,11 @@
           </a:prstGeom>
         </p:spPr>
         <p:txBody>
-          <a:bodyPr lIns="0" rIns="0" tIns="0" bIns="0" anchor="ctr"/>
+          <a:bodyPr lIns="0" tIns="0" rIns="0" bIns="0" anchor="ctr"/>
+          <a:lstStyle/>
           <a:p>
             <a:pPr algn="ctr"/>
-            <a:endParaRPr b="0" lang="cs-CZ" sz="4400" spc="-1" strike="noStrike">
+            <a:endParaRPr lang="cs-CZ" sz="4400" b="0" strike="noStrike" spc="-1">
               <a:latin typeface="Arial"/>
             </a:endParaRPr>
           </a:p>
@@ -3213,11 +3480,12 @@
           </a:prstGeom>
         </p:spPr>
         <p:txBody>
-          <a:bodyPr lIns="0" rIns="0" tIns="0" bIns="0">
+          <a:bodyPr lIns="0" tIns="0" rIns="0" bIns="0">
             <a:normAutofit/>
           </a:bodyPr>
-          <a:p>
-            <a:endParaRPr b="0" lang="cs-CZ" sz="3200" spc="-1" strike="noStrike">
+          <a:lstStyle/>
+          <a:p>
+            <a:endParaRPr lang="cs-CZ" sz="3200" b="0" strike="noStrike" spc="-1">
               <a:latin typeface="Arial"/>
             </a:endParaRPr>
           </a:p>
@@ -3243,11 +3511,12 @@
           </a:prstGeom>
         </p:spPr>
         <p:txBody>
-          <a:bodyPr lIns="0" rIns="0" tIns="0" bIns="0">
+          <a:bodyPr lIns="0" tIns="0" rIns="0" bIns="0">
             <a:normAutofit/>
           </a:bodyPr>
-          <a:p>
-            <a:endParaRPr b="0" lang="cs-CZ" sz="3200" spc="-1" strike="noStrike">
+          <a:lstStyle/>
+          <a:p>
+            <a:endParaRPr lang="cs-CZ" sz="3200" b="0" strike="noStrike" spc="-1">
               <a:latin typeface="Arial"/>
             </a:endParaRPr>
           </a:p>
@@ -3273,11 +3542,12 @@
           </a:prstGeom>
         </p:spPr>
         <p:txBody>
-          <a:bodyPr lIns="0" rIns="0" tIns="0" bIns="0">
+          <a:bodyPr lIns="0" tIns="0" rIns="0" bIns="0">
             <a:normAutofit/>
           </a:bodyPr>
-          <a:p>
-            <a:endParaRPr b="0" lang="cs-CZ" sz="3200" spc="-1" strike="noStrike">
+          <a:lstStyle/>
+          <a:p>
+            <a:endParaRPr lang="cs-CZ" sz="3200" b="0" strike="noStrike" spc="-1">
               <a:latin typeface="Arial"/>
             </a:endParaRPr>
           </a:p>
@@ -3303,11 +3573,12 @@
           </a:prstGeom>
         </p:spPr>
         <p:txBody>
-          <a:bodyPr lIns="0" rIns="0" tIns="0" bIns="0">
+          <a:bodyPr lIns="0" tIns="0" rIns="0" bIns="0">
             <a:normAutofit/>
           </a:bodyPr>
-          <a:p>
-            <a:endParaRPr b="0" lang="cs-CZ" sz="3200" spc="-1" strike="noStrike">
+          <a:lstStyle/>
+          <a:p>
+            <a:endParaRPr lang="cs-CZ" sz="3200" b="0" strike="noStrike" spc="-1">
               <a:latin typeface="Arial"/>
             </a:endParaRPr>
           </a:p>
@@ -3333,11 +3604,12 @@
           </a:prstGeom>
         </p:spPr>
         <p:txBody>
-          <a:bodyPr lIns="0" rIns="0" tIns="0" bIns="0">
+          <a:bodyPr lIns="0" tIns="0" rIns="0" bIns="0">
             <a:normAutofit/>
           </a:bodyPr>
-          <a:p>
-            <a:endParaRPr b="0" lang="cs-CZ" sz="3200" spc="-1" strike="noStrike">
+          <a:lstStyle/>
+          <a:p>
+            <a:endParaRPr lang="cs-CZ" sz="3200" b="0" strike="noStrike" spc="-1">
               <a:latin typeface="Arial"/>
             </a:endParaRPr>
           </a:p>
@@ -3363,11 +3635,12 @@
           </a:prstGeom>
         </p:spPr>
         <p:txBody>
-          <a:bodyPr lIns="0" rIns="0" tIns="0" bIns="0">
+          <a:bodyPr lIns="0" tIns="0" rIns="0" bIns="0">
             <a:normAutofit/>
           </a:bodyPr>
-          <a:p>
-            <a:endParaRPr b="0" lang="cs-CZ" sz="3200" spc="-1" strike="noStrike">
+          <a:lstStyle/>
+          <a:p>
+            <a:endParaRPr lang="cs-CZ" sz="3200" b="0" strike="noStrike" spc="-1">
               <a:latin typeface="Arial"/>
             </a:endParaRPr>
           </a:p>
@@ -3375,11 +3648,14 @@
       </p:sp>
     </p:spTree>
   </p:cSld>
+  <p:clrMapOvr>
+    <a:masterClrMapping/>
+  </p:clrMapOvr>
 </p:sldLayout>
 </file>
 
 <file path=ppt/slideLayouts/slideLayout4.xml><?xml version="1.0" encoding="utf-8"?>
-<p:sldLayout xmlns:a="http://schemas.openxmlformats.org/drawingml/2006/main" xmlns:p="http://schemas.openxmlformats.org/presentationml/2006/main" xmlns:r="http://schemas.openxmlformats.org/officeDocument/2006/relationships" xmlns:p14="http://schemas.microsoft.com/office/powerpoint/2010/main" xmlns:p15="http://schemas.microsoft.com/office/powerpoint/2012/main" xmlns:mc="http://schemas.openxmlformats.org/markup-compatibility/2006" type="twoObj" preserve="1">
+<p:sldLayout xmlns:a="http://schemas.openxmlformats.org/drawingml/2006/main" xmlns:r="http://schemas.openxmlformats.org/officeDocument/2006/relationships" xmlns:p="http://schemas.openxmlformats.org/presentationml/2006/main" type="twoObj" preserve="1">
   <p:cSld name="Title, 2 Content">
     <p:spTree>
       <p:nvGrpSpPr>
@@ -3415,10 +3691,11 @@
           </a:prstGeom>
         </p:spPr>
         <p:txBody>
-          <a:bodyPr lIns="0" rIns="0" tIns="0" bIns="0" anchor="ctr"/>
+          <a:bodyPr lIns="0" tIns="0" rIns="0" bIns="0" anchor="ctr"/>
+          <a:lstStyle/>
           <a:p>
             <a:pPr algn="ctr"/>
-            <a:endParaRPr b="0" lang="cs-CZ" sz="4400" spc="-1" strike="noStrike">
+            <a:endParaRPr lang="cs-CZ" sz="4400" b="0" strike="noStrike" spc="-1">
               <a:latin typeface="Arial"/>
             </a:endParaRPr>
           </a:p>
@@ -3444,11 +3721,12 @@
           </a:prstGeom>
         </p:spPr>
         <p:txBody>
-          <a:bodyPr lIns="0" rIns="0" tIns="0" bIns="0">
+          <a:bodyPr lIns="0" tIns="0" rIns="0" bIns="0">
             <a:normAutofit/>
           </a:bodyPr>
-          <a:p>
-            <a:endParaRPr b="0" lang="cs-CZ" sz="3200" spc="-1" strike="noStrike">
+          <a:lstStyle/>
+          <a:p>
+            <a:endParaRPr lang="cs-CZ" sz="3200" b="0" strike="noStrike" spc="-1">
               <a:latin typeface="Arial"/>
             </a:endParaRPr>
           </a:p>
@@ -3474,11 +3752,12 @@
           </a:prstGeom>
         </p:spPr>
         <p:txBody>
-          <a:bodyPr lIns="0" rIns="0" tIns="0" bIns="0">
+          <a:bodyPr lIns="0" tIns="0" rIns="0" bIns="0">
             <a:normAutofit/>
           </a:bodyPr>
-          <a:p>
-            <a:endParaRPr b="0" lang="cs-CZ" sz="3200" spc="-1" strike="noStrike">
+          <a:lstStyle/>
+          <a:p>
+            <a:endParaRPr lang="cs-CZ" sz="3200" b="0" strike="noStrike" spc="-1">
               <a:latin typeface="Arial"/>
             </a:endParaRPr>
           </a:p>
@@ -3486,11 +3765,14 @@
       </p:sp>
     </p:spTree>
   </p:cSld>
+  <p:clrMapOvr>
+    <a:masterClrMapping/>
+  </p:clrMapOvr>
 </p:sldLayout>
 </file>
 
 <file path=ppt/slideLayouts/slideLayout5.xml><?xml version="1.0" encoding="utf-8"?>
-<p:sldLayout xmlns:a="http://schemas.openxmlformats.org/drawingml/2006/main" xmlns:p="http://schemas.openxmlformats.org/presentationml/2006/main" xmlns:r="http://schemas.openxmlformats.org/officeDocument/2006/relationships" xmlns:p14="http://schemas.microsoft.com/office/powerpoint/2010/main" xmlns:p15="http://schemas.microsoft.com/office/powerpoint/2012/main" xmlns:mc="http://schemas.openxmlformats.org/markup-compatibility/2006" type="titleOnly" preserve="1">
+<p:sldLayout xmlns:a="http://schemas.openxmlformats.org/drawingml/2006/main" xmlns:r="http://schemas.openxmlformats.org/officeDocument/2006/relationships" xmlns:p="http://schemas.openxmlformats.org/presentationml/2006/main" type="titleOnly" preserve="1">
   <p:cSld name="Title Only">
     <p:spTree>
       <p:nvGrpSpPr>
@@ -3526,10 +3808,11 @@
           </a:prstGeom>
         </p:spPr>
         <p:txBody>
-          <a:bodyPr lIns="0" rIns="0" tIns="0" bIns="0" anchor="ctr"/>
+          <a:bodyPr lIns="0" tIns="0" rIns="0" bIns="0" anchor="ctr"/>
+          <a:lstStyle/>
           <a:p>
             <a:pPr algn="ctr"/>
-            <a:endParaRPr b="0" lang="cs-CZ" sz="4400" spc="-1" strike="noStrike">
+            <a:endParaRPr lang="cs-CZ" sz="4400" b="0" strike="noStrike" spc="-1">
               <a:latin typeface="Arial"/>
             </a:endParaRPr>
           </a:p>
@@ -3537,11 +3820,14 @@
       </p:sp>
     </p:spTree>
   </p:cSld>
+  <p:clrMapOvr>
+    <a:masterClrMapping/>
+  </p:clrMapOvr>
 </p:sldLayout>
 </file>
 
 <file path=ppt/slideLayouts/slideLayout6.xml><?xml version="1.0" encoding="utf-8"?>
-<p:sldLayout xmlns:a="http://schemas.openxmlformats.org/drawingml/2006/main" xmlns:p="http://schemas.openxmlformats.org/presentationml/2006/main" xmlns:r="http://schemas.openxmlformats.org/officeDocument/2006/relationships" xmlns:p14="http://schemas.microsoft.com/office/powerpoint/2010/main" xmlns:p15="http://schemas.microsoft.com/office/powerpoint/2012/main" xmlns:mc="http://schemas.openxmlformats.org/markup-compatibility/2006" type="objOnly" preserve="1">
+<p:sldLayout xmlns:a="http://schemas.openxmlformats.org/drawingml/2006/main" xmlns:r="http://schemas.openxmlformats.org/officeDocument/2006/relationships" xmlns:p="http://schemas.openxmlformats.org/presentationml/2006/main" type="objOnly" preserve="1">
   <p:cSld name="Centered Text">
     <p:spTree>
       <p:nvGrpSpPr>
@@ -3577,10 +3863,11 @@
           </a:prstGeom>
         </p:spPr>
         <p:txBody>
-          <a:bodyPr lIns="0" rIns="0" tIns="0" bIns="0" anchor="ctr"/>
+          <a:bodyPr lIns="0" tIns="0" rIns="0" bIns="0" anchor="ctr"/>
+          <a:lstStyle/>
           <a:p>
             <a:pPr algn="ctr"/>
-            <a:endParaRPr b="0" lang="cs-CZ" sz="3200" spc="-1" strike="noStrike">
+            <a:endParaRPr lang="cs-CZ" sz="3200" b="0" strike="noStrike" spc="-1">
               <a:latin typeface="Arial"/>
             </a:endParaRPr>
           </a:p>
@@ -3588,11 +3875,14 @@
       </p:sp>
     </p:spTree>
   </p:cSld>
+  <p:clrMapOvr>
+    <a:masterClrMapping/>
+  </p:clrMapOvr>
 </p:sldLayout>
 </file>
 
 <file path=ppt/slideLayouts/slideLayout7.xml><?xml version="1.0" encoding="utf-8"?>
-<p:sldLayout xmlns:a="http://schemas.openxmlformats.org/drawingml/2006/main" xmlns:p="http://schemas.openxmlformats.org/presentationml/2006/main" xmlns:r="http://schemas.openxmlformats.org/officeDocument/2006/relationships" xmlns:p14="http://schemas.microsoft.com/office/powerpoint/2010/main" xmlns:p15="http://schemas.microsoft.com/office/powerpoint/2012/main" xmlns:mc="http://schemas.openxmlformats.org/markup-compatibility/2006" type="twoObjAndObj" preserve="1">
+<p:sldLayout xmlns:a="http://schemas.openxmlformats.org/drawingml/2006/main" xmlns:r="http://schemas.openxmlformats.org/officeDocument/2006/relationships" xmlns:p="http://schemas.openxmlformats.org/presentationml/2006/main" type="twoObjAndObj" preserve="1">
   <p:cSld name="Title, 2 Content and Content">
     <p:spTree>
       <p:nvGrpSpPr>
@@ -3628,10 +3918,11 @@
           </a:prstGeom>
         </p:spPr>
         <p:txBody>
-          <a:bodyPr lIns="0" rIns="0" tIns="0" bIns="0" anchor="ctr"/>
+          <a:bodyPr lIns="0" tIns="0" rIns="0" bIns="0" anchor="ctr"/>
+          <a:lstStyle/>
           <a:p>
             <a:pPr algn="ctr"/>
-            <a:endParaRPr b="0" lang="cs-CZ" sz="4400" spc="-1" strike="noStrike">
+            <a:endParaRPr lang="cs-CZ" sz="4400" b="0" strike="noStrike" spc="-1">
               <a:latin typeface="Arial"/>
             </a:endParaRPr>
           </a:p>
@@ -3657,11 +3948,12 @@
           </a:prstGeom>
         </p:spPr>
         <p:txBody>
-          <a:bodyPr lIns="0" rIns="0" tIns="0" bIns="0">
+          <a:bodyPr lIns="0" tIns="0" rIns="0" bIns="0">
             <a:normAutofit/>
           </a:bodyPr>
-          <a:p>
-            <a:endParaRPr b="0" lang="cs-CZ" sz="3200" spc="-1" strike="noStrike">
+          <a:lstStyle/>
+          <a:p>
+            <a:endParaRPr lang="cs-CZ" sz="3200" b="0" strike="noStrike" spc="-1">
               <a:latin typeface="Arial"/>
             </a:endParaRPr>
           </a:p>
@@ -3687,11 +3979,12 @@
           </a:prstGeom>
         </p:spPr>
         <p:txBody>
-          <a:bodyPr lIns="0" rIns="0" tIns="0" bIns="0">
+          <a:bodyPr lIns="0" tIns="0" rIns="0" bIns="0">
             <a:normAutofit/>
           </a:bodyPr>
-          <a:p>
-            <a:endParaRPr b="0" lang="cs-CZ" sz="3200" spc="-1" strike="noStrike">
+          <a:lstStyle/>
+          <a:p>
+            <a:endParaRPr lang="cs-CZ" sz="3200" b="0" strike="noStrike" spc="-1">
               <a:latin typeface="Arial"/>
             </a:endParaRPr>
           </a:p>
@@ -3717,11 +4010,12 @@
           </a:prstGeom>
         </p:spPr>
         <p:txBody>
-          <a:bodyPr lIns="0" rIns="0" tIns="0" bIns="0">
+          <a:bodyPr lIns="0" tIns="0" rIns="0" bIns="0">
             <a:normAutofit/>
           </a:bodyPr>
-          <a:p>
-            <a:endParaRPr b="0" lang="cs-CZ" sz="3200" spc="-1" strike="noStrike">
+          <a:lstStyle/>
+          <a:p>
+            <a:endParaRPr lang="cs-CZ" sz="3200" b="0" strike="noStrike" spc="-1">
               <a:latin typeface="Arial"/>
             </a:endParaRPr>
           </a:p>
@@ -3729,11 +4023,14 @@
       </p:sp>
     </p:spTree>
   </p:cSld>
+  <p:clrMapOvr>
+    <a:masterClrMapping/>
+  </p:clrMapOvr>
 </p:sldLayout>
 </file>
 
 <file path=ppt/slideLayouts/slideLayout8.xml><?xml version="1.0" encoding="utf-8"?>
-<p:sldLayout xmlns:a="http://schemas.openxmlformats.org/drawingml/2006/main" xmlns:p="http://schemas.openxmlformats.org/presentationml/2006/main" xmlns:r="http://schemas.openxmlformats.org/officeDocument/2006/relationships" xmlns:p14="http://schemas.microsoft.com/office/powerpoint/2010/main" xmlns:p15="http://schemas.microsoft.com/office/powerpoint/2012/main" xmlns:mc="http://schemas.openxmlformats.org/markup-compatibility/2006" type="objAndTwoObj" preserve="1">
+<p:sldLayout xmlns:a="http://schemas.openxmlformats.org/drawingml/2006/main" xmlns:r="http://schemas.openxmlformats.org/officeDocument/2006/relationships" xmlns:p="http://schemas.openxmlformats.org/presentationml/2006/main" type="objAndTwoObj" preserve="1">
   <p:cSld name="Title Content and 2 Content">
     <p:spTree>
       <p:nvGrpSpPr>
@@ -3769,10 +4066,11 @@
           </a:prstGeom>
         </p:spPr>
         <p:txBody>
-          <a:bodyPr lIns="0" rIns="0" tIns="0" bIns="0" anchor="ctr"/>
+          <a:bodyPr lIns="0" tIns="0" rIns="0" bIns="0" anchor="ctr"/>
+          <a:lstStyle/>
           <a:p>
             <a:pPr algn="ctr"/>
-            <a:endParaRPr b="0" lang="cs-CZ" sz="4400" spc="-1" strike="noStrike">
+            <a:endParaRPr lang="cs-CZ" sz="4400" b="0" strike="noStrike" spc="-1">
               <a:latin typeface="Arial"/>
             </a:endParaRPr>
           </a:p>
@@ -3798,11 +4096,12 @@
           </a:prstGeom>
         </p:spPr>
         <p:txBody>
-          <a:bodyPr lIns="0" rIns="0" tIns="0" bIns="0">
+          <a:bodyPr lIns="0" tIns="0" rIns="0" bIns="0">
             <a:normAutofit/>
           </a:bodyPr>
-          <a:p>
-            <a:endParaRPr b="0" lang="cs-CZ" sz="3200" spc="-1" strike="noStrike">
+          <a:lstStyle/>
+          <a:p>
+            <a:endParaRPr lang="cs-CZ" sz="3200" b="0" strike="noStrike" spc="-1">
               <a:latin typeface="Arial"/>
             </a:endParaRPr>
           </a:p>
@@ -3828,11 +4127,12 @@
           </a:prstGeom>
         </p:spPr>
         <p:txBody>
-          <a:bodyPr lIns="0" rIns="0" tIns="0" bIns="0">
+          <a:bodyPr lIns="0" tIns="0" rIns="0" bIns="0">
             <a:normAutofit/>
           </a:bodyPr>
-          <a:p>
-            <a:endParaRPr b="0" lang="cs-CZ" sz="3200" spc="-1" strike="noStrike">
+          <a:lstStyle/>
+          <a:p>
+            <a:endParaRPr lang="cs-CZ" sz="3200" b="0" strike="noStrike" spc="-1">
               <a:latin typeface="Arial"/>
             </a:endParaRPr>
           </a:p>
@@ -3858,11 +4158,12 @@
           </a:prstGeom>
         </p:spPr>
         <p:txBody>
-          <a:bodyPr lIns="0" rIns="0" tIns="0" bIns="0">
+          <a:bodyPr lIns="0" tIns="0" rIns="0" bIns="0">
             <a:normAutofit/>
           </a:bodyPr>
-          <a:p>
-            <a:endParaRPr b="0" lang="cs-CZ" sz="3200" spc="-1" strike="noStrike">
+          <a:lstStyle/>
+          <a:p>
+            <a:endParaRPr lang="cs-CZ" sz="3200" b="0" strike="noStrike" spc="-1">
               <a:latin typeface="Arial"/>
             </a:endParaRPr>
           </a:p>
@@ -3870,11 +4171,14 @@
       </p:sp>
     </p:spTree>
   </p:cSld>
+  <p:clrMapOvr>
+    <a:masterClrMapping/>
+  </p:clrMapOvr>
 </p:sldLayout>
 </file>
 
 <file path=ppt/slideLayouts/slideLayout9.xml><?xml version="1.0" encoding="utf-8"?>
-<p:sldLayout xmlns:a="http://schemas.openxmlformats.org/drawingml/2006/main" xmlns:p="http://schemas.openxmlformats.org/presentationml/2006/main" xmlns:r="http://schemas.openxmlformats.org/officeDocument/2006/relationships" xmlns:p14="http://schemas.microsoft.com/office/powerpoint/2010/main" xmlns:p15="http://schemas.microsoft.com/office/powerpoint/2012/main" xmlns:mc="http://schemas.openxmlformats.org/markup-compatibility/2006" type="twoObjOverTx" preserve="1">
+<p:sldLayout xmlns:a="http://schemas.openxmlformats.org/drawingml/2006/main" xmlns:r="http://schemas.openxmlformats.org/officeDocument/2006/relationships" xmlns:p="http://schemas.openxmlformats.org/presentationml/2006/main" type="twoObjOverTx" preserve="1">
   <p:cSld name="Title, 2 Content over Content">
     <p:spTree>
       <p:nvGrpSpPr>
@@ -3910,10 +4214,11 @@
           </a:prstGeom>
         </p:spPr>
         <p:txBody>
-          <a:bodyPr lIns="0" rIns="0" tIns="0" bIns="0" anchor="ctr"/>
+          <a:bodyPr lIns="0" tIns="0" rIns="0" bIns="0" anchor="ctr"/>
+          <a:lstStyle/>
           <a:p>
             <a:pPr algn="ctr"/>
-            <a:endParaRPr b="0" lang="cs-CZ" sz="4400" spc="-1" strike="noStrike">
+            <a:endParaRPr lang="cs-CZ" sz="4400" b="0" strike="noStrike" spc="-1">
               <a:latin typeface="Arial"/>
             </a:endParaRPr>
           </a:p>
@@ -3939,11 +4244,12 @@
           </a:prstGeom>
         </p:spPr>
         <p:txBody>
-          <a:bodyPr lIns="0" rIns="0" tIns="0" bIns="0">
+          <a:bodyPr lIns="0" tIns="0" rIns="0" bIns="0">
             <a:normAutofit/>
           </a:bodyPr>
-          <a:p>
-            <a:endParaRPr b="0" lang="cs-CZ" sz="3200" spc="-1" strike="noStrike">
+          <a:lstStyle/>
+          <a:p>
+            <a:endParaRPr lang="cs-CZ" sz="3200" b="0" strike="noStrike" spc="-1">
               <a:latin typeface="Arial"/>
             </a:endParaRPr>
           </a:p>
@@ -3969,11 +4275,12 @@
           </a:prstGeom>
         </p:spPr>
         <p:txBody>
-          <a:bodyPr lIns="0" rIns="0" tIns="0" bIns="0">
+          <a:bodyPr lIns="0" tIns="0" rIns="0" bIns="0">
             <a:normAutofit/>
           </a:bodyPr>
-          <a:p>
-            <a:endParaRPr b="0" lang="cs-CZ" sz="3200" spc="-1" strike="noStrike">
+          <a:lstStyle/>
+          <a:p>
+            <a:endParaRPr lang="cs-CZ" sz="3200" b="0" strike="noStrike" spc="-1">
               <a:latin typeface="Arial"/>
             </a:endParaRPr>
           </a:p>
@@ -3999,11 +4306,12 @@
           </a:prstGeom>
         </p:spPr>
         <p:txBody>
-          <a:bodyPr lIns="0" rIns="0" tIns="0" bIns="0">
+          <a:bodyPr lIns="0" tIns="0" rIns="0" bIns="0">
             <a:normAutofit/>
           </a:bodyPr>
-          <a:p>
-            <a:endParaRPr b="0" lang="cs-CZ" sz="3200" spc="-1" strike="noStrike">
+          <a:lstStyle/>
+          <a:p>
+            <a:endParaRPr lang="cs-CZ" sz="3200" b="0" strike="noStrike" spc="-1">
               <a:latin typeface="Arial"/>
             </a:endParaRPr>
           </a:p>
@@ -4011,20 +4319,24 @@
       </p:sp>
     </p:spTree>
   </p:cSld>
+  <p:clrMapOvr>
+    <a:masterClrMapping/>
+  </p:clrMapOvr>
 </p:sldLayout>
 </file>
 
 <file path=ppt/slideMasters/slideMaster1.xml><?xml version="1.0" encoding="utf-8"?>
-<p:sldMaster xmlns:a="http://schemas.openxmlformats.org/drawingml/2006/main" xmlns:p="http://schemas.openxmlformats.org/presentationml/2006/main" xmlns:r="http://schemas.openxmlformats.org/officeDocument/2006/relationships" xmlns:p14="http://schemas.microsoft.com/office/powerpoint/2010/main" xmlns:p15="http://schemas.microsoft.com/office/powerpoint/2012/main" xmlns:mc="http://schemas.openxmlformats.org/markup-compatibility/2006">
+<p:sldMaster xmlns:a="http://schemas.openxmlformats.org/drawingml/2006/main" xmlns:r="http://schemas.openxmlformats.org/officeDocument/2006/relationships" xmlns:p="http://schemas.openxmlformats.org/presentationml/2006/main">
   <p:cSld>
     <p:bg>
       <p:bgPr>
         <a:blipFill rotWithShape="0">
-          <a:blip r:embed="rId2"/>
+          <a:blip r:embed="rId14"/>
           <a:stretch>
             <a:fillRect/>
           </a:stretch>
         </a:blipFill>
+        <a:effectLst/>
       </p:bgPr>
     </p:bg>
     <p:spTree>
@@ -4043,7 +4355,7 @@
       </p:grpSpPr>
       <p:sp>
         <p:nvSpPr>
-          <p:cNvPr id="0" name="PlaceHolder 1"/>
+          <p:cNvPr id="2" name="PlaceHolder 1"/>
           <p:cNvSpPr>
             <a:spLocks noGrp="1"/>
           </p:cNvSpPr>
@@ -4061,23 +4373,21 @@
           </a:prstGeom>
         </p:spPr>
         <p:txBody>
-          <a:bodyPr lIns="0" rIns="0" tIns="0" bIns="0" anchor="ctr"/>
-          <a:p>
-            <a:r>
-              <a:rPr b="0" lang="cs-CZ" sz="1800" spc="-1" strike="noStrike">
+          <a:bodyPr lIns="0" tIns="0" rIns="0" bIns="0" anchor="ctr"/>
+          <a:lstStyle/>
+          <a:p>
+            <a:r>
+              <a:rPr lang="cs-CZ" sz="1800" b="0" strike="noStrike" spc="-1">
                 <a:latin typeface="Arial"/>
               </a:rPr>
               <a:t>Klikněte pro úpravu formátu textu nadpisu</a:t>
             </a:r>
-            <a:endParaRPr b="0" lang="cs-CZ" sz="1800" spc="-1" strike="noStrike">
-              <a:latin typeface="Arial"/>
-            </a:endParaRPr>
-          </a:p>
-        </p:txBody>
-      </p:sp>
-      <p:sp>
-        <p:nvSpPr>
-          <p:cNvPr id="1" name="PlaceHolder 2"/>
+          </a:p>
+        </p:txBody>
+      </p:sp>
+      <p:sp>
+        <p:nvSpPr>
+          <p:cNvPr id="3" name="PlaceHolder 2"/>
           <p:cNvSpPr>
             <a:spLocks noGrp="1"/>
           </p:cNvSpPr>
@@ -4095,9 +4405,10 @@
           </a:prstGeom>
         </p:spPr>
         <p:txBody>
-          <a:bodyPr lIns="0" rIns="0" tIns="0" bIns="0">
+          <a:bodyPr lIns="0" tIns="0" rIns="0" bIns="0">
             <a:normAutofit/>
           </a:bodyPr>
+          <a:lstStyle/>
           <a:p>
             <a:pPr marL="432000" indent="-324000">
               <a:spcBef>
@@ -4111,17 +4422,14 @@
               <a:buChar char=""/>
             </a:pPr>
             <a:r>
-              <a:rPr b="0" lang="cs-CZ" sz="3200" spc="-1" strike="noStrike">
+              <a:rPr lang="cs-CZ" sz="3200" b="0" strike="noStrike" spc="-1">
                 <a:latin typeface="Arial"/>
               </a:rPr>
               <a:t>Klikněte pro úpravu formátu textu osnovy</a:t>
             </a:r>
-            <a:endParaRPr b="0" lang="cs-CZ" sz="3200" spc="-1" strike="noStrike">
-              <a:latin typeface="Arial"/>
-            </a:endParaRPr>
-          </a:p>
-          <a:p>
-            <a:pPr lvl="1" marL="864000" indent="-324000">
+          </a:p>
+          <a:p>
+            <a:pPr marL="864000" lvl="1" indent="-324000">
               <a:spcBef>
                 <a:spcPts val="1134"/>
               </a:spcBef>
@@ -4133,17 +4441,14 @@
               <a:buChar char=""/>
             </a:pPr>
             <a:r>
-              <a:rPr b="0" lang="cs-CZ" sz="2800" spc="-1" strike="noStrike">
+              <a:rPr lang="cs-CZ" sz="2800" b="0" strike="noStrike" spc="-1">
                 <a:latin typeface="Arial"/>
               </a:rPr>
               <a:t>Druhá úroveň</a:t>
             </a:r>
-            <a:endParaRPr b="0" lang="cs-CZ" sz="2800" spc="-1" strike="noStrike">
-              <a:latin typeface="Arial"/>
-            </a:endParaRPr>
-          </a:p>
-          <a:p>
-            <a:pPr lvl="2" marL="1296000" indent="-288000">
+          </a:p>
+          <a:p>
+            <a:pPr marL="1296000" lvl="2" indent="-288000">
               <a:spcBef>
                 <a:spcPts val="850"/>
               </a:spcBef>
@@ -4155,17 +4460,14 @@
               <a:buChar char=""/>
             </a:pPr>
             <a:r>
-              <a:rPr b="0" lang="cs-CZ" sz="2400" spc="-1" strike="noStrike">
+              <a:rPr lang="cs-CZ" sz="2400" b="0" strike="noStrike" spc="-1">
                 <a:latin typeface="Arial"/>
               </a:rPr>
               <a:t>Třetí úroveň</a:t>
             </a:r>
-            <a:endParaRPr b="0" lang="cs-CZ" sz="2400" spc="-1" strike="noStrike">
-              <a:latin typeface="Arial"/>
-            </a:endParaRPr>
-          </a:p>
-          <a:p>
-            <a:pPr lvl="3" marL="1728000" indent="-216000">
+          </a:p>
+          <a:p>
+            <a:pPr marL="1728000" lvl="3" indent="-216000">
               <a:spcBef>
                 <a:spcPts val="567"/>
               </a:spcBef>
@@ -4177,17 +4479,14 @@
               <a:buChar char=""/>
             </a:pPr>
             <a:r>
-              <a:rPr b="0" lang="cs-CZ" sz="2000" spc="-1" strike="noStrike">
+              <a:rPr lang="cs-CZ" sz="2000" b="0" strike="noStrike" spc="-1">
                 <a:latin typeface="Arial"/>
               </a:rPr>
               <a:t>Čtvrtá úroveň osnovy</a:t>
             </a:r>
-            <a:endParaRPr b="0" lang="cs-CZ" sz="2000" spc="-1" strike="noStrike">
-              <a:latin typeface="Arial"/>
-            </a:endParaRPr>
-          </a:p>
-          <a:p>
-            <a:pPr lvl="4" marL="2160000" indent="-216000">
+          </a:p>
+          <a:p>
+            <a:pPr marL="2160000" lvl="4" indent="-216000">
               <a:spcBef>
                 <a:spcPts val="283"/>
               </a:spcBef>
@@ -4199,17 +4498,14 @@
               <a:buChar char=""/>
             </a:pPr>
             <a:r>
-              <a:rPr b="0" lang="cs-CZ" sz="2000" spc="-1" strike="noStrike">
+              <a:rPr lang="cs-CZ" sz="2000" b="0" strike="noStrike" spc="-1">
                 <a:latin typeface="Arial"/>
               </a:rPr>
               <a:t>Pátá úroveň osnovy</a:t>
             </a:r>
-            <a:endParaRPr b="0" lang="cs-CZ" sz="2000" spc="-1" strike="noStrike">
-              <a:latin typeface="Arial"/>
-            </a:endParaRPr>
-          </a:p>
-          <a:p>
-            <a:pPr lvl="5" marL="2592000" indent="-216000">
+          </a:p>
+          <a:p>
+            <a:pPr marL="2592000" lvl="5" indent="-216000">
               <a:spcBef>
                 <a:spcPts val="283"/>
               </a:spcBef>
@@ -4221,17 +4517,14 @@
               <a:buChar char=""/>
             </a:pPr>
             <a:r>
-              <a:rPr b="0" lang="cs-CZ" sz="2000" spc="-1" strike="noStrike">
+              <a:rPr lang="cs-CZ" sz="2000" b="0" strike="noStrike" spc="-1">
                 <a:latin typeface="Arial"/>
               </a:rPr>
               <a:t>Šestá úroveň</a:t>
             </a:r>
-            <a:endParaRPr b="0" lang="cs-CZ" sz="2000" spc="-1" strike="noStrike">
-              <a:latin typeface="Arial"/>
-            </a:endParaRPr>
-          </a:p>
-          <a:p>
-            <a:pPr lvl="6" marL="3024000" indent="-216000">
+          </a:p>
+          <a:p>
+            <a:pPr marL="3024000" lvl="6" indent="-216000">
               <a:spcBef>
                 <a:spcPts val="283"/>
               </a:spcBef>
@@ -4243,48 +4536,326 @@
               <a:buChar char=""/>
             </a:pPr>
             <a:r>
-              <a:rPr b="0" lang="cs-CZ" sz="2000" spc="-1" strike="noStrike">
+              <a:rPr lang="cs-CZ" sz="2000" b="0" strike="noStrike" spc="-1">
                 <a:latin typeface="Arial"/>
               </a:rPr>
               <a:t>Sedmá úroveň</a:t>
             </a:r>
-            <a:endParaRPr b="0" lang="cs-CZ" sz="2000" spc="-1" strike="noStrike">
-              <a:latin typeface="Arial"/>
-            </a:endParaRPr>
           </a:p>
         </p:txBody>
       </p:sp>
     </p:spTree>
   </p:cSld>
-  <p:clrMap bg1="lt1" bg2="lt2" tx1="dk1" tx2="dk2" accent1="accent1" accent2="accent2" accent3="accent3" accent4="accent4" accent5="accent5" accent6="accent6" hlink="hlink" folHlink="folHlink"/>
+  <p:clrMap bg1="lt1" tx1="dk1" bg2="lt2" tx2="dk2" accent1="accent1" accent2="accent2" accent3="accent3" accent4="accent4" accent5="accent5" accent6="accent6" hlink="hlink" folHlink="folHlink"/>
   <p:sldLayoutIdLst>
-    <p:sldLayoutId id="2147483649" r:id="rId3"/>
-    <p:sldLayoutId id="2147483650" r:id="rId4"/>
-    <p:sldLayoutId id="2147483651" r:id="rId5"/>
-    <p:sldLayoutId id="2147483652" r:id="rId6"/>
-    <p:sldLayoutId id="2147483653" r:id="rId7"/>
-    <p:sldLayoutId id="2147483654" r:id="rId8"/>
-    <p:sldLayoutId id="2147483655" r:id="rId9"/>
-    <p:sldLayoutId id="2147483656" r:id="rId10"/>
-    <p:sldLayoutId id="2147483657" r:id="rId11"/>
-    <p:sldLayoutId id="2147483658" r:id="rId12"/>
-    <p:sldLayoutId id="2147483659" r:id="rId13"/>
-    <p:sldLayoutId id="2147483660" r:id="rId14"/>
+    <p:sldLayoutId id="2147483649" r:id="rId1"/>
+    <p:sldLayoutId id="2147483650" r:id="rId2"/>
+    <p:sldLayoutId id="2147483651" r:id="rId3"/>
+    <p:sldLayoutId id="2147483652" r:id="rId4"/>
+    <p:sldLayoutId id="2147483653" r:id="rId5"/>
+    <p:sldLayoutId id="2147483654" r:id="rId6"/>
+    <p:sldLayoutId id="2147483655" r:id="rId7"/>
+    <p:sldLayoutId id="2147483656" r:id="rId8"/>
+    <p:sldLayoutId id="2147483657" r:id="rId9"/>
+    <p:sldLayoutId id="2147483658" r:id="rId10"/>
+    <p:sldLayoutId id="2147483659" r:id="rId11"/>
+    <p:sldLayoutId id="2147483660" r:id="rId12"/>
   </p:sldLayoutIdLst>
+  <p:txStyles>
+    <p:titleStyle>
+      <a:lvl1pPr algn="l" defTabSz="914400" rtl="0" eaLnBrk="1" latinLnBrk="0" hangingPunct="1">
+        <a:lnSpc>
+          <a:spcPct val="90000"/>
+        </a:lnSpc>
+        <a:spcBef>
+          <a:spcPct val="0"/>
+        </a:spcBef>
+        <a:buNone/>
+        <a:defRPr sz="4400" kern="1200">
+          <a:solidFill>
+            <a:schemeClr val="tx1"/>
+          </a:solidFill>
+          <a:latin typeface="+mj-lt"/>
+          <a:ea typeface="+mj-ea"/>
+          <a:cs typeface="+mj-cs"/>
+        </a:defRPr>
+      </a:lvl1pPr>
+    </p:titleStyle>
+    <p:bodyStyle>
+      <a:lvl1pPr marL="228600" indent="-228600" algn="l" defTabSz="914400" rtl="0" eaLnBrk="1" latinLnBrk="0" hangingPunct="1">
+        <a:lnSpc>
+          <a:spcPct val="90000"/>
+        </a:lnSpc>
+        <a:spcBef>
+          <a:spcPts val="1000"/>
+        </a:spcBef>
+        <a:buFont typeface="Arial" panose="020B0604020202020204" pitchFamily="34" charset="0"/>
+        <a:buChar char="•"/>
+        <a:defRPr sz="2800" kern="1200">
+          <a:solidFill>
+            <a:schemeClr val="tx1"/>
+          </a:solidFill>
+          <a:latin typeface="+mn-lt"/>
+          <a:ea typeface="+mn-ea"/>
+          <a:cs typeface="+mn-cs"/>
+        </a:defRPr>
+      </a:lvl1pPr>
+      <a:lvl2pPr marL="685800" indent="-228600" algn="l" defTabSz="914400" rtl="0" eaLnBrk="1" latinLnBrk="0" hangingPunct="1">
+        <a:lnSpc>
+          <a:spcPct val="90000"/>
+        </a:lnSpc>
+        <a:spcBef>
+          <a:spcPts val="500"/>
+        </a:spcBef>
+        <a:buFont typeface="Arial" panose="020B0604020202020204" pitchFamily="34" charset="0"/>
+        <a:buChar char="•"/>
+        <a:defRPr sz="2400" kern="1200">
+          <a:solidFill>
+            <a:schemeClr val="tx1"/>
+          </a:solidFill>
+          <a:latin typeface="+mn-lt"/>
+          <a:ea typeface="+mn-ea"/>
+          <a:cs typeface="+mn-cs"/>
+        </a:defRPr>
+      </a:lvl2pPr>
+      <a:lvl3pPr marL="1143000" indent="-228600" algn="l" defTabSz="914400" rtl="0" eaLnBrk="1" latinLnBrk="0" hangingPunct="1">
+        <a:lnSpc>
+          <a:spcPct val="90000"/>
+        </a:lnSpc>
+        <a:spcBef>
+          <a:spcPts val="500"/>
+        </a:spcBef>
+        <a:buFont typeface="Arial" panose="020B0604020202020204" pitchFamily="34" charset="0"/>
+        <a:buChar char="•"/>
+        <a:defRPr sz="2000" kern="1200">
+          <a:solidFill>
+            <a:schemeClr val="tx1"/>
+          </a:solidFill>
+          <a:latin typeface="+mn-lt"/>
+          <a:ea typeface="+mn-ea"/>
+          <a:cs typeface="+mn-cs"/>
+        </a:defRPr>
+      </a:lvl3pPr>
+      <a:lvl4pPr marL="1600200" indent="-228600" algn="l" defTabSz="914400" rtl="0" eaLnBrk="1" latinLnBrk="0" hangingPunct="1">
+        <a:lnSpc>
+          <a:spcPct val="90000"/>
+        </a:lnSpc>
+        <a:spcBef>
+          <a:spcPts val="500"/>
+        </a:spcBef>
+        <a:buFont typeface="Arial" panose="020B0604020202020204" pitchFamily="34" charset="0"/>
+        <a:buChar char="•"/>
+        <a:defRPr sz="1800" kern="1200">
+          <a:solidFill>
+            <a:schemeClr val="tx1"/>
+          </a:solidFill>
+          <a:latin typeface="+mn-lt"/>
+          <a:ea typeface="+mn-ea"/>
+          <a:cs typeface="+mn-cs"/>
+        </a:defRPr>
+      </a:lvl4pPr>
+      <a:lvl5pPr marL="2057400" indent="-228600" algn="l" defTabSz="914400" rtl="0" eaLnBrk="1" latinLnBrk="0" hangingPunct="1">
+        <a:lnSpc>
+          <a:spcPct val="90000"/>
+        </a:lnSpc>
+        <a:spcBef>
+          <a:spcPts val="500"/>
+        </a:spcBef>
+        <a:buFont typeface="Arial" panose="020B0604020202020204" pitchFamily="34" charset="0"/>
+        <a:buChar char="•"/>
+        <a:defRPr sz="1800" kern="1200">
+          <a:solidFill>
+            <a:schemeClr val="tx1"/>
+          </a:solidFill>
+          <a:latin typeface="+mn-lt"/>
+          <a:ea typeface="+mn-ea"/>
+          <a:cs typeface="+mn-cs"/>
+        </a:defRPr>
+      </a:lvl5pPr>
+      <a:lvl6pPr marL="2514600" indent="-228600" algn="l" defTabSz="914400" rtl="0" eaLnBrk="1" latinLnBrk="0" hangingPunct="1">
+        <a:lnSpc>
+          <a:spcPct val="90000"/>
+        </a:lnSpc>
+        <a:spcBef>
+          <a:spcPts val="500"/>
+        </a:spcBef>
+        <a:buFont typeface="Arial" panose="020B0604020202020204" pitchFamily="34" charset="0"/>
+        <a:buChar char="•"/>
+        <a:defRPr sz="1800" kern="1200">
+          <a:solidFill>
+            <a:schemeClr val="tx1"/>
+          </a:solidFill>
+          <a:latin typeface="+mn-lt"/>
+          <a:ea typeface="+mn-ea"/>
+          <a:cs typeface="+mn-cs"/>
+        </a:defRPr>
+      </a:lvl6pPr>
+      <a:lvl7pPr marL="2971800" indent="-228600" algn="l" defTabSz="914400" rtl="0" eaLnBrk="1" latinLnBrk="0" hangingPunct="1">
+        <a:lnSpc>
+          <a:spcPct val="90000"/>
+        </a:lnSpc>
+        <a:spcBef>
+          <a:spcPts val="500"/>
+        </a:spcBef>
+        <a:buFont typeface="Arial" panose="020B0604020202020204" pitchFamily="34" charset="0"/>
+        <a:buChar char="•"/>
+        <a:defRPr sz="1800" kern="1200">
+          <a:solidFill>
+            <a:schemeClr val="tx1"/>
+          </a:solidFill>
+          <a:latin typeface="+mn-lt"/>
+          <a:ea typeface="+mn-ea"/>
+          <a:cs typeface="+mn-cs"/>
+        </a:defRPr>
+      </a:lvl7pPr>
+      <a:lvl8pPr marL="3429000" indent="-228600" algn="l" defTabSz="914400" rtl="0" eaLnBrk="1" latinLnBrk="0" hangingPunct="1">
+        <a:lnSpc>
+          <a:spcPct val="90000"/>
+        </a:lnSpc>
+        <a:spcBef>
+          <a:spcPts val="500"/>
+        </a:spcBef>
+        <a:buFont typeface="Arial" panose="020B0604020202020204" pitchFamily="34" charset="0"/>
+        <a:buChar char="•"/>
+        <a:defRPr sz="1800" kern="1200">
+          <a:solidFill>
+            <a:schemeClr val="tx1"/>
+          </a:solidFill>
+          <a:latin typeface="+mn-lt"/>
+          <a:ea typeface="+mn-ea"/>
+          <a:cs typeface="+mn-cs"/>
+        </a:defRPr>
+      </a:lvl8pPr>
+      <a:lvl9pPr marL="3886200" indent="-228600" algn="l" defTabSz="914400" rtl="0" eaLnBrk="1" latinLnBrk="0" hangingPunct="1">
+        <a:lnSpc>
+          <a:spcPct val="90000"/>
+        </a:lnSpc>
+        <a:spcBef>
+          <a:spcPts val="500"/>
+        </a:spcBef>
+        <a:buFont typeface="Arial" panose="020B0604020202020204" pitchFamily="34" charset="0"/>
+        <a:buChar char="•"/>
+        <a:defRPr sz="1800" kern="1200">
+          <a:solidFill>
+            <a:schemeClr val="tx1"/>
+          </a:solidFill>
+          <a:latin typeface="+mn-lt"/>
+          <a:ea typeface="+mn-ea"/>
+          <a:cs typeface="+mn-cs"/>
+        </a:defRPr>
+      </a:lvl9pPr>
+    </p:bodyStyle>
+    <p:otherStyle>
+      <a:defPPr>
+        <a:defRPr lang="cs-CZ"/>
+      </a:defPPr>
+      <a:lvl1pPr marL="0" algn="l" defTabSz="914400" rtl="0" eaLnBrk="1" latinLnBrk="0" hangingPunct="1">
+        <a:defRPr sz="1800" kern="1200">
+          <a:solidFill>
+            <a:schemeClr val="tx1"/>
+          </a:solidFill>
+          <a:latin typeface="+mn-lt"/>
+          <a:ea typeface="+mn-ea"/>
+          <a:cs typeface="+mn-cs"/>
+        </a:defRPr>
+      </a:lvl1pPr>
+      <a:lvl2pPr marL="457200" algn="l" defTabSz="914400" rtl="0" eaLnBrk="1" latinLnBrk="0" hangingPunct="1">
+        <a:defRPr sz="1800" kern="1200">
+          <a:solidFill>
+            <a:schemeClr val="tx1"/>
+          </a:solidFill>
+          <a:latin typeface="+mn-lt"/>
+          <a:ea typeface="+mn-ea"/>
+          <a:cs typeface="+mn-cs"/>
+        </a:defRPr>
+      </a:lvl2pPr>
+      <a:lvl3pPr marL="914400" algn="l" defTabSz="914400" rtl="0" eaLnBrk="1" latinLnBrk="0" hangingPunct="1">
+        <a:defRPr sz="1800" kern="1200">
+          <a:solidFill>
+            <a:schemeClr val="tx1"/>
+          </a:solidFill>
+          <a:latin typeface="+mn-lt"/>
+          <a:ea typeface="+mn-ea"/>
+          <a:cs typeface="+mn-cs"/>
+        </a:defRPr>
+      </a:lvl3pPr>
+      <a:lvl4pPr marL="1371600" algn="l" defTabSz="914400" rtl="0" eaLnBrk="1" latinLnBrk="0" hangingPunct="1">
+        <a:defRPr sz="1800" kern="1200">
+          <a:solidFill>
+            <a:schemeClr val="tx1"/>
+          </a:solidFill>
+          <a:latin typeface="+mn-lt"/>
+          <a:ea typeface="+mn-ea"/>
+          <a:cs typeface="+mn-cs"/>
+        </a:defRPr>
+      </a:lvl4pPr>
+      <a:lvl5pPr marL="1828800" algn="l" defTabSz="914400" rtl="0" eaLnBrk="1" latinLnBrk="0" hangingPunct="1">
+        <a:defRPr sz="1800" kern="1200">
+          <a:solidFill>
+            <a:schemeClr val="tx1"/>
+          </a:solidFill>
+          <a:latin typeface="+mn-lt"/>
+          <a:ea typeface="+mn-ea"/>
+          <a:cs typeface="+mn-cs"/>
+        </a:defRPr>
+      </a:lvl5pPr>
+      <a:lvl6pPr marL="2286000" algn="l" defTabSz="914400" rtl="0" eaLnBrk="1" latinLnBrk="0" hangingPunct="1">
+        <a:defRPr sz="1800" kern="1200">
+          <a:solidFill>
+            <a:schemeClr val="tx1"/>
+          </a:solidFill>
+          <a:latin typeface="+mn-lt"/>
+          <a:ea typeface="+mn-ea"/>
+          <a:cs typeface="+mn-cs"/>
+        </a:defRPr>
+      </a:lvl6pPr>
+      <a:lvl7pPr marL="2743200" algn="l" defTabSz="914400" rtl="0" eaLnBrk="1" latinLnBrk="0" hangingPunct="1">
+        <a:defRPr sz="1800" kern="1200">
+          <a:solidFill>
+            <a:schemeClr val="tx1"/>
+          </a:solidFill>
+          <a:latin typeface="+mn-lt"/>
+          <a:ea typeface="+mn-ea"/>
+          <a:cs typeface="+mn-cs"/>
+        </a:defRPr>
+      </a:lvl7pPr>
+      <a:lvl8pPr marL="3200400" algn="l" defTabSz="914400" rtl="0" eaLnBrk="1" latinLnBrk="0" hangingPunct="1">
+        <a:defRPr sz="1800" kern="1200">
+          <a:solidFill>
+            <a:schemeClr val="tx1"/>
+          </a:solidFill>
+          <a:latin typeface="+mn-lt"/>
+          <a:ea typeface="+mn-ea"/>
+          <a:cs typeface="+mn-cs"/>
+        </a:defRPr>
+      </a:lvl8pPr>
+      <a:lvl9pPr marL="3657600" algn="l" defTabSz="914400" rtl="0" eaLnBrk="1" latinLnBrk="0" hangingPunct="1">
+        <a:defRPr sz="1800" kern="1200">
+          <a:solidFill>
+            <a:schemeClr val="tx1"/>
+          </a:solidFill>
+          <a:latin typeface="+mn-lt"/>
+          <a:ea typeface="+mn-ea"/>
+          <a:cs typeface="+mn-cs"/>
+        </a:defRPr>
+      </a:lvl9pPr>
+    </p:otherStyle>
+  </p:txStyles>
 </p:sldMaster>
 </file>
 
 <file path=ppt/slideMasters/slideMaster2.xml><?xml version="1.0" encoding="utf-8"?>
-<p:sldMaster xmlns:a="http://schemas.openxmlformats.org/drawingml/2006/main" xmlns:p="http://schemas.openxmlformats.org/presentationml/2006/main" xmlns:r="http://schemas.openxmlformats.org/officeDocument/2006/relationships" xmlns:p14="http://schemas.microsoft.com/office/powerpoint/2010/main" xmlns:p15="http://schemas.microsoft.com/office/powerpoint/2012/main" xmlns:mc="http://schemas.openxmlformats.org/markup-compatibility/2006">
+<p:sldMaster xmlns:a="http://schemas.openxmlformats.org/drawingml/2006/main" xmlns:r="http://schemas.openxmlformats.org/officeDocument/2006/relationships" xmlns:p="http://schemas.openxmlformats.org/presentationml/2006/main">
   <p:cSld>
     <p:bg>
       <p:bgPr>
         <a:blipFill rotWithShape="0">
-          <a:blip r:embed="rId2"/>
+          <a:blip r:embed="rId14"/>
           <a:stretch>
             <a:fillRect/>
           </a:stretch>
         </a:blipFill>
+        <a:effectLst/>
       </p:bgPr>
     </p:bg>
     <p:spTree>
@@ -4321,18 +4892,16 @@
           </a:prstGeom>
         </p:spPr>
         <p:txBody>
-          <a:bodyPr lIns="0" rIns="0" tIns="0" bIns="0" anchor="ctr"/>
+          <a:bodyPr lIns="0" tIns="0" rIns="0" bIns="0" anchor="ctr"/>
+          <a:lstStyle/>
           <a:p>
             <a:pPr algn="ctr"/>
             <a:r>
-              <a:rPr b="0" lang="cs-CZ" sz="4400" spc="-1" strike="noStrike">
+              <a:rPr lang="cs-CZ" sz="4400" b="0" strike="noStrike" spc="-1">
                 <a:latin typeface="Arial"/>
               </a:rPr>
               <a:t>Klikněte pro úpravu formátu textu nadpisu</a:t>
             </a:r>
-            <a:endParaRPr b="0" lang="cs-CZ" sz="4400" spc="-1" strike="noStrike">
-              <a:latin typeface="Arial"/>
-            </a:endParaRPr>
           </a:p>
         </p:txBody>
       </p:sp>
@@ -4356,9 +4925,10 @@
           </a:prstGeom>
         </p:spPr>
         <p:txBody>
-          <a:bodyPr lIns="0" rIns="0" tIns="0" bIns="0">
+          <a:bodyPr lIns="0" tIns="0" rIns="0" bIns="0">
             <a:normAutofit/>
           </a:bodyPr>
+          <a:lstStyle/>
           <a:p>
             <a:pPr marL="432000" indent="-324000">
               <a:spcBef>
@@ -4372,17 +4942,14 @@
               <a:buChar char=""/>
             </a:pPr>
             <a:r>
-              <a:rPr b="0" lang="cs-CZ" sz="3200" spc="-1" strike="noStrike">
+              <a:rPr lang="cs-CZ" sz="3200" b="0" strike="noStrike" spc="-1">
                 <a:latin typeface="Arial"/>
               </a:rPr>
               <a:t>Klikněte pro úpravu formátu textu osnovy</a:t>
             </a:r>
-            <a:endParaRPr b="0" lang="cs-CZ" sz="3200" spc="-1" strike="noStrike">
-              <a:latin typeface="Arial"/>
-            </a:endParaRPr>
-          </a:p>
-          <a:p>
-            <a:pPr lvl="1" marL="864000" indent="-324000">
+          </a:p>
+          <a:p>
+            <a:pPr marL="864000" lvl="1" indent="-324000">
               <a:spcBef>
                 <a:spcPts val="1134"/>
               </a:spcBef>
@@ -4394,17 +4961,14 @@
               <a:buChar char=""/>
             </a:pPr>
             <a:r>
-              <a:rPr b="0" lang="cs-CZ" sz="2800" spc="-1" strike="noStrike">
+              <a:rPr lang="cs-CZ" sz="2800" b="0" strike="noStrike" spc="-1">
                 <a:latin typeface="Arial"/>
               </a:rPr>
               <a:t>Druhá úroveň</a:t>
             </a:r>
-            <a:endParaRPr b="0" lang="cs-CZ" sz="2800" spc="-1" strike="noStrike">
-              <a:latin typeface="Arial"/>
-            </a:endParaRPr>
-          </a:p>
-          <a:p>
-            <a:pPr lvl="2" marL="1296000" indent="-288000">
+          </a:p>
+          <a:p>
+            <a:pPr marL="1296000" lvl="2" indent="-288000">
               <a:spcBef>
                 <a:spcPts val="850"/>
               </a:spcBef>
@@ -4416,17 +4980,14 @@
               <a:buChar char=""/>
             </a:pPr>
             <a:r>
-              <a:rPr b="0" lang="cs-CZ" sz="2400" spc="-1" strike="noStrike">
+              <a:rPr lang="cs-CZ" sz="2400" b="0" strike="noStrike" spc="-1">
                 <a:latin typeface="Arial"/>
               </a:rPr>
               <a:t>Třetí úroveň</a:t>
             </a:r>
-            <a:endParaRPr b="0" lang="cs-CZ" sz="2400" spc="-1" strike="noStrike">
-              <a:latin typeface="Arial"/>
-            </a:endParaRPr>
-          </a:p>
-          <a:p>
-            <a:pPr lvl="3" marL="1728000" indent="-216000">
+          </a:p>
+          <a:p>
+            <a:pPr marL="1728000" lvl="3" indent="-216000">
               <a:spcBef>
                 <a:spcPts val="567"/>
               </a:spcBef>
@@ -4438,17 +4999,14 @@
               <a:buChar char=""/>
             </a:pPr>
             <a:r>
-              <a:rPr b="0" lang="cs-CZ" sz="2000" spc="-1" strike="noStrike">
+              <a:rPr lang="cs-CZ" sz="2000" b="0" strike="noStrike" spc="-1">
                 <a:latin typeface="Arial"/>
               </a:rPr>
               <a:t>Čtvrtá úroveň osnovy</a:t>
             </a:r>
-            <a:endParaRPr b="0" lang="cs-CZ" sz="2000" spc="-1" strike="noStrike">
-              <a:latin typeface="Arial"/>
-            </a:endParaRPr>
-          </a:p>
-          <a:p>
-            <a:pPr lvl="4" marL="2160000" indent="-216000">
+          </a:p>
+          <a:p>
+            <a:pPr marL="2160000" lvl="4" indent="-216000">
               <a:spcBef>
                 <a:spcPts val="283"/>
               </a:spcBef>
@@ -4460,17 +5018,14 @@
               <a:buChar char=""/>
             </a:pPr>
             <a:r>
-              <a:rPr b="0" lang="cs-CZ" sz="2000" spc="-1" strike="noStrike">
+              <a:rPr lang="cs-CZ" sz="2000" b="0" strike="noStrike" spc="-1">
                 <a:latin typeface="Arial"/>
               </a:rPr>
               <a:t>Pátá úroveň osnovy</a:t>
             </a:r>
-            <a:endParaRPr b="0" lang="cs-CZ" sz="2000" spc="-1" strike="noStrike">
-              <a:latin typeface="Arial"/>
-            </a:endParaRPr>
-          </a:p>
-          <a:p>
-            <a:pPr lvl="5" marL="2592000" indent="-216000">
+          </a:p>
+          <a:p>
+            <a:pPr marL="2592000" lvl="5" indent="-216000">
               <a:spcBef>
                 <a:spcPts val="283"/>
               </a:spcBef>
@@ -4482,17 +5037,14 @@
               <a:buChar char=""/>
             </a:pPr>
             <a:r>
-              <a:rPr b="0" lang="cs-CZ" sz="2000" spc="-1" strike="noStrike">
+              <a:rPr lang="cs-CZ" sz="2000" b="0" strike="noStrike" spc="-1">
                 <a:latin typeface="Arial"/>
               </a:rPr>
               <a:t>Šestá úroveň</a:t>
             </a:r>
-            <a:endParaRPr b="0" lang="cs-CZ" sz="2000" spc="-1" strike="noStrike">
-              <a:latin typeface="Arial"/>
-            </a:endParaRPr>
-          </a:p>
-          <a:p>
-            <a:pPr lvl="6" marL="3024000" indent="-216000">
+          </a:p>
+          <a:p>
+            <a:pPr marL="3024000" lvl="6" indent="-216000">
               <a:spcBef>
                 <a:spcPts val="283"/>
               </a:spcBef>
@@ -4504,48 +5056,326 @@
               <a:buChar char=""/>
             </a:pPr>
             <a:r>
-              <a:rPr b="0" lang="cs-CZ" sz="2000" spc="-1" strike="noStrike">
+              <a:rPr lang="cs-CZ" sz="2000" b="0" strike="noStrike" spc="-1">
                 <a:latin typeface="Arial"/>
               </a:rPr>
               <a:t>Sedmá úroveň</a:t>
             </a:r>
-            <a:endParaRPr b="0" lang="cs-CZ" sz="2000" spc="-1" strike="noStrike">
-              <a:latin typeface="Arial"/>
-            </a:endParaRPr>
           </a:p>
         </p:txBody>
       </p:sp>
     </p:spTree>
   </p:cSld>
-  <p:clrMap bg1="lt1" bg2="lt2" tx1="dk1" tx2="dk2" accent1="accent1" accent2="accent2" accent3="accent3" accent4="accent4" accent5="accent5" accent6="accent6" hlink="hlink" folHlink="folHlink"/>
+  <p:clrMap bg1="lt1" tx1="dk1" bg2="lt2" tx2="dk2" accent1="accent1" accent2="accent2" accent3="accent3" accent4="accent4" accent5="accent5" accent6="accent6" hlink="hlink" folHlink="folHlink"/>
   <p:sldLayoutIdLst>
-    <p:sldLayoutId id="2147483662" r:id="rId3"/>
-    <p:sldLayoutId id="2147483663" r:id="rId4"/>
-    <p:sldLayoutId id="2147483664" r:id="rId5"/>
-    <p:sldLayoutId id="2147483665" r:id="rId6"/>
-    <p:sldLayoutId id="2147483666" r:id="rId7"/>
-    <p:sldLayoutId id="2147483667" r:id="rId8"/>
-    <p:sldLayoutId id="2147483668" r:id="rId9"/>
-    <p:sldLayoutId id="2147483669" r:id="rId10"/>
-    <p:sldLayoutId id="2147483670" r:id="rId11"/>
-    <p:sldLayoutId id="2147483671" r:id="rId12"/>
-    <p:sldLayoutId id="2147483672" r:id="rId13"/>
-    <p:sldLayoutId id="2147483673" r:id="rId14"/>
+    <p:sldLayoutId id="2147483662" r:id="rId1"/>
+    <p:sldLayoutId id="2147483663" r:id="rId2"/>
+    <p:sldLayoutId id="2147483664" r:id="rId3"/>
+    <p:sldLayoutId id="2147483665" r:id="rId4"/>
+    <p:sldLayoutId id="2147483666" r:id="rId5"/>
+    <p:sldLayoutId id="2147483667" r:id="rId6"/>
+    <p:sldLayoutId id="2147483668" r:id="rId7"/>
+    <p:sldLayoutId id="2147483669" r:id="rId8"/>
+    <p:sldLayoutId id="2147483670" r:id="rId9"/>
+    <p:sldLayoutId id="2147483671" r:id="rId10"/>
+    <p:sldLayoutId id="2147483672" r:id="rId11"/>
+    <p:sldLayoutId id="2147483673" r:id="rId12"/>
   </p:sldLayoutIdLst>
+  <p:txStyles>
+    <p:titleStyle>
+      <a:lvl1pPr algn="l" defTabSz="914400" rtl="0" eaLnBrk="1" latinLnBrk="0" hangingPunct="1">
+        <a:lnSpc>
+          <a:spcPct val="90000"/>
+        </a:lnSpc>
+        <a:spcBef>
+          <a:spcPct val="0"/>
+        </a:spcBef>
+        <a:buNone/>
+        <a:defRPr sz="4400" kern="1200">
+          <a:solidFill>
+            <a:schemeClr val="tx1"/>
+          </a:solidFill>
+          <a:latin typeface="+mj-lt"/>
+          <a:ea typeface="+mj-ea"/>
+          <a:cs typeface="+mj-cs"/>
+        </a:defRPr>
+      </a:lvl1pPr>
+    </p:titleStyle>
+    <p:bodyStyle>
+      <a:lvl1pPr marL="228600" indent="-228600" algn="l" defTabSz="914400" rtl="0" eaLnBrk="1" latinLnBrk="0" hangingPunct="1">
+        <a:lnSpc>
+          <a:spcPct val="90000"/>
+        </a:lnSpc>
+        <a:spcBef>
+          <a:spcPts val="1000"/>
+        </a:spcBef>
+        <a:buFont typeface="Arial" panose="020B0604020202020204" pitchFamily="34" charset="0"/>
+        <a:buChar char="•"/>
+        <a:defRPr sz="2800" kern="1200">
+          <a:solidFill>
+            <a:schemeClr val="tx1"/>
+          </a:solidFill>
+          <a:latin typeface="+mn-lt"/>
+          <a:ea typeface="+mn-ea"/>
+          <a:cs typeface="+mn-cs"/>
+        </a:defRPr>
+      </a:lvl1pPr>
+      <a:lvl2pPr marL="685800" indent="-228600" algn="l" defTabSz="914400" rtl="0" eaLnBrk="1" latinLnBrk="0" hangingPunct="1">
+        <a:lnSpc>
+          <a:spcPct val="90000"/>
+        </a:lnSpc>
+        <a:spcBef>
+          <a:spcPts val="500"/>
+        </a:spcBef>
+        <a:buFont typeface="Arial" panose="020B0604020202020204" pitchFamily="34" charset="0"/>
+        <a:buChar char="•"/>
+        <a:defRPr sz="2400" kern="1200">
+          <a:solidFill>
+            <a:schemeClr val="tx1"/>
+          </a:solidFill>
+          <a:latin typeface="+mn-lt"/>
+          <a:ea typeface="+mn-ea"/>
+          <a:cs typeface="+mn-cs"/>
+        </a:defRPr>
+      </a:lvl2pPr>
+      <a:lvl3pPr marL="1143000" indent="-228600" algn="l" defTabSz="914400" rtl="0" eaLnBrk="1" latinLnBrk="0" hangingPunct="1">
+        <a:lnSpc>
+          <a:spcPct val="90000"/>
+        </a:lnSpc>
+        <a:spcBef>
+          <a:spcPts val="500"/>
+        </a:spcBef>
+        <a:buFont typeface="Arial" panose="020B0604020202020204" pitchFamily="34" charset="0"/>
+        <a:buChar char="•"/>
+        <a:defRPr sz="2000" kern="1200">
+          <a:solidFill>
+            <a:schemeClr val="tx1"/>
+          </a:solidFill>
+          <a:latin typeface="+mn-lt"/>
+          <a:ea typeface="+mn-ea"/>
+          <a:cs typeface="+mn-cs"/>
+        </a:defRPr>
+      </a:lvl3pPr>
+      <a:lvl4pPr marL="1600200" indent="-228600" algn="l" defTabSz="914400" rtl="0" eaLnBrk="1" latinLnBrk="0" hangingPunct="1">
+        <a:lnSpc>
+          <a:spcPct val="90000"/>
+        </a:lnSpc>
+        <a:spcBef>
+          <a:spcPts val="500"/>
+        </a:spcBef>
+        <a:buFont typeface="Arial" panose="020B0604020202020204" pitchFamily="34" charset="0"/>
+        <a:buChar char="•"/>
+        <a:defRPr sz="1800" kern="1200">
+          <a:solidFill>
+            <a:schemeClr val="tx1"/>
+          </a:solidFill>
+          <a:latin typeface="+mn-lt"/>
+          <a:ea typeface="+mn-ea"/>
+          <a:cs typeface="+mn-cs"/>
+        </a:defRPr>
+      </a:lvl4pPr>
+      <a:lvl5pPr marL="2057400" indent="-228600" algn="l" defTabSz="914400" rtl="0" eaLnBrk="1" latinLnBrk="0" hangingPunct="1">
+        <a:lnSpc>
+          <a:spcPct val="90000"/>
+        </a:lnSpc>
+        <a:spcBef>
+          <a:spcPts val="500"/>
+        </a:spcBef>
+        <a:buFont typeface="Arial" panose="020B0604020202020204" pitchFamily="34" charset="0"/>
+        <a:buChar char="•"/>
+        <a:defRPr sz="1800" kern="1200">
+          <a:solidFill>
+            <a:schemeClr val="tx1"/>
+          </a:solidFill>
+          <a:latin typeface="+mn-lt"/>
+          <a:ea typeface="+mn-ea"/>
+          <a:cs typeface="+mn-cs"/>
+        </a:defRPr>
+      </a:lvl5pPr>
+      <a:lvl6pPr marL="2514600" indent="-228600" algn="l" defTabSz="914400" rtl="0" eaLnBrk="1" latinLnBrk="0" hangingPunct="1">
+        <a:lnSpc>
+          <a:spcPct val="90000"/>
+        </a:lnSpc>
+        <a:spcBef>
+          <a:spcPts val="500"/>
+        </a:spcBef>
+        <a:buFont typeface="Arial" panose="020B0604020202020204" pitchFamily="34" charset="0"/>
+        <a:buChar char="•"/>
+        <a:defRPr sz="1800" kern="1200">
+          <a:solidFill>
+            <a:schemeClr val="tx1"/>
+          </a:solidFill>
+          <a:latin typeface="+mn-lt"/>
+          <a:ea typeface="+mn-ea"/>
+          <a:cs typeface="+mn-cs"/>
+        </a:defRPr>
+      </a:lvl6pPr>
+      <a:lvl7pPr marL="2971800" indent="-228600" algn="l" defTabSz="914400" rtl="0" eaLnBrk="1" latinLnBrk="0" hangingPunct="1">
+        <a:lnSpc>
+          <a:spcPct val="90000"/>
+        </a:lnSpc>
+        <a:spcBef>
+          <a:spcPts val="500"/>
+        </a:spcBef>
+        <a:buFont typeface="Arial" panose="020B0604020202020204" pitchFamily="34" charset="0"/>
+        <a:buChar char="•"/>
+        <a:defRPr sz="1800" kern="1200">
+          <a:solidFill>
+            <a:schemeClr val="tx1"/>
+          </a:solidFill>
+          <a:latin typeface="+mn-lt"/>
+          <a:ea typeface="+mn-ea"/>
+          <a:cs typeface="+mn-cs"/>
+        </a:defRPr>
+      </a:lvl7pPr>
+      <a:lvl8pPr marL="3429000" indent="-228600" algn="l" defTabSz="914400" rtl="0" eaLnBrk="1" latinLnBrk="0" hangingPunct="1">
+        <a:lnSpc>
+          <a:spcPct val="90000"/>
+        </a:lnSpc>
+        <a:spcBef>
+          <a:spcPts val="500"/>
+        </a:spcBef>
+        <a:buFont typeface="Arial" panose="020B0604020202020204" pitchFamily="34" charset="0"/>
+        <a:buChar char="•"/>
+        <a:defRPr sz="1800" kern="1200">
+          <a:solidFill>
+            <a:schemeClr val="tx1"/>
+          </a:solidFill>
+          <a:latin typeface="+mn-lt"/>
+          <a:ea typeface="+mn-ea"/>
+          <a:cs typeface="+mn-cs"/>
+        </a:defRPr>
+      </a:lvl8pPr>
+      <a:lvl9pPr marL="3886200" indent="-228600" algn="l" defTabSz="914400" rtl="0" eaLnBrk="1" latinLnBrk="0" hangingPunct="1">
+        <a:lnSpc>
+          <a:spcPct val="90000"/>
+        </a:lnSpc>
+        <a:spcBef>
+          <a:spcPts val="500"/>
+        </a:spcBef>
+        <a:buFont typeface="Arial" panose="020B0604020202020204" pitchFamily="34" charset="0"/>
+        <a:buChar char="•"/>
+        <a:defRPr sz="1800" kern="1200">
+          <a:solidFill>
+            <a:schemeClr val="tx1"/>
+          </a:solidFill>
+          <a:latin typeface="+mn-lt"/>
+          <a:ea typeface="+mn-ea"/>
+          <a:cs typeface="+mn-cs"/>
+        </a:defRPr>
+      </a:lvl9pPr>
+    </p:bodyStyle>
+    <p:otherStyle>
+      <a:defPPr>
+        <a:defRPr lang="cs-CZ"/>
+      </a:defPPr>
+      <a:lvl1pPr marL="0" algn="l" defTabSz="914400" rtl="0" eaLnBrk="1" latinLnBrk="0" hangingPunct="1">
+        <a:defRPr sz="1800" kern="1200">
+          <a:solidFill>
+            <a:schemeClr val="tx1"/>
+          </a:solidFill>
+          <a:latin typeface="+mn-lt"/>
+          <a:ea typeface="+mn-ea"/>
+          <a:cs typeface="+mn-cs"/>
+        </a:defRPr>
+      </a:lvl1pPr>
+      <a:lvl2pPr marL="457200" algn="l" defTabSz="914400" rtl="0" eaLnBrk="1" latinLnBrk="0" hangingPunct="1">
+        <a:defRPr sz="1800" kern="1200">
+          <a:solidFill>
+            <a:schemeClr val="tx1"/>
+          </a:solidFill>
+          <a:latin typeface="+mn-lt"/>
+          <a:ea typeface="+mn-ea"/>
+          <a:cs typeface="+mn-cs"/>
+        </a:defRPr>
+      </a:lvl2pPr>
+      <a:lvl3pPr marL="914400" algn="l" defTabSz="914400" rtl="0" eaLnBrk="1" latinLnBrk="0" hangingPunct="1">
+        <a:defRPr sz="1800" kern="1200">
+          <a:solidFill>
+            <a:schemeClr val="tx1"/>
+          </a:solidFill>
+          <a:latin typeface="+mn-lt"/>
+          <a:ea typeface="+mn-ea"/>
+          <a:cs typeface="+mn-cs"/>
+        </a:defRPr>
+      </a:lvl3pPr>
+      <a:lvl4pPr marL="1371600" algn="l" defTabSz="914400" rtl="0" eaLnBrk="1" latinLnBrk="0" hangingPunct="1">
+        <a:defRPr sz="1800" kern="1200">
+          <a:solidFill>
+            <a:schemeClr val="tx1"/>
+          </a:solidFill>
+          <a:latin typeface="+mn-lt"/>
+          <a:ea typeface="+mn-ea"/>
+          <a:cs typeface="+mn-cs"/>
+        </a:defRPr>
+      </a:lvl4pPr>
+      <a:lvl5pPr marL="1828800" algn="l" defTabSz="914400" rtl="0" eaLnBrk="1" latinLnBrk="0" hangingPunct="1">
+        <a:defRPr sz="1800" kern="1200">
+          <a:solidFill>
+            <a:schemeClr val="tx1"/>
+          </a:solidFill>
+          <a:latin typeface="+mn-lt"/>
+          <a:ea typeface="+mn-ea"/>
+          <a:cs typeface="+mn-cs"/>
+        </a:defRPr>
+      </a:lvl5pPr>
+      <a:lvl6pPr marL="2286000" algn="l" defTabSz="914400" rtl="0" eaLnBrk="1" latinLnBrk="0" hangingPunct="1">
+        <a:defRPr sz="1800" kern="1200">
+          <a:solidFill>
+            <a:schemeClr val="tx1"/>
+          </a:solidFill>
+          <a:latin typeface="+mn-lt"/>
+          <a:ea typeface="+mn-ea"/>
+          <a:cs typeface="+mn-cs"/>
+        </a:defRPr>
+      </a:lvl6pPr>
+      <a:lvl7pPr marL="2743200" algn="l" defTabSz="914400" rtl="0" eaLnBrk="1" latinLnBrk="0" hangingPunct="1">
+        <a:defRPr sz="1800" kern="1200">
+          <a:solidFill>
+            <a:schemeClr val="tx1"/>
+          </a:solidFill>
+          <a:latin typeface="+mn-lt"/>
+          <a:ea typeface="+mn-ea"/>
+          <a:cs typeface="+mn-cs"/>
+        </a:defRPr>
+      </a:lvl7pPr>
+      <a:lvl8pPr marL="3200400" algn="l" defTabSz="914400" rtl="0" eaLnBrk="1" latinLnBrk="0" hangingPunct="1">
+        <a:defRPr sz="1800" kern="1200">
+          <a:solidFill>
+            <a:schemeClr val="tx1"/>
+          </a:solidFill>
+          <a:latin typeface="+mn-lt"/>
+          <a:ea typeface="+mn-ea"/>
+          <a:cs typeface="+mn-cs"/>
+        </a:defRPr>
+      </a:lvl8pPr>
+      <a:lvl9pPr marL="3657600" algn="l" defTabSz="914400" rtl="0" eaLnBrk="1" latinLnBrk="0" hangingPunct="1">
+        <a:defRPr sz="1800" kern="1200">
+          <a:solidFill>
+            <a:schemeClr val="tx1"/>
+          </a:solidFill>
+          <a:latin typeface="+mn-lt"/>
+          <a:ea typeface="+mn-ea"/>
+          <a:cs typeface="+mn-cs"/>
+        </a:defRPr>
+      </a:lvl9pPr>
+    </p:otherStyle>
+  </p:txStyles>
 </p:sldMaster>
 </file>
 
 <file path=ppt/slideMasters/slideMaster3.xml><?xml version="1.0" encoding="utf-8"?>
-<p:sldMaster xmlns:a="http://schemas.openxmlformats.org/drawingml/2006/main" xmlns:p="http://schemas.openxmlformats.org/presentationml/2006/main" xmlns:r="http://schemas.openxmlformats.org/officeDocument/2006/relationships" xmlns:p14="http://schemas.microsoft.com/office/powerpoint/2010/main" xmlns:p15="http://schemas.microsoft.com/office/powerpoint/2012/main" xmlns:mc="http://schemas.openxmlformats.org/markup-compatibility/2006">
+<p:sldMaster xmlns:a="http://schemas.openxmlformats.org/drawingml/2006/main" xmlns:r="http://schemas.openxmlformats.org/officeDocument/2006/relationships" xmlns:p="http://schemas.openxmlformats.org/presentationml/2006/main">
   <p:cSld>
     <p:bg>
       <p:bgPr>
         <a:blipFill rotWithShape="0">
-          <a:blip r:embed="rId2"/>
+          <a:blip r:embed="rId14"/>
           <a:stretch>
             <a:fillRect/>
           </a:stretch>
         </a:blipFill>
+        <a:effectLst/>
       </p:bgPr>
     </p:bg>
     <p:spTree>
@@ -4582,18 +5412,16 @@
           </a:prstGeom>
         </p:spPr>
         <p:txBody>
-          <a:bodyPr lIns="0" rIns="0" tIns="0" bIns="0" anchor="ctr"/>
+          <a:bodyPr lIns="0" tIns="0" rIns="0" bIns="0" anchor="ctr"/>
+          <a:lstStyle/>
           <a:p>
             <a:pPr algn="ctr"/>
             <a:r>
-              <a:rPr b="0" lang="cs-CZ" sz="4400" spc="-1" strike="noStrike">
+              <a:rPr lang="cs-CZ" sz="4400" b="0" strike="noStrike" spc="-1">
                 <a:latin typeface="Arial"/>
               </a:rPr>
               <a:t>Klikněte pro úpravu formátu textu nadpisu</a:t>
             </a:r>
-            <a:endParaRPr b="0" lang="cs-CZ" sz="4400" spc="-1" strike="noStrike">
-              <a:latin typeface="Arial"/>
-            </a:endParaRPr>
           </a:p>
         </p:txBody>
       </p:sp>
@@ -4617,9 +5445,10 @@
           </a:prstGeom>
         </p:spPr>
         <p:txBody>
-          <a:bodyPr lIns="0" rIns="0" tIns="0" bIns="0">
+          <a:bodyPr lIns="0" tIns="0" rIns="0" bIns="0">
             <a:normAutofit/>
           </a:bodyPr>
+          <a:lstStyle/>
           <a:p>
             <a:pPr marL="432000" indent="-324000">
               <a:spcBef>
@@ -4633,17 +5462,14 @@
               <a:buChar char=""/>
             </a:pPr>
             <a:r>
-              <a:rPr b="0" lang="cs-CZ" sz="3200" spc="-1" strike="noStrike">
+              <a:rPr lang="cs-CZ" sz="3200" b="0" strike="noStrike" spc="-1">
                 <a:latin typeface="Arial"/>
               </a:rPr>
               <a:t>Klikněte pro úpravu formátu textu osnovy</a:t>
             </a:r>
-            <a:endParaRPr b="0" lang="cs-CZ" sz="3200" spc="-1" strike="noStrike">
-              <a:latin typeface="Arial"/>
-            </a:endParaRPr>
-          </a:p>
-          <a:p>
-            <a:pPr lvl="1" marL="864000" indent="-324000">
+          </a:p>
+          <a:p>
+            <a:pPr marL="864000" lvl="1" indent="-324000">
               <a:spcBef>
                 <a:spcPts val="1134"/>
               </a:spcBef>
@@ -4655,17 +5481,14 @@
               <a:buChar char=""/>
             </a:pPr>
             <a:r>
-              <a:rPr b="0" lang="cs-CZ" sz="2800" spc="-1" strike="noStrike">
+              <a:rPr lang="cs-CZ" sz="2800" b="0" strike="noStrike" spc="-1">
                 <a:latin typeface="Arial"/>
               </a:rPr>
               <a:t>Druhá úroveň</a:t>
             </a:r>
-            <a:endParaRPr b="0" lang="cs-CZ" sz="2800" spc="-1" strike="noStrike">
-              <a:latin typeface="Arial"/>
-            </a:endParaRPr>
-          </a:p>
-          <a:p>
-            <a:pPr lvl="2" marL="1296000" indent="-288000">
+          </a:p>
+          <a:p>
+            <a:pPr marL="1296000" lvl="2" indent="-288000">
               <a:spcBef>
                 <a:spcPts val="850"/>
               </a:spcBef>
@@ -4677,17 +5500,14 @@
               <a:buChar char=""/>
             </a:pPr>
             <a:r>
-              <a:rPr b="0" lang="cs-CZ" sz="2400" spc="-1" strike="noStrike">
+              <a:rPr lang="cs-CZ" sz="2400" b="0" strike="noStrike" spc="-1">
                 <a:latin typeface="Arial"/>
               </a:rPr>
               <a:t>Třetí úroveň</a:t>
             </a:r>
-            <a:endParaRPr b="0" lang="cs-CZ" sz="2400" spc="-1" strike="noStrike">
-              <a:latin typeface="Arial"/>
-            </a:endParaRPr>
-          </a:p>
-          <a:p>
-            <a:pPr lvl="3" marL="1728000" indent="-216000">
+          </a:p>
+          <a:p>
+            <a:pPr marL="1728000" lvl="3" indent="-216000">
               <a:spcBef>
                 <a:spcPts val="567"/>
               </a:spcBef>
@@ -4699,17 +5519,14 @@
               <a:buChar char=""/>
             </a:pPr>
             <a:r>
-              <a:rPr b="0" lang="cs-CZ" sz="2000" spc="-1" strike="noStrike">
+              <a:rPr lang="cs-CZ" sz="2000" b="0" strike="noStrike" spc="-1">
                 <a:latin typeface="Arial"/>
               </a:rPr>
               <a:t>Čtvrtá úroveň osnovy</a:t>
             </a:r>
-            <a:endParaRPr b="0" lang="cs-CZ" sz="2000" spc="-1" strike="noStrike">
-              <a:latin typeface="Arial"/>
-            </a:endParaRPr>
-          </a:p>
-          <a:p>
-            <a:pPr lvl="4" marL="2160000" indent="-216000">
+          </a:p>
+          <a:p>
+            <a:pPr marL="2160000" lvl="4" indent="-216000">
               <a:spcBef>
                 <a:spcPts val="283"/>
               </a:spcBef>
@@ -4721,17 +5538,14 @@
               <a:buChar char=""/>
             </a:pPr>
             <a:r>
-              <a:rPr b="0" lang="cs-CZ" sz="2000" spc="-1" strike="noStrike">
+              <a:rPr lang="cs-CZ" sz="2000" b="0" strike="noStrike" spc="-1">
                 <a:latin typeface="Arial"/>
               </a:rPr>
               <a:t>Pátá úroveň osnovy</a:t>
             </a:r>
-            <a:endParaRPr b="0" lang="cs-CZ" sz="2000" spc="-1" strike="noStrike">
-              <a:latin typeface="Arial"/>
-            </a:endParaRPr>
-          </a:p>
-          <a:p>
-            <a:pPr lvl="5" marL="2592000" indent="-216000">
+          </a:p>
+          <a:p>
+            <a:pPr marL="2592000" lvl="5" indent="-216000">
               <a:spcBef>
                 <a:spcPts val="283"/>
               </a:spcBef>
@@ -4743,17 +5557,14 @@
               <a:buChar char=""/>
             </a:pPr>
             <a:r>
-              <a:rPr b="0" lang="cs-CZ" sz="2000" spc="-1" strike="noStrike">
+              <a:rPr lang="cs-CZ" sz="2000" b="0" strike="noStrike" spc="-1">
                 <a:latin typeface="Arial"/>
               </a:rPr>
               <a:t>Šestá úroveň</a:t>
             </a:r>
-            <a:endParaRPr b="0" lang="cs-CZ" sz="2000" spc="-1" strike="noStrike">
-              <a:latin typeface="Arial"/>
-            </a:endParaRPr>
-          </a:p>
-          <a:p>
-            <a:pPr lvl="6" marL="3024000" indent="-216000">
+          </a:p>
+          <a:p>
+            <a:pPr marL="3024000" lvl="6" indent="-216000">
               <a:spcBef>
                 <a:spcPts val="283"/>
               </a:spcBef>
@@ -4765,39 +5576,316 @@
               <a:buChar char=""/>
             </a:pPr>
             <a:r>
-              <a:rPr b="0" lang="cs-CZ" sz="2000" spc="-1" strike="noStrike">
+              <a:rPr lang="cs-CZ" sz="2000" b="0" strike="noStrike" spc="-1">
                 <a:latin typeface="Arial"/>
               </a:rPr>
               <a:t>Sedmá úroveň</a:t>
             </a:r>
-            <a:endParaRPr b="0" lang="cs-CZ" sz="2000" spc="-1" strike="noStrike">
-              <a:latin typeface="Arial"/>
-            </a:endParaRPr>
           </a:p>
         </p:txBody>
       </p:sp>
     </p:spTree>
   </p:cSld>
-  <p:clrMap bg1="lt1" bg2="lt2" tx1="dk1" tx2="dk2" accent1="accent1" accent2="accent2" accent3="accent3" accent4="accent4" accent5="accent5" accent6="accent6" hlink="hlink" folHlink="folHlink"/>
+  <p:clrMap bg1="lt1" tx1="dk1" bg2="lt2" tx2="dk2" accent1="accent1" accent2="accent2" accent3="accent3" accent4="accent4" accent5="accent5" accent6="accent6" hlink="hlink" folHlink="folHlink"/>
   <p:sldLayoutIdLst>
-    <p:sldLayoutId id="2147483675" r:id="rId3"/>
-    <p:sldLayoutId id="2147483676" r:id="rId4"/>
-    <p:sldLayoutId id="2147483677" r:id="rId5"/>
-    <p:sldLayoutId id="2147483678" r:id="rId6"/>
-    <p:sldLayoutId id="2147483679" r:id="rId7"/>
-    <p:sldLayoutId id="2147483680" r:id="rId8"/>
-    <p:sldLayoutId id="2147483681" r:id="rId9"/>
-    <p:sldLayoutId id="2147483682" r:id="rId10"/>
-    <p:sldLayoutId id="2147483683" r:id="rId11"/>
-    <p:sldLayoutId id="2147483684" r:id="rId12"/>
-    <p:sldLayoutId id="2147483685" r:id="rId13"/>
-    <p:sldLayoutId id="2147483686" r:id="rId14"/>
+    <p:sldLayoutId id="2147483675" r:id="rId1"/>
+    <p:sldLayoutId id="2147483676" r:id="rId2"/>
+    <p:sldLayoutId id="2147483677" r:id="rId3"/>
+    <p:sldLayoutId id="2147483678" r:id="rId4"/>
+    <p:sldLayoutId id="2147483679" r:id="rId5"/>
+    <p:sldLayoutId id="2147483680" r:id="rId6"/>
+    <p:sldLayoutId id="2147483681" r:id="rId7"/>
+    <p:sldLayoutId id="2147483682" r:id="rId8"/>
+    <p:sldLayoutId id="2147483683" r:id="rId9"/>
+    <p:sldLayoutId id="2147483684" r:id="rId10"/>
+    <p:sldLayoutId id="2147483685" r:id="rId11"/>
+    <p:sldLayoutId id="2147483686" r:id="rId12"/>
   </p:sldLayoutIdLst>
+  <p:txStyles>
+    <p:titleStyle>
+      <a:lvl1pPr algn="l" defTabSz="914400" rtl="0" eaLnBrk="1" latinLnBrk="0" hangingPunct="1">
+        <a:lnSpc>
+          <a:spcPct val="90000"/>
+        </a:lnSpc>
+        <a:spcBef>
+          <a:spcPct val="0"/>
+        </a:spcBef>
+        <a:buNone/>
+        <a:defRPr sz="4400" kern="1200">
+          <a:solidFill>
+            <a:schemeClr val="tx1"/>
+          </a:solidFill>
+          <a:latin typeface="+mj-lt"/>
+          <a:ea typeface="+mj-ea"/>
+          <a:cs typeface="+mj-cs"/>
+        </a:defRPr>
+      </a:lvl1pPr>
+    </p:titleStyle>
+    <p:bodyStyle>
+      <a:lvl1pPr marL="228600" indent="-228600" algn="l" defTabSz="914400" rtl="0" eaLnBrk="1" latinLnBrk="0" hangingPunct="1">
+        <a:lnSpc>
+          <a:spcPct val="90000"/>
+        </a:lnSpc>
+        <a:spcBef>
+          <a:spcPts val="1000"/>
+        </a:spcBef>
+        <a:buFont typeface="Arial" panose="020B0604020202020204" pitchFamily="34" charset="0"/>
+        <a:buChar char="•"/>
+        <a:defRPr sz="2800" kern="1200">
+          <a:solidFill>
+            <a:schemeClr val="tx1"/>
+          </a:solidFill>
+          <a:latin typeface="+mn-lt"/>
+          <a:ea typeface="+mn-ea"/>
+          <a:cs typeface="+mn-cs"/>
+        </a:defRPr>
+      </a:lvl1pPr>
+      <a:lvl2pPr marL="685800" indent="-228600" algn="l" defTabSz="914400" rtl="0" eaLnBrk="1" latinLnBrk="0" hangingPunct="1">
+        <a:lnSpc>
+          <a:spcPct val="90000"/>
+        </a:lnSpc>
+        <a:spcBef>
+          <a:spcPts val="500"/>
+        </a:spcBef>
+        <a:buFont typeface="Arial" panose="020B0604020202020204" pitchFamily="34" charset="0"/>
+        <a:buChar char="•"/>
+        <a:defRPr sz="2400" kern="1200">
+          <a:solidFill>
+            <a:schemeClr val="tx1"/>
+          </a:solidFill>
+          <a:latin typeface="+mn-lt"/>
+          <a:ea typeface="+mn-ea"/>
+          <a:cs typeface="+mn-cs"/>
+        </a:defRPr>
+      </a:lvl2pPr>
+      <a:lvl3pPr marL="1143000" indent="-228600" algn="l" defTabSz="914400" rtl="0" eaLnBrk="1" latinLnBrk="0" hangingPunct="1">
+        <a:lnSpc>
+          <a:spcPct val="90000"/>
+        </a:lnSpc>
+        <a:spcBef>
+          <a:spcPts val="500"/>
+        </a:spcBef>
+        <a:buFont typeface="Arial" panose="020B0604020202020204" pitchFamily="34" charset="0"/>
+        <a:buChar char="•"/>
+        <a:defRPr sz="2000" kern="1200">
+          <a:solidFill>
+            <a:schemeClr val="tx1"/>
+          </a:solidFill>
+          <a:latin typeface="+mn-lt"/>
+          <a:ea typeface="+mn-ea"/>
+          <a:cs typeface="+mn-cs"/>
+        </a:defRPr>
+      </a:lvl3pPr>
+      <a:lvl4pPr marL="1600200" indent="-228600" algn="l" defTabSz="914400" rtl="0" eaLnBrk="1" latinLnBrk="0" hangingPunct="1">
+        <a:lnSpc>
+          <a:spcPct val="90000"/>
+        </a:lnSpc>
+        <a:spcBef>
+          <a:spcPts val="500"/>
+        </a:spcBef>
+        <a:buFont typeface="Arial" panose="020B0604020202020204" pitchFamily="34" charset="0"/>
+        <a:buChar char="•"/>
+        <a:defRPr sz="1800" kern="1200">
+          <a:solidFill>
+            <a:schemeClr val="tx1"/>
+          </a:solidFill>
+          <a:latin typeface="+mn-lt"/>
+          <a:ea typeface="+mn-ea"/>
+          <a:cs typeface="+mn-cs"/>
+        </a:defRPr>
+      </a:lvl4pPr>
+      <a:lvl5pPr marL="2057400" indent="-228600" algn="l" defTabSz="914400" rtl="0" eaLnBrk="1" latinLnBrk="0" hangingPunct="1">
+        <a:lnSpc>
+          <a:spcPct val="90000"/>
+        </a:lnSpc>
+        <a:spcBef>
+          <a:spcPts val="500"/>
+        </a:spcBef>
+        <a:buFont typeface="Arial" panose="020B0604020202020204" pitchFamily="34" charset="0"/>
+        <a:buChar char="•"/>
+        <a:defRPr sz="1800" kern="1200">
+          <a:solidFill>
+            <a:schemeClr val="tx1"/>
+          </a:solidFill>
+          <a:latin typeface="+mn-lt"/>
+          <a:ea typeface="+mn-ea"/>
+          <a:cs typeface="+mn-cs"/>
+        </a:defRPr>
+      </a:lvl5pPr>
+      <a:lvl6pPr marL="2514600" indent="-228600" algn="l" defTabSz="914400" rtl="0" eaLnBrk="1" latinLnBrk="0" hangingPunct="1">
+        <a:lnSpc>
+          <a:spcPct val="90000"/>
+        </a:lnSpc>
+        <a:spcBef>
+          <a:spcPts val="500"/>
+        </a:spcBef>
+        <a:buFont typeface="Arial" panose="020B0604020202020204" pitchFamily="34" charset="0"/>
+        <a:buChar char="•"/>
+        <a:defRPr sz="1800" kern="1200">
+          <a:solidFill>
+            <a:schemeClr val="tx1"/>
+          </a:solidFill>
+          <a:latin typeface="+mn-lt"/>
+          <a:ea typeface="+mn-ea"/>
+          <a:cs typeface="+mn-cs"/>
+        </a:defRPr>
+      </a:lvl6pPr>
+      <a:lvl7pPr marL="2971800" indent="-228600" algn="l" defTabSz="914400" rtl="0" eaLnBrk="1" latinLnBrk="0" hangingPunct="1">
+        <a:lnSpc>
+          <a:spcPct val="90000"/>
+        </a:lnSpc>
+        <a:spcBef>
+          <a:spcPts val="500"/>
+        </a:spcBef>
+        <a:buFont typeface="Arial" panose="020B0604020202020204" pitchFamily="34" charset="0"/>
+        <a:buChar char="•"/>
+        <a:defRPr sz="1800" kern="1200">
+          <a:solidFill>
+            <a:schemeClr val="tx1"/>
+          </a:solidFill>
+          <a:latin typeface="+mn-lt"/>
+          <a:ea typeface="+mn-ea"/>
+          <a:cs typeface="+mn-cs"/>
+        </a:defRPr>
+      </a:lvl7pPr>
+      <a:lvl8pPr marL="3429000" indent="-228600" algn="l" defTabSz="914400" rtl="0" eaLnBrk="1" latinLnBrk="0" hangingPunct="1">
+        <a:lnSpc>
+          <a:spcPct val="90000"/>
+        </a:lnSpc>
+        <a:spcBef>
+          <a:spcPts val="500"/>
+        </a:spcBef>
+        <a:buFont typeface="Arial" panose="020B0604020202020204" pitchFamily="34" charset="0"/>
+        <a:buChar char="•"/>
+        <a:defRPr sz="1800" kern="1200">
+          <a:solidFill>
+            <a:schemeClr val="tx1"/>
+          </a:solidFill>
+          <a:latin typeface="+mn-lt"/>
+          <a:ea typeface="+mn-ea"/>
+          <a:cs typeface="+mn-cs"/>
+        </a:defRPr>
+      </a:lvl8pPr>
+      <a:lvl9pPr marL="3886200" indent="-228600" algn="l" defTabSz="914400" rtl="0" eaLnBrk="1" latinLnBrk="0" hangingPunct="1">
+        <a:lnSpc>
+          <a:spcPct val="90000"/>
+        </a:lnSpc>
+        <a:spcBef>
+          <a:spcPts val="500"/>
+        </a:spcBef>
+        <a:buFont typeface="Arial" panose="020B0604020202020204" pitchFamily="34" charset="0"/>
+        <a:buChar char="•"/>
+        <a:defRPr sz="1800" kern="1200">
+          <a:solidFill>
+            <a:schemeClr val="tx1"/>
+          </a:solidFill>
+          <a:latin typeface="+mn-lt"/>
+          <a:ea typeface="+mn-ea"/>
+          <a:cs typeface="+mn-cs"/>
+        </a:defRPr>
+      </a:lvl9pPr>
+    </p:bodyStyle>
+    <p:otherStyle>
+      <a:defPPr>
+        <a:defRPr lang="cs-CZ"/>
+      </a:defPPr>
+      <a:lvl1pPr marL="0" algn="l" defTabSz="914400" rtl="0" eaLnBrk="1" latinLnBrk="0" hangingPunct="1">
+        <a:defRPr sz="1800" kern="1200">
+          <a:solidFill>
+            <a:schemeClr val="tx1"/>
+          </a:solidFill>
+          <a:latin typeface="+mn-lt"/>
+          <a:ea typeface="+mn-ea"/>
+          <a:cs typeface="+mn-cs"/>
+        </a:defRPr>
+      </a:lvl1pPr>
+      <a:lvl2pPr marL="457200" algn="l" defTabSz="914400" rtl="0" eaLnBrk="1" latinLnBrk="0" hangingPunct="1">
+        <a:defRPr sz="1800" kern="1200">
+          <a:solidFill>
+            <a:schemeClr val="tx1"/>
+          </a:solidFill>
+          <a:latin typeface="+mn-lt"/>
+          <a:ea typeface="+mn-ea"/>
+          <a:cs typeface="+mn-cs"/>
+        </a:defRPr>
+      </a:lvl2pPr>
+      <a:lvl3pPr marL="914400" algn="l" defTabSz="914400" rtl="0" eaLnBrk="1" latinLnBrk="0" hangingPunct="1">
+        <a:defRPr sz="1800" kern="1200">
+          <a:solidFill>
+            <a:schemeClr val="tx1"/>
+          </a:solidFill>
+          <a:latin typeface="+mn-lt"/>
+          <a:ea typeface="+mn-ea"/>
+          <a:cs typeface="+mn-cs"/>
+        </a:defRPr>
+      </a:lvl3pPr>
+      <a:lvl4pPr marL="1371600" algn="l" defTabSz="914400" rtl="0" eaLnBrk="1" latinLnBrk="0" hangingPunct="1">
+        <a:defRPr sz="1800" kern="1200">
+          <a:solidFill>
+            <a:schemeClr val="tx1"/>
+          </a:solidFill>
+          <a:latin typeface="+mn-lt"/>
+          <a:ea typeface="+mn-ea"/>
+          <a:cs typeface="+mn-cs"/>
+        </a:defRPr>
+      </a:lvl4pPr>
+      <a:lvl5pPr marL="1828800" algn="l" defTabSz="914400" rtl="0" eaLnBrk="1" latinLnBrk="0" hangingPunct="1">
+        <a:defRPr sz="1800" kern="1200">
+          <a:solidFill>
+            <a:schemeClr val="tx1"/>
+          </a:solidFill>
+          <a:latin typeface="+mn-lt"/>
+          <a:ea typeface="+mn-ea"/>
+          <a:cs typeface="+mn-cs"/>
+        </a:defRPr>
+      </a:lvl5pPr>
+      <a:lvl6pPr marL="2286000" algn="l" defTabSz="914400" rtl="0" eaLnBrk="1" latinLnBrk="0" hangingPunct="1">
+        <a:defRPr sz="1800" kern="1200">
+          <a:solidFill>
+            <a:schemeClr val="tx1"/>
+          </a:solidFill>
+          <a:latin typeface="+mn-lt"/>
+          <a:ea typeface="+mn-ea"/>
+          <a:cs typeface="+mn-cs"/>
+        </a:defRPr>
+      </a:lvl6pPr>
+      <a:lvl7pPr marL="2743200" algn="l" defTabSz="914400" rtl="0" eaLnBrk="1" latinLnBrk="0" hangingPunct="1">
+        <a:defRPr sz="1800" kern="1200">
+          <a:solidFill>
+            <a:schemeClr val="tx1"/>
+          </a:solidFill>
+          <a:latin typeface="+mn-lt"/>
+          <a:ea typeface="+mn-ea"/>
+          <a:cs typeface="+mn-cs"/>
+        </a:defRPr>
+      </a:lvl7pPr>
+      <a:lvl8pPr marL="3200400" algn="l" defTabSz="914400" rtl="0" eaLnBrk="1" latinLnBrk="0" hangingPunct="1">
+        <a:defRPr sz="1800" kern="1200">
+          <a:solidFill>
+            <a:schemeClr val="tx1"/>
+          </a:solidFill>
+          <a:latin typeface="+mn-lt"/>
+          <a:ea typeface="+mn-ea"/>
+          <a:cs typeface="+mn-cs"/>
+        </a:defRPr>
+      </a:lvl8pPr>
+      <a:lvl9pPr marL="3657600" algn="l" defTabSz="914400" rtl="0" eaLnBrk="1" latinLnBrk="0" hangingPunct="1">
+        <a:defRPr sz="1800" kern="1200">
+          <a:solidFill>
+            <a:schemeClr val="tx1"/>
+          </a:solidFill>
+          <a:latin typeface="+mn-lt"/>
+          <a:ea typeface="+mn-ea"/>
+          <a:cs typeface="+mn-cs"/>
+        </a:defRPr>
+      </a:lvl9pPr>
+    </p:otherStyle>
+  </p:txStyles>
 </p:sldMaster>
 </file>
 
 <file path=ppt/slides/slide1.xml><?xml version="1.0" encoding="utf-8"?>
-<p:sld xmlns:a="http://schemas.openxmlformats.org/drawingml/2006/main" xmlns:p="http://schemas.openxmlformats.org/presentationml/2006/main" xmlns:r="http://schemas.openxmlformats.org/officeDocument/2006/relationships" xmlns:p14="http://schemas.microsoft.com/office/powerpoint/2010/main" xmlns:p15="http://schemas.microsoft.com/office/powerpoint/2012/main" xmlns:mc="http://schemas.openxmlformats.org/markup-compatibility/2006">
+<p:sld xmlns:a="http://schemas.openxmlformats.org/drawingml/2006/main" xmlns:r="http://schemas.openxmlformats.org/officeDocument/2006/relationships" xmlns:p="http://schemas.openxmlformats.org/presentationml/2006/main">
   <p:cSld>
     <p:spTree>
       <p:nvGrpSpPr>
@@ -4833,15 +5921,22 @@
           </a:ln>
         </p:spPr>
         <p:style>
-          <a:lnRef idx="0"/>
-          <a:fillRef idx="0"/>
-          <a:effectRef idx="0"/>
+          <a:lnRef idx="0">
+            <a:scrgbClr r="0" g="0" b="0"/>
+          </a:lnRef>
+          <a:fillRef idx="0">
+            <a:scrgbClr r="0" g="0" b="0"/>
+          </a:fillRef>
+          <a:effectRef idx="0">
+            <a:scrgbClr r="0" g="0" b="0"/>
+          </a:effectRef>
           <a:fontRef idx="minor"/>
         </p:style>
         <p:txBody>
-          <a:bodyPr lIns="0" rIns="0" tIns="0" bIns="0" anchor="ctr">
+          <a:bodyPr lIns="0" tIns="0" rIns="0" bIns="0" anchor="ctr">
             <a:normAutofit/>
           </a:bodyPr>
+          <a:lstStyle/>
           <a:p>
             <a:pPr algn="ctr">
               <a:lnSpc>
@@ -4849,16 +5944,16 @@
               </a:lnSpc>
             </a:pPr>
             <a:r>
-              <a:rPr b="0" lang="cs-CZ" sz="4400" spc="-1" strike="noStrike">
-                <a:solidFill>
-                  <a:srgbClr val="ffffff"/>
+              <a:rPr lang="cs-CZ" sz="4400" b="0" strike="noStrike" spc="-1" dirty="0">
+                <a:solidFill>
+                  <a:srgbClr val="FFFFFF"/>
                 </a:solidFill>
                 <a:latin typeface="Ubuntu"/>
                 <a:ea typeface="DejaVu Sans"/>
               </a:rPr>
-              <a:t>1-4 Obrazky</a:t>
-            </a:r>
-            <a:endParaRPr b="0" lang="cs-CZ" sz="4400" spc="-1" strike="noStrike">
+              <a:t>1-4 Pohyblivé obrázky</a:t>
+            </a:r>
+            <a:endParaRPr lang="cs-CZ" sz="4400" b="0" strike="noStrike" spc="-1" dirty="0">
               <a:latin typeface="Arial"/>
             </a:endParaRPr>
           </a:p>
@@ -4884,13 +5979,20 @@
           </a:ln>
         </p:spPr>
         <p:style>
-          <a:lnRef idx="0"/>
-          <a:fillRef idx="0"/>
-          <a:effectRef idx="0"/>
+          <a:lnRef idx="0">
+            <a:scrgbClr r="0" g="0" b="0"/>
+          </a:lnRef>
+          <a:fillRef idx="0">
+            <a:scrgbClr r="0" g="0" b="0"/>
+          </a:fillRef>
+          <a:effectRef idx="0">
+            <a:scrgbClr r="0" g="0" b="0"/>
+          </a:effectRef>
           <a:fontRef idx="minor"/>
         </p:style>
         <p:txBody>
-          <a:bodyPr lIns="90000" rIns="90000" tIns="45000" bIns="45000"/>
+          <a:bodyPr lIns="90000" tIns="45000" rIns="90000" bIns="45000"/>
+          <a:lstStyle/>
           <a:p>
             <a:pPr>
               <a:lnSpc>
@@ -4898,7 +6000,7 @@
               </a:lnSpc>
             </a:pPr>
             <a:r>
-              <a:rPr b="0" lang="cs-CZ" sz="6000" spc="-1" strike="noStrike">
+              <a:rPr lang="cs-CZ" sz="6000" b="0" strike="noStrike" spc="-1">
                 <a:solidFill>
                   <a:srgbClr val="000000"/>
                 </a:solidFill>
@@ -4907,7 +6009,7 @@
               </a:rPr>
               <a:t>PRIM – Micro:bit</a:t>
             </a:r>
-            <a:endParaRPr b="0" lang="cs-CZ" sz="6000" spc="-1" strike="noStrike">
+            <a:endParaRPr lang="cs-CZ" sz="6000" b="0" strike="noStrike" spc="-1">
               <a:latin typeface="Arial"/>
             </a:endParaRPr>
           </a:p>
@@ -4915,6 +6017,9 @@
       </p:sp>
     </p:spTree>
   </p:cSld>
+  <p:clrMapOvr>
+    <a:masterClrMapping/>
+  </p:clrMapOvr>
   <p:timing>
     <p:tnLst>
       <p:par>
@@ -4923,14 +6028,14 @@
             <p:seq>
               <p:cTn id="2" dur="indefinite" nodeType="mainSeq"/>
               <p:prevCondLst>
-                <p:cond delay="0" evt="onPrev">
+                <p:cond evt="onPrev" delay="0">
                   <p:tgtEl>
                     <p:sldTgt/>
                   </p:tgtEl>
                 </p:cond>
               </p:prevCondLst>
               <p:nextCondLst>
-                <p:cond delay="0" evt="onNext">
+                <p:cond evt="onNext" delay="0">
                   <p:tgtEl>
                     <p:sldTgt/>
                   </p:tgtEl>
@@ -4946,7 +6051,7 @@
 </file>
 
 <file path=ppt/slides/slide2.xml><?xml version="1.0" encoding="utf-8"?>
-<p:sld xmlns:a="http://schemas.openxmlformats.org/drawingml/2006/main" xmlns:p="http://schemas.openxmlformats.org/presentationml/2006/main" xmlns:r="http://schemas.openxmlformats.org/officeDocument/2006/relationships" xmlns:p14="http://schemas.microsoft.com/office/powerpoint/2010/main" xmlns:p15="http://schemas.microsoft.com/office/powerpoint/2012/main" xmlns:mc="http://schemas.openxmlformats.org/markup-compatibility/2006">
+<p:sld xmlns:a="http://schemas.openxmlformats.org/drawingml/2006/main" xmlns:r="http://schemas.openxmlformats.org/officeDocument/2006/relationships" xmlns:p="http://schemas.openxmlformats.org/presentationml/2006/main">
   <p:cSld>
     <p:spTree>
       <p:nvGrpSpPr>
@@ -4982,13 +6087,20 @@
           </a:ln>
         </p:spPr>
         <p:style>
-          <a:lnRef idx="0"/>
-          <a:fillRef idx="0"/>
-          <a:effectRef idx="0"/>
+          <a:lnRef idx="0">
+            <a:scrgbClr r="0" g="0" b="0"/>
+          </a:lnRef>
+          <a:fillRef idx="0">
+            <a:scrgbClr r="0" g="0" b="0"/>
+          </a:fillRef>
+          <a:effectRef idx="0">
+            <a:scrgbClr r="0" g="0" b="0"/>
+          </a:effectRef>
           <a:fontRef idx="minor"/>
         </p:style>
         <p:txBody>
-          <a:bodyPr lIns="0" rIns="0" tIns="0" bIns="0" anchor="ctr"/>
+          <a:bodyPr lIns="0" tIns="0" rIns="0" bIns="0" anchor="ctr"/>
+          <a:lstStyle/>
           <a:p>
             <a:pPr algn="ctr">
               <a:lnSpc>
@@ -4996,7 +6108,7 @@
               </a:lnSpc>
             </a:pPr>
             <a:r>
-              <a:rPr b="0" lang="cs-CZ" sz="4400" spc="-1" strike="noStrike">
+              <a:rPr lang="cs-CZ" sz="4400" b="0" strike="noStrike" spc="-1">
                 <a:solidFill>
                   <a:srgbClr val="000000"/>
                 </a:solidFill>
@@ -5005,7 +6117,7 @@
               </a:rPr>
               <a:t>Program raketa</a:t>
             </a:r>
-            <a:endParaRPr b="0" lang="cs-CZ" sz="4400" spc="-1" strike="noStrike">
+            <a:endParaRPr lang="cs-CZ" sz="4400" b="0" strike="noStrike" spc="-1">
               <a:latin typeface="Arial"/>
             </a:endParaRPr>
           </a:p>
@@ -5031,15 +6143,22 @@
           </a:ln>
         </p:spPr>
         <p:style>
-          <a:lnRef idx="0"/>
-          <a:fillRef idx="0"/>
-          <a:effectRef idx="0"/>
+          <a:lnRef idx="0">
+            <a:scrgbClr r="0" g="0" b="0"/>
+          </a:lnRef>
+          <a:fillRef idx="0">
+            <a:scrgbClr r="0" g="0" b="0"/>
+          </a:fillRef>
+          <a:effectRef idx="0">
+            <a:scrgbClr r="0" g="0" b="0"/>
+          </a:effectRef>
           <a:fontRef idx="minor"/>
         </p:style>
         <p:txBody>
-          <a:bodyPr lIns="0" rIns="0" tIns="0" bIns="0">
+          <a:bodyPr lIns="0" tIns="0" rIns="0" bIns="0">
             <a:normAutofit/>
           </a:bodyPr>
+          <a:lstStyle/>
           <a:p>
             <a:pPr marL="432000" indent="-323280">
               <a:lnSpc>
@@ -5056,7 +6175,7 @@
               <a:buChar char=""/>
             </a:pPr>
             <a:r>
-              <a:rPr b="0" lang="cs-CZ" sz="3200" spc="-1" strike="noStrike">
+              <a:rPr lang="cs-CZ" sz="3200" b="0" strike="noStrike" spc="-1" dirty="0">
                 <a:solidFill>
                   <a:srgbClr val="000000"/>
                 </a:solidFill>
@@ -5065,7 +6184,7 @@
               </a:rPr>
               <a:t>Jedná se vlastně o postupné zobrazení obrázků po půl sekundě</a:t>
             </a:r>
-            <a:endParaRPr b="0" lang="cs-CZ" sz="3200" spc="-1" strike="noStrike">
+            <a:endParaRPr lang="cs-CZ" sz="3200" b="0" strike="noStrike" spc="-1" dirty="0">
               <a:latin typeface="Arial"/>
             </a:endParaRPr>
           </a:p>
@@ -5085,7 +6204,7 @@
               <a:buChar char=""/>
             </a:pPr>
             <a:r>
-              <a:rPr b="0" lang="cs-CZ" sz="3200" spc="-1" strike="noStrike">
+              <a:rPr lang="cs-CZ" sz="3200" b="0" strike="noStrike" spc="-1" dirty="0">
                 <a:solidFill>
                   <a:srgbClr val="000000"/>
                 </a:solidFill>
@@ -5095,7 +6214,7 @@
               <a:t>Proměnná </a:t>
             </a:r>
             <a:r>
-              <a:rPr b="0" lang="cs-CZ" sz="3200" spc="-1" strike="noStrike">
+              <a:rPr lang="cs-CZ" sz="3200" b="0" strike="noStrike" spc="-1" dirty="0">
                 <a:solidFill>
                   <a:srgbClr val="000000"/>
                 </a:solidFill>
@@ -5105,16 +6224,36 @@
               <a:t>raketa</a:t>
             </a:r>
             <a:r>
-              <a:rPr b="0" lang="cs-CZ" sz="3200" spc="-1" strike="noStrike">
+              <a:rPr lang="cs-CZ" sz="3200" b="0" strike="noStrike" spc="-1" dirty="0">
                 <a:solidFill>
                   <a:srgbClr val="000000"/>
                 </a:solidFill>
                 <a:latin typeface="Arial"/>
                 <a:ea typeface="DejaVu Sans"/>
               </a:rPr>
-              <a:t> je seznam (list) – uspořádaná n-tice, záleží na pořadí</a:t>
-            </a:r>
-            <a:endParaRPr b="0" lang="cs-CZ" sz="3200" spc="-1" strike="noStrike">
+              <a:t> je seznam (list) – uspořádaná n-</a:t>
+            </a:r>
+            <a:r>
+              <a:rPr lang="cs-CZ" sz="3200" b="0" strike="noStrike" spc="-1" dirty="0" err="1">
+                <a:solidFill>
+                  <a:srgbClr val="000000"/>
+                </a:solidFill>
+                <a:latin typeface="Arial"/>
+                <a:ea typeface="DejaVu Sans"/>
+              </a:rPr>
+              <a:t>tice</a:t>
+            </a:r>
+            <a:r>
+              <a:rPr lang="cs-CZ" sz="3200" b="0" strike="noStrike" spc="-1" dirty="0">
+                <a:solidFill>
+                  <a:srgbClr val="000000"/>
+                </a:solidFill>
+                <a:latin typeface="Arial"/>
+                <a:ea typeface="DejaVu Sans"/>
+              </a:rPr>
+              <a:t>, záleží na pořadí</a:t>
+            </a:r>
+            <a:endParaRPr lang="cs-CZ" sz="3200" b="0" strike="noStrike" spc="-1" dirty="0">
               <a:latin typeface="Arial"/>
             </a:endParaRPr>
           </a:p>
@@ -5134,7 +6273,7 @@
               <a:buChar char=""/>
             </a:pPr>
             <a:r>
-              <a:rPr b="0" lang="cs-CZ" sz="3200" spc="-1" strike="noStrike">
+              <a:rPr lang="cs-CZ" sz="3200" b="0" strike="noStrike" spc="-1" dirty="0">
                 <a:solidFill>
                   <a:srgbClr val="000000"/>
                 </a:solidFill>
@@ -5143,7 +6282,7 @@
               </a:rPr>
               <a:t>Lze vypustit obrázek raketa6? Jak?</a:t>
             </a:r>
-            <a:endParaRPr b="0" lang="cs-CZ" sz="3200" spc="-1" strike="noStrike">
+            <a:endParaRPr lang="cs-CZ" sz="3200" b="0" strike="noStrike" spc="-1" dirty="0">
               <a:latin typeface="Arial"/>
             </a:endParaRPr>
           </a:p>
@@ -5151,22 +6290,25 @@
       </p:sp>
     </p:spTree>
   </p:cSld>
+  <p:clrMapOvr>
+    <a:masterClrMapping/>
+  </p:clrMapOvr>
   <p:timing>
     <p:tnLst>
       <p:par>
-        <p:cTn id="3" dur="indefinite" restart="never" nodeType="tmRoot">
+        <p:cTn id="1" dur="indefinite" restart="never" nodeType="tmRoot">
           <p:childTnLst>
             <p:seq>
-              <p:cTn id="4" dur="indefinite" nodeType="mainSeq"/>
+              <p:cTn id="2" dur="indefinite" nodeType="mainSeq"/>
               <p:prevCondLst>
-                <p:cond delay="0" evt="onPrev">
+                <p:cond evt="onPrev" delay="0">
                   <p:tgtEl>
                     <p:sldTgt/>
                   </p:tgtEl>
                 </p:cond>
               </p:prevCondLst>
               <p:nextCondLst>
-                <p:cond delay="0" evt="onNext">
+                <p:cond evt="onNext" delay="0">
                   <p:tgtEl>
                     <p:sldTgt/>
                   </p:tgtEl>
@@ -5182,7 +6324,7 @@
 </file>
 
 <file path=ppt/slides/slide3.xml><?xml version="1.0" encoding="utf-8"?>
-<p:sld xmlns:a="http://schemas.openxmlformats.org/drawingml/2006/main" xmlns:p="http://schemas.openxmlformats.org/presentationml/2006/main" xmlns:r="http://schemas.openxmlformats.org/officeDocument/2006/relationships" xmlns:p14="http://schemas.microsoft.com/office/powerpoint/2010/main" xmlns:p15="http://schemas.microsoft.com/office/powerpoint/2012/main" xmlns:mc="http://schemas.openxmlformats.org/markup-compatibility/2006">
+<p:sld xmlns:a="http://schemas.openxmlformats.org/drawingml/2006/main" xmlns:r="http://schemas.openxmlformats.org/officeDocument/2006/relationships" xmlns:p="http://schemas.openxmlformats.org/presentationml/2006/main">
   <p:cSld>
     <p:spTree>
       <p:nvGrpSpPr>
@@ -5218,13 +6360,20 @@
           </a:ln>
         </p:spPr>
         <p:style>
-          <a:lnRef idx="0"/>
-          <a:fillRef idx="0"/>
-          <a:effectRef idx="0"/>
+          <a:lnRef idx="0">
+            <a:scrgbClr r="0" g="0" b="0"/>
+          </a:lnRef>
+          <a:fillRef idx="0">
+            <a:scrgbClr r="0" g="0" b="0"/>
+          </a:fillRef>
+          <a:effectRef idx="0">
+            <a:scrgbClr r="0" g="0" b="0"/>
+          </a:effectRef>
           <a:fontRef idx="minor"/>
         </p:style>
         <p:txBody>
-          <a:bodyPr lIns="0" rIns="0" tIns="0" bIns="0" anchor="ctr"/>
+          <a:bodyPr lIns="0" tIns="0" rIns="0" bIns="0" anchor="ctr"/>
+          <a:lstStyle/>
           <a:p>
             <a:pPr algn="ctr">
               <a:lnSpc>
@@ -5232,7 +6381,7 @@
               </a:lnSpc>
             </a:pPr>
             <a:r>
-              <a:rPr b="0" lang="cs-CZ" sz="4400" spc="-1" strike="noStrike">
+              <a:rPr lang="cs-CZ" sz="4400" b="0" strike="noStrike" spc="-1">
                 <a:solidFill>
                   <a:srgbClr val="000000"/>
                 </a:solidFill>
@@ -5241,7 +6390,7 @@
               </a:rPr>
               <a:t>Trocha teorie</a:t>
             </a:r>
-            <a:endParaRPr b="0" lang="cs-CZ" sz="4400" spc="-1" strike="noStrike">
+            <a:endParaRPr lang="cs-CZ" sz="4400" b="0" strike="noStrike" spc="-1">
               <a:latin typeface="Arial"/>
             </a:endParaRPr>
           </a:p>
@@ -5267,15 +6416,22 @@
           </a:ln>
         </p:spPr>
         <p:style>
-          <a:lnRef idx="0"/>
-          <a:fillRef idx="0"/>
-          <a:effectRef idx="0"/>
+          <a:lnRef idx="0">
+            <a:scrgbClr r="0" g="0" b="0"/>
+          </a:lnRef>
+          <a:fillRef idx="0">
+            <a:scrgbClr r="0" g="0" b="0"/>
+          </a:fillRef>
+          <a:effectRef idx="0">
+            <a:scrgbClr r="0" g="0" b="0"/>
+          </a:effectRef>
           <a:fontRef idx="minor"/>
         </p:style>
         <p:txBody>
-          <a:bodyPr lIns="0" rIns="0" tIns="0" bIns="0">
+          <a:bodyPr lIns="0" tIns="0" rIns="0" bIns="0">
             <a:normAutofit/>
           </a:bodyPr>
+          <a:lstStyle/>
           <a:p>
             <a:pPr marL="432000" indent="-323280">
               <a:lnSpc>
@@ -5292,7 +6448,7 @@
               <a:buChar char=""/>
             </a:pPr>
             <a:r>
-              <a:rPr b="0" lang="cs-CZ" sz="3200" spc="-1" strike="noStrike">
+              <a:rPr lang="cs-CZ" sz="3200" b="0" strike="noStrike" spc="-1" dirty="0">
                 <a:solidFill>
                   <a:srgbClr val="000000"/>
                 </a:solidFill>
@@ -5301,7 +6457,7 @@
               </a:rPr>
               <a:t>Generování náhodných čísel</a:t>
             </a:r>
-            <a:endParaRPr b="0" lang="cs-CZ" sz="3200" spc="-1" strike="noStrike">
+            <a:endParaRPr lang="cs-CZ" sz="3200" b="0" strike="noStrike" spc="-1" dirty="0">
               <a:latin typeface="Arial"/>
             </a:endParaRPr>
           </a:p>
@@ -5314,7 +6470,7 @@
                 <a:spcPts val="1417"/>
               </a:spcBef>
             </a:pPr>
-            <a:endParaRPr b="0" lang="cs-CZ" sz="3200" spc="-1" strike="noStrike">
+            <a:endParaRPr lang="cs-CZ" sz="3200" b="0" strike="noStrike" spc="-1" dirty="0">
               <a:latin typeface="Arial"/>
             </a:endParaRPr>
           </a:p>
@@ -5325,7 +6481,7 @@
               </a:lnSpc>
             </a:pPr>
             <a:r>
-              <a:rPr b="0" lang="cs-CZ" sz="2800" spc="-1" strike="noStrike">
+              <a:rPr lang="cs-CZ" sz="2800" b="0" strike="noStrike" spc="-1" dirty="0" err="1">
                 <a:solidFill>
                   <a:srgbClr val="008000"/>
                 </a:solidFill>
@@ -5335,7 +6491,7 @@
               <a:t>from</a:t>
             </a:r>
             <a:r>
-              <a:rPr b="0" lang="cs-CZ" sz="2800" spc="-1" strike="noStrike">
+              <a:rPr lang="cs-CZ" sz="2800" b="0" strike="noStrike" spc="-1" dirty="0">
                 <a:solidFill>
                   <a:srgbClr val="000000"/>
                 </a:solidFill>
@@ -5345,9 +6501,9 @@
               <a:t> </a:t>
             </a:r>
             <a:r>
-              <a:rPr b="0" lang="cs-CZ" sz="2800" spc="-1" strike="noStrike">
-                <a:solidFill>
-                  <a:srgbClr val="0000ff"/>
+              <a:rPr lang="cs-CZ" sz="2800" b="0" strike="noStrike" spc="-1" dirty="0" err="1">
+                <a:solidFill>
+                  <a:srgbClr val="0000FF"/>
                 </a:solidFill>
                 <a:latin typeface="Courier New"/>
                 <a:ea typeface="DejaVu Sans"/>
@@ -5355,7 +6511,7 @@
               <a:t>microbit</a:t>
             </a:r>
             <a:r>
-              <a:rPr b="0" lang="cs-CZ" sz="2800" spc="-1" strike="noStrike">
+              <a:rPr lang="cs-CZ" sz="2800" b="0" strike="noStrike" spc="-1" dirty="0">
                 <a:solidFill>
                   <a:srgbClr val="000000"/>
                 </a:solidFill>
@@ -5365,7 +6521,7 @@
               <a:t> </a:t>
             </a:r>
             <a:r>
-              <a:rPr b="0" lang="cs-CZ" sz="2800" spc="-1" strike="noStrike">
+              <a:rPr lang="cs-CZ" sz="2800" b="0" strike="noStrike" spc="-1" dirty="0">
                 <a:solidFill>
                   <a:srgbClr val="008000"/>
                 </a:solidFill>
@@ -5375,7 +6531,7 @@
               <a:t>import</a:t>
             </a:r>
             <a:r>
-              <a:rPr b="0" lang="cs-CZ" sz="2800" spc="-1" strike="noStrike">
+              <a:rPr lang="cs-CZ" sz="2800" b="0" strike="noStrike" spc="-1" dirty="0">
                 <a:solidFill>
                   <a:srgbClr val="000000"/>
                 </a:solidFill>
@@ -5385,7 +6541,7 @@
               <a:t> </a:t>
             </a:r>
             <a:r>
-              <a:rPr b="0" lang="cs-CZ" sz="2800" spc="-1" strike="noStrike">
+              <a:rPr lang="cs-CZ" sz="2800" b="0" strike="noStrike" spc="-1" dirty="0">
                 <a:solidFill>
                   <a:srgbClr val="666666"/>
                 </a:solidFill>
@@ -5394,7 +6550,7 @@
               </a:rPr>
               <a:t>*</a:t>
             </a:r>
-            <a:endParaRPr b="0" lang="cs-CZ" sz="2800" spc="-1" strike="noStrike">
+            <a:endParaRPr lang="cs-CZ" sz="2800" b="0" strike="noStrike" spc="-1" dirty="0">
               <a:latin typeface="Arial"/>
             </a:endParaRPr>
           </a:p>
@@ -5405,7 +6561,7 @@
               </a:lnSpc>
             </a:pPr>
             <a:r>
-              <a:rPr b="0" lang="cs-CZ" sz="2800" spc="-1" strike="noStrike">
+              <a:rPr lang="cs-CZ" sz="2800" b="0" strike="noStrike" spc="-1" dirty="0">
                 <a:solidFill>
                   <a:srgbClr val="008000"/>
                 </a:solidFill>
@@ -5415,7 +6571,7 @@
               <a:t>import</a:t>
             </a:r>
             <a:r>
-              <a:rPr b="0" lang="cs-CZ" sz="2800" spc="-1" strike="noStrike">
+              <a:rPr lang="cs-CZ" sz="2800" b="0" strike="noStrike" spc="-1" dirty="0">
                 <a:solidFill>
                   <a:srgbClr val="000000"/>
                 </a:solidFill>
@@ -5425,16 +6581,16 @@
               <a:t> </a:t>
             </a:r>
             <a:r>
-              <a:rPr b="0" lang="cs-CZ" sz="2800" spc="-1" strike="noStrike">
-                <a:solidFill>
-                  <a:srgbClr val="0000ff"/>
+              <a:rPr lang="cs-CZ" sz="2800" b="0" strike="noStrike" spc="-1" dirty="0" err="1">
+                <a:solidFill>
+                  <a:srgbClr val="0000FF"/>
                 </a:solidFill>
                 <a:latin typeface="Courier New"/>
                 <a:ea typeface="DejaVu Sans"/>
               </a:rPr>
               <a:t>random</a:t>
             </a:r>
-            <a:endParaRPr b="0" lang="cs-CZ" sz="2800" spc="-1" strike="noStrike">
+            <a:endParaRPr lang="cs-CZ" sz="2800" b="0" strike="noStrike" spc="-1" dirty="0">
               <a:latin typeface="Arial"/>
             </a:endParaRPr>
           </a:p>
@@ -5445,7 +6601,7 @@
               </a:lnSpc>
             </a:pPr>
             <a:r>
-              <a:rPr b="0" lang="cs-CZ" sz="2800" spc="-1" strike="noStrike">
+              <a:rPr lang="cs-CZ" sz="2800" b="0" strike="noStrike" spc="-1" dirty="0">
                 <a:solidFill>
                   <a:srgbClr val="000000"/>
                 </a:solidFill>
@@ -5455,7 +6611,7 @@
               <a:t>x </a:t>
             </a:r>
             <a:r>
-              <a:rPr b="0" lang="cs-CZ" sz="2800" spc="-1" strike="noStrike">
+              <a:rPr lang="cs-CZ" sz="2800" b="0" strike="noStrike" spc="-1" dirty="0">
                 <a:solidFill>
                   <a:srgbClr val="666666"/>
                 </a:solidFill>
@@ -5465,17 +6621,27 @@
               <a:t>=</a:t>
             </a:r>
             <a:r>
-              <a:rPr b="0" lang="cs-CZ" sz="2800" spc="-1" strike="noStrike">
+              <a:rPr lang="cs-CZ" sz="2800" b="0" strike="noStrike" spc="-1" dirty="0">
                 <a:solidFill>
                   <a:srgbClr val="000000"/>
                 </a:solidFill>
                 <a:latin typeface="Courier New"/>
                 <a:ea typeface="DejaVu Sans"/>
               </a:rPr>
-              <a:t> random</a:t>
-            </a:r>
-            <a:r>
-              <a:rPr b="0" lang="cs-CZ" sz="2800" spc="-1" strike="noStrike">
+              <a:t> </a:t>
+            </a:r>
+            <a:r>
+              <a:rPr lang="cs-CZ" sz="2800" b="0" strike="noStrike" spc="-1" dirty="0" err="1">
+                <a:solidFill>
+                  <a:srgbClr val="000000"/>
+                </a:solidFill>
+                <a:latin typeface="Courier New"/>
+                <a:ea typeface="DejaVu Sans"/>
+              </a:rPr>
+              <a:t>random</a:t>
+            </a:r>
+            <a:r>
+              <a:rPr lang="cs-CZ" sz="2800" b="0" strike="noStrike" spc="-1" dirty="0" err="1">
                 <a:solidFill>
                   <a:srgbClr val="666666"/>
                 </a:solidFill>
@@ -5485,17 +6651,27 @@
               <a:t>.</a:t>
             </a:r>
             <a:r>
-              <a:rPr b="0" lang="cs-CZ" sz="2800" spc="-1" strike="noStrike">
+              <a:rPr lang="cs-CZ" sz="2800" b="0" strike="noStrike" spc="-1" dirty="0" err="1">
                 <a:solidFill>
                   <a:srgbClr val="000000"/>
                 </a:solidFill>
                 <a:latin typeface="Courier New"/>
                 <a:ea typeface="DejaVu Sans"/>
               </a:rPr>
-              <a:t>randint(</a:t>
-            </a:r>
-            <a:r>
-              <a:rPr b="0" lang="cs-CZ" sz="2800" spc="-1" strike="noStrike">
+              <a:t>randint</a:t>
+            </a:r>
+            <a:r>
+              <a:rPr lang="cs-CZ" sz="2800" b="0" strike="noStrike" spc="-1" dirty="0">
+                <a:solidFill>
+                  <a:srgbClr val="000000"/>
+                </a:solidFill>
+                <a:latin typeface="Courier New"/>
+                <a:ea typeface="DejaVu Sans"/>
+              </a:rPr>
+              <a:t>(</a:t>
+            </a:r>
+            <a:r>
+              <a:rPr lang="cs-CZ" sz="2800" b="0" strike="noStrike" spc="-1" dirty="0">
                 <a:solidFill>
                   <a:srgbClr val="666666"/>
                 </a:solidFill>
@@ -5505,7 +6681,7 @@
               <a:t>0</a:t>
             </a:r>
             <a:r>
-              <a:rPr b="0" lang="cs-CZ" sz="2800" spc="-1" strike="noStrike">
+              <a:rPr lang="cs-CZ" sz="2800" b="0" strike="noStrike" spc="-1" dirty="0">
                 <a:solidFill>
                   <a:srgbClr val="000000"/>
                 </a:solidFill>
@@ -5515,7 +6691,7 @@
               <a:t>, </a:t>
             </a:r>
             <a:r>
-              <a:rPr b="0" lang="cs-CZ" sz="2800" spc="-1" strike="noStrike">
+              <a:rPr lang="cs-CZ" sz="2800" b="0" strike="noStrike" spc="-1" dirty="0">
                 <a:solidFill>
                   <a:srgbClr val="666666"/>
                 </a:solidFill>
@@ -5525,7 +6701,7 @@
               <a:t>4</a:t>
             </a:r>
             <a:r>
-              <a:rPr b="0" lang="cs-CZ" sz="2800" spc="-1" strike="noStrike">
+              <a:rPr lang="cs-CZ" sz="2800" b="0" strike="noStrike" spc="-1" dirty="0">
                 <a:solidFill>
                   <a:srgbClr val="000000"/>
                 </a:solidFill>
@@ -5534,7 +6710,7 @@
               </a:rPr>
               <a:t>)</a:t>
             </a:r>
-            <a:endParaRPr b="0" lang="cs-CZ" sz="2800" spc="-1" strike="noStrike">
+            <a:endParaRPr lang="cs-CZ" sz="2800" b="0" strike="noStrike" spc="-1" dirty="0">
               <a:latin typeface="Arial"/>
             </a:endParaRPr>
           </a:p>
@@ -5544,7 +6720,7 @@
                 <a:spcPct val="100000"/>
               </a:lnSpc>
             </a:pPr>
-            <a:endParaRPr b="0" lang="cs-CZ" sz="2800" spc="-1" strike="noStrike">
+            <a:endParaRPr lang="cs-CZ" sz="2800" b="0" strike="noStrike" spc="-1" dirty="0">
               <a:latin typeface="Arial"/>
             </a:endParaRPr>
           </a:p>
@@ -5561,17 +6737,17 @@
               <a:buChar char=""/>
             </a:pPr>
             <a:r>
-              <a:rPr b="0" lang="cs-CZ" sz="2800" spc="-1" strike="noStrike">
+              <a:rPr lang="cs-CZ" sz="2800" b="0" strike="noStrike" spc="-1" dirty="0">
                 <a:solidFill>
                   <a:srgbClr val="000000"/>
                 </a:solidFill>
                 <a:latin typeface="Arial"/>
                 <a:ea typeface="DejaVu Sans"/>
               </a:rPr>
-              <a:t>V x je celé náhodné číslo z intervalu </a:t>
-            </a:r>
-            <a:r>
-              <a:rPr b="0" lang="cs-CZ" sz="2800" spc="-1" strike="noStrike">
+              <a:t>x je celé náhodné číslo z intervalu </a:t>
+            </a:r>
+            <a:r>
+              <a:rPr lang="cs-CZ" sz="2800" b="0" strike="noStrike" spc="-1" dirty="0">
                 <a:solidFill>
                   <a:srgbClr val="666666"/>
                 </a:solidFill>
@@ -5581,7 +6757,7 @@
               <a:t>&lt;0</a:t>
             </a:r>
             <a:r>
-              <a:rPr b="0" lang="cs-CZ" sz="2800" spc="-1" strike="noStrike">
+              <a:rPr lang="cs-CZ" sz="2800" b="0" strike="noStrike" spc="-1" dirty="0">
                 <a:solidFill>
                   <a:srgbClr val="000000"/>
                 </a:solidFill>
@@ -5591,7 +6767,7 @@
               <a:t>,</a:t>
             </a:r>
             <a:r>
-              <a:rPr b="0" lang="cs-CZ" sz="2800" spc="-1" strike="noStrike">
+              <a:rPr lang="cs-CZ" sz="2800" b="0" strike="noStrike" spc="-1" dirty="0">
                 <a:solidFill>
                   <a:srgbClr val="666666"/>
                 </a:solidFill>
@@ -5600,7 +6776,7 @@
               </a:rPr>
               <a:t>4&gt;</a:t>
             </a:r>
-            <a:endParaRPr b="0" lang="cs-CZ" sz="2800" spc="-1" strike="noStrike">
+            <a:endParaRPr lang="cs-CZ" sz="2800" b="0" strike="noStrike" spc="-1" dirty="0">
               <a:latin typeface="Arial"/>
             </a:endParaRPr>
           </a:p>
@@ -5608,22 +6784,25 @@
       </p:sp>
     </p:spTree>
   </p:cSld>
+  <p:clrMapOvr>
+    <a:masterClrMapping/>
+  </p:clrMapOvr>
   <p:timing>
     <p:tnLst>
       <p:par>
-        <p:cTn id="5" dur="indefinite" restart="never" nodeType="tmRoot">
+        <p:cTn id="1" dur="indefinite" restart="never" nodeType="tmRoot">
           <p:childTnLst>
             <p:seq>
-              <p:cTn id="6" dur="indefinite" nodeType="mainSeq"/>
+              <p:cTn id="2" dur="indefinite" nodeType="mainSeq"/>
               <p:prevCondLst>
-                <p:cond delay="0" evt="onPrev">
+                <p:cond evt="onPrev" delay="0">
                   <p:tgtEl>
                     <p:sldTgt/>
                   </p:tgtEl>
                 </p:cond>
               </p:prevCondLst>
               <p:nextCondLst>
-                <p:cond delay="0" evt="onNext">
+                <p:cond evt="onNext" delay="0">
                   <p:tgtEl>
                     <p:sldTgt/>
                   </p:tgtEl>
@@ -5639,7 +6818,7 @@
 </file>
 
 <file path=ppt/slides/slide4.xml><?xml version="1.0" encoding="utf-8"?>
-<p:sld xmlns:a="http://schemas.openxmlformats.org/drawingml/2006/main" xmlns:p="http://schemas.openxmlformats.org/presentationml/2006/main" xmlns:r="http://schemas.openxmlformats.org/officeDocument/2006/relationships" xmlns:p14="http://schemas.microsoft.com/office/powerpoint/2010/main" xmlns:p15="http://schemas.microsoft.com/office/powerpoint/2012/main" xmlns:mc="http://schemas.openxmlformats.org/markup-compatibility/2006">
+<p:sld xmlns:a="http://schemas.openxmlformats.org/drawingml/2006/main" xmlns:r="http://schemas.openxmlformats.org/officeDocument/2006/relationships" xmlns:p="http://schemas.openxmlformats.org/presentationml/2006/main">
   <p:cSld>
     <p:spTree>
       <p:nvGrpSpPr>
@@ -5675,13 +6854,20 @@
           </a:ln>
         </p:spPr>
         <p:style>
-          <a:lnRef idx="0"/>
-          <a:fillRef idx="0"/>
-          <a:effectRef idx="0"/>
+          <a:lnRef idx="0">
+            <a:scrgbClr r="0" g="0" b="0"/>
+          </a:lnRef>
+          <a:fillRef idx="0">
+            <a:scrgbClr r="0" g="0" b="0"/>
+          </a:fillRef>
+          <a:effectRef idx="0">
+            <a:scrgbClr r="0" g="0" b="0"/>
+          </a:effectRef>
           <a:fontRef idx="minor"/>
         </p:style>
         <p:txBody>
-          <a:bodyPr lIns="0" rIns="0" tIns="0" bIns="0" anchor="ctr"/>
+          <a:bodyPr lIns="0" tIns="0" rIns="0" bIns="0" anchor="ctr"/>
+          <a:lstStyle/>
           <a:p>
             <a:pPr algn="ctr">
               <a:lnSpc>
@@ -5689,7 +6875,7 @@
               </a:lnSpc>
             </a:pPr>
             <a:r>
-              <a:rPr b="0" lang="cs-CZ" sz="3600" spc="-1" strike="noStrike">
+              <a:rPr lang="cs-CZ" sz="3600" b="0" strike="noStrike" spc="-1">
                 <a:solidFill>
                   <a:srgbClr val="000000"/>
                 </a:solidFill>
@@ -5698,7 +6884,7 @@
               </a:rPr>
               <a:t>Hvězdná obloha – náhodné rozsvěcení diod</a:t>
             </a:r>
-            <a:endParaRPr b="0" lang="cs-CZ" sz="3600" spc="-1" strike="noStrike">
+            <a:endParaRPr lang="cs-CZ" sz="3600" b="0" strike="noStrike" spc="-1">
               <a:latin typeface="Arial"/>
             </a:endParaRPr>
           </a:p>
@@ -5724,15 +6910,22 @@
           </a:ln>
         </p:spPr>
         <p:style>
-          <a:lnRef idx="0"/>
-          <a:fillRef idx="0"/>
-          <a:effectRef idx="0"/>
+          <a:lnRef idx="0">
+            <a:scrgbClr r="0" g="0" b="0"/>
+          </a:lnRef>
+          <a:fillRef idx="0">
+            <a:scrgbClr r="0" g="0" b="0"/>
+          </a:fillRef>
+          <a:effectRef idx="0">
+            <a:scrgbClr r="0" g="0" b="0"/>
+          </a:effectRef>
           <a:fontRef idx="minor"/>
         </p:style>
         <p:txBody>
-          <a:bodyPr lIns="0" rIns="0" tIns="0" bIns="0">
+          <a:bodyPr lIns="0" tIns="0" rIns="0" bIns="0">
             <a:normAutofit/>
           </a:bodyPr>
+          <a:lstStyle/>
           <a:p>
             <a:pPr>
               <a:lnSpc>
@@ -5740,7 +6933,7 @@
               </a:lnSpc>
             </a:pPr>
             <a:r>
-              <a:rPr b="0" lang="cs-CZ" sz="2800" spc="-1" strike="noStrike">
+              <a:rPr lang="cs-CZ" sz="2800" b="0" strike="noStrike" spc="-1">
                 <a:solidFill>
                   <a:srgbClr val="008000"/>
                 </a:solidFill>
@@ -5750,7 +6943,7 @@
               <a:t>from</a:t>
             </a:r>
             <a:r>
-              <a:rPr b="0" lang="cs-CZ" sz="2800" spc="-1" strike="noStrike">
+              <a:rPr lang="cs-CZ" sz="2800" b="0" strike="noStrike" spc="-1">
                 <a:solidFill>
                   <a:srgbClr val="000000"/>
                 </a:solidFill>
@@ -5760,9 +6953,9 @@
               <a:t> </a:t>
             </a:r>
             <a:r>
-              <a:rPr b="0" lang="cs-CZ" sz="2800" spc="-1" strike="noStrike">
-                <a:solidFill>
-                  <a:srgbClr val="0000ff"/>
+              <a:rPr lang="cs-CZ" sz="2800" b="0" strike="noStrike" spc="-1">
+                <a:solidFill>
+                  <a:srgbClr val="0000FF"/>
                 </a:solidFill>
                 <a:latin typeface="Courier New"/>
                 <a:ea typeface="DejaVu Sans"/>
@@ -5770,7 +6963,7 @@
               <a:t>microbit</a:t>
             </a:r>
             <a:r>
-              <a:rPr b="0" lang="cs-CZ" sz="2800" spc="-1" strike="noStrike">
+              <a:rPr lang="cs-CZ" sz="2800" b="0" strike="noStrike" spc="-1">
                 <a:solidFill>
                   <a:srgbClr val="000000"/>
                 </a:solidFill>
@@ -5780,7 +6973,7 @@
               <a:t> </a:t>
             </a:r>
             <a:r>
-              <a:rPr b="0" lang="cs-CZ" sz="2800" spc="-1" strike="noStrike">
+              <a:rPr lang="cs-CZ" sz="2800" b="0" strike="noStrike" spc="-1">
                 <a:solidFill>
                   <a:srgbClr val="008000"/>
                 </a:solidFill>
@@ -5790,7 +6983,7 @@
               <a:t>import</a:t>
             </a:r>
             <a:r>
-              <a:rPr b="0" lang="cs-CZ" sz="2800" spc="-1" strike="noStrike">
+              <a:rPr lang="cs-CZ" sz="2800" b="0" strike="noStrike" spc="-1">
                 <a:solidFill>
                   <a:srgbClr val="000000"/>
                 </a:solidFill>
@@ -5800,7 +6993,7 @@
               <a:t> </a:t>
             </a:r>
             <a:r>
-              <a:rPr b="0" lang="cs-CZ" sz="2800" spc="-1" strike="noStrike">
+              <a:rPr lang="cs-CZ" sz="2800" b="0" strike="noStrike" spc="-1">
                 <a:solidFill>
                   <a:srgbClr val="666666"/>
                 </a:solidFill>
@@ -5809,7 +7002,7 @@
               </a:rPr>
               <a:t>*</a:t>
             </a:r>
-            <a:endParaRPr b="0" lang="cs-CZ" sz="2800" spc="-1" strike="noStrike">
+            <a:endParaRPr lang="cs-CZ" sz="2800" b="0" strike="noStrike" spc="-1">
               <a:latin typeface="Arial"/>
             </a:endParaRPr>
           </a:p>
@@ -5820,7 +7013,7 @@
               </a:lnSpc>
             </a:pPr>
             <a:r>
-              <a:rPr b="0" lang="cs-CZ" sz="2800" spc="-1" strike="noStrike">
+              <a:rPr lang="cs-CZ" sz="2800" b="0" strike="noStrike" spc="-1">
                 <a:solidFill>
                   <a:srgbClr val="008000"/>
                 </a:solidFill>
@@ -5830,7 +7023,7 @@
               <a:t>import</a:t>
             </a:r>
             <a:r>
-              <a:rPr b="0" lang="cs-CZ" sz="2800" spc="-1" strike="noStrike">
+              <a:rPr lang="cs-CZ" sz="2800" b="0" strike="noStrike" spc="-1">
                 <a:solidFill>
                   <a:srgbClr val="000000"/>
                 </a:solidFill>
@@ -5840,16 +7033,16 @@
               <a:t> </a:t>
             </a:r>
             <a:r>
-              <a:rPr b="0" lang="cs-CZ" sz="2800" spc="-1" strike="noStrike">
-                <a:solidFill>
-                  <a:srgbClr val="0000ff"/>
+              <a:rPr lang="cs-CZ" sz="2800" b="0" strike="noStrike" spc="-1">
+                <a:solidFill>
+                  <a:srgbClr val="0000FF"/>
                 </a:solidFill>
                 <a:latin typeface="Courier New"/>
                 <a:ea typeface="DejaVu Sans"/>
               </a:rPr>
               <a:t>random</a:t>
             </a:r>
-            <a:endParaRPr b="0" lang="cs-CZ" sz="2800" spc="-1" strike="noStrike">
+            <a:endParaRPr lang="cs-CZ" sz="2800" b="0" strike="noStrike" spc="-1">
               <a:latin typeface="Arial"/>
             </a:endParaRPr>
           </a:p>
@@ -5860,7 +7053,7 @@
               </a:lnSpc>
             </a:pPr>
             <a:r>
-              <a:rPr b="0" lang="cs-CZ" sz="2800" spc="-1" strike="noStrike">
+              <a:rPr lang="cs-CZ" sz="2800" b="0" strike="noStrike" spc="-1">
                 <a:solidFill>
                   <a:srgbClr val="008000"/>
                 </a:solidFill>
@@ -5870,7 +7063,7 @@
               <a:t>while</a:t>
             </a:r>
             <a:r>
-              <a:rPr b="0" lang="cs-CZ" sz="2800" spc="-1" strike="noStrike">
+              <a:rPr lang="cs-CZ" sz="2800" b="0" strike="noStrike" spc="-1">
                 <a:solidFill>
                   <a:srgbClr val="000000"/>
                 </a:solidFill>
@@ -5880,7 +7073,7 @@
               <a:t> </a:t>
             </a:r>
             <a:r>
-              <a:rPr b="0" lang="cs-CZ" sz="2800" spc="-1" strike="noStrike">
+              <a:rPr lang="cs-CZ" sz="2800" b="0" strike="noStrike" spc="-1">
                 <a:solidFill>
                   <a:srgbClr val="008000"/>
                 </a:solidFill>
@@ -5890,7 +7083,7 @@
               <a:t>True</a:t>
             </a:r>
             <a:r>
-              <a:rPr b="0" lang="cs-CZ" sz="2800" spc="-1" strike="noStrike">
+              <a:rPr lang="cs-CZ" sz="2800" b="0" strike="noStrike" spc="-1">
                 <a:solidFill>
                   <a:srgbClr val="000000"/>
                 </a:solidFill>
@@ -5899,7 +7092,7 @@
               </a:rPr>
               <a:t>:</a:t>
             </a:r>
-            <a:endParaRPr b="0" lang="cs-CZ" sz="2800" spc="-1" strike="noStrike">
+            <a:endParaRPr lang="cs-CZ" sz="2800" b="0" strike="noStrike" spc="-1">
               <a:latin typeface="Arial"/>
             </a:endParaRPr>
           </a:p>
@@ -5910,106 +7103,96 @@
               </a:lnSpc>
             </a:pPr>
             <a:r>
-              <a:rPr b="0" lang="cs-CZ" sz="2800" spc="-1" strike="noStrike">
+              <a:rPr lang="cs-CZ" sz="2800" b="0" strike="noStrike" spc="-1">
                 <a:solidFill>
                   <a:srgbClr val="000000"/>
                 </a:solidFill>
                 <a:latin typeface="Courier New"/>
                 <a:ea typeface="DejaVu Sans"/>
               </a:rPr>
-              <a:t>    </a:t>
-            </a:r>
-            <a:r>
-              <a:rPr b="0" lang="cs-CZ" sz="2800" spc="-1" strike="noStrike">
+              <a:t>    x </a:t>
+            </a:r>
+            <a:r>
+              <a:rPr lang="cs-CZ" sz="2800" b="0" strike="noStrike" spc="-1">
+                <a:solidFill>
+                  <a:srgbClr val="666666"/>
+                </a:solidFill>
+                <a:latin typeface="Courier New"/>
+                <a:ea typeface="DejaVu Sans"/>
+              </a:rPr>
+              <a:t>=</a:t>
+            </a:r>
+            <a:r>
+              <a:rPr lang="cs-CZ" sz="2800" b="0" strike="noStrike" spc="-1">
                 <a:solidFill>
                   <a:srgbClr val="000000"/>
                 </a:solidFill>
                 <a:latin typeface="Courier New"/>
                 <a:ea typeface="DejaVu Sans"/>
               </a:rPr>
-              <a:t>x </a:t>
-            </a:r>
-            <a:r>
-              <a:rPr b="0" lang="cs-CZ" sz="2800" spc="-1" strike="noStrike">
+              <a:t> random</a:t>
+            </a:r>
+            <a:r>
+              <a:rPr lang="cs-CZ" sz="2800" b="0" strike="noStrike" spc="-1">
                 <a:solidFill>
                   <a:srgbClr val="666666"/>
                 </a:solidFill>
                 <a:latin typeface="Courier New"/>
                 <a:ea typeface="DejaVu Sans"/>
               </a:rPr>
-              <a:t>=</a:t>
-            </a:r>
-            <a:r>
-              <a:rPr b="0" lang="cs-CZ" sz="2800" spc="-1" strike="noStrike">
+              <a:t>.</a:t>
+            </a:r>
+            <a:r>
+              <a:rPr lang="cs-CZ" sz="2800" b="0" strike="noStrike" spc="-1">
                 <a:solidFill>
                   <a:srgbClr val="000000"/>
                 </a:solidFill>
                 <a:latin typeface="Courier New"/>
                 <a:ea typeface="DejaVu Sans"/>
               </a:rPr>
-              <a:t> random</a:t>
-            </a:r>
-            <a:r>
-              <a:rPr b="0" lang="cs-CZ" sz="2800" spc="-1" strike="noStrike">
+              <a:t>randint(</a:t>
+            </a:r>
+            <a:r>
+              <a:rPr lang="cs-CZ" sz="2800" b="0" strike="noStrike" spc="-1">
                 <a:solidFill>
                   <a:srgbClr val="666666"/>
                 </a:solidFill>
                 <a:latin typeface="Courier New"/>
                 <a:ea typeface="DejaVu Sans"/>
               </a:rPr>
-              <a:t>.</a:t>
-            </a:r>
-            <a:r>
-              <a:rPr b="0" lang="cs-CZ" sz="2800" spc="-1" strike="noStrike">
+              <a:t>0</a:t>
+            </a:r>
+            <a:r>
+              <a:rPr lang="cs-CZ" sz="2800" b="0" strike="noStrike" spc="-1">
                 <a:solidFill>
                   <a:srgbClr val="000000"/>
                 </a:solidFill>
                 <a:latin typeface="Courier New"/>
                 <a:ea typeface="DejaVu Sans"/>
               </a:rPr>
-              <a:t>randint(</a:t>
-            </a:r>
-            <a:r>
-              <a:rPr b="0" lang="cs-CZ" sz="2800" spc="-1" strike="noStrike">
+              <a:t>, </a:t>
+            </a:r>
+            <a:r>
+              <a:rPr lang="cs-CZ" sz="2800" b="0" strike="noStrike" spc="-1">
                 <a:solidFill>
                   <a:srgbClr val="666666"/>
                 </a:solidFill>
                 <a:latin typeface="Courier New"/>
                 <a:ea typeface="DejaVu Sans"/>
               </a:rPr>
-              <a:t>0</a:t>
-            </a:r>
-            <a:r>
-              <a:rPr b="0" lang="cs-CZ" sz="2800" spc="-1" strike="noStrike">
+              <a:t>4</a:t>
+            </a:r>
+            <a:r>
+              <a:rPr lang="cs-CZ" sz="2800" b="0" strike="noStrike" spc="-1">
                 <a:solidFill>
                   <a:srgbClr val="000000"/>
                 </a:solidFill>
                 <a:latin typeface="Courier New"/>
                 <a:ea typeface="DejaVu Sans"/>
               </a:rPr>
-              <a:t>, </a:t>
-            </a:r>
-            <a:r>
-              <a:rPr b="0" lang="cs-CZ" sz="2800" spc="-1" strike="noStrike">
-                <a:solidFill>
-                  <a:srgbClr val="666666"/>
-                </a:solidFill>
-                <a:latin typeface="Courier New"/>
-                <a:ea typeface="DejaVu Sans"/>
-              </a:rPr>
-              <a:t>4</a:t>
-            </a:r>
-            <a:r>
-              <a:rPr b="0" lang="cs-CZ" sz="2800" spc="-1" strike="noStrike">
-                <a:solidFill>
-                  <a:srgbClr val="000000"/>
-                </a:solidFill>
-                <a:latin typeface="Courier New"/>
-                <a:ea typeface="DejaVu Sans"/>
-              </a:rPr>
               <a:t>)</a:t>
             </a:r>
-            <a:endParaRPr b="0" lang="cs-CZ" sz="2800" spc="-1" strike="noStrike">
+            <a:endParaRPr lang="cs-CZ" sz="2800" b="0" strike="noStrike" spc="-1">
               <a:latin typeface="Arial"/>
             </a:endParaRPr>
           </a:p>
@@ -6020,106 +7203,96 @@
               </a:lnSpc>
             </a:pPr>
             <a:r>
-              <a:rPr b="0" lang="cs-CZ" sz="2800" spc="-1" strike="noStrike">
+              <a:rPr lang="cs-CZ" sz="2800" b="0" strike="noStrike" spc="-1">
                 <a:solidFill>
                   <a:srgbClr val="000000"/>
                 </a:solidFill>
                 <a:latin typeface="Courier New"/>
                 <a:ea typeface="DejaVu Sans"/>
               </a:rPr>
-              <a:t>    </a:t>
-            </a:r>
-            <a:r>
-              <a:rPr b="0" lang="cs-CZ" sz="2800" spc="-1" strike="noStrike">
+              <a:t>    y </a:t>
+            </a:r>
+            <a:r>
+              <a:rPr lang="cs-CZ" sz="2800" b="0" strike="noStrike" spc="-1">
+                <a:solidFill>
+                  <a:srgbClr val="666666"/>
+                </a:solidFill>
+                <a:latin typeface="Courier New"/>
+                <a:ea typeface="DejaVu Sans"/>
+              </a:rPr>
+              <a:t>=</a:t>
+            </a:r>
+            <a:r>
+              <a:rPr lang="cs-CZ" sz="2800" b="0" strike="noStrike" spc="-1">
                 <a:solidFill>
                   <a:srgbClr val="000000"/>
                 </a:solidFill>
                 <a:latin typeface="Courier New"/>
                 <a:ea typeface="DejaVu Sans"/>
               </a:rPr>
-              <a:t>y </a:t>
-            </a:r>
-            <a:r>
-              <a:rPr b="0" lang="cs-CZ" sz="2800" spc="-1" strike="noStrike">
+              <a:t> random</a:t>
+            </a:r>
+            <a:r>
+              <a:rPr lang="cs-CZ" sz="2800" b="0" strike="noStrike" spc="-1">
                 <a:solidFill>
                   <a:srgbClr val="666666"/>
                 </a:solidFill>
                 <a:latin typeface="Courier New"/>
                 <a:ea typeface="DejaVu Sans"/>
               </a:rPr>
-              <a:t>=</a:t>
-            </a:r>
-            <a:r>
-              <a:rPr b="0" lang="cs-CZ" sz="2800" spc="-1" strike="noStrike">
+              <a:t>.</a:t>
+            </a:r>
+            <a:r>
+              <a:rPr lang="cs-CZ" sz="2800" b="0" strike="noStrike" spc="-1">
                 <a:solidFill>
                   <a:srgbClr val="000000"/>
                 </a:solidFill>
                 <a:latin typeface="Courier New"/>
                 <a:ea typeface="DejaVu Sans"/>
               </a:rPr>
-              <a:t> random</a:t>
-            </a:r>
-            <a:r>
-              <a:rPr b="0" lang="cs-CZ" sz="2800" spc="-1" strike="noStrike">
+              <a:t>randint(</a:t>
+            </a:r>
+            <a:r>
+              <a:rPr lang="cs-CZ" sz="2800" b="0" strike="noStrike" spc="-1">
                 <a:solidFill>
                   <a:srgbClr val="666666"/>
                 </a:solidFill>
                 <a:latin typeface="Courier New"/>
                 <a:ea typeface="DejaVu Sans"/>
               </a:rPr>
-              <a:t>.</a:t>
-            </a:r>
-            <a:r>
-              <a:rPr b="0" lang="cs-CZ" sz="2800" spc="-1" strike="noStrike">
+              <a:t>0</a:t>
+            </a:r>
+            <a:r>
+              <a:rPr lang="cs-CZ" sz="2800" b="0" strike="noStrike" spc="-1">
                 <a:solidFill>
                   <a:srgbClr val="000000"/>
                 </a:solidFill>
                 <a:latin typeface="Courier New"/>
                 <a:ea typeface="DejaVu Sans"/>
               </a:rPr>
-              <a:t>randint(</a:t>
-            </a:r>
-            <a:r>
-              <a:rPr b="0" lang="cs-CZ" sz="2800" spc="-1" strike="noStrike">
+              <a:t>, </a:t>
+            </a:r>
+            <a:r>
+              <a:rPr lang="cs-CZ" sz="2800" b="0" strike="noStrike" spc="-1">
                 <a:solidFill>
                   <a:srgbClr val="666666"/>
                 </a:solidFill>
                 <a:latin typeface="Courier New"/>
                 <a:ea typeface="DejaVu Sans"/>
               </a:rPr>
-              <a:t>0</a:t>
-            </a:r>
-            <a:r>
-              <a:rPr b="0" lang="cs-CZ" sz="2800" spc="-1" strike="noStrike">
+              <a:t>4</a:t>
+            </a:r>
+            <a:r>
+              <a:rPr lang="cs-CZ" sz="2800" b="0" strike="noStrike" spc="-1">
                 <a:solidFill>
                   <a:srgbClr val="000000"/>
                 </a:solidFill>
                 <a:latin typeface="Courier New"/>
                 <a:ea typeface="DejaVu Sans"/>
               </a:rPr>
-              <a:t>, </a:t>
-            </a:r>
-            <a:r>
-              <a:rPr b="0" lang="cs-CZ" sz="2800" spc="-1" strike="noStrike">
-                <a:solidFill>
-                  <a:srgbClr val="666666"/>
-                </a:solidFill>
-                <a:latin typeface="Courier New"/>
-                <a:ea typeface="DejaVu Sans"/>
-              </a:rPr>
-              <a:t>4</a:t>
-            </a:r>
-            <a:r>
-              <a:rPr b="0" lang="cs-CZ" sz="2800" spc="-1" strike="noStrike">
-                <a:solidFill>
-                  <a:srgbClr val="000000"/>
-                </a:solidFill>
-                <a:latin typeface="Courier New"/>
-                <a:ea typeface="DejaVu Sans"/>
-              </a:rPr>
               <a:t>)</a:t>
             </a:r>
-            <a:endParaRPr b="0" lang="cs-CZ" sz="2800" spc="-1" strike="noStrike">
+            <a:endParaRPr lang="cs-CZ" sz="2800" b="0" strike="noStrike" spc="-1">
               <a:latin typeface="Arial"/>
             </a:endParaRPr>
           </a:p>
@@ -6130,106 +7303,96 @@
               </a:lnSpc>
             </a:pPr>
             <a:r>
-              <a:rPr b="0" lang="cs-CZ" sz="2800" spc="-1" strike="noStrike">
+              <a:rPr lang="cs-CZ" sz="2800" b="0" strike="noStrike" spc="-1">
                 <a:solidFill>
                   <a:srgbClr val="000000"/>
                 </a:solidFill>
                 <a:latin typeface="Courier New"/>
                 <a:ea typeface="DejaVu Sans"/>
               </a:rPr>
-              <a:t>    </a:t>
-            </a:r>
-            <a:r>
-              <a:rPr b="0" lang="cs-CZ" sz="2800" spc="-1" strike="noStrike">
+              <a:t>    intenzita </a:t>
+            </a:r>
+            <a:r>
+              <a:rPr lang="cs-CZ" sz="2800" b="0" strike="noStrike" spc="-1">
+                <a:solidFill>
+                  <a:srgbClr val="666666"/>
+                </a:solidFill>
+                <a:latin typeface="Courier New"/>
+                <a:ea typeface="DejaVu Sans"/>
+              </a:rPr>
+              <a:t>=</a:t>
+            </a:r>
+            <a:r>
+              <a:rPr lang="cs-CZ" sz="2800" b="0" strike="noStrike" spc="-1">
                 <a:solidFill>
                   <a:srgbClr val="000000"/>
                 </a:solidFill>
                 <a:latin typeface="Courier New"/>
                 <a:ea typeface="DejaVu Sans"/>
               </a:rPr>
-              <a:t>intenzita </a:t>
-            </a:r>
-            <a:r>
-              <a:rPr b="0" lang="cs-CZ" sz="2800" spc="-1" strike="noStrike">
+              <a:t> random</a:t>
+            </a:r>
+            <a:r>
+              <a:rPr lang="cs-CZ" sz="2800" b="0" strike="noStrike" spc="-1">
                 <a:solidFill>
                   <a:srgbClr val="666666"/>
                 </a:solidFill>
                 <a:latin typeface="Courier New"/>
                 <a:ea typeface="DejaVu Sans"/>
               </a:rPr>
-              <a:t>=</a:t>
-            </a:r>
-            <a:r>
-              <a:rPr b="0" lang="cs-CZ" sz="2800" spc="-1" strike="noStrike">
+              <a:t>.</a:t>
+            </a:r>
+            <a:r>
+              <a:rPr lang="cs-CZ" sz="2800" b="0" strike="noStrike" spc="-1">
                 <a:solidFill>
                   <a:srgbClr val="000000"/>
                 </a:solidFill>
                 <a:latin typeface="Courier New"/>
                 <a:ea typeface="DejaVu Sans"/>
               </a:rPr>
-              <a:t> random</a:t>
-            </a:r>
-            <a:r>
-              <a:rPr b="0" lang="cs-CZ" sz="2800" spc="-1" strike="noStrike">
+              <a:t>randint(</a:t>
+            </a:r>
+            <a:r>
+              <a:rPr lang="cs-CZ" sz="2800" b="0" strike="noStrike" spc="-1">
                 <a:solidFill>
                   <a:srgbClr val="666666"/>
                 </a:solidFill>
                 <a:latin typeface="Courier New"/>
                 <a:ea typeface="DejaVu Sans"/>
               </a:rPr>
-              <a:t>.</a:t>
-            </a:r>
-            <a:r>
-              <a:rPr b="0" lang="cs-CZ" sz="2800" spc="-1" strike="noStrike">
+              <a:t>0</a:t>
+            </a:r>
+            <a:r>
+              <a:rPr lang="cs-CZ" sz="2800" b="0" strike="noStrike" spc="-1">
                 <a:solidFill>
                   <a:srgbClr val="000000"/>
                 </a:solidFill>
                 <a:latin typeface="Courier New"/>
                 <a:ea typeface="DejaVu Sans"/>
               </a:rPr>
-              <a:t>randint(</a:t>
-            </a:r>
-            <a:r>
-              <a:rPr b="0" lang="cs-CZ" sz="2800" spc="-1" strike="noStrike">
+              <a:t>, </a:t>
+            </a:r>
+            <a:r>
+              <a:rPr lang="cs-CZ" sz="2800" b="0" strike="noStrike" spc="-1">
                 <a:solidFill>
                   <a:srgbClr val="666666"/>
                 </a:solidFill>
                 <a:latin typeface="Courier New"/>
                 <a:ea typeface="DejaVu Sans"/>
               </a:rPr>
-              <a:t>0</a:t>
-            </a:r>
-            <a:r>
-              <a:rPr b="0" lang="cs-CZ" sz="2800" spc="-1" strike="noStrike">
+              <a:t>9</a:t>
+            </a:r>
+            <a:r>
+              <a:rPr lang="cs-CZ" sz="2800" b="0" strike="noStrike" spc="-1">
                 <a:solidFill>
                   <a:srgbClr val="000000"/>
                 </a:solidFill>
                 <a:latin typeface="Courier New"/>
                 <a:ea typeface="DejaVu Sans"/>
               </a:rPr>
-              <a:t>, </a:t>
-            </a:r>
-            <a:r>
-              <a:rPr b="0" lang="cs-CZ" sz="2800" spc="-1" strike="noStrike">
-                <a:solidFill>
-                  <a:srgbClr val="666666"/>
-                </a:solidFill>
-                <a:latin typeface="Courier New"/>
-                <a:ea typeface="DejaVu Sans"/>
-              </a:rPr>
-              <a:t>9</a:t>
-            </a:r>
-            <a:r>
-              <a:rPr b="0" lang="cs-CZ" sz="2800" spc="-1" strike="noStrike">
-                <a:solidFill>
-                  <a:srgbClr val="000000"/>
-                </a:solidFill>
-                <a:latin typeface="Courier New"/>
-                <a:ea typeface="DejaVu Sans"/>
-              </a:rPr>
               <a:t>)</a:t>
             </a:r>
-            <a:endParaRPr b="0" lang="cs-CZ" sz="2800" spc="-1" strike="noStrike">
+            <a:endParaRPr lang="cs-CZ" sz="2800" b="0" strike="noStrike" spc="-1">
               <a:latin typeface="Arial"/>
             </a:endParaRPr>
           </a:p>
@@ -6240,46 +7403,36 @@
               </a:lnSpc>
             </a:pPr>
             <a:r>
-              <a:rPr b="0" lang="cs-CZ" sz="2800" spc="-1" strike="noStrike">
+              <a:rPr lang="cs-CZ" sz="2800" b="0" strike="noStrike" spc="-1">
                 <a:solidFill>
                   <a:srgbClr val="000000"/>
                 </a:solidFill>
                 <a:latin typeface="Courier New"/>
                 <a:ea typeface="DejaVu Sans"/>
               </a:rPr>
-              <a:t>    </a:t>
-            </a:r>
-            <a:r>
-              <a:rPr b="0" lang="cs-CZ" sz="2800" spc="-1" strike="noStrike">
+              <a:t>    display</a:t>
+            </a:r>
+            <a:r>
+              <a:rPr lang="cs-CZ" sz="2800" b="0" strike="noStrike" spc="-1">
+                <a:solidFill>
+                  <a:srgbClr val="666666"/>
+                </a:solidFill>
+                <a:latin typeface="Courier New"/>
+                <a:ea typeface="DejaVu Sans"/>
+              </a:rPr>
+              <a:t>.</a:t>
+            </a:r>
+            <a:r>
+              <a:rPr lang="cs-CZ" sz="2800" b="0" strike="noStrike" spc="-1">
                 <a:solidFill>
                   <a:srgbClr val="000000"/>
                 </a:solidFill>
                 <a:latin typeface="Courier New"/>
                 <a:ea typeface="DejaVu Sans"/>
               </a:rPr>
-              <a:t>display</a:t>
-            </a:r>
-            <a:r>
-              <a:rPr b="0" lang="cs-CZ" sz="2800" spc="-1" strike="noStrike">
-                <a:solidFill>
-                  <a:srgbClr val="666666"/>
-                </a:solidFill>
-                <a:latin typeface="Courier New"/>
-                <a:ea typeface="DejaVu Sans"/>
-              </a:rPr>
-              <a:t>.</a:t>
-            </a:r>
-            <a:r>
-              <a:rPr b="0" lang="cs-CZ" sz="2800" spc="-1" strike="noStrike">
-                <a:solidFill>
-                  <a:srgbClr val="000000"/>
-                </a:solidFill>
-                <a:latin typeface="Courier New"/>
-                <a:ea typeface="DejaVu Sans"/>
-              </a:rPr>
               <a:t>set_pixel(x, y, intenzita)</a:t>
             </a:r>
-            <a:endParaRPr b="0" lang="cs-CZ" sz="2800" spc="-1" strike="noStrike">
+            <a:endParaRPr lang="cs-CZ" sz="2800" b="0" strike="noStrike" spc="-1">
               <a:latin typeface="Arial"/>
             </a:endParaRPr>
           </a:p>
@@ -6290,46 +7443,36 @@
               </a:lnSpc>
             </a:pPr>
             <a:r>
-              <a:rPr b="0" lang="cs-CZ" sz="2800" spc="-1" strike="noStrike">
+              <a:rPr lang="cs-CZ" sz="2800" b="0" strike="noStrike" spc="-1">
                 <a:solidFill>
                   <a:srgbClr val="000000"/>
                 </a:solidFill>
                 <a:latin typeface="Courier New"/>
                 <a:ea typeface="DejaVu Sans"/>
               </a:rPr>
-              <a:t>    </a:t>
-            </a:r>
-            <a:r>
-              <a:rPr b="0" lang="cs-CZ" sz="2800" spc="-1" strike="noStrike">
+              <a:t>    sleep(</a:t>
+            </a:r>
+            <a:r>
+              <a:rPr lang="cs-CZ" sz="2800" b="0" strike="noStrike" spc="-1">
+                <a:solidFill>
+                  <a:srgbClr val="666666"/>
+                </a:solidFill>
+                <a:latin typeface="Courier New"/>
+                <a:ea typeface="DejaVu Sans"/>
+              </a:rPr>
+              <a:t>10</a:t>
+            </a:r>
+            <a:r>
+              <a:rPr lang="cs-CZ" sz="2800" b="0" strike="noStrike" spc="-1">
                 <a:solidFill>
                   <a:srgbClr val="000000"/>
                 </a:solidFill>
                 <a:latin typeface="Courier New"/>
                 <a:ea typeface="DejaVu Sans"/>
               </a:rPr>
-              <a:t>sleep(</a:t>
-            </a:r>
-            <a:r>
-              <a:rPr b="0" lang="cs-CZ" sz="2800" spc="-1" strike="noStrike">
-                <a:solidFill>
-                  <a:srgbClr val="666666"/>
-                </a:solidFill>
-                <a:latin typeface="Courier New"/>
-                <a:ea typeface="DejaVu Sans"/>
-              </a:rPr>
-              <a:t>10</a:t>
-            </a:r>
-            <a:r>
-              <a:rPr b="0" lang="cs-CZ" sz="2800" spc="-1" strike="noStrike">
-                <a:solidFill>
-                  <a:srgbClr val="000000"/>
-                </a:solidFill>
-                <a:latin typeface="Courier New"/>
-                <a:ea typeface="DejaVu Sans"/>
-              </a:rPr>
               <a:t>)</a:t>
             </a:r>
-            <a:endParaRPr b="0" lang="cs-CZ" sz="2800" spc="-1" strike="noStrike">
+            <a:endParaRPr lang="cs-CZ" sz="2800" b="0" strike="noStrike" spc="-1">
               <a:latin typeface="Arial"/>
             </a:endParaRPr>
           </a:p>
@@ -6337,22 +7480,25 @@
       </p:sp>
     </p:spTree>
   </p:cSld>
+  <p:clrMapOvr>
+    <a:masterClrMapping/>
+  </p:clrMapOvr>
   <p:timing>
     <p:tnLst>
       <p:par>
-        <p:cTn id="7" dur="indefinite" restart="never" nodeType="tmRoot">
+        <p:cTn id="1" dur="indefinite" restart="never" nodeType="tmRoot">
           <p:childTnLst>
             <p:seq>
-              <p:cTn id="8" dur="indefinite" nodeType="mainSeq"/>
+              <p:cTn id="2" dur="indefinite" nodeType="mainSeq"/>
               <p:prevCondLst>
-                <p:cond delay="0" evt="onPrev">
+                <p:cond evt="onPrev" delay="0">
                   <p:tgtEl>
                     <p:sldTgt/>
                   </p:tgtEl>
                 </p:cond>
               </p:prevCondLst>
               <p:nextCondLst>
-                <p:cond delay="0" evt="onNext">
+                <p:cond evt="onNext" delay="0">
                   <p:tgtEl>
                     <p:sldTgt/>
                   </p:tgtEl>
@@ -6368,7 +7514,7 @@
 </file>
 
 <file path=ppt/slides/slide5.xml><?xml version="1.0" encoding="utf-8"?>
-<p:sld xmlns:a="http://schemas.openxmlformats.org/drawingml/2006/main" xmlns:p="http://schemas.openxmlformats.org/presentationml/2006/main" xmlns:r="http://schemas.openxmlformats.org/officeDocument/2006/relationships" xmlns:p14="http://schemas.microsoft.com/office/powerpoint/2010/main" xmlns:p15="http://schemas.microsoft.com/office/powerpoint/2012/main" xmlns:mc="http://schemas.openxmlformats.org/markup-compatibility/2006">
+<p:sld xmlns:a="http://schemas.openxmlformats.org/drawingml/2006/main" xmlns:r="http://schemas.openxmlformats.org/officeDocument/2006/relationships" xmlns:p="http://schemas.openxmlformats.org/presentationml/2006/main">
   <p:cSld>
     <p:spTree>
       <p:nvGrpSpPr>
@@ -6404,13 +7550,20 @@
           </a:ln>
         </p:spPr>
         <p:style>
-          <a:lnRef idx="0"/>
-          <a:fillRef idx="0"/>
-          <a:effectRef idx="0"/>
+          <a:lnRef idx="0">
+            <a:scrgbClr r="0" g="0" b="0"/>
+          </a:lnRef>
+          <a:fillRef idx="0">
+            <a:scrgbClr r="0" g="0" b="0"/>
+          </a:fillRef>
+          <a:effectRef idx="0">
+            <a:scrgbClr r="0" g="0" b="0"/>
+          </a:effectRef>
           <a:fontRef idx="minor"/>
         </p:style>
         <p:txBody>
-          <a:bodyPr lIns="0" rIns="0" tIns="0" bIns="0" anchor="ctr"/>
+          <a:bodyPr lIns="0" tIns="0" rIns="0" bIns="0" anchor="ctr"/>
+          <a:lstStyle/>
           <a:p>
             <a:pPr algn="ctr">
               <a:lnSpc>
@@ -6418,7 +7571,7 @@
               </a:lnSpc>
             </a:pPr>
             <a:r>
-              <a:rPr b="0" lang="cs-CZ" sz="3600" spc="-1" strike="noStrike">
+              <a:rPr lang="cs-CZ" sz="3600" b="0" strike="noStrike" spc="-1">
                 <a:solidFill>
                   <a:srgbClr val="000000"/>
                 </a:solidFill>
@@ -6427,7 +7580,7 @@
               </a:rPr>
               <a:t>Hvězdná obloha – náhodné rozsvěcení a zhasínání diod</a:t>
             </a:r>
-            <a:endParaRPr b="0" lang="cs-CZ" sz="3600" spc="-1" strike="noStrike">
+            <a:endParaRPr lang="cs-CZ" sz="3600" b="0" strike="noStrike" spc="-1">
               <a:latin typeface="Arial"/>
             </a:endParaRPr>
           </a:p>
@@ -6453,15 +7606,22 @@
           </a:ln>
         </p:spPr>
         <p:style>
-          <a:lnRef idx="0"/>
-          <a:fillRef idx="0"/>
-          <a:effectRef idx="0"/>
+          <a:lnRef idx="0">
+            <a:scrgbClr r="0" g="0" b="0"/>
+          </a:lnRef>
+          <a:fillRef idx="0">
+            <a:scrgbClr r="0" g="0" b="0"/>
+          </a:fillRef>
+          <a:effectRef idx="0">
+            <a:scrgbClr r="0" g="0" b="0"/>
+          </a:effectRef>
           <a:fontRef idx="minor"/>
         </p:style>
         <p:txBody>
-          <a:bodyPr lIns="0" rIns="0" tIns="0" bIns="0">
+          <a:bodyPr lIns="0" tIns="0" rIns="0" bIns="0">
             <a:normAutofit/>
           </a:bodyPr>
+          <a:lstStyle/>
           <a:p>
             <a:pPr>
               <a:lnSpc>
@@ -6469,7 +7629,7 @@
               </a:lnSpc>
             </a:pPr>
             <a:r>
-              <a:rPr b="0" lang="cs-CZ" sz="2800" spc="-1" strike="noStrike">
+              <a:rPr lang="cs-CZ" sz="2800" b="0" strike="noStrike" spc="-1">
                 <a:solidFill>
                   <a:srgbClr val="008000"/>
                 </a:solidFill>
@@ -6479,7 +7639,7 @@
               <a:t>from</a:t>
             </a:r>
             <a:r>
-              <a:rPr b="0" lang="cs-CZ" sz="2800" spc="-1" strike="noStrike">
+              <a:rPr lang="cs-CZ" sz="2800" b="0" strike="noStrike" spc="-1">
                 <a:solidFill>
                   <a:srgbClr val="000000"/>
                 </a:solidFill>
@@ -6489,9 +7649,9 @@
               <a:t> </a:t>
             </a:r>
             <a:r>
-              <a:rPr b="0" lang="cs-CZ" sz="2800" spc="-1" strike="noStrike">
-                <a:solidFill>
-                  <a:srgbClr val="0000ff"/>
+              <a:rPr lang="cs-CZ" sz="2800" b="0" strike="noStrike" spc="-1">
+                <a:solidFill>
+                  <a:srgbClr val="0000FF"/>
                 </a:solidFill>
                 <a:latin typeface="Courier New"/>
                 <a:ea typeface="DejaVu Sans"/>
@@ -6499,7 +7659,7 @@
               <a:t>microbit</a:t>
             </a:r>
             <a:r>
-              <a:rPr b="0" lang="cs-CZ" sz="2800" spc="-1" strike="noStrike">
+              <a:rPr lang="cs-CZ" sz="2800" b="0" strike="noStrike" spc="-1">
                 <a:solidFill>
                   <a:srgbClr val="000000"/>
                 </a:solidFill>
@@ -6509,7 +7669,7 @@
               <a:t> </a:t>
             </a:r>
             <a:r>
-              <a:rPr b="0" lang="cs-CZ" sz="2800" spc="-1" strike="noStrike">
+              <a:rPr lang="cs-CZ" sz="2800" b="0" strike="noStrike" spc="-1">
                 <a:solidFill>
                   <a:srgbClr val="008000"/>
                 </a:solidFill>
@@ -6519,7 +7679,7 @@
               <a:t>import</a:t>
             </a:r>
             <a:r>
-              <a:rPr b="0" lang="cs-CZ" sz="2800" spc="-1" strike="noStrike">
+              <a:rPr lang="cs-CZ" sz="2800" b="0" strike="noStrike" spc="-1">
                 <a:solidFill>
                   <a:srgbClr val="000000"/>
                 </a:solidFill>
@@ -6529,7 +7689,7 @@
               <a:t> </a:t>
             </a:r>
             <a:r>
-              <a:rPr b="0" lang="cs-CZ" sz="2800" spc="-1" strike="noStrike">
+              <a:rPr lang="cs-CZ" sz="2800" b="0" strike="noStrike" spc="-1">
                 <a:solidFill>
                   <a:srgbClr val="666666"/>
                 </a:solidFill>
@@ -6538,7 +7698,7 @@
               </a:rPr>
               <a:t>*</a:t>
             </a:r>
-            <a:endParaRPr b="0" lang="cs-CZ" sz="2800" spc="-1" strike="noStrike">
+            <a:endParaRPr lang="cs-CZ" sz="2800" b="0" strike="noStrike" spc="-1">
               <a:latin typeface="Arial"/>
             </a:endParaRPr>
           </a:p>
@@ -6549,7 +7709,7 @@
               </a:lnSpc>
             </a:pPr>
             <a:r>
-              <a:rPr b="0" lang="cs-CZ" sz="2800" spc="-1" strike="noStrike">
+              <a:rPr lang="cs-CZ" sz="2800" b="0" strike="noStrike" spc="-1">
                 <a:solidFill>
                   <a:srgbClr val="008000"/>
                 </a:solidFill>
@@ -6559,7 +7719,7 @@
               <a:t>import</a:t>
             </a:r>
             <a:r>
-              <a:rPr b="0" lang="cs-CZ" sz="2800" spc="-1" strike="noStrike">
+              <a:rPr lang="cs-CZ" sz="2800" b="0" strike="noStrike" spc="-1">
                 <a:solidFill>
                   <a:srgbClr val="000000"/>
                 </a:solidFill>
@@ -6569,16 +7729,16 @@
               <a:t> </a:t>
             </a:r>
             <a:r>
-              <a:rPr b="0" lang="cs-CZ" sz="2800" spc="-1" strike="noStrike">
-                <a:solidFill>
-                  <a:srgbClr val="0000ff"/>
+              <a:rPr lang="cs-CZ" sz="2800" b="0" strike="noStrike" spc="-1">
+                <a:solidFill>
+                  <a:srgbClr val="0000FF"/>
                 </a:solidFill>
                 <a:latin typeface="Courier New"/>
                 <a:ea typeface="DejaVu Sans"/>
               </a:rPr>
               <a:t>random</a:t>
             </a:r>
-            <a:endParaRPr b="0" lang="cs-CZ" sz="2800" spc="-1" strike="noStrike">
+            <a:endParaRPr lang="cs-CZ" sz="2800" b="0" strike="noStrike" spc="-1">
               <a:latin typeface="Arial"/>
             </a:endParaRPr>
           </a:p>
@@ -6589,7 +7749,7 @@
               </a:lnSpc>
             </a:pPr>
             <a:r>
-              <a:rPr b="0" lang="cs-CZ" sz="2800" spc="-1" strike="noStrike">
+              <a:rPr lang="cs-CZ" sz="2800" b="0" strike="noStrike" spc="-1">
                 <a:solidFill>
                   <a:srgbClr val="008000"/>
                 </a:solidFill>
@@ -6599,7 +7759,7 @@
               <a:t>while</a:t>
             </a:r>
             <a:r>
-              <a:rPr b="0" lang="cs-CZ" sz="2800" spc="-1" strike="noStrike">
+              <a:rPr lang="cs-CZ" sz="2800" b="0" strike="noStrike" spc="-1">
                 <a:solidFill>
                   <a:srgbClr val="000000"/>
                 </a:solidFill>
@@ -6609,7 +7769,7 @@
               <a:t> </a:t>
             </a:r>
             <a:r>
-              <a:rPr b="0" lang="cs-CZ" sz="2800" spc="-1" strike="noStrike">
+              <a:rPr lang="cs-CZ" sz="2800" b="0" strike="noStrike" spc="-1">
                 <a:solidFill>
                   <a:srgbClr val="008000"/>
                 </a:solidFill>
@@ -6619,7 +7779,7 @@
               <a:t>True</a:t>
             </a:r>
             <a:r>
-              <a:rPr b="0" lang="cs-CZ" sz="2800" spc="-1" strike="noStrike">
+              <a:rPr lang="cs-CZ" sz="2800" b="0" strike="noStrike" spc="-1">
                 <a:solidFill>
                   <a:srgbClr val="000000"/>
                 </a:solidFill>
@@ -6628,7 +7788,7 @@
               </a:rPr>
               <a:t>:</a:t>
             </a:r>
-            <a:endParaRPr b="0" lang="cs-CZ" sz="2800" spc="-1" strike="noStrike">
+            <a:endParaRPr lang="cs-CZ" sz="2800" b="0" strike="noStrike" spc="-1">
               <a:latin typeface="Arial"/>
             </a:endParaRPr>
           </a:p>
@@ -6639,106 +7799,96 @@
               </a:lnSpc>
             </a:pPr>
             <a:r>
-              <a:rPr b="0" lang="cs-CZ" sz="2800" spc="-1" strike="noStrike">
+              <a:rPr lang="cs-CZ" sz="2800" b="0" strike="noStrike" spc="-1">
                 <a:solidFill>
                   <a:srgbClr val="000000"/>
                 </a:solidFill>
                 <a:latin typeface="Courier New"/>
                 <a:ea typeface="DejaVu Sans"/>
               </a:rPr>
-              <a:t>    </a:t>
-            </a:r>
-            <a:r>
-              <a:rPr b="0" lang="cs-CZ" sz="2800" spc="-1" strike="noStrike">
+              <a:t>    x </a:t>
+            </a:r>
+            <a:r>
+              <a:rPr lang="cs-CZ" sz="2800" b="0" strike="noStrike" spc="-1">
+                <a:solidFill>
+                  <a:srgbClr val="666666"/>
+                </a:solidFill>
+                <a:latin typeface="Courier New"/>
+                <a:ea typeface="DejaVu Sans"/>
+              </a:rPr>
+              <a:t>=</a:t>
+            </a:r>
+            <a:r>
+              <a:rPr lang="cs-CZ" sz="2800" b="0" strike="noStrike" spc="-1">
                 <a:solidFill>
                   <a:srgbClr val="000000"/>
                 </a:solidFill>
                 <a:latin typeface="Courier New"/>
                 <a:ea typeface="DejaVu Sans"/>
               </a:rPr>
-              <a:t>x </a:t>
-            </a:r>
-            <a:r>
-              <a:rPr b="0" lang="cs-CZ" sz="2800" spc="-1" strike="noStrike">
+              <a:t> random</a:t>
+            </a:r>
+            <a:r>
+              <a:rPr lang="cs-CZ" sz="2800" b="0" strike="noStrike" spc="-1">
                 <a:solidFill>
                   <a:srgbClr val="666666"/>
                 </a:solidFill>
                 <a:latin typeface="Courier New"/>
                 <a:ea typeface="DejaVu Sans"/>
               </a:rPr>
-              <a:t>=</a:t>
-            </a:r>
-            <a:r>
-              <a:rPr b="0" lang="cs-CZ" sz="2800" spc="-1" strike="noStrike">
+              <a:t>.</a:t>
+            </a:r>
+            <a:r>
+              <a:rPr lang="cs-CZ" sz="2800" b="0" strike="noStrike" spc="-1">
                 <a:solidFill>
                   <a:srgbClr val="000000"/>
                 </a:solidFill>
                 <a:latin typeface="Courier New"/>
                 <a:ea typeface="DejaVu Sans"/>
               </a:rPr>
-              <a:t> random</a:t>
-            </a:r>
-            <a:r>
-              <a:rPr b="0" lang="cs-CZ" sz="2800" spc="-1" strike="noStrike">
+              <a:t>randint(</a:t>
+            </a:r>
+            <a:r>
+              <a:rPr lang="cs-CZ" sz="2800" b="0" strike="noStrike" spc="-1">
                 <a:solidFill>
                   <a:srgbClr val="666666"/>
                 </a:solidFill>
                 <a:latin typeface="Courier New"/>
                 <a:ea typeface="DejaVu Sans"/>
               </a:rPr>
-              <a:t>.</a:t>
-            </a:r>
-            <a:r>
-              <a:rPr b="0" lang="cs-CZ" sz="2800" spc="-1" strike="noStrike">
+              <a:t>0</a:t>
+            </a:r>
+            <a:r>
+              <a:rPr lang="cs-CZ" sz="2800" b="0" strike="noStrike" spc="-1">
                 <a:solidFill>
                   <a:srgbClr val="000000"/>
                 </a:solidFill>
                 <a:latin typeface="Courier New"/>
                 <a:ea typeface="DejaVu Sans"/>
               </a:rPr>
-              <a:t>randint(</a:t>
-            </a:r>
-            <a:r>
-              <a:rPr b="0" lang="cs-CZ" sz="2800" spc="-1" strike="noStrike">
+              <a:t>, </a:t>
+            </a:r>
+            <a:r>
+              <a:rPr lang="cs-CZ" sz="2800" b="0" strike="noStrike" spc="-1">
                 <a:solidFill>
                   <a:srgbClr val="666666"/>
                 </a:solidFill>
                 <a:latin typeface="Courier New"/>
                 <a:ea typeface="DejaVu Sans"/>
               </a:rPr>
-              <a:t>0</a:t>
-            </a:r>
-            <a:r>
-              <a:rPr b="0" lang="cs-CZ" sz="2800" spc="-1" strike="noStrike">
+              <a:t>4</a:t>
+            </a:r>
+            <a:r>
+              <a:rPr lang="cs-CZ" sz="2800" b="0" strike="noStrike" spc="-1">
                 <a:solidFill>
                   <a:srgbClr val="000000"/>
                 </a:solidFill>
                 <a:latin typeface="Courier New"/>
                 <a:ea typeface="DejaVu Sans"/>
               </a:rPr>
-              <a:t>, </a:t>
-            </a:r>
-            <a:r>
-              <a:rPr b="0" lang="cs-CZ" sz="2800" spc="-1" strike="noStrike">
-                <a:solidFill>
-                  <a:srgbClr val="666666"/>
-                </a:solidFill>
-                <a:latin typeface="Courier New"/>
-                <a:ea typeface="DejaVu Sans"/>
-              </a:rPr>
-              <a:t>4</a:t>
-            </a:r>
-            <a:r>
-              <a:rPr b="0" lang="cs-CZ" sz="2800" spc="-1" strike="noStrike">
-                <a:solidFill>
-                  <a:srgbClr val="000000"/>
-                </a:solidFill>
-                <a:latin typeface="Courier New"/>
-                <a:ea typeface="DejaVu Sans"/>
-              </a:rPr>
               <a:t>)</a:t>
             </a:r>
-            <a:endParaRPr b="0" lang="cs-CZ" sz="2800" spc="-1" strike="noStrike">
+            <a:endParaRPr lang="cs-CZ" sz="2800" b="0" strike="noStrike" spc="-1">
               <a:latin typeface="Arial"/>
             </a:endParaRPr>
           </a:p>
@@ -6749,106 +7899,96 @@
               </a:lnSpc>
             </a:pPr>
             <a:r>
-              <a:rPr b="0" lang="cs-CZ" sz="2800" spc="-1" strike="noStrike">
+              <a:rPr lang="cs-CZ" sz="2800" b="0" strike="noStrike" spc="-1">
                 <a:solidFill>
                   <a:srgbClr val="000000"/>
                 </a:solidFill>
                 <a:latin typeface="Courier New"/>
                 <a:ea typeface="DejaVu Sans"/>
               </a:rPr>
-              <a:t>    </a:t>
-            </a:r>
-            <a:r>
-              <a:rPr b="0" lang="cs-CZ" sz="2800" spc="-1" strike="noStrike">
+              <a:t>    y </a:t>
+            </a:r>
+            <a:r>
+              <a:rPr lang="cs-CZ" sz="2800" b="0" strike="noStrike" spc="-1">
+                <a:solidFill>
+                  <a:srgbClr val="666666"/>
+                </a:solidFill>
+                <a:latin typeface="Courier New"/>
+                <a:ea typeface="DejaVu Sans"/>
+              </a:rPr>
+              <a:t>=</a:t>
+            </a:r>
+            <a:r>
+              <a:rPr lang="cs-CZ" sz="2800" b="0" strike="noStrike" spc="-1">
                 <a:solidFill>
                   <a:srgbClr val="000000"/>
                 </a:solidFill>
                 <a:latin typeface="Courier New"/>
                 <a:ea typeface="DejaVu Sans"/>
               </a:rPr>
-              <a:t>y </a:t>
-            </a:r>
-            <a:r>
-              <a:rPr b="0" lang="cs-CZ" sz="2800" spc="-1" strike="noStrike">
+              <a:t> random</a:t>
+            </a:r>
+            <a:r>
+              <a:rPr lang="cs-CZ" sz="2800" b="0" strike="noStrike" spc="-1">
                 <a:solidFill>
                   <a:srgbClr val="666666"/>
                 </a:solidFill>
                 <a:latin typeface="Courier New"/>
                 <a:ea typeface="DejaVu Sans"/>
               </a:rPr>
-              <a:t>=</a:t>
-            </a:r>
-            <a:r>
-              <a:rPr b="0" lang="cs-CZ" sz="2800" spc="-1" strike="noStrike">
+              <a:t>.</a:t>
+            </a:r>
+            <a:r>
+              <a:rPr lang="cs-CZ" sz="2800" b="0" strike="noStrike" spc="-1">
                 <a:solidFill>
                   <a:srgbClr val="000000"/>
                 </a:solidFill>
                 <a:latin typeface="Courier New"/>
                 <a:ea typeface="DejaVu Sans"/>
               </a:rPr>
-              <a:t> random</a:t>
-            </a:r>
-            <a:r>
-              <a:rPr b="0" lang="cs-CZ" sz="2800" spc="-1" strike="noStrike">
+              <a:t>randint(</a:t>
+            </a:r>
+            <a:r>
+              <a:rPr lang="cs-CZ" sz="2800" b="0" strike="noStrike" spc="-1">
                 <a:solidFill>
                   <a:srgbClr val="666666"/>
                 </a:solidFill>
                 <a:latin typeface="Courier New"/>
                 <a:ea typeface="DejaVu Sans"/>
               </a:rPr>
-              <a:t>.</a:t>
-            </a:r>
-            <a:r>
-              <a:rPr b="0" lang="cs-CZ" sz="2800" spc="-1" strike="noStrike">
+              <a:t>0</a:t>
+            </a:r>
+            <a:r>
+              <a:rPr lang="cs-CZ" sz="2800" b="0" strike="noStrike" spc="-1">
                 <a:solidFill>
                   <a:srgbClr val="000000"/>
                 </a:solidFill>
                 <a:latin typeface="Courier New"/>
                 <a:ea typeface="DejaVu Sans"/>
               </a:rPr>
-              <a:t>randint(</a:t>
-            </a:r>
-            <a:r>
-              <a:rPr b="0" lang="cs-CZ" sz="2800" spc="-1" strike="noStrike">
+              <a:t>, </a:t>
+            </a:r>
+            <a:r>
+              <a:rPr lang="cs-CZ" sz="2800" b="0" strike="noStrike" spc="-1">
                 <a:solidFill>
                   <a:srgbClr val="666666"/>
                 </a:solidFill>
                 <a:latin typeface="Courier New"/>
                 <a:ea typeface="DejaVu Sans"/>
               </a:rPr>
-              <a:t>0</a:t>
-            </a:r>
-            <a:r>
-              <a:rPr b="0" lang="cs-CZ" sz="2800" spc="-1" strike="noStrike">
+              <a:t>4</a:t>
+            </a:r>
+            <a:r>
+              <a:rPr lang="cs-CZ" sz="2800" b="0" strike="noStrike" spc="-1">
                 <a:solidFill>
                   <a:srgbClr val="000000"/>
                 </a:solidFill>
                 <a:latin typeface="Courier New"/>
                 <a:ea typeface="DejaVu Sans"/>
               </a:rPr>
-              <a:t>, </a:t>
-            </a:r>
-            <a:r>
-              <a:rPr b="0" lang="cs-CZ" sz="2800" spc="-1" strike="noStrike">
-                <a:solidFill>
-                  <a:srgbClr val="666666"/>
-                </a:solidFill>
-                <a:latin typeface="Courier New"/>
-                <a:ea typeface="DejaVu Sans"/>
-              </a:rPr>
-              <a:t>4</a:t>
-            </a:r>
-            <a:r>
-              <a:rPr b="0" lang="cs-CZ" sz="2800" spc="-1" strike="noStrike">
-                <a:solidFill>
-                  <a:srgbClr val="000000"/>
-                </a:solidFill>
-                <a:latin typeface="Courier New"/>
-                <a:ea typeface="DejaVu Sans"/>
-              </a:rPr>
               <a:t>)</a:t>
             </a:r>
-            <a:endParaRPr b="0" lang="cs-CZ" sz="2800" spc="-1" strike="noStrike">
+            <a:endParaRPr lang="cs-CZ" sz="2800" b="0" strike="noStrike" spc="-1">
               <a:latin typeface="Arial"/>
             </a:endParaRPr>
           </a:p>
@@ -6859,7 +7999,7 @@
               </a:lnSpc>
             </a:pPr>
             <a:r>
-              <a:rPr b="0" lang="cs-CZ" sz="2800" spc="-1" strike="noStrike">
+              <a:rPr lang="cs-CZ" sz="2800" b="0" strike="noStrike" spc="-1">
                 <a:solidFill>
                   <a:srgbClr val="000000"/>
                 </a:solidFill>
@@ -6869,7 +8009,7 @@
               <a:t>    </a:t>
             </a:r>
             <a:r>
-              <a:rPr b="0" lang="cs-CZ" sz="2800" spc="-1" strike="noStrike">
+              <a:rPr lang="cs-CZ" sz="2800" b="0" strike="noStrike" spc="-1">
                 <a:solidFill>
                   <a:srgbClr val="008000"/>
                 </a:solidFill>
@@ -6879,7 +8019,7 @@
               <a:t>if</a:t>
             </a:r>
             <a:r>
-              <a:rPr b="0" lang="cs-CZ" sz="2800" spc="-1" strike="noStrike">
+              <a:rPr lang="cs-CZ" sz="2800" b="0" strike="noStrike" spc="-1">
                 <a:solidFill>
                   <a:srgbClr val="000000"/>
                 </a:solidFill>
@@ -6889,7 +8029,7 @@
               <a:t> (display</a:t>
             </a:r>
             <a:r>
-              <a:rPr b="0" lang="cs-CZ" sz="2800" spc="-1" strike="noStrike">
+              <a:rPr lang="cs-CZ" sz="2800" b="0" strike="noStrike" spc="-1">
                 <a:solidFill>
                   <a:srgbClr val="666666"/>
                 </a:solidFill>
@@ -6899,7 +8039,7 @@
               <a:t>.</a:t>
             </a:r>
             <a:r>
-              <a:rPr b="0" lang="cs-CZ" sz="2800" spc="-1" strike="noStrike">
+              <a:rPr lang="cs-CZ" sz="2800" b="0" strike="noStrike" spc="-1">
                 <a:solidFill>
                   <a:srgbClr val="000000"/>
                 </a:solidFill>
@@ -6908,7 +8048,7 @@
               </a:rPr>
               <a:t>get_pixel(x, y)):</a:t>
             </a:r>
-            <a:endParaRPr b="0" lang="cs-CZ" sz="2800" spc="-1" strike="noStrike">
+            <a:endParaRPr lang="cs-CZ" sz="2800" b="0" strike="noStrike" spc="-1">
               <a:latin typeface="Arial"/>
             </a:endParaRPr>
           </a:p>
@@ -6919,66 +8059,56 @@
               </a:lnSpc>
             </a:pPr>
             <a:r>
-              <a:rPr b="0" lang="cs-CZ" sz="2800" spc="-1" strike="noStrike">
+              <a:rPr lang="cs-CZ" sz="2800" b="0" strike="noStrike" spc="-1">
                 <a:solidFill>
                   <a:srgbClr val="000000"/>
                 </a:solidFill>
                 <a:latin typeface="Courier New"/>
                 <a:ea typeface="DejaVu Sans"/>
               </a:rPr>
-              <a:t>        </a:t>
-            </a:r>
-            <a:r>
-              <a:rPr b="0" lang="cs-CZ" sz="2800" spc="-1" strike="noStrike">
+              <a:t>        display</a:t>
+            </a:r>
+            <a:r>
+              <a:rPr lang="cs-CZ" sz="2800" b="0" strike="noStrike" spc="-1">
+                <a:solidFill>
+                  <a:srgbClr val="666666"/>
+                </a:solidFill>
+                <a:latin typeface="Courier New"/>
+                <a:ea typeface="DejaVu Sans"/>
+              </a:rPr>
+              <a:t>.</a:t>
+            </a:r>
+            <a:r>
+              <a:rPr lang="cs-CZ" sz="2800" b="0" strike="noStrike" spc="-1">
                 <a:solidFill>
                   <a:srgbClr val="000000"/>
                 </a:solidFill>
                 <a:latin typeface="Courier New"/>
                 <a:ea typeface="DejaVu Sans"/>
               </a:rPr>
-              <a:t>display</a:t>
-            </a:r>
-            <a:r>
-              <a:rPr b="0" lang="cs-CZ" sz="2800" spc="-1" strike="noStrike">
+              <a:t>set_pixel(x, y, </a:t>
+            </a:r>
+            <a:r>
+              <a:rPr lang="cs-CZ" sz="2800" b="0" strike="noStrike" spc="-1">
                 <a:solidFill>
                   <a:srgbClr val="666666"/>
                 </a:solidFill>
                 <a:latin typeface="Courier New"/>
                 <a:ea typeface="DejaVu Sans"/>
               </a:rPr>
-              <a:t>.</a:t>
-            </a:r>
-            <a:r>
-              <a:rPr b="0" lang="cs-CZ" sz="2800" spc="-1" strike="noStrike">
+              <a:t>0</a:t>
+            </a:r>
+            <a:r>
+              <a:rPr lang="cs-CZ" sz="2800" b="0" strike="noStrike" spc="-1">
                 <a:solidFill>
                   <a:srgbClr val="000000"/>
                 </a:solidFill>
                 <a:latin typeface="Courier New"/>
                 <a:ea typeface="DejaVu Sans"/>
               </a:rPr>
-              <a:t>set_pixel(x, y, </a:t>
-            </a:r>
-            <a:r>
-              <a:rPr b="0" lang="cs-CZ" sz="2800" spc="-1" strike="noStrike">
-                <a:solidFill>
-                  <a:srgbClr val="666666"/>
-                </a:solidFill>
-                <a:latin typeface="Courier New"/>
-                <a:ea typeface="DejaVu Sans"/>
-              </a:rPr>
-              <a:t>0</a:t>
-            </a:r>
-            <a:r>
-              <a:rPr b="0" lang="cs-CZ" sz="2800" spc="-1" strike="noStrike">
-                <a:solidFill>
-                  <a:srgbClr val="000000"/>
-                </a:solidFill>
-                <a:latin typeface="Courier New"/>
-                <a:ea typeface="DejaVu Sans"/>
-              </a:rPr>
               <a:t>)</a:t>
             </a:r>
-            <a:endParaRPr b="0" lang="cs-CZ" sz="2800" spc="-1" strike="noStrike">
+            <a:endParaRPr lang="cs-CZ" sz="2800" b="0" strike="noStrike" spc="-1">
               <a:latin typeface="Arial"/>
             </a:endParaRPr>
           </a:p>
@@ -6989,7 +8119,7 @@
               </a:lnSpc>
             </a:pPr>
             <a:r>
-              <a:rPr b="0" lang="cs-CZ" sz="2800" spc="-1" strike="noStrike">
+              <a:rPr lang="cs-CZ" sz="2800" b="0" strike="noStrike" spc="-1">
                 <a:solidFill>
                   <a:srgbClr val="000000"/>
                 </a:solidFill>
@@ -6999,7 +8129,7 @@
               <a:t>    </a:t>
             </a:r>
             <a:r>
-              <a:rPr b="0" lang="cs-CZ" sz="2800" spc="-1" strike="noStrike">
+              <a:rPr lang="cs-CZ" sz="2800" b="0" strike="noStrike" spc="-1">
                 <a:solidFill>
                   <a:srgbClr val="008000"/>
                 </a:solidFill>
@@ -7009,7 +8139,7 @@
               <a:t>else</a:t>
             </a:r>
             <a:r>
-              <a:rPr b="0" lang="cs-CZ" sz="2800" spc="-1" strike="noStrike">
+              <a:rPr lang="cs-CZ" sz="2800" b="0" strike="noStrike" spc="-1">
                 <a:solidFill>
                   <a:srgbClr val="000000"/>
                 </a:solidFill>
@@ -7018,7 +8148,7 @@
               </a:rPr>
               <a:t>:</a:t>
             </a:r>
-            <a:endParaRPr b="0" lang="cs-CZ" sz="2800" spc="-1" strike="noStrike">
+            <a:endParaRPr lang="cs-CZ" sz="2800" b="0" strike="noStrike" spc="-1">
               <a:latin typeface="Arial"/>
             </a:endParaRPr>
           </a:p>
@@ -7029,66 +8159,56 @@
               </a:lnSpc>
             </a:pPr>
             <a:r>
-              <a:rPr b="0" lang="cs-CZ" sz="2800" spc="-1" strike="noStrike">
+              <a:rPr lang="cs-CZ" sz="2800" b="0" strike="noStrike" spc="-1">
                 <a:solidFill>
                   <a:srgbClr val="000000"/>
                 </a:solidFill>
                 <a:latin typeface="Courier New"/>
                 <a:ea typeface="DejaVu Sans"/>
               </a:rPr>
-              <a:t>        </a:t>
-            </a:r>
-            <a:r>
-              <a:rPr b="0" lang="cs-CZ" sz="2800" spc="-1" strike="noStrike">
+              <a:t>        display</a:t>
+            </a:r>
+            <a:r>
+              <a:rPr lang="cs-CZ" sz="2800" b="0" strike="noStrike" spc="-1">
+                <a:solidFill>
+                  <a:srgbClr val="666666"/>
+                </a:solidFill>
+                <a:latin typeface="Courier New"/>
+                <a:ea typeface="DejaVu Sans"/>
+              </a:rPr>
+              <a:t>.</a:t>
+            </a:r>
+            <a:r>
+              <a:rPr lang="cs-CZ" sz="2800" b="0" strike="noStrike" spc="-1">
                 <a:solidFill>
                   <a:srgbClr val="000000"/>
                 </a:solidFill>
                 <a:latin typeface="Courier New"/>
                 <a:ea typeface="DejaVu Sans"/>
               </a:rPr>
-              <a:t>display</a:t>
-            </a:r>
-            <a:r>
-              <a:rPr b="0" lang="cs-CZ" sz="2800" spc="-1" strike="noStrike">
+              <a:t>set_pixel(x, y, </a:t>
+            </a:r>
+            <a:r>
+              <a:rPr lang="cs-CZ" sz="2800" b="0" strike="noStrike" spc="-1">
                 <a:solidFill>
                   <a:srgbClr val="666666"/>
                 </a:solidFill>
                 <a:latin typeface="Courier New"/>
                 <a:ea typeface="DejaVu Sans"/>
               </a:rPr>
-              <a:t>.</a:t>
-            </a:r>
-            <a:r>
-              <a:rPr b="0" lang="cs-CZ" sz="2800" spc="-1" strike="noStrike">
+              <a:t>9</a:t>
+            </a:r>
+            <a:r>
+              <a:rPr lang="cs-CZ" sz="2800" b="0" strike="noStrike" spc="-1">
                 <a:solidFill>
                   <a:srgbClr val="000000"/>
                 </a:solidFill>
                 <a:latin typeface="Courier New"/>
                 <a:ea typeface="DejaVu Sans"/>
               </a:rPr>
-              <a:t>set_pixel(x, y, </a:t>
-            </a:r>
-            <a:r>
-              <a:rPr b="0" lang="cs-CZ" sz="2800" spc="-1" strike="noStrike">
-                <a:solidFill>
-                  <a:srgbClr val="666666"/>
-                </a:solidFill>
-                <a:latin typeface="Courier New"/>
-                <a:ea typeface="DejaVu Sans"/>
-              </a:rPr>
-              <a:t>9</a:t>
-            </a:r>
-            <a:r>
-              <a:rPr b="0" lang="cs-CZ" sz="2800" spc="-1" strike="noStrike">
-                <a:solidFill>
-                  <a:srgbClr val="000000"/>
-                </a:solidFill>
-                <a:latin typeface="Courier New"/>
-                <a:ea typeface="DejaVu Sans"/>
-              </a:rPr>
               <a:t>)</a:t>
             </a:r>
-            <a:endParaRPr b="0" lang="cs-CZ" sz="2800" spc="-1" strike="noStrike">
+            <a:endParaRPr lang="cs-CZ" sz="2800" b="0" strike="noStrike" spc="-1">
               <a:latin typeface="Arial"/>
             </a:endParaRPr>
           </a:p>
@@ -7099,46 +8219,36 @@
               </a:lnSpc>
             </a:pPr>
             <a:r>
-              <a:rPr b="0" lang="cs-CZ" sz="2800" spc="-1" strike="noStrike">
+              <a:rPr lang="cs-CZ" sz="2800" b="0" strike="noStrike" spc="-1">
                 <a:solidFill>
                   <a:srgbClr val="000000"/>
                 </a:solidFill>
                 <a:latin typeface="Courier New"/>
                 <a:ea typeface="DejaVu Sans"/>
               </a:rPr>
-              <a:t>    </a:t>
-            </a:r>
-            <a:r>
-              <a:rPr b="0" lang="cs-CZ" sz="2800" spc="-1" strike="noStrike">
+              <a:t>    sleep(</a:t>
+            </a:r>
+            <a:r>
+              <a:rPr lang="cs-CZ" sz="2800" b="0" strike="noStrike" spc="-1">
+                <a:solidFill>
+                  <a:srgbClr val="666666"/>
+                </a:solidFill>
+                <a:latin typeface="Courier New"/>
+                <a:ea typeface="DejaVu Sans"/>
+              </a:rPr>
+              <a:t>10</a:t>
+            </a:r>
+            <a:r>
+              <a:rPr lang="cs-CZ" sz="2800" b="0" strike="noStrike" spc="-1">
                 <a:solidFill>
                   <a:srgbClr val="000000"/>
                 </a:solidFill>
                 <a:latin typeface="Courier New"/>
                 <a:ea typeface="DejaVu Sans"/>
               </a:rPr>
-              <a:t>sleep(</a:t>
-            </a:r>
-            <a:r>
-              <a:rPr b="0" lang="cs-CZ" sz="2800" spc="-1" strike="noStrike">
-                <a:solidFill>
-                  <a:srgbClr val="666666"/>
-                </a:solidFill>
-                <a:latin typeface="Courier New"/>
-                <a:ea typeface="DejaVu Sans"/>
-              </a:rPr>
-              <a:t>10</a:t>
-            </a:r>
-            <a:r>
-              <a:rPr b="0" lang="cs-CZ" sz="2800" spc="-1" strike="noStrike">
-                <a:solidFill>
-                  <a:srgbClr val="000000"/>
-                </a:solidFill>
-                <a:latin typeface="Courier New"/>
-                <a:ea typeface="DejaVu Sans"/>
-              </a:rPr>
               <a:t>)</a:t>
             </a:r>
-            <a:endParaRPr b="0" lang="cs-CZ" sz="2800" spc="-1" strike="noStrike">
+            <a:endParaRPr lang="cs-CZ" sz="2800" b="0" strike="noStrike" spc="-1">
               <a:latin typeface="Arial"/>
             </a:endParaRPr>
           </a:p>
@@ -7146,22 +8256,25 @@
       </p:sp>
     </p:spTree>
   </p:cSld>
+  <p:clrMapOvr>
+    <a:masterClrMapping/>
+  </p:clrMapOvr>
   <p:timing>
     <p:tnLst>
       <p:par>
-        <p:cTn id="9" dur="indefinite" restart="never" nodeType="tmRoot">
+        <p:cTn id="1" dur="indefinite" restart="never" nodeType="tmRoot">
           <p:childTnLst>
             <p:seq>
-              <p:cTn id="10" dur="indefinite" nodeType="mainSeq"/>
+              <p:cTn id="2" dur="indefinite" nodeType="mainSeq"/>
               <p:prevCondLst>
-                <p:cond delay="0" evt="onPrev">
+                <p:cond evt="onPrev" delay="0">
                   <p:tgtEl>
                     <p:sldTgt/>
                   </p:tgtEl>
                 </p:cond>
               </p:prevCondLst>
               <p:nextCondLst>
-                <p:cond delay="0" evt="onNext">
+                <p:cond evt="onNext" delay="0">
                   <p:tgtEl>
                     <p:sldTgt/>
                   </p:tgtEl>
@@ -7187,31 +8300,31 @@
         <a:sysClr val="window" lastClr="FFFFFF"/>
       </a:lt1>
       <a:dk2>
-        <a:srgbClr val="1f497d"/>
+        <a:srgbClr val="1F497D"/>
       </a:dk2>
       <a:lt2>
-        <a:srgbClr val="eeece1"/>
+        <a:srgbClr val="EEECE1"/>
       </a:lt2>
       <a:accent1>
-        <a:srgbClr val="4f81bd"/>
+        <a:srgbClr val="4F81BD"/>
       </a:accent1>
       <a:accent2>
-        <a:srgbClr val="c0504d"/>
+        <a:srgbClr val="C0504D"/>
       </a:accent2>
       <a:accent3>
-        <a:srgbClr val="9bbb59"/>
+        <a:srgbClr val="9BBB59"/>
       </a:accent3>
       <a:accent4>
-        <a:srgbClr val="8064a2"/>
+        <a:srgbClr val="8064A2"/>
       </a:accent4>
       <a:accent5>
-        <a:srgbClr val="4bacc6"/>
+        <a:srgbClr val="4BACC6"/>
       </a:accent5>
       <a:accent6>
-        <a:srgbClr val="f79646"/>
+        <a:srgbClr val="F79646"/>
       </a:accent6>
       <a:hlink>
-        <a:srgbClr val="0000ff"/>
+        <a:srgbClr val="0000FF"/>
       </a:hlink>
       <a:folHlink>
         <a:srgbClr val="800080"/>
@@ -7396,6 +8509,8 @@
       </a:bgFillStyleLst>
     </a:fmtScheme>
   </a:themeElements>
+  <a:objectDefaults/>
+  <a:extraClrSchemeLst/>
 </a:theme>
 </file>
 
@@ -7410,31 +8525,31 @@
         <a:sysClr val="window" lastClr="FFFFFF"/>
       </a:lt1>
       <a:dk2>
-        <a:srgbClr val="1f497d"/>
+        <a:srgbClr val="1F497D"/>
       </a:dk2>
       <a:lt2>
-        <a:srgbClr val="eeece1"/>
+        <a:srgbClr val="EEECE1"/>
       </a:lt2>
       <a:accent1>
-        <a:srgbClr val="4f81bd"/>
+        <a:srgbClr val="4F81BD"/>
       </a:accent1>
       <a:accent2>
-        <a:srgbClr val="c0504d"/>
+        <a:srgbClr val="C0504D"/>
       </a:accent2>
       <a:accent3>
-        <a:srgbClr val="9bbb59"/>
+        <a:srgbClr val="9BBB59"/>
       </a:accent3>
       <a:accent4>
-        <a:srgbClr val="8064a2"/>
+        <a:srgbClr val="8064A2"/>
       </a:accent4>
       <a:accent5>
-        <a:srgbClr val="4bacc6"/>
+        <a:srgbClr val="4BACC6"/>
       </a:accent5>
       <a:accent6>
-        <a:srgbClr val="f79646"/>
+        <a:srgbClr val="F79646"/>
       </a:accent6>
       <a:hlink>
-        <a:srgbClr val="0000ff"/>
+        <a:srgbClr val="0000FF"/>
       </a:hlink>
       <a:folHlink>
         <a:srgbClr val="800080"/>
@@ -7619,6 +8734,8 @@
       </a:bgFillStyleLst>
     </a:fmtScheme>
   </a:themeElements>
+  <a:objectDefaults/>
+  <a:extraClrSchemeLst/>
 </a:theme>
 </file>
 
@@ -7633,31 +8750,31 @@
         <a:sysClr val="window" lastClr="FFFFFF"/>
       </a:lt1>
       <a:dk2>
-        <a:srgbClr val="1f497d"/>
+        <a:srgbClr val="1F497D"/>
       </a:dk2>
       <a:lt2>
-        <a:srgbClr val="eeece1"/>
+        <a:srgbClr val="EEECE1"/>
       </a:lt2>
       <a:accent1>
-        <a:srgbClr val="4f81bd"/>
+        <a:srgbClr val="4F81BD"/>
       </a:accent1>
       <a:accent2>
-        <a:srgbClr val="c0504d"/>
+        <a:srgbClr val="C0504D"/>
       </a:accent2>
       <a:accent3>
-        <a:srgbClr val="9bbb59"/>
+        <a:srgbClr val="9BBB59"/>
       </a:accent3>
       <a:accent4>
-        <a:srgbClr val="8064a2"/>
+        <a:srgbClr val="8064A2"/>
       </a:accent4>
       <a:accent5>
-        <a:srgbClr val="4bacc6"/>
+        <a:srgbClr val="4BACC6"/>
       </a:accent5>
       <a:accent6>
-        <a:srgbClr val="f79646"/>
+        <a:srgbClr val="F79646"/>
       </a:accent6>
       <a:hlink>
-        <a:srgbClr val="0000ff"/>
+        <a:srgbClr val="0000FF"/>
       </a:hlink>
       <a:folHlink>
         <a:srgbClr val="800080"/>
@@ -7842,5 +8959,7 @@
       </a:bgFillStyleLst>
     </a:fmtScheme>
   </a:themeElements>
+  <a:objectDefaults/>
+  <a:extraClrSchemeLst/>
 </a:theme>
 </file>